--- a/First_PRE.pptx
+++ b/First_PRE.pptx
@@ -18,18 +18,19 @@
     <p:sldId id="259" r:id="rId11"/>
     <p:sldId id="274" r:id="rId12"/>
     <p:sldId id="275" r:id="rId13"/>
-    <p:sldId id="273" r:id="rId14"/>
+    <p:sldId id="286" r:id="rId14"/>
+    <p:sldId id="273" r:id="rId15"/>
   </p:sldIdLst>
   <p:sldSz cx="9144000" cy="6858000"/>
   <p:notesSz cx="6858000" cy="9144000"/>
   <p:embeddedFontLst>
     <p:embeddedFont>
       <p:font typeface="Montserrat"/>
-      <p:regular r:id="rId18"/>
+      <p:regular r:id="rId19"/>
     </p:embeddedFont>
     <p:embeddedFont>
       <p:font typeface="Lato"/>
-      <p:regular r:id="rId19"/>
+      <p:regular r:id="rId20"/>
     </p:embeddedFont>
   </p:embeddedFontLst>
   <p:defaultTextStyle>
@@ -269,7 +270,7 @@
             <a:srgbClr val="A4A3A4"/>
           </p15:clr>
         </p15:guide>
-        <p15:guide id="2" pos="2880" userDrawn="1">
+        <p15:guide id="2" pos="2919" userDrawn="1">
           <p15:clr>
             <a:srgbClr val="A4A3A4"/>
           </p15:clr>
@@ -914,6 +915,105 @@
 </file>
 
 <file path=ppt/notesSlides/notesSlide11.xml><?xml version="1.0" encoding="utf-8"?>
+<p:notes xmlns:a="http://schemas.openxmlformats.org/drawingml/2006/main" xmlns:r="http://schemas.openxmlformats.org/officeDocument/2006/relationships" xmlns:p="http://schemas.openxmlformats.org/presentationml/2006/main" showMasterPhAnim="0" showMasterSp="0">
+  <p:cSld>
+    <p:spTree>
+      <p:nvGrpSpPr>
+        <p:cNvPr id="154" name="Shape 154"/>
+        <p:cNvGrpSpPr/>
+        <p:nvPr/>
+      </p:nvGrpSpPr>
+      <p:grpSpPr>
+        <a:xfrm>
+          <a:off x="0" y="0"/>
+          <a:ext cx="0" cy="0"/>
+          <a:chOff x="0" y="0"/>
+          <a:chExt cx="0" cy="0"/>
+        </a:xfrm>
+      </p:grpSpPr>
+      <p:sp>
+        <p:nvSpPr>
+          <p:cNvPr id="155" name="Google Shape;155;p4:notes"/>
+          <p:cNvSpPr txBox="1"/>
+          <p:nvPr>
+            <p:ph type="body" idx="1"/>
+          </p:nvPr>
+        </p:nvSpPr>
+        <p:spPr>
+          <a:xfrm>
+            <a:off x="685800" y="4343400"/>
+            <a:ext cx="5486400" cy="4114800"/>
+          </a:xfrm>
+          <a:prstGeom prst="rect">
+            <a:avLst/>
+          </a:prstGeom>
+        </p:spPr>
+        <p:txBody>
+          <a:bodyPr spcFirstLastPara="1" wrap="square" lIns="91425" tIns="91425" rIns="91425" bIns="91425" anchor="t" anchorCtr="0">
+            <a:noAutofit/>
+          </a:bodyPr>
+          <a:lstStyle/>
+          <a:p>
+            <a:pPr marL="0" lvl="0" indent="0" algn="l" rtl="0">
+              <a:spcBef>
+                <a:spcPts val="0"/>
+              </a:spcBef>
+              <a:spcAft>
+                <a:spcPts val="0"/>
+              </a:spcAft>
+              <a:buNone/>
+            </a:pPr>
+          </a:p>
+        </p:txBody>
+      </p:sp>
+      <p:sp>
+        <p:nvSpPr>
+          <p:cNvPr id="156" name="Google Shape;156;p4:notes"/>
+          <p:cNvSpPr/>
+          <p:nvPr>
+            <p:ph type="sldImg" idx="2"/>
+          </p:nvPr>
+        </p:nvSpPr>
+        <p:spPr>
+          <a:xfrm>
+            <a:off x="1143225" y="685800"/>
+            <a:ext cx="4572225" cy="3429000"/>
+          </a:xfrm>
+          <a:custGeom>
+            <a:avLst/>
+            <a:gdLst/>
+            <a:ahLst/>
+            <a:cxnLst/>
+            <a:rect l="l" t="t" r="r" b="b"/>
+            <a:pathLst>
+              <a:path w="120000" h="120000" extrusionOk="0">
+                <a:moveTo>
+                  <a:pt x="0" y="0"/>
+                </a:moveTo>
+                <a:lnTo>
+                  <a:pt x="120000" y="0"/>
+                </a:lnTo>
+                <a:lnTo>
+                  <a:pt x="120000" y="120000"/>
+                </a:lnTo>
+                <a:lnTo>
+                  <a:pt x="0" y="120000"/>
+                </a:lnTo>
+                <a:close/>
+              </a:path>
+            </a:pathLst>
+          </a:custGeom>
+        </p:spPr>
+      </p:sp>
+    </p:spTree>
+  </p:cSld>
+  <p:clrMapOvr>
+    <a:masterClrMapping/>
+  </p:clrMapOvr>
+</p:notes>
+</file>
+
+<file path=ppt/notesSlides/notesSlide12.xml><?xml version="1.0" encoding="utf-8"?>
 <p:notes xmlns:a="http://schemas.openxmlformats.org/drawingml/2006/main" xmlns:r="http://schemas.openxmlformats.org/officeDocument/2006/relationships" xmlns:p="http://schemas.openxmlformats.org/presentationml/2006/main" showMasterPhAnim="0" showMasterSp="0">
   <p:cSld>
     <p:spTree>
@@ -10520,7 +10620,7 @@
       </p:sp>
       <p:sp>
         <p:nvSpPr>
-          <p:cNvPr id="1" name="Slide Number Placeholder 0"/>
+          <p:cNvPr id="2" name="Slide Number Placeholder 1"/>
           <p:cNvSpPr>
             <a:spLocks noGrp="1"/>
           </p:cNvSpPr>
@@ -10783,7 +10883,7 @@
       </p:sp>
       <p:sp>
         <p:nvSpPr>
-          <p:cNvPr id="1" name="Slide Number Placeholder 0"/>
+          <p:cNvPr id="2" name="Slide Number Placeholder 1"/>
           <p:cNvSpPr>
             <a:spLocks noGrp="1"/>
           </p:cNvSpPr>
@@ -10907,6 +11007,293 @@
   <p:cSld>
     <p:spTree>
       <p:nvGrpSpPr>
+        <p:cNvPr id="157" name="Shape 157"/>
+        <p:cNvGrpSpPr/>
+        <p:nvPr/>
+      </p:nvGrpSpPr>
+      <p:grpSpPr>
+        <a:xfrm>
+          <a:off x="0" y="0"/>
+          <a:ext cx="0" cy="0"/>
+          <a:chOff x="0" y="0"/>
+          <a:chExt cx="0" cy="0"/>
+        </a:xfrm>
+      </p:grpSpPr>
+      <p:sp>
+        <p:nvSpPr>
+          <p:cNvPr id="158" name="Google Shape;158;p17"/>
+          <p:cNvSpPr txBox="1"/>
+          <p:nvPr>
+            <p:ph type="title"/>
+          </p:nvPr>
+        </p:nvSpPr>
+        <p:spPr>
+          <a:xfrm>
+            <a:off x="457200" y="274638"/>
+            <a:ext cx="8229600" cy="1143000"/>
+          </a:xfrm>
+          <a:prstGeom prst="rect">
+            <a:avLst/>
+          </a:prstGeom>
+          <a:noFill/>
+          <a:ln>
+            <a:noFill/>
+          </a:ln>
+        </p:spPr>
+        <p:txBody>
+          <a:bodyPr spcFirstLastPara="1" wrap="square" lIns="91425" tIns="45700" rIns="91425" bIns="45700" anchor="ctr" anchorCtr="0">
+            <a:normAutofit/>
+          </a:bodyPr>
+          <a:lstStyle/>
+          <a:p>
+            <a:pPr marL="0" lvl="0" indent="0" algn="ctr" rtl="0">
+              <a:spcBef>
+                <a:spcPts val="0"/>
+              </a:spcBef>
+              <a:spcAft>
+                <a:spcPts val="0"/>
+              </a:spcAft>
+              <a:buClr>
+                <a:schemeClr val="dk1"/>
+              </a:buClr>
+              <a:buSzPct val="100000"/>
+              <a:buFont typeface="Calibri"/>
+              <a:buNone/>
+            </a:pPr>
+            <a:r>
+              <a:rPr lang="en-US" sz="4400" b="1">
+                <a:latin typeface="Calibri"/>
+                <a:ea typeface="Calibri"/>
+                <a:cs typeface="Calibri"/>
+                <a:sym typeface="Calibri"/>
+              </a:rPr>
+              <a:t>Data </a:t>
+            </a:r>
+            <a:r>
+              <a:rPr lang="en-US" sz="4400" b="1">
+                <a:latin typeface="Calibri"/>
+                <a:ea typeface="Calibri"/>
+                <a:cs typeface="Calibri"/>
+                <a:sym typeface="Calibri"/>
+              </a:rPr>
+              <a:t>Source </a:t>
+            </a:r>
+            <a:endParaRPr lang="en-US" sz="4400" b="1">
+              <a:latin typeface="Calibri"/>
+              <a:ea typeface="Calibri"/>
+              <a:cs typeface="Calibri"/>
+              <a:sym typeface="Calibri"/>
+            </a:endParaRPr>
+          </a:p>
+        </p:txBody>
+      </p:sp>
+      <p:sp>
+        <p:nvSpPr>
+          <p:cNvPr id="159" name="Google Shape;159;p17"/>
+          <p:cNvSpPr txBox="1"/>
+          <p:nvPr>
+            <p:ph type="body" idx="1"/>
+          </p:nvPr>
+        </p:nvSpPr>
+        <p:spPr>
+          <a:xfrm>
+            <a:off x="457200" y="1600200"/>
+            <a:ext cx="8353425" cy="1517650"/>
+          </a:xfrm>
+          <a:prstGeom prst="rect">
+            <a:avLst/>
+          </a:prstGeom>
+          <a:noFill/>
+          <a:ln>
+            <a:noFill/>
+          </a:ln>
+        </p:spPr>
+        <p:txBody>
+          <a:bodyPr spcFirstLastPara="1" wrap="square" lIns="91425" tIns="45700" rIns="91425" bIns="45700" anchor="t" anchorCtr="0">
+            <a:noAutofit/>
+          </a:bodyPr>
+          <a:lstStyle/>
+          <a:p>
+            <a:pPr marL="342900" lvl="0" indent="-139700" algn="l" rtl="0">
+              <a:lnSpc>
+                <a:spcPct val="150000"/>
+              </a:lnSpc>
+              <a:spcBef>
+                <a:spcPts val="0"/>
+              </a:spcBef>
+              <a:spcAft>
+                <a:spcPts val="0"/>
+              </a:spcAft>
+              <a:buClr>
+                <a:schemeClr val="dk1"/>
+              </a:buClr>
+              <a:buSzPts val="3200"/>
+              <a:buNone/>
+            </a:pPr>
+            <a:endParaRPr sz="1000"/>
+          </a:p>
+          <a:p>
+            <a:pPr lvl="0" indent="-457200" algn="l" rtl="0">
+              <a:lnSpc>
+                <a:spcPct val="150000"/>
+              </a:lnSpc>
+              <a:spcBef>
+                <a:spcPts val="640"/>
+              </a:spcBef>
+              <a:spcAft>
+                <a:spcPts val="0"/>
+              </a:spcAft>
+              <a:buClr>
+                <a:schemeClr val="lt1"/>
+              </a:buClr>
+              <a:buSzPts val="3200"/>
+              <a:buFont typeface="Arial" panose="020B0604020202090204" pitchFamily="34" charset="0"/>
+              <a:buChar char="•"/>
+            </a:pPr>
+            <a:r>
+              <a:rPr lang="en-US" sz="2400">
+                <a:latin typeface="Calibri"/>
+                <a:ea typeface="Calibri"/>
+                <a:cs typeface="Calibri"/>
+                <a:sym typeface="Calibri"/>
+              </a:rPr>
+              <a:t>All data was sourced from the BU event website.</a:t>
+            </a:r>
+            <a:endParaRPr lang="en-US" sz="2400">
+              <a:latin typeface="Calibri"/>
+              <a:ea typeface="Calibri"/>
+              <a:cs typeface="Calibri"/>
+              <a:sym typeface="Calibri"/>
+            </a:endParaRPr>
+          </a:p>
+        </p:txBody>
+      </p:sp>
+      <p:sp>
+        <p:nvSpPr>
+          <p:cNvPr id="2" name="Slide Number Placeholder 1"/>
+          <p:cNvSpPr>
+            <a:spLocks noGrp="1"/>
+          </p:cNvSpPr>
+          <p:nvPr>
+            <p:ph type="sldNum" idx="12"/>
+          </p:nvPr>
+        </p:nvSpPr>
+        <p:spPr/>
+        <p:txBody>
+          <a:bodyPr/>
+          <a:p>
+            <a:pPr marL="0" lvl="0" indent="0" algn="r" rtl="0">
+              <a:spcBef>
+                <a:spcPts val="0"/>
+              </a:spcBef>
+              <a:spcAft>
+                <a:spcPts val="0"/>
+              </a:spcAft>
+              <a:buNone/>
+            </a:pPr>
+            <a:fld id="{00000000-1234-1234-1234-123412341234}" type="slidenum">
+              <a:rPr lang="en-US"/>
+            </a:fld>
+            <a:endParaRPr lang="en-US"/>
+          </a:p>
+        </p:txBody>
+      </p:sp>
+    </p:spTree>
+  </p:cSld>
+  <p:clrMapOvr>
+    <a:masterClrMapping/>
+  </p:clrMapOvr>
+  <p:timing>
+    <p:tnLst>
+      <p:par>
+        <p:cTn id="1" dur="indefinite" restart="never" nodeType="tmRoot">
+          <p:childTnLst>
+            <p:seq concurrent="1" nextAc="seek">
+              <p:cTn id="2" dur="indefinite" nodeType="mainSeq">
+                <p:childTnLst>
+                  <p:par>
+                    <p:cTn id="3" fill="hold">
+                      <p:stCondLst>
+                        <p:cond delay="indefinite"/>
+                      </p:stCondLst>
+                      <p:childTnLst>
+                        <p:par>
+                          <p:cTn id="4" fill="hold">
+                            <p:stCondLst>
+                              <p:cond delay="0"/>
+                            </p:stCondLst>
+                            <p:childTnLst>
+                              <p:par>
+                                <p:cTn id="5" presetID="10" presetClass="entr" presetSubtype="0" fill="hold" nodeType="clickEffect">
+                                  <p:stCondLst>
+                                    <p:cond delay="0"/>
+                                  </p:stCondLst>
+                                  <p:childTnLst>
+                                    <p:set>
+                                      <p:cBhvr>
+                                        <p:cTn id="6" dur="1" fill="hold">
+                                          <p:stCondLst>
+                                            <p:cond delay="0"/>
+                                          </p:stCondLst>
+                                        </p:cTn>
+                                        <p:tgtEl>
+                                          <p:spTgt spid="159"/>
+                                        </p:tgtEl>
+                                        <p:attrNameLst>
+                                          <p:attrName>style.visibility</p:attrName>
+                                        </p:attrNameLst>
+                                      </p:cBhvr>
+                                      <p:to>
+                                        <p:strVal val="visible"/>
+                                      </p:to>
+                                    </p:set>
+                                    <p:animEffect transition="in" filter="fade">
+                                      <p:cBhvr>
+                                        <p:cTn id="7" dur="100"/>
+                                        <p:tgtEl>
+                                          <p:spTgt spid="159"/>
+                                        </p:tgtEl>
+                                      </p:cBhvr>
+                                    </p:animEffect>
+                                  </p:childTnLst>
+                                </p:cTn>
+                              </p:par>
+                            </p:childTnLst>
+                          </p:cTn>
+                        </p:par>
+                      </p:childTnLst>
+                    </p:cTn>
+                  </p:par>
+                </p:childTnLst>
+              </p:cTn>
+              <p:prevCondLst>
+                <p:cond evt="onPrev">
+                  <p:tgtEl>
+                    <p:sldTgt/>
+                  </p:tgtEl>
+                </p:cond>
+              </p:prevCondLst>
+              <p:nextCondLst>
+                <p:cond evt="onNext">
+                  <p:tgtEl>
+                    <p:sldTgt/>
+                  </p:tgtEl>
+                </p:cond>
+              </p:nextCondLst>
+            </p:seq>
+          </p:childTnLst>
+        </p:cTn>
+      </p:par>
+    </p:tnLst>
+  </p:timing>
+</p:sld>
+</file>
+
+<file path=ppt/slides/slide12.xml><?xml version="1.0" encoding="utf-8"?>
+<p:sld xmlns:a="http://schemas.openxmlformats.org/drawingml/2006/main" xmlns:r="http://schemas.openxmlformats.org/officeDocument/2006/relationships" xmlns:p="http://schemas.openxmlformats.org/presentationml/2006/main">
+  <p:cSld>
+    <p:spTree>
+      <p:nvGrpSpPr>
         <p:cNvPr id="257" name="Shape 257"/>
         <p:cNvGrpSpPr/>
         <p:nvPr/>
@@ -10981,7 +11368,7 @@
       </p:sp>
       <p:sp>
         <p:nvSpPr>
-          <p:cNvPr id="1" name="Slide Number Placeholder 0"/>
+          <p:cNvPr id="2" name="Slide Number Placeholder 1"/>
           <p:cNvSpPr>
             <a:spLocks noGrp="1"/>
           </p:cNvSpPr>
@@ -11208,7 +11595,7 @@
       </p:sp>
       <p:sp>
         <p:nvSpPr>
-          <p:cNvPr id="1" name="Slide Number Placeholder 0"/>
+          <p:cNvPr id="2" name="Slide Number Placeholder 1"/>
           <p:cNvSpPr>
             <a:spLocks noGrp="1"/>
           </p:cNvSpPr>
@@ -12456,7 +12843,7 @@
       </p:pic>
       <p:sp>
         <p:nvSpPr>
-          <p:cNvPr id="1" name="Slide Number Placeholder 0"/>
+          <p:cNvPr id="2" name="Slide Number Placeholder 1"/>
           <p:cNvSpPr>
             <a:spLocks noGrp="1"/>
           </p:cNvSpPr>
@@ -12742,7 +13129,7 @@
       </p:pic>
       <p:sp>
         <p:nvSpPr>
-          <p:cNvPr id="1" name="Slide Number Placeholder 0"/>
+          <p:cNvPr id="2" name="Slide Number Placeholder 1"/>
           <p:cNvSpPr>
             <a:spLocks noGrp="1"/>
           </p:cNvSpPr>
@@ -13012,7 +13399,7 @@
       </p:sp>
       <p:sp>
         <p:nvSpPr>
-          <p:cNvPr id="1" name="Slide Number Placeholder 0"/>
+          <p:cNvPr id="2" name="Slide Number Placeholder 1"/>
           <p:cNvSpPr>
             <a:spLocks noGrp="1"/>
           </p:cNvSpPr>
@@ -13426,7 +13813,7 @@
       </p:sp>
       <p:sp>
         <p:nvSpPr>
-          <p:cNvPr id="1" name="Slide Number Placeholder 0"/>
+          <p:cNvPr id="2" name="Slide Number Placeholder 1"/>
           <p:cNvSpPr>
             <a:spLocks noGrp="1"/>
           </p:cNvSpPr>

--- a/First_PRE.pptx
+++ b/First_PRE.pptx
@@ -11,26 +11,27 @@
     <p:sldId id="256" r:id="rId3"/>
     <p:sldId id="257" r:id="rId5"/>
     <p:sldId id="258" r:id="rId6"/>
-    <p:sldId id="278" r:id="rId7"/>
-    <p:sldId id="279" r:id="rId8"/>
-    <p:sldId id="280" r:id="rId9"/>
-    <p:sldId id="281" r:id="rId10"/>
-    <p:sldId id="259" r:id="rId11"/>
+    <p:sldId id="259" r:id="rId7"/>
+    <p:sldId id="278" r:id="rId8"/>
+    <p:sldId id="279" r:id="rId9"/>
+    <p:sldId id="280" r:id="rId10"/>
+    <p:sldId id="281" r:id="rId11"/>
     <p:sldId id="274" r:id="rId12"/>
     <p:sldId id="275" r:id="rId13"/>
     <p:sldId id="286" r:id="rId14"/>
-    <p:sldId id="273" r:id="rId15"/>
+    <p:sldId id="287" r:id="rId15"/>
+    <p:sldId id="273" r:id="rId16"/>
   </p:sldIdLst>
   <p:sldSz cx="9144000" cy="6858000"/>
   <p:notesSz cx="6858000" cy="9144000"/>
   <p:embeddedFontLst>
     <p:embeddedFont>
       <p:font typeface="Montserrat"/>
-      <p:regular r:id="rId19"/>
+      <p:regular r:id="rId20"/>
     </p:embeddedFont>
     <p:embeddedFont>
       <p:font typeface="Lato"/>
-      <p:regular r:id="rId20"/>
+      <p:regular r:id="rId21"/>
     </p:embeddedFont>
   </p:embeddedFontLst>
   <p:defaultTextStyle>
@@ -1018,6 +1019,105 @@
   <p:cSld>
     <p:spTree>
       <p:nvGrpSpPr>
+        <p:cNvPr id="154" name="Shape 154"/>
+        <p:cNvGrpSpPr/>
+        <p:nvPr/>
+      </p:nvGrpSpPr>
+      <p:grpSpPr>
+        <a:xfrm>
+          <a:off x="0" y="0"/>
+          <a:ext cx="0" cy="0"/>
+          <a:chOff x="0" y="0"/>
+          <a:chExt cx="0" cy="0"/>
+        </a:xfrm>
+      </p:grpSpPr>
+      <p:sp>
+        <p:nvSpPr>
+          <p:cNvPr id="155" name="Google Shape;155;p4:notes"/>
+          <p:cNvSpPr txBox="1"/>
+          <p:nvPr>
+            <p:ph type="body" idx="1"/>
+          </p:nvPr>
+        </p:nvSpPr>
+        <p:spPr>
+          <a:xfrm>
+            <a:off x="685800" y="4343400"/>
+            <a:ext cx="5486400" cy="4114800"/>
+          </a:xfrm>
+          <a:prstGeom prst="rect">
+            <a:avLst/>
+          </a:prstGeom>
+        </p:spPr>
+        <p:txBody>
+          <a:bodyPr spcFirstLastPara="1" wrap="square" lIns="91425" tIns="91425" rIns="91425" bIns="91425" anchor="t" anchorCtr="0">
+            <a:noAutofit/>
+          </a:bodyPr>
+          <a:lstStyle/>
+          <a:p>
+            <a:pPr marL="0" lvl="0" indent="0" algn="l" rtl="0">
+              <a:spcBef>
+                <a:spcPts val="0"/>
+              </a:spcBef>
+              <a:spcAft>
+                <a:spcPts val="0"/>
+              </a:spcAft>
+              <a:buNone/>
+            </a:pPr>
+          </a:p>
+        </p:txBody>
+      </p:sp>
+      <p:sp>
+        <p:nvSpPr>
+          <p:cNvPr id="156" name="Google Shape;156;p4:notes"/>
+          <p:cNvSpPr/>
+          <p:nvPr>
+            <p:ph type="sldImg" idx="2"/>
+          </p:nvPr>
+        </p:nvSpPr>
+        <p:spPr>
+          <a:xfrm>
+            <a:off x="1143225" y="685800"/>
+            <a:ext cx="4572225" cy="3429000"/>
+          </a:xfrm>
+          <a:custGeom>
+            <a:avLst/>
+            <a:gdLst/>
+            <a:ahLst/>
+            <a:cxnLst/>
+            <a:rect l="l" t="t" r="r" b="b"/>
+            <a:pathLst>
+              <a:path w="120000" h="120000" extrusionOk="0">
+                <a:moveTo>
+                  <a:pt x="0" y="0"/>
+                </a:moveTo>
+                <a:lnTo>
+                  <a:pt x="120000" y="0"/>
+                </a:lnTo>
+                <a:lnTo>
+                  <a:pt x="120000" y="120000"/>
+                </a:lnTo>
+                <a:lnTo>
+                  <a:pt x="0" y="120000"/>
+                </a:lnTo>
+                <a:close/>
+              </a:path>
+            </a:pathLst>
+          </a:custGeom>
+        </p:spPr>
+      </p:sp>
+    </p:spTree>
+  </p:cSld>
+  <p:clrMapOvr>
+    <a:masterClrMapping/>
+  </p:clrMapOvr>
+</p:notes>
+</file>
+
+<file path=ppt/notesSlides/notesSlide13.xml><?xml version="1.0" encoding="utf-8"?>
+<p:notes xmlns:a="http://schemas.openxmlformats.org/drawingml/2006/main" xmlns:r="http://schemas.openxmlformats.org/officeDocument/2006/relationships" xmlns:p="http://schemas.openxmlformats.org/presentationml/2006/main" showMasterPhAnim="0" showMasterSp="0">
+  <p:cSld>
+    <p:spTree>
+      <p:nvGrpSpPr>
         <p:cNvPr id="254" name="Shape 254"/>
         <p:cNvGrpSpPr/>
         <p:nvPr/>
@@ -1315,7 +1415,7 @@
   <p:cSld>
     <p:spTree>
       <p:nvGrpSpPr>
-        <p:cNvPr id="148" name="Shape 148"/>
+        <p:cNvPr id="154" name="Shape 154"/>
         <p:cNvGrpSpPr/>
         <p:nvPr/>
       </p:nvGrpSpPr>
@@ -1329,7 +1429,7 @@
       </p:grpSpPr>
       <p:sp>
         <p:nvSpPr>
-          <p:cNvPr id="149" name="Google Shape;149;p3:notes"/>
+          <p:cNvPr id="155" name="Google Shape;155;p4:notes"/>
           <p:cNvSpPr txBox="1"/>
           <p:nvPr>
             <p:ph type="body" idx="1"/>
@@ -1364,7 +1464,7 @@
       </p:sp>
       <p:sp>
         <p:nvSpPr>
-          <p:cNvPr id="150" name="Google Shape;150;p3:notes"/>
+          <p:cNvPr id="156" name="Google Shape;156;p4:notes"/>
           <p:cNvSpPr/>
           <p:nvPr>
             <p:ph type="sldImg" idx="2"/>
@@ -1459,7 +1559,21 @@
               <a:buNone/>
             </a:pPr>
             <a:r>
-              <a:t>The recommendation method won’t be too complex; our initial idea is to recommend events with the highest attendance.</a:t>
+              <a:t>Mockups and UI Design</a:t>
+            </a:r>
+          </a:p>
+          <a:p>
+            <a:pPr marL="0" lvl="0" indent="0" algn="l" rtl="0">
+              <a:spcBef>
+                <a:spcPts val="0"/>
+              </a:spcBef>
+              <a:spcAft>
+                <a:spcPts val="0"/>
+              </a:spcAft>
+              <a:buNone/>
+            </a:pPr>
+            <a:r>
+              <a:t>Design Tool: Figma</a:t>
             </a:r>
           </a:p>
         </p:txBody>
@@ -1560,6 +1674,9 @@
               </a:spcAft>
               <a:buNone/>
             </a:pPr>
+            <a:r>
+              <a:t>The recommendation method won’t be too complex; our initial idea is to recommend events with the highest attendance.</a:t>
+            </a:r>
           </a:p>
         </p:txBody>
       </p:sp>
@@ -1714,7 +1831,7 @@
   <p:cSld>
     <p:spTree>
       <p:nvGrpSpPr>
-        <p:cNvPr id="154" name="Shape 154"/>
+        <p:cNvPr id="148" name="Shape 148"/>
         <p:cNvGrpSpPr/>
         <p:nvPr/>
       </p:nvGrpSpPr>
@@ -1728,7 +1845,7 @@
       </p:grpSpPr>
       <p:sp>
         <p:nvSpPr>
-          <p:cNvPr id="155" name="Google Shape;155;p4:notes"/>
+          <p:cNvPr id="149" name="Google Shape;149;p3:notes"/>
           <p:cNvSpPr txBox="1"/>
           <p:nvPr>
             <p:ph type="body" idx="1"/>
@@ -1763,7 +1880,7 @@
       </p:sp>
       <p:sp>
         <p:nvSpPr>
-          <p:cNvPr id="156" name="Google Shape;156;p4:notes"/>
+          <p:cNvPr id="150" name="Google Shape;150;p3:notes"/>
           <p:cNvSpPr/>
           <p:nvPr>
             <p:ph type="sldImg" idx="2"/>
@@ -10721,7 +10838,7 @@
                 <a:cs typeface="Calibri"/>
                 <a:sym typeface="Calibri"/>
               </a:rPr>
-              <a:t>APIs and Data Sources</a:t>
+              <a:t>APIs</a:t>
             </a:r>
             <a:endParaRPr lang="en-US" sz="4400" b="1">
               <a:latin typeface="Calibri"/>
@@ -10742,8 +10859,8 @@
         </p:nvSpPr>
         <p:spPr>
           <a:xfrm>
-            <a:off x="457200" y="1600200"/>
-            <a:ext cx="8353425" cy="4526280"/>
+            <a:off x="457200" y="1316990"/>
+            <a:ext cx="8353425" cy="4809490"/>
           </a:xfrm>
           <a:prstGeom prst="rect">
             <a:avLst/>
@@ -11294,6 +11411,284 @@
   <p:cSld>
     <p:spTree>
       <p:nvGrpSpPr>
+        <p:cNvPr id="157" name="Shape 157"/>
+        <p:cNvGrpSpPr/>
+        <p:nvPr/>
+      </p:nvGrpSpPr>
+      <p:grpSpPr>
+        <a:xfrm>
+          <a:off x="0" y="0"/>
+          <a:ext cx="0" cy="0"/>
+          <a:chOff x="0" y="0"/>
+          <a:chExt cx="0" cy="0"/>
+        </a:xfrm>
+      </p:grpSpPr>
+      <p:sp>
+        <p:nvSpPr>
+          <p:cNvPr id="158" name="Google Shape;158;p17"/>
+          <p:cNvSpPr txBox="1"/>
+          <p:nvPr>
+            <p:ph type="title"/>
+          </p:nvPr>
+        </p:nvSpPr>
+        <p:spPr>
+          <a:xfrm>
+            <a:off x="457200" y="274638"/>
+            <a:ext cx="8229600" cy="1143000"/>
+          </a:xfrm>
+          <a:prstGeom prst="rect">
+            <a:avLst/>
+          </a:prstGeom>
+          <a:noFill/>
+          <a:ln>
+            <a:noFill/>
+          </a:ln>
+        </p:spPr>
+        <p:txBody>
+          <a:bodyPr spcFirstLastPara="1" wrap="square" lIns="91425" tIns="45700" rIns="91425" bIns="45700" anchor="ctr" anchorCtr="0">
+            <a:normAutofit/>
+          </a:bodyPr>
+          <a:lstStyle/>
+          <a:p>
+            <a:pPr marL="0" lvl="0" indent="0" algn="ctr" rtl="0">
+              <a:spcBef>
+                <a:spcPts val="0"/>
+              </a:spcBef>
+              <a:spcAft>
+                <a:spcPts val="0"/>
+              </a:spcAft>
+              <a:buClr>
+                <a:schemeClr val="dk1"/>
+              </a:buClr>
+              <a:buSzPct val="100000"/>
+              <a:buFont typeface="Calibri"/>
+              <a:buNone/>
+            </a:pPr>
+            <a:r>
+              <a:rPr lang="en-US" sz="4400" b="1">
+                <a:latin typeface="Calibri"/>
+                <a:ea typeface="Calibri"/>
+                <a:cs typeface="Calibri"/>
+                <a:sym typeface="Calibri"/>
+              </a:rPr>
+              <a:t>External Libraries and Tools</a:t>
+            </a:r>
+            <a:endParaRPr lang="en-US" sz="4400" b="1">
+              <a:latin typeface="Calibri"/>
+              <a:ea typeface="Calibri"/>
+              <a:cs typeface="Calibri"/>
+              <a:sym typeface="Calibri"/>
+            </a:endParaRPr>
+          </a:p>
+        </p:txBody>
+      </p:sp>
+      <p:sp>
+        <p:nvSpPr>
+          <p:cNvPr id="159" name="Google Shape;159;p17"/>
+          <p:cNvSpPr txBox="1"/>
+          <p:nvPr>
+            <p:ph type="body" idx="1"/>
+          </p:nvPr>
+        </p:nvSpPr>
+        <p:spPr>
+          <a:xfrm>
+            <a:off x="457200" y="1600200"/>
+            <a:ext cx="8353425" cy="2051050"/>
+          </a:xfrm>
+          <a:prstGeom prst="rect">
+            <a:avLst/>
+          </a:prstGeom>
+          <a:noFill/>
+          <a:ln>
+            <a:noFill/>
+          </a:ln>
+        </p:spPr>
+        <p:txBody>
+          <a:bodyPr spcFirstLastPara="1" wrap="square" lIns="91425" tIns="45700" rIns="91425" bIns="45700" anchor="t" anchorCtr="0">
+            <a:noAutofit/>
+          </a:bodyPr>
+          <a:lstStyle/>
+          <a:p>
+            <a:pPr marL="342900" lvl="0" indent="-139700" algn="l" rtl="0">
+              <a:lnSpc>
+                <a:spcPct val="150000"/>
+              </a:lnSpc>
+              <a:spcBef>
+                <a:spcPts val="0"/>
+              </a:spcBef>
+              <a:spcAft>
+                <a:spcPts val="0"/>
+              </a:spcAft>
+              <a:buClr>
+                <a:schemeClr val="dk1"/>
+              </a:buClr>
+              <a:buSzPts val="3200"/>
+              <a:buNone/>
+            </a:pPr>
+            <a:endParaRPr sz="1000"/>
+          </a:p>
+          <a:p>
+            <a:pPr lvl="0" indent="-457200" algn="l" rtl="0">
+              <a:lnSpc>
+                <a:spcPct val="150000"/>
+              </a:lnSpc>
+              <a:spcBef>
+                <a:spcPts val="640"/>
+              </a:spcBef>
+              <a:spcAft>
+                <a:spcPts val="0"/>
+              </a:spcAft>
+              <a:buClr>
+                <a:schemeClr val="lt1"/>
+              </a:buClr>
+              <a:buSzPts val="3200"/>
+              <a:buFont typeface="Arial" panose="020B0604020202090204" pitchFamily="34" charset="0"/>
+              <a:buChar char="•"/>
+            </a:pPr>
+            <a:r>
+              <a:rPr lang="en-US" sz="2400">
+                <a:latin typeface="Calibri"/>
+                <a:ea typeface="Calibri"/>
+                <a:cs typeface="Calibri"/>
+                <a:sym typeface="Calibri"/>
+              </a:rPr>
+              <a:t>Firebase Crashlytics: For real-time error and crash monitoring.</a:t>
+            </a:r>
+            <a:endParaRPr lang="en-US" sz="2400">
+              <a:latin typeface="Calibri"/>
+              <a:ea typeface="Calibri"/>
+              <a:cs typeface="Calibri"/>
+              <a:sym typeface="Calibri"/>
+            </a:endParaRPr>
+          </a:p>
+        </p:txBody>
+      </p:sp>
+      <p:sp>
+        <p:nvSpPr>
+          <p:cNvPr id="2" name="Slide Number Placeholder 1"/>
+          <p:cNvSpPr>
+            <a:spLocks noGrp="1"/>
+          </p:cNvSpPr>
+          <p:nvPr>
+            <p:ph type="sldNum" idx="12"/>
+          </p:nvPr>
+        </p:nvSpPr>
+        <p:spPr/>
+        <p:txBody>
+          <a:bodyPr/>
+          <a:p>
+            <a:pPr marL="0" lvl="0" indent="0" algn="r" rtl="0">
+              <a:spcBef>
+                <a:spcPts val="0"/>
+              </a:spcBef>
+              <a:spcAft>
+                <a:spcPts val="0"/>
+              </a:spcAft>
+              <a:buNone/>
+            </a:pPr>
+            <a:fld id="{00000000-1234-1234-1234-123412341234}" type="slidenum">
+              <a:rPr lang="en-US"/>
+            </a:fld>
+            <a:endParaRPr lang="en-US"/>
+          </a:p>
+        </p:txBody>
+      </p:sp>
+    </p:spTree>
+  </p:cSld>
+  <p:clrMapOvr>
+    <a:masterClrMapping/>
+  </p:clrMapOvr>
+  <p:timing>
+    <p:tnLst>
+      <p:par>
+        <p:cTn id="1" dur="indefinite" restart="never" nodeType="tmRoot">
+          <p:childTnLst>
+            <p:seq concurrent="1" nextAc="seek">
+              <p:cTn id="2" dur="indefinite" nodeType="mainSeq">
+                <p:childTnLst>
+                  <p:par>
+                    <p:cTn id="3" fill="hold">
+                      <p:stCondLst>
+                        <p:cond delay="indefinite"/>
+                      </p:stCondLst>
+                      <p:childTnLst>
+                        <p:par>
+                          <p:cTn id="4" fill="hold">
+                            <p:stCondLst>
+                              <p:cond delay="0"/>
+                            </p:stCondLst>
+                            <p:childTnLst>
+                              <p:par>
+                                <p:cTn id="5" presetID="10" presetClass="entr" presetSubtype="0" fill="hold" nodeType="clickEffect">
+                                  <p:stCondLst>
+                                    <p:cond delay="0"/>
+                                  </p:stCondLst>
+                                  <p:childTnLst>
+                                    <p:set>
+                                      <p:cBhvr>
+                                        <p:cTn id="6" dur="1" fill="hold">
+                                          <p:stCondLst>
+                                            <p:cond delay="0"/>
+                                          </p:stCondLst>
+                                        </p:cTn>
+                                        <p:tgtEl>
+                                          <p:spTgt spid="159"/>
+                                        </p:tgtEl>
+                                        <p:attrNameLst>
+                                          <p:attrName>style.visibility</p:attrName>
+                                        </p:attrNameLst>
+                                      </p:cBhvr>
+                                      <p:to>
+                                        <p:strVal val="visible"/>
+                                      </p:to>
+                                    </p:set>
+                                    <p:animEffect transition="in" filter="fade">
+                                      <p:cBhvr>
+                                        <p:cTn id="7" dur="100"/>
+                                        <p:tgtEl>
+                                          <p:spTgt spid="159"/>
+                                        </p:tgtEl>
+                                      </p:cBhvr>
+                                    </p:animEffect>
+                                  </p:childTnLst>
+                                </p:cTn>
+                              </p:par>
+                            </p:childTnLst>
+                          </p:cTn>
+                        </p:par>
+                      </p:childTnLst>
+                    </p:cTn>
+                  </p:par>
+                </p:childTnLst>
+              </p:cTn>
+              <p:prevCondLst>
+                <p:cond evt="onPrev">
+                  <p:tgtEl>
+                    <p:sldTgt/>
+                  </p:tgtEl>
+                </p:cond>
+              </p:prevCondLst>
+              <p:nextCondLst>
+                <p:cond evt="onNext">
+                  <p:tgtEl>
+                    <p:sldTgt/>
+                  </p:tgtEl>
+                </p:cond>
+              </p:nextCondLst>
+            </p:seq>
+          </p:childTnLst>
+        </p:cTn>
+      </p:par>
+    </p:tnLst>
+  </p:timing>
+</p:sld>
+</file>
+
+<file path=ppt/slides/slide13.xml><?xml version="1.0" encoding="utf-8"?>
+<p:sld xmlns:a="http://schemas.openxmlformats.org/drawingml/2006/main" xmlns:r="http://schemas.openxmlformats.org/officeDocument/2006/relationships" xmlns:p="http://schemas.openxmlformats.org/presentationml/2006/main">
+  <p:cSld>
+    <p:spTree>
+      <p:nvGrpSpPr>
         <p:cNvPr id="257" name="Shape 257"/>
         <p:cNvGrpSpPr/>
         <p:nvPr/>
@@ -12076,7 +12471,7 @@
   <p:cSld>
     <p:spTree>
       <p:nvGrpSpPr>
-        <p:cNvPr id="151" name="Shape 151"/>
+        <p:cNvPr id="157" name="Shape 157"/>
         <p:cNvGrpSpPr/>
         <p:nvPr/>
       </p:nvGrpSpPr>
@@ -12090,7 +12485,7 @@
       </p:grpSpPr>
       <p:sp>
         <p:nvSpPr>
-          <p:cNvPr id="152" name="Google Shape;152;p16"/>
+          <p:cNvPr id="158" name="Google Shape;158;p17"/>
           <p:cNvSpPr txBox="1"/>
           <p:nvPr>
             <p:ph type="title"/>
@@ -12098,8 +12493,8 @@
         </p:nvSpPr>
         <p:spPr>
           <a:xfrm>
-            <a:off x="203835" y="-189230"/>
-            <a:ext cx="4368165" cy="3254375"/>
+            <a:off x="457200" y="274638"/>
+            <a:ext cx="8229600" cy="1143000"/>
           </a:xfrm>
           <a:prstGeom prst="rect">
             <a:avLst/>
@@ -12110,7 +12505,7 @@
           </a:ln>
         </p:spPr>
         <p:txBody>
-          <a:bodyPr spcFirstLastPara="1" vert="horz" wrap="square" lIns="91425" tIns="45700" rIns="91425" bIns="45700" anchor="ctr" anchorCtr="0">
+          <a:bodyPr spcFirstLastPara="1" wrap="square" lIns="91425" tIns="45700" rIns="91425" bIns="45700" anchor="ctr" anchorCtr="0">
             <a:normAutofit/>
           </a:bodyPr>
           <a:lstStyle/>
@@ -12136,7 +12531,7 @@
                 <a:cs typeface="Calibri"/>
                 <a:sym typeface="Calibri"/>
               </a:rPr>
-              <a:t> User’s Registration and Login</a:t>
+              <a:t>Target User</a:t>
             </a:r>
             <a:endParaRPr lang="en-US" sz="4400" b="1">
               <a:latin typeface="Calibri"/>
@@ -12149,7 +12544,7 @@
       </p:sp>
       <p:sp>
         <p:nvSpPr>
-          <p:cNvPr id="153" name="Google Shape;153;p16"/>
+          <p:cNvPr id="159" name="Google Shape;159;p17"/>
           <p:cNvSpPr txBox="1"/>
           <p:nvPr>
             <p:ph type="body" idx="1"/>
@@ -12157,8 +12552,8 @@
         </p:nvSpPr>
         <p:spPr>
           <a:xfrm>
-            <a:off x="298450" y="3935730"/>
-            <a:ext cx="4874260" cy="2143760"/>
+            <a:off x="852805" y="1600200"/>
+            <a:ext cx="7833995" cy="4526280"/>
           </a:xfrm>
           <a:prstGeom prst="rect">
             <a:avLst/>
@@ -12170,14 +12565,11 @@
         </p:spPr>
         <p:txBody>
           <a:bodyPr spcFirstLastPara="1" wrap="square" lIns="91425" tIns="45700" rIns="91425" bIns="45700" anchor="t" anchorCtr="0">
-            <a:noAutofit/>
+            <a:normAutofit/>
           </a:bodyPr>
           <a:lstStyle/>
           <a:p>
-            <a:pPr marL="0" lvl="0" indent="0" algn="l" rtl="0" eaLnBrk="1" fontAlgn="auto" latinLnBrk="0" hangingPunct="1">
-              <a:lnSpc>
-                <a:spcPct val="150000"/>
-              </a:lnSpc>
+            <a:pPr marL="342900" lvl="0" indent="-139700" algn="l" rtl="0">
               <a:spcBef>
                 <a:spcPts val="0"/>
               </a:spcBef>
@@ -12190,16 +12582,31 @@
               <a:buSzPts val="3200"/>
               <a:buNone/>
             </a:pPr>
+          </a:p>
+          <a:p>
+            <a:pPr marL="0" lvl="0" indent="0" algn="l" rtl="0">
+              <a:spcBef>
+                <a:spcPts val="640"/>
+              </a:spcBef>
+              <a:spcAft>
+                <a:spcPts val="0"/>
+              </a:spcAft>
+              <a:buClr>
+                <a:schemeClr val="lt1"/>
+              </a:buClr>
+              <a:buSzPts val="3200"/>
+              <a:buNone/>
+            </a:pPr>
             <a:r>
-              <a:rPr lang="en-US" sz="2400">
+              <a:rPr lang="en-US" sz="3200">
                 <a:latin typeface="Calibri"/>
                 <a:ea typeface="Calibri"/>
                 <a:cs typeface="Calibri"/>
                 <a:sym typeface="Calibri"/>
               </a:rPr>
-              <a:t>Users can register and log in using their email or through third-party platforms like Google.</a:t>
+              <a:t>Primarily designed for Boston University students and staff who want quick access to information about campus events.</a:t>
             </a:r>
-            <a:endParaRPr lang="en-US" sz="2400">
+            <a:endParaRPr lang="en-US" sz="3200">
               <a:latin typeface="Calibri"/>
               <a:ea typeface="Calibri"/>
               <a:cs typeface="Calibri"/>
@@ -12208,37 +12615,9 @@
           </a:p>
         </p:txBody>
       </p:sp>
-      <p:pic>
-        <p:nvPicPr>
-          <p:cNvPr id="5" name="Picture 1"/>
-          <p:cNvPicPr>
-            <a:picLocks noChangeAspect="1"/>
-          </p:cNvPicPr>
-          <p:nvPr/>
-        </p:nvPicPr>
-        <p:blipFill>
-          <a:blip r:embed="rId1"/>
-          <a:stretch>
-            <a:fillRect/>
-          </a:stretch>
-        </p:blipFill>
-        <p:spPr>
-          <a:xfrm>
-            <a:off x="5660390" y="0"/>
-            <a:ext cx="3162935" cy="6858000"/>
-          </a:xfrm>
-          <a:prstGeom prst="rect">
-            <a:avLst/>
-          </a:prstGeom>
-          <a:noFill/>
-          <a:ln>
-            <a:noFill/>
-          </a:ln>
-        </p:spPr>
-      </p:pic>
       <p:sp>
         <p:nvSpPr>
-          <p:cNvPr id="3" name="Slide Number Placeholder 2"/>
+          <p:cNvPr id="2" name="Slide Number Placeholder 1"/>
           <p:cNvSpPr>
             <a:spLocks noGrp="1"/>
           </p:cNvSpPr>
@@ -12305,7 +12684,7 @@
                                           </p:stCondLst>
                                         </p:cTn>
                                         <p:tgtEl>
-                                          <p:spTgt spid="153"/>
+                                          <p:spTgt spid="159"/>
                                         </p:tgtEl>
                                         <p:attrNameLst>
                                           <p:attrName>style.visibility</p:attrName>
@@ -12319,7 +12698,7 @@
                                       <p:cBhvr>
                                         <p:cTn id="7" dur="100"/>
                                         <p:tgtEl>
-                                          <p:spTgt spid="153"/>
+                                          <p:spTgt spid="159"/>
                                         </p:tgtEl>
                                       </p:cBhvr>
                                     </p:animEffect>
@@ -12385,7 +12764,7 @@
         <p:spPr>
           <a:xfrm>
             <a:off x="203835" y="-189230"/>
-            <a:ext cx="4486910" cy="3232785"/>
+            <a:ext cx="4368165" cy="3254375"/>
           </a:xfrm>
           <a:prstGeom prst="rect">
             <a:avLst/>
@@ -12422,7 +12801,7 @@
                 <a:cs typeface="Calibri"/>
                 <a:sym typeface="Calibri"/>
               </a:rPr>
-              <a:t>Event List Browsing</a:t>
+              <a:t> User’s Registration and Login</a:t>
             </a:r>
             <a:endParaRPr lang="en-US" sz="4400" b="1">
               <a:latin typeface="Calibri"/>
@@ -12443,8 +12822,8 @@
         </p:nvSpPr>
         <p:spPr>
           <a:xfrm>
-            <a:off x="298450" y="3044190"/>
-            <a:ext cx="4874260" cy="3035300"/>
+            <a:off x="298450" y="3935730"/>
+            <a:ext cx="4874260" cy="2143760"/>
           </a:xfrm>
           <a:prstGeom prst="rect">
             <a:avLst/>
@@ -12483,7 +12862,7 @@
                 <a:cs typeface="Calibri"/>
                 <a:sym typeface="Calibri"/>
               </a:rPr>
-              <a:t>Users can view a list of upcoming events, with details such as date, time, and location.</a:t>
+              <a:t>Users can register and log in using their email or through third-party platforms like Google.</a:t>
             </a:r>
             <a:endParaRPr lang="en-US" sz="2400">
               <a:latin typeface="Calibri"/>
@@ -12492,44 +12871,11 @@
               <a:sym typeface="Calibri"/>
             </a:endParaRPr>
           </a:p>
-          <a:p>
-            <a:pPr marL="0" lvl="0" indent="0" algn="l" rtl="0" eaLnBrk="1" fontAlgn="auto" latinLnBrk="0" hangingPunct="1">
-              <a:lnSpc>
-                <a:spcPct val="150000"/>
-              </a:lnSpc>
-              <a:spcBef>
-                <a:spcPts val="0"/>
-              </a:spcBef>
-              <a:spcAft>
-                <a:spcPts val="0"/>
-              </a:spcAft>
-              <a:buClr>
-                <a:schemeClr val="dk1"/>
-              </a:buClr>
-              <a:buSzPts val="3200"/>
-              <a:buNone/>
-            </a:pPr>
-            <a:r>
-              <a:rPr lang="en-US" sz="2400">
-                <a:latin typeface="Calibri"/>
-                <a:ea typeface="Calibri"/>
-                <a:cs typeface="Calibri"/>
-                <a:sym typeface="Calibri"/>
-              </a:rPr>
-              <a:t>Below are some recommended events for users.</a:t>
-            </a:r>
-            <a:endParaRPr lang="zh-CN" altLang="en-US" sz="2400">
-              <a:latin typeface="Calibri"/>
-              <a:ea typeface="宋体" charset="0"/>
-              <a:cs typeface="Calibri"/>
-              <a:sym typeface="Calibri"/>
-            </a:endParaRPr>
-          </a:p>
         </p:txBody>
       </p:sp>
       <p:pic>
         <p:nvPicPr>
-          <p:cNvPr id="6" name="Picture 2"/>
+          <p:cNvPr id="5" name="Picture 1"/>
           <p:cNvPicPr>
             <a:picLocks noChangeAspect="1"/>
           </p:cNvPicPr>
@@ -12543,8 +12889,8 @@
         </p:blipFill>
         <p:spPr>
           <a:xfrm>
-            <a:off x="5679440" y="0"/>
-            <a:ext cx="3211195" cy="6857365"/>
+            <a:off x="5660390" y="0"/>
+            <a:ext cx="3162935" cy="6858000"/>
           </a:xfrm>
           <a:prstGeom prst="rect">
             <a:avLst/>
@@ -12703,8 +13049,8 @@
         </p:nvSpPr>
         <p:spPr>
           <a:xfrm>
-            <a:off x="203835" y="287020"/>
-            <a:ext cx="4662805" cy="2280920"/>
+            <a:off x="203835" y="-189230"/>
+            <a:ext cx="4486910" cy="3232785"/>
           </a:xfrm>
           <a:prstGeom prst="rect">
             <a:avLst/>
@@ -12741,7 +13087,7 @@
                 <a:cs typeface="Calibri"/>
                 <a:sym typeface="Calibri"/>
               </a:rPr>
-              <a:t>Event Details View</a:t>
+              <a:t>Event List Browsing</a:t>
             </a:r>
             <a:endParaRPr lang="en-US" sz="4400" b="1">
               <a:latin typeface="Calibri"/>
@@ -12762,8 +13108,8 @@
         </p:nvSpPr>
         <p:spPr>
           <a:xfrm>
-            <a:off x="298450" y="3122930"/>
-            <a:ext cx="4874260" cy="2956560"/>
+            <a:off x="298450" y="3044190"/>
+            <a:ext cx="4874260" cy="3035300"/>
           </a:xfrm>
           <a:prstGeom prst="rect">
             <a:avLst/>
@@ -12802,7 +13148,7 @@
                 <a:cs typeface="Calibri"/>
                 <a:sym typeface="Calibri"/>
               </a:rPr>
-              <a:t>By selecting an event, users can see more detailed information, including descriptions, timings, link for the event, location, and an option to register for the event.</a:t>
+              <a:t>Users can view a list of upcoming events, with details such as date, time, and location.</a:t>
             </a:r>
             <a:endParaRPr lang="en-US" sz="2400">
               <a:latin typeface="Calibri"/>
@@ -12811,11 +13157,44 @@
               <a:sym typeface="Calibri"/>
             </a:endParaRPr>
           </a:p>
+          <a:p>
+            <a:pPr marL="0" lvl="0" indent="0" algn="l" rtl="0" eaLnBrk="1" fontAlgn="auto" latinLnBrk="0" hangingPunct="1">
+              <a:lnSpc>
+                <a:spcPct val="150000"/>
+              </a:lnSpc>
+              <a:spcBef>
+                <a:spcPts val="0"/>
+              </a:spcBef>
+              <a:spcAft>
+                <a:spcPts val="0"/>
+              </a:spcAft>
+              <a:buClr>
+                <a:schemeClr val="dk1"/>
+              </a:buClr>
+              <a:buSzPts val="3200"/>
+              <a:buNone/>
+            </a:pPr>
+            <a:r>
+              <a:rPr lang="en-US" sz="2400">
+                <a:latin typeface="Calibri"/>
+                <a:ea typeface="Calibri"/>
+                <a:cs typeface="Calibri"/>
+                <a:sym typeface="Calibri"/>
+              </a:rPr>
+              <a:t>Below are some recommended events for users.</a:t>
+            </a:r>
+            <a:endParaRPr lang="zh-CN" altLang="en-US" sz="2400">
+              <a:latin typeface="Calibri"/>
+              <a:ea typeface="宋体" charset="0"/>
+              <a:cs typeface="Calibri"/>
+              <a:sym typeface="Calibri"/>
+            </a:endParaRPr>
+          </a:p>
         </p:txBody>
       </p:sp>
       <p:pic>
         <p:nvPicPr>
-          <p:cNvPr id="7" name="Picture 3"/>
+          <p:cNvPr id="6" name="Picture 2"/>
           <p:cNvPicPr>
             <a:picLocks noChangeAspect="1"/>
           </p:cNvPicPr>
@@ -12829,8 +13208,8 @@
         </p:blipFill>
         <p:spPr>
           <a:xfrm>
-            <a:off x="5646420" y="0"/>
-            <a:ext cx="3224530" cy="6844030"/>
+            <a:off x="5679440" y="0"/>
+            <a:ext cx="3211195" cy="6857365"/>
           </a:xfrm>
           <a:prstGeom prst="rect">
             <a:avLst/>
@@ -12843,7 +13222,7 @@
       </p:pic>
       <p:sp>
         <p:nvSpPr>
-          <p:cNvPr id="2" name="Slide Number Placeholder 1"/>
+          <p:cNvPr id="3" name="Slide Number Placeholder 2"/>
           <p:cNvSpPr>
             <a:spLocks noGrp="1"/>
           </p:cNvSpPr>
@@ -12989,8 +13368,8 @@
         </p:nvSpPr>
         <p:spPr>
           <a:xfrm>
-            <a:off x="203835" y="-189230"/>
-            <a:ext cx="4874260" cy="3512185"/>
+            <a:off x="203835" y="287020"/>
+            <a:ext cx="4662805" cy="2280920"/>
           </a:xfrm>
           <a:prstGeom prst="rect">
             <a:avLst/>
@@ -13027,7 +13406,7 @@
                 <a:cs typeface="Calibri"/>
                 <a:sym typeface="Calibri"/>
               </a:rPr>
-              <a:t>Personal Homepage with Event History</a:t>
+              <a:t>Event Details View</a:t>
             </a:r>
             <a:endParaRPr lang="en-US" sz="4400" b="1">
               <a:latin typeface="Calibri"/>
@@ -13048,8 +13427,8 @@
         </p:nvSpPr>
         <p:spPr>
           <a:xfrm>
-            <a:off x="298450" y="3572510"/>
-            <a:ext cx="4874260" cy="2143760"/>
+            <a:off x="298450" y="3122930"/>
+            <a:ext cx="4874260" cy="2956560"/>
           </a:xfrm>
           <a:prstGeom prst="rect">
             <a:avLst/>
@@ -13088,7 +13467,7 @@
                 <a:cs typeface="Calibri"/>
                 <a:sym typeface="Calibri"/>
               </a:rPr>
-              <a:t>Users can view a personal profile page displaying past attended events and upcoming registered events.</a:t>
+              <a:t>By selecting an event, users can see more detailed information, including descriptions, timings, link for the event, location, and an option to register for the event.</a:t>
             </a:r>
             <a:endParaRPr lang="en-US" sz="2400">
               <a:latin typeface="Calibri"/>
@@ -13101,7 +13480,7 @@
       </p:sp>
       <p:pic>
         <p:nvPicPr>
-          <p:cNvPr id="8" name="Picture 4"/>
+          <p:cNvPr id="7" name="Picture 3"/>
           <p:cNvPicPr>
             <a:picLocks noChangeAspect="1"/>
           </p:cNvPicPr>
@@ -13115,8 +13494,8 @@
         </p:blipFill>
         <p:spPr>
           <a:xfrm>
-            <a:off x="5648325" y="0"/>
-            <a:ext cx="3129915" cy="6875780"/>
+            <a:off x="5646420" y="0"/>
+            <a:ext cx="3224530" cy="6844030"/>
           </a:xfrm>
           <a:prstGeom prst="rect">
             <a:avLst/>
@@ -13253,7 +13632,7 @@
   <p:cSld>
     <p:spTree>
       <p:nvGrpSpPr>
-        <p:cNvPr id="157" name="Shape 157"/>
+        <p:cNvPr id="151" name="Shape 151"/>
         <p:cNvGrpSpPr/>
         <p:nvPr/>
       </p:nvGrpSpPr>
@@ -13267,7 +13646,7 @@
       </p:grpSpPr>
       <p:sp>
         <p:nvSpPr>
-          <p:cNvPr id="158" name="Google Shape;158;p17"/>
+          <p:cNvPr id="152" name="Google Shape;152;p16"/>
           <p:cNvSpPr txBox="1"/>
           <p:nvPr>
             <p:ph type="title"/>
@@ -13275,8 +13654,8 @@
         </p:nvSpPr>
         <p:spPr>
           <a:xfrm>
-            <a:off x="457200" y="274638"/>
-            <a:ext cx="8229600" cy="1143000"/>
+            <a:off x="203835" y="-189230"/>
+            <a:ext cx="4874260" cy="3512185"/>
           </a:xfrm>
           <a:prstGeom prst="rect">
             <a:avLst/>
@@ -13287,7 +13666,7 @@
           </a:ln>
         </p:spPr>
         <p:txBody>
-          <a:bodyPr spcFirstLastPara="1" wrap="square" lIns="91425" tIns="45700" rIns="91425" bIns="45700" anchor="ctr" anchorCtr="0">
+          <a:bodyPr spcFirstLastPara="1" vert="horz" wrap="square" lIns="91425" tIns="45700" rIns="91425" bIns="45700" anchor="ctr" anchorCtr="0">
             <a:normAutofit/>
           </a:bodyPr>
           <a:lstStyle/>
@@ -13313,7 +13692,7 @@
                 <a:cs typeface="Calibri"/>
                 <a:sym typeface="Calibri"/>
               </a:rPr>
-              <a:t>Target User</a:t>
+              <a:t>Personal Homepage with Event History</a:t>
             </a:r>
             <a:endParaRPr lang="en-US" sz="4400" b="1">
               <a:latin typeface="Calibri"/>
@@ -13326,7 +13705,7 @@
       </p:sp>
       <p:sp>
         <p:nvSpPr>
-          <p:cNvPr id="159" name="Google Shape;159;p17"/>
+          <p:cNvPr id="153" name="Google Shape;153;p16"/>
           <p:cNvSpPr txBox="1"/>
           <p:nvPr>
             <p:ph type="body" idx="1"/>
@@ -13334,8 +13713,8 @@
         </p:nvSpPr>
         <p:spPr>
           <a:xfrm>
-            <a:off x="852805" y="1600200"/>
-            <a:ext cx="7833995" cy="4526280"/>
+            <a:off x="298450" y="3572510"/>
+            <a:ext cx="4874260" cy="2143760"/>
           </a:xfrm>
           <a:prstGeom prst="rect">
             <a:avLst/>
@@ -13347,11 +13726,14 @@
         </p:spPr>
         <p:txBody>
           <a:bodyPr spcFirstLastPara="1" wrap="square" lIns="91425" tIns="45700" rIns="91425" bIns="45700" anchor="t" anchorCtr="0">
-            <a:normAutofit/>
+            <a:noAutofit/>
           </a:bodyPr>
           <a:lstStyle/>
           <a:p>
-            <a:pPr marL="342900" lvl="0" indent="-139700" algn="l" rtl="0">
+            <a:pPr marL="0" lvl="0" indent="0" algn="l" rtl="0" eaLnBrk="1" fontAlgn="auto" latinLnBrk="0" hangingPunct="1">
+              <a:lnSpc>
+                <a:spcPct val="150000"/>
+              </a:lnSpc>
               <a:spcBef>
                 <a:spcPts val="0"/>
               </a:spcBef>
@@ -13364,31 +13746,16 @@
               <a:buSzPts val="3200"/>
               <a:buNone/>
             </a:pPr>
-          </a:p>
-          <a:p>
-            <a:pPr marL="0" lvl="0" indent="0" algn="l" rtl="0">
-              <a:spcBef>
-                <a:spcPts val="640"/>
-              </a:spcBef>
-              <a:spcAft>
-                <a:spcPts val="0"/>
-              </a:spcAft>
-              <a:buClr>
-                <a:schemeClr val="lt1"/>
-              </a:buClr>
-              <a:buSzPts val="3200"/>
-              <a:buNone/>
-            </a:pPr>
             <a:r>
-              <a:rPr lang="en-US" sz="3200">
+              <a:rPr lang="en-US" sz="2400">
                 <a:latin typeface="Calibri"/>
                 <a:ea typeface="Calibri"/>
                 <a:cs typeface="Calibri"/>
                 <a:sym typeface="Calibri"/>
               </a:rPr>
-              <a:t>Primarily designed for Boston University students and staff who want quick access to information about campus events.</a:t>
+              <a:t>Users can view a personal profile page displaying past attended events and upcoming registered events.</a:t>
             </a:r>
-            <a:endParaRPr lang="en-US" sz="3200">
+            <a:endParaRPr lang="en-US" sz="2400">
               <a:latin typeface="Calibri"/>
               <a:ea typeface="Calibri"/>
               <a:cs typeface="Calibri"/>
@@ -13397,6 +13764,34 @@
           </a:p>
         </p:txBody>
       </p:sp>
+      <p:pic>
+        <p:nvPicPr>
+          <p:cNvPr id="8" name="Picture 4"/>
+          <p:cNvPicPr>
+            <a:picLocks noChangeAspect="1"/>
+          </p:cNvPicPr>
+          <p:nvPr/>
+        </p:nvPicPr>
+        <p:blipFill>
+          <a:blip r:embed="rId1"/>
+          <a:stretch>
+            <a:fillRect/>
+          </a:stretch>
+        </p:blipFill>
+        <p:spPr>
+          <a:xfrm>
+            <a:off x="5648325" y="0"/>
+            <a:ext cx="3129915" cy="6875780"/>
+          </a:xfrm>
+          <a:prstGeom prst="rect">
+            <a:avLst/>
+          </a:prstGeom>
+          <a:noFill/>
+          <a:ln>
+            <a:noFill/>
+          </a:ln>
+        </p:spPr>
+      </p:pic>
       <p:sp>
         <p:nvSpPr>
           <p:cNvPr id="2" name="Slide Number Placeholder 1"/>
@@ -13466,7 +13861,7 @@
                                           </p:stCondLst>
                                         </p:cTn>
                                         <p:tgtEl>
-                                          <p:spTgt spid="159"/>
+                                          <p:spTgt spid="153"/>
                                         </p:tgtEl>
                                         <p:attrNameLst>
                                           <p:attrName>style.visibility</p:attrName>
@@ -13480,7 +13875,7 @@
                                       <p:cBhvr>
                                         <p:cTn id="7" dur="100"/>
                                         <p:tgtEl>
-                                          <p:spTgt spid="159"/>
+                                          <p:spTgt spid="153"/>
                                         </p:tgtEl>
                                       </p:cBhvr>
                                     </p:animEffect>

--- a/First_PRE.pptx
+++ b/First_PRE.pptx
@@ -13049,7 +13049,7 @@
         </p:nvSpPr>
         <p:spPr>
           <a:xfrm>
-            <a:off x="203835" y="-189230"/>
+            <a:off x="492125" y="-189230"/>
             <a:ext cx="4486910" cy="3232785"/>
           </a:xfrm>
           <a:prstGeom prst="rect">
@@ -13087,7 +13087,16 @@
                 <a:cs typeface="Calibri"/>
                 <a:sym typeface="Calibri"/>
               </a:rPr>
-              <a:t>Event List Browsing</a:t>
+              <a:t>Event List </a:t>
+            </a:r>
+            <a:r>
+              <a:rPr lang="en-US" sz="4400" b="1">
+                <a:latin typeface="Calibri"/>
+                <a:ea typeface="Calibri"/>
+                <a:cs typeface="Calibri"/>
+                <a:sym typeface="Calibri"/>
+              </a:rPr>
+              <a:t>Page</a:t>
             </a:r>
             <a:endParaRPr lang="en-US" sz="4400" b="1">
               <a:latin typeface="Calibri"/>

--- a/First_PRE.pptx
+++ b/First_PRE.pptx
@@ -13201,34 +13201,6 @@
           </a:p>
         </p:txBody>
       </p:sp>
-      <p:pic>
-        <p:nvPicPr>
-          <p:cNvPr id="6" name="Picture 2"/>
-          <p:cNvPicPr>
-            <a:picLocks noChangeAspect="1"/>
-          </p:cNvPicPr>
-          <p:nvPr/>
-        </p:nvPicPr>
-        <p:blipFill>
-          <a:blip r:embed="rId1"/>
-          <a:stretch>
-            <a:fillRect/>
-          </a:stretch>
-        </p:blipFill>
-        <p:spPr>
-          <a:xfrm>
-            <a:off x="5679440" y="0"/>
-            <a:ext cx="3211195" cy="6857365"/>
-          </a:xfrm>
-          <a:prstGeom prst="rect">
-            <a:avLst/>
-          </a:prstGeom>
-          <a:noFill/>
-          <a:ln>
-            <a:noFill/>
-          </a:ln>
-        </p:spPr>
-      </p:pic>
       <p:sp>
         <p:nvSpPr>
           <p:cNvPr id="3" name="Slide Number Placeholder 2"/>
@@ -13259,6 +13231,30 @@
           </a:p>
         </p:txBody>
       </p:sp>
+      <p:pic>
+        <p:nvPicPr>
+          <p:cNvPr id="1" name="Picture 0"/>
+          <p:cNvPicPr>
+            <a:picLocks noChangeAspect="1"/>
+          </p:cNvPicPr>
+          <p:nvPr/>
+        </p:nvPicPr>
+        <p:blipFill>
+          <a:blip r:embed="rId1"/>
+          <a:stretch>
+            <a:fillRect/>
+          </a:stretch>
+        </p:blipFill>
+        <p:spPr>
+          <a:xfrm>
+            <a:off x="5879465" y="0"/>
+            <a:ext cx="3016885" cy="6858000"/>
+          </a:xfrm>
+          <a:prstGeom prst="rect">
+            <a:avLst/>
+          </a:prstGeom>
+        </p:spPr>
+      </p:pic>
     </p:spTree>
   </p:cSld>
   <p:clrMapOvr>

--- a/First_PRE.pptx
+++ b/First_PRE.pptx
@@ -5,33 +5,33 @@
     <p:sldMasterId id="2147483648" r:id="rId1"/>
   </p:sldMasterIdLst>
   <p:notesMasterIdLst>
-    <p:notesMasterId r:id="rId4"/>
+    <p:notesMasterId r:id="rId15"/>
   </p:notesMasterIdLst>
   <p:sldIdLst>
-    <p:sldId id="256" r:id="rId3"/>
-    <p:sldId id="257" r:id="rId5"/>
-    <p:sldId id="258" r:id="rId6"/>
-    <p:sldId id="259" r:id="rId7"/>
-    <p:sldId id="278" r:id="rId8"/>
-    <p:sldId id="279" r:id="rId9"/>
-    <p:sldId id="280" r:id="rId10"/>
-    <p:sldId id="281" r:id="rId11"/>
+    <p:sldId id="256" r:id="rId2"/>
+    <p:sldId id="257" r:id="rId3"/>
+    <p:sldId id="258" r:id="rId4"/>
+    <p:sldId id="259" r:id="rId5"/>
+    <p:sldId id="278" r:id="rId6"/>
+    <p:sldId id="279" r:id="rId7"/>
+    <p:sldId id="280" r:id="rId8"/>
+    <p:sldId id="281" r:id="rId9"/>
+    <p:sldId id="275" r:id="rId10"/>
+    <p:sldId id="286" r:id="rId11"/>
     <p:sldId id="274" r:id="rId12"/>
-    <p:sldId id="275" r:id="rId13"/>
-    <p:sldId id="286" r:id="rId14"/>
-    <p:sldId id="287" r:id="rId15"/>
-    <p:sldId id="273" r:id="rId16"/>
+    <p:sldId id="287" r:id="rId13"/>
+    <p:sldId id="273" r:id="rId14"/>
   </p:sldIdLst>
-  <p:sldSz cx="9144000" cy="6858000"/>
+  <p:sldSz cx="9144000" cy="6858000" type="screen4x3"/>
   <p:notesSz cx="6858000" cy="9144000"/>
   <p:embeddedFontLst>
     <p:embeddedFont>
-      <p:font typeface="Montserrat"/>
-      <p:regular r:id="rId20"/>
+      <p:font typeface="Lato" panose="020F0502020204030203" pitchFamily="34" charset="0"/>
+      <p:regular r:id="rId16"/>
     </p:embeddedFont>
     <p:embeddedFont>
-      <p:font typeface="Lato"/>
-      <p:regular r:id="rId21"/>
+      <p:font typeface="Montserrat" panose="00000500000000000000" pitchFamily="2" charset="0"/>
+      <p:regular r:id="rId17"/>
     </p:embeddedFont>
   </p:embeddedFontLst>
   <p:defaultTextStyle>
@@ -292,7 +292,7 @@
     </p:bg>
     <p:spTree>
       <p:nvGrpSpPr>
-        <p:cNvPr id="2" name="Shape 2"/>
+        <p:cNvPr id="1" name="Shape 2"/>
         <p:cNvGrpSpPr/>
         <p:nvPr/>
       </p:nvGrpSpPr>
@@ -307,7 +307,9 @@
       <p:sp>
         <p:nvSpPr>
           <p:cNvPr id="3" name="Google Shape;3;n"/>
-          <p:cNvSpPr/>
+          <p:cNvSpPr>
+            <a:spLocks noGrp="1" noRot="1" noChangeAspect="1"/>
+          </p:cNvSpPr>
           <p:nvPr>
             <p:ph type="sldImg" idx="2"/>
           </p:nvPr>
@@ -356,7 +358,9 @@
       <p:sp>
         <p:nvSpPr>
           <p:cNvPr id="4" name="Google Shape;4;n"/>
-          <p:cNvSpPr txBox="1"/>
+          <p:cNvSpPr txBox="1">
+            <a:spLocks noGrp="1"/>
+          </p:cNvSpPr>
           <p:nvPr>
             <p:ph type="body" idx="1"/>
           </p:nvPr>
@@ -479,7 +483,9 @@
               <a:defRPr sz="1100"/>
             </a:lvl9pPr>
           </a:lstStyle>
-          <a:p/>
+          <a:p>
+            <a:endParaRPr/>
+          </a:p>
         </p:txBody>
       </p:sp>
     </p:spTree>
@@ -718,11 +724,11 @@
 </file>
 
 <file path=ppt/notesSlides/notesSlide1.xml><?xml version="1.0" encoding="utf-8"?>
-<p:notes xmlns:a="http://schemas.openxmlformats.org/drawingml/2006/main" xmlns:r="http://schemas.openxmlformats.org/officeDocument/2006/relationships" xmlns:p="http://schemas.openxmlformats.org/presentationml/2006/main" showMasterPhAnim="0" showMasterSp="0">
+<p:notes xmlns:a="http://schemas.openxmlformats.org/drawingml/2006/main" xmlns:r="http://schemas.openxmlformats.org/officeDocument/2006/relationships" xmlns:p="http://schemas.openxmlformats.org/presentationml/2006/main" showMasterSp="0" showMasterPhAnim="0">
   <p:cSld>
     <p:spTree>
       <p:nvGrpSpPr>
-        <p:cNvPr id="136" name="Shape 136"/>
+        <p:cNvPr id="1" name="Shape 136"/>
         <p:cNvGrpSpPr/>
         <p:nvPr/>
       </p:nvGrpSpPr>
@@ -737,7 +743,9 @@
       <p:sp>
         <p:nvSpPr>
           <p:cNvPr id="137" name="Google Shape;137;p1:notes"/>
-          <p:cNvSpPr txBox="1"/>
+          <p:cNvSpPr txBox="1">
+            <a:spLocks noGrp="1"/>
+          </p:cNvSpPr>
           <p:nvPr>
             <p:ph type="body" idx="1"/>
           </p:nvPr>
@@ -766,13 +774,16 @@
               </a:spcAft>
               <a:buNone/>
             </a:pPr>
+            <a:endParaRPr/>
           </a:p>
         </p:txBody>
       </p:sp>
       <p:sp>
         <p:nvSpPr>
           <p:cNvPr id="138" name="Google Shape;138;p1:notes"/>
-          <p:cNvSpPr/>
+          <p:cNvSpPr>
+            <a:spLocks noGrp="1" noRot="1" noChangeAspect="1"/>
+          </p:cNvSpPr>
           <p:nvPr>
             <p:ph type="sldImg" idx="2"/>
           </p:nvPr>
@@ -817,11 +828,11 @@
 </file>
 
 <file path=ppt/notesSlides/notesSlide10.xml><?xml version="1.0" encoding="utf-8"?>
-<p:notes xmlns:a="http://schemas.openxmlformats.org/drawingml/2006/main" xmlns:r="http://schemas.openxmlformats.org/officeDocument/2006/relationships" xmlns:p="http://schemas.openxmlformats.org/presentationml/2006/main" showMasterPhAnim="0" showMasterSp="0">
+<p:notes xmlns:a="http://schemas.openxmlformats.org/drawingml/2006/main" xmlns:r="http://schemas.openxmlformats.org/officeDocument/2006/relationships" xmlns:p="http://schemas.openxmlformats.org/presentationml/2006/main" showMasterSp="0" showMasterPhAnim="0">
   <p:cSld>
     <p:spTree>
       <p:nvGrpSpPr>
-        <p:cNvPr id="154" name="Shape 154"/>
+        <p:cNvPr id="1" name="Shape 154"/>
         <p:cNvGrpSpPr/>
         <p:nvPr/>
       </p:nvGrpSpPr>
@@ -836,7 +847,9 @@
       <p:sp>
         <p:nvSpPr>
           <p:cNvPr id="155" name="Google Shape;155;p4:notes"/>
-          <p:cNvSpPr txBox="1"/>
+          <p:cNvSpPr txBox="1">
+            <a:spLocks noGrp="1"/>
+          </p:cNvSpPr>
           <p:nvPr>
             <p:ph type="body" idx="1"/>
           </p:nvPr>
@@ -865,21 +878,24 @@
               </a:spcAft>
               <a:buNone/>
             </a:pPr>
+            <a:endParaRPr/>
           </a:p>
         </p:txBody>
       </p:sp>
       <p:sp>
         <p:nvSpPr>
           <p:cNvPr id="156" name="Google Shape;156;p4:notes"/>
-          <p:cNvSpPr/>
+          <p:cNvSpPr>
+            <a:spLocks noGrp="1" noRot="1" noChangeAspect="1"/>
+          </p:cNvSpPr>
           <p:nvPr>
             <p:ph type="sldImg" idx="2"/>
           </p:nvPr>
         </p:nvSpPr>
         <p:spPr>
           <a:xfrm>
-            <a:off x="1143225" y="685800"/>
-            <a:ext cx="4572225" cy="3429000"/>
+            <a:off x="1143000" y="685800"/>
+            <a:ext cx="4572000" cy="3429000"/>
           </a:xfrm>
           <a:custGeom>
             <a:avLst/>
@@ -916,11 +932,11 @@
 </file>
 
 <file path=ppt/notesSlides/notesSlide11.xml><?xml version="1.0" encoding="utf-8"?>
-<p:notes xmlns:a="http://schemas.openxmlformats.org/drawingml/2006/main" xmlns:r="http://schemas.openxmlformats.org/officeDocument/2006/relationships" xmlns:p="http://schemas.openxmlformats.org/presentationml/2006/main" showMasterPhAnim="0" showMasterSp="0">
+<p:notes xmlns:a="http://schemas.openxmlformats.org/drawingml/2006/main" xmlns:r="http://schemas.openxmlformats.org/officeDocument/2006/relationships" xmlns:p="http://schemas.openxmlformats.org/presentationml/2006/main" showMasterSp="0" showMasterPhAnim="0">
   <p:cSld>
     <p:spTree>
       <p:nvGrpSpPr>
-        <p:cNvPr id="154" name="Shape 154"/>
+        <p:cNvPr id="1" name="Shape 154"/>
         <p:cNvGrpSpPr/>
         <p:nvPr/>
       </p:nvGrpSpPr>
@@ -935,7 +951,9 @@
       <p:sp>
         <p:nvSpPr>
           <p:cNvPr id="155" name="Google Shape;155;p4:notes"/>
-          <p:cNvSpPr txBox="1"/>
+          <p:cNvSpPr txBox="1">
+            <a:spLocks noGrp="1"/>
+          </p:cNvSpPr>
           <p:nvPr>
             <p:ph type="body" idx="1"/>
           </p:nvPr>
@@ -964,21 +982,24 @@
               </a:spcAft>
               <a:buNone/>
             </a:pPr>
+            <a:endParaRPr/>
           </a:p>
         </p:txBody>
       </p:sp>
       <p:sp>
         <p:nvSpPr>
           <p:cNvPr id="156" name="Google Shape;156;p4:notes"/>
-          <p:cNvSpPr/>
+          <p:cNvSpPr>
+            <a:spLocks noGrp="1" noRot="1" noChangeAspect="1"/>
+          </p:cNvSpPr>
           <p:nvPr>
             <p:ph type="sldImg" idx="2"/>
           </p:nvPr>
         </p:nvSpPr>
         <p:spPr>
           <a:xfrm>
-            <a:off x="1143225" y="685800"/>
-            <a:ext cx="4572225" cy="3429000"/>
+            <a:off x="1143000" y="685800"/>
+            <a:ext cx="4572000" cy="3429000"/>
           </a:xfrm>
           <a:custGeom>
             <a:avLst/>
@@ -1015,11 +1036,11 @@
 </file>
 
 <file path=ppt/notesSlides/notesSlide12.xml><?xml version="1.0" encoding="utf-8"?>
-<p:notes xmlns:a="http://schemas.openxmlformats.org/drawingml/2006/main" xmlns:r="http://schemas.openxmlformats.org/officeDocument/2006/relationships" xmlns:p="http://schemas.openxmlformats.org/presentationml/2006/main" showMasterPhAnim="0" showMasterSp="0">
+<p:notes xmlns:a="http://schemas.openxmlformats.org/drawingml/2006/main" xmlns:r="http://schemas.openxmlformats.org/officeDocument/2006/relationships" xmlns:p="http://schemas.openxmlformats.org/presentationml/2006/main" showMasterSp="0" showMasterPhAnim="0">
   <p:cSld>
     <p:spTree>
       <p:nvGrpSpPr>
-        <p:cNvPr id="154" name="Shape 154"/>
+        <p:cNvPr id="1" name="Shape 154"/>
         <p:cNvGrpSpPr/>
         <p:nvPr/>
       </p:nvGrpSpPr>
@@ -1034,7 +1055,9 @@
       <p:sp>
         <p:nvSpPr>
           <p:cNvPr id="155" name="Google Shape;155;p4:notes"/>
-          <p:cNvSpPr txBox="1"/>
+          <p:cNvSpPr txBox="1">
+            <a:spLocks noGrp="1"/>
+          </p:cNvSpPr>
           <p:nvPr>
             <p:ph type="body" idx="1"/>
           </p:nvPr>
@@ -1063,13 +1086,16 @@
               </a:spcAft>
               <a:buNone/>
             </a:pPr>
+            <a:endParaRPr/>
           </a:p>
         </p:txBody>
       </p:sp>
       <p:sp>
         <p:nvSpPr>
           <p:cNvPr id="156" name="Google Shape;156;p4:notes"/>
-          <p:cNvSpPr/>
+          <p:cNvSpPr>
+            <a:spLocks noGrp="1" noRot="1" noChangeAspect="1"/>
+          </p:cNvSpPr>
           <p:nvPr>
             <p:ph type="sldImg" idx="2"/>
           </p:nvPr>
@@ -1114,11 +1140,11 @@
 </file>
 
 <file path=ppt/notesSlides/notesSlide13.xml><?xml version="1.0" encoding="utf-8"?>
-<p:notes xmlns:a="http://schemas.openxmlformats.org/drawingml/2006/main" xmlns:r="http://schemas.openxmlformats.org/officeDocument/2006/relationships" xmlns:p="http://schemas.openxmlformats.org/presentationml/2006/main" showMasterPhAnim="0" showMasterSp="0">
+<p:notes xmlns:a="http://schemas.openxmlformats.org/drawingml/2006/main" xmlns:r="http://schemas.openxmlformats.org/officeDocument/2006/relationships" xmlns:p="http://schemas.openxmlformats.org/presentationml/2006/main" showMasterSp="0" showMasterPhAnim="0">
   <p:cSld>
     <p:spTree>
       <p:nvGrpSpPr>
-        <p:cNvPr id="254" name="Shape 254"/>
+        <p:cNvPr id="1" name="Shape 254"/>
         <p:cNvGrpSpPr/>
         <p:nvPr/>
       </p:nvGrpSpPr>
@@ -1133,7 +1159,9 @@
       <p:sp>
         <p:nvSpPr>
           <p:cNvPr id="255" name="Google Shape;255;g30946a4a56f_1_233:notes"/>
-          <p:cNvSpPr txBox="1"/>
+          <p:cNvSpPr txBox="1">
+            <a:spLocks noGrp="1"/>
+          </p:cNvSpPr>
           <p:nvPr>
             <p:ph type="body" idx="1"/>
           </p:nvPr>
@@ -1162,13 +1190,16 @@
               </a:spcAft>
               <a:buNone/>
             </a:pPr>
+            <a:endParaRPr/>
           </a:p>
         </p:txBody>
       </p:sp>
       <p:sp>
         <p:nvSpPr>
           <p:cNvPr id="256" name="Google Shape;256;g30946a4a56f_1_233:notes"/>
-          <p:cNvSpPr/>
+          <p:cNvSpPr>
+            <a:spLocks noGrp="1" noRot="1" noChangeAspect="1"/>
+          </p:cNvSpPr>
           <p:nvPr>
             <p:ph type="sldImg" idx="2"/>
           </p:nvPr>
@@ -1213,11 +1244,11 @@
 </file>
 
 <file path=ppt/notesSlides/notesSlide2.xml><?xml version="1.0" encoding="utf-8"?>
-<p:notes xmlns:a="http://schemas.openxmlformats.org/drawingml/2006/main" xmlns:r="http://schemas.openxmlformats.org/officeDocument/2006/relationships" xmlns:p="http://schemas.openxmlformats.org/presentationml/2006/main" showMasterPhAnim="0" showMasterSp="0">
+<p:notes xmlns:a="http://schemas.openxmlformats.org/drawingml/2006/main" xmlns:r="http://schemas.openxmlformats.org/officeDocument/2006/relationships" xmlns:p="http://schemas.openxmlformats.org/presentationml/2006/main" showMasterSp="0" showMasterPhAnim="0">
   <p:cSld>
     <p:spTree>
       <p:nvGrpSpPr>
-        <p:cNvPr id="142" name="Shape 142"/>
+        <p:cNvPr id="1" name="Shape 142"/>
         <p:cNvGrpSpPr/>
         <p:nvPr/>
       </p:nvGrpSpPr>
@@ -1232,7 +1263,9 @@
       <p:sp>
         <p:nvSpPr>
           <p:cNvPr id="143" name="Google Shape;143;p2:notes"/>
-          <p:cNvSpPr txBox="1"/>
+          <p:cNvSpPr txBox="1">
+            <a:spLocks noGrp="1"/>
+          </p:cNvSpPr>
           <p:nvPr>
             <p:ph type="body" idx="1"/>
           </p:nvPr>
@@ -1261,13 +1294,16 @@
               </a:spcAft>
               <a:buNone/>
             </a:pPr>
+            <a:endParaRPr/>
           </a:p>
         </p:txBody>
       </p:sp>
       <p:sp>
         <p:nvSpPr>
           <p:cNvPr id="144" name="Google Shape;144;p2:notes"/>
-          <p:cNvSpPr/>
+          <p:cNvSpPr>
+            <a:spLocks noGrp="1" noRot="1" noChangeAspect="1"/>
+          </p:cNvSpPr>
           <p:nvPr>
             <p:ph type="sldImg" idx="2"/>
           </p:nvPr>
@@ -1312,11 +1348,11 @@
 </file>
 
 <file path=ppt/notesSlides/notesSlide3.xml><?xml version="1.0" encoding="utf-8"?>
-<p:notes xmlns:a="http://schemas.openxmlformats.org/drawingml/2006/main" xmlns:r="http://schemas.openxmlformats.org/officeDocument/2006/relationships" xmlns:p="http://schemas.openxmlformats.org/presentationml/2006/main" showMasterPhAnim="0" showMasterSp="0">
+<p:notes xmlns:a="http://schemas.openxmlformats.org/drawingml/2006/main" xmlns:r="http://schemas.openxmlformats.org/officeDocument/2006/relationships" xmlns:p="http://schemas.openxmlformats.org/presentationml/2006/main" showMasterSp="0" showMasterPhAnim="0">
   <p:cSld>
     <p:spTree>
       <p:nvGrpSpPr>
-        <p:cNvPr id="148" name="Shape 148"/>
+        <p:cNvPr id="1" name="Shape 148"/>
         <p:cNvGrpSpPr/>
         <p:nvPr/>
       </p:nvGrpSpPr>
@@ -1331,7 +1367,9 @@
       <p:sp>
         <p:nvSpPr>
           <p:cNvPr id="149" name="Google Shape;149;p3:notes"/>
-          <p:cNvSpPr txBox="1"/>
+          <p:cNvSpPr txBox="1">
+            <a:spLocks noGrp="1"/>
+          </p:cNvSpPr>
           <p:nvPr>
             <p:ph type="body" idx="1"/>
           </p:nvPr>
@@ -1360,21 +1398,24 @@
               </a:spcAft>
               <a:buNone/>
             </a:pPr>
+            <a:endParaRPr/>
           </a:p>
         </p:txBody>
       </p:sp>
       <p:sp>
         <p:nvSpPr>
           <p:cNvPr id="150" name="Google Shape;150;p3:notes"/>
-          <p:cNvSpPr/>
+          <p:cNvSpPr>
+            <a:spLocks noGrp="1" noRot="1" noChangeAspect="1"/>
+          </p:cNvSpPr>
           <p:nvPr>
             <p:ph type="sldImg" idx="2"/>
           </p:nvPr>
         </p:nvSpPr>
         <p:spPr>
           <a:xfrm>
-            <a:off x="1143225" y="685800"/>
-            <a:ext cx="4572225" cy="3429000"/>
+            <a:off x="1143000" y="685800"/>
+            <a:ext cx="4572000" cy="3429000"/>
           </a:xfrm>
           <a:custGeom>
             <a:avLst/>
@@ -1411,11 +1452,11 @@
 </file>
 
 <file path=ppt/notesSlides/notesSlide4.xml><?xml version="1.0" encoding="utf-8"?>
-<p:notes xmlns:a="http://schemas.openxmlformats.org/drawingml/2006/main" xmlns:r="http://schemas.openxmlformats.org/officeDocument/2006/relationships" xmlns:p="http://schemas.openxmlformats.org/presentationml/2006/main" showMasterPhAnim="0" showMasterSp="0">
+<p:notes xmlns:a="http://schemas.openxmlformats.org/drawingml/2006/main" xmlns:r="http://schemas.openxmlformats.org/officeDocument/2006/relationships" xmlns:p="http://schemas.openxmlformats.org/presentationml/2006/main" showMasterSp="0" showMasterPhAnim="0">
   <p:cSld>
     <p:spTree>
       <p:nvGrpSpPr>
-        <p:cNvPr id="154" name="Shape 154"/>
+        <p:cNvPr id="1" name="Shape 154"/>
         <p:cNvGrpSpPr/>
         <p:nvPr/>
       </p:nvGrpSpPr>
@@ -1430,7 +1471,9 @@
       <p:sp>
         <p:nvSpPr>
           <p:cNvPr id="155" name="Google Shape;155;p4:notes"/>
-          <p:cNvSpPr txBox="1"/>
+          <p:cNvSpPr txBox="1">
+            <a:spLocks noGrp="1"/>
+          </p:cNvSpPr>
           <p:nvPr>
             <p:ph type="body" idx="1"/>
           </p:nvPr>
@@ -1459,13 +1502,16 @@
               </a:spcAft>
               <a:buNone/>
             </a:pPr>
+            <a:endParaRPr/>
           </a:p>
         </p:txBody>
       </p:sp>
       <p:sp>
         <p:nvSpPr>
           <p:cNvPr id="156" name="Google Shape;156;p4:notes"/>
-          <p:cNvSpPr/>
+          <p:cNvSpPr>
+            <a:spLocks noGrp="1" noRot="1" noChangeAspect="1"/>
+          </p:cNvSpPr>
           <p:nvPr>
             <p:ph type="sldImg" idx="2"/>
           </p:nvPr>
@@ -1510,11 +1556,11 @@
 </file>
 
 <file path=ppt/notesSlides/notesSlide5.xml><?xml version="1.0" encoding="utf-8"?>
-<p:notes xmlns:a="http://schemas.openxmlformats.org/drawingml/2006/main" xmlns:r="http://schemas.openxmlformats.org/officeDocument/2006/relationships" xmlns:p="http://schemas.openxmlformats.org/presentationml/2006/main" showMasterPhAnim="0" showMasterSp="0">
+<p:notes xmlns:a="http://schemas.openxmlformats.org/drawingml/2006/main" xmlns:r="http://schemas.openxmlformats.org/officeDocument/2006/relationships" xmlns:p="http://schemas.openxmlformats.org/presentationml/2006/main" showMasterSp="0" showMasterPhAnim="0">
   <p:cSld>
     <p:spTree>
       <p:nvGrpSpPr>
-        <p:cNvPr id="148" name="Shape 148"/>
+        <p:cNvPr id="1" name="Shape 148"/>
         <p:cNvGrpSpPr/>
         <p:nvPr/>
       </p:nvGrpSpPr>
@@ -1529,7 +1575,9 @@
       <p:sp>
         <p:nvSpPr>
           <p:cNvPr id="149" name="Google Shape;149;p3:notes"/>
-          <p:cNvSpPr txBox="1"/>
+          <p:cNvSpPr txBox="1">
+            <a:spLocks noGrp="1"/>
+          </p:cNvSpPr>
           <p:nvPr>
             <p:ph type="body" idx="1"/>
           </p:nvPr>
@@ -1581,7 +1629,9 @@
       <p:sp>
         <p:nvSpPr>
           <p:cNvPr id="150" name="Google Shape;150;p3:notes"/>
-          <p:cNvSpPr/>
+          <p:cNvSpPr>
+            <a:spLocks noGrp="1" noRot="1" noChangeAspect="1"/>
+          </p:cNvSpPr>
           <p:nvPr>
             <p:ph type="sldImg" idx="2"/>
           </p:nvPr>
@@ -1626,11 +1676,11 @@
 </file>
 
 <file path=ppt/notesSlides/notesSlide6.xml><?xml version="1.0" encoding="utf-8"?>
-<p:notes xmlns:a="http://schemas.openxmlformats.org/drawingml/2006/main" xmlns:r="http://schemas.openxmlformats.org/officeDocument/2006/relationships" xmlns:p="http://schemas.openxmlformats.org/presentationml/2006/main" showMasterPhAnim="0" showMasterSp="0">
+<p:notes xmlns:a="http://schemas.openxmlformats.org/drawingml/2006/main" xmlns:r="http://schemas.openxmlformats.org/officeDocument/2006/relationships" xmlns:p="http://schemas.openxmlformats.org/presentationml/2006/main" showMasterSp="0" showMasterPhAnim="0">
   <p:cSld>
     <p:spTree>
       <p:nvGrpSpPr>
-        <p:cNvPr id="148" name="Shape 148"/>
+        <p:cNvPr id="1" name="Shape 148"/>
         <p:cNvGrpSpPr/>
         <p:nvPr/>
       </p:nvGrpSpPr>
@@ -1645,7 +1695,9 @@
       <p:sp>
         <p:nvSpPr>
           <p:cNvPr id="149" name="Google Shape;149;p3:notes"/>
-          <p:cNvSpPr txBox="1"/>
+          <p:cNvSpPr txBox="1">
+            <a:spLocks noGrp="1"/>
+          </p:cNvSpPr>
           <p:nvPr>
             <p:ph type="body" idx="1"/>
           </p:nvPr>
@@ -1683,7 +1735,9 @@
       <p:sp>
         <p:nvSpPr>
           <p:cNvPr id="150" name="Google Shape;150;p3:notes"/>
-          <p:cNvSpPr/>
+          <p:cNvSpPr>
+            <a:spLocks noGrp="1" noRot="1" noChangeAspect="1"/>
+          </p:cNvSpPr>
           <p:nvPr>
             <p:ph type="sldImg" idx="2"/>
           </p:nvPr>
@@ -1728,11 +1782,11 @@
 </file>
 
 <file path=ppt/notesSlides/notesSlide7.xml><?xml version="1.0" encoding="utf-8"?>
-<p:notes xmlns:a="http://schemas.openxmlformats.org/drawingml/2006/main" xmlns:r="http://schemas.openxmlformats.org/officeDocument/2006/relationships" xmlns:p="http://schemas.openxmlformats.org/presentationml/2006/main" showMasterPhAnim="0" showMasterSp="0">
+<p:notes xmlns:a="http://schemas.openxmlformats.org/drawingml/2006/main" xmlns:r="http://schemas.openxmlformats.org/officeDocument/2006/relationships" xmlns:p="http://schemas.openxmlformats.org/presentationml/2006/main" showMasterSp="0" showMasterPhAnim="0">
   <p:cSld>
     <p:spTree>
       <p:nvGrpSpPr>
-        <p:cNvPr id="148" name="Shape 148"/>
+        <p:cNvPr id="1" name="Shape 148"/>
         <p:cNvGrpSpPr/>
         <p:nvPr/>
       </p:nvGrpSpPr>
@@ -1747,7 +1801,9 @@
       <p:sp>
         <p:nvSpPr>
           <p:cNvPr id="149" name="Google Shape;149;p3:notes"/>
-          <p:cNvSpPr txBox="1"/>
+          <p:cNvSpPr txBox="1">
+            <a:spLocks noGrp="1"/>
+          </p:cNvSpPr>
           <p:nvPr>
             <p:ph type="body" idx="1"/>
           </p:nvPr>
@@ -1776,13 +1832,16 @@
               </a:spcAft>
               <a:buNone/>
             </a:pPr>
+            <a:endParaRPr/>
           </a:p>
         </p:txBody>
       </p:sp>
       <p:sp>
         <p:nvSpPr>
           <p:cNvPr id="150" name="Google Shape;150;p3:notes"/>
-          <p:cNvSpPr/>
+          <p:cNvSpPr>
+            <a:spLocks noGrp="1" noRot="1" noChangeAspect="1"/>
+          </p:cNvSpPr>
           <p:nvPr>
             <p:ph type="sldImg" idx="2"/>
           </p:nvPr>
@@ -1827,11 +1886,11 @@
 </file>
 
 <file path=ppt/notesSlides/notesSlide8.xml><?xml version="1.0" encoding="utf-8"?>
-<p:notes xmlns:a="http://schemas.openxmlformats.org/drawingml/2006/main" xmlns:r="http://schemas.openxmlformats.org/officeDocument/2006/relationships" xmlns:p="http://schemas.openxmlformats.org/presentationml/2006/main" showMasterPhAnim="0" showMasterSp="0">
+<p:notes xmlns:a="http://schemas.openxmlformats.org/drawingml/2006/main" xmlns:r="http://schemas.openxmlformats.org/officeDocument/2006/relationships" xmlns:p="http://schemas.openxmlformats.org/presentationml/2006/main" showMasterSp="0" showMasterPhAnim="0">
   <p:cSld>
     <p:spTree>
       <p:nvGrpSpPr>
-        <p:cNvPr id="148" name="Shape 148"/>
+        <p:cNvPr id="1" name="Shape 148"/>
         <p:cNvGrpSpPr/>
         <p:nvPr/>
       </p:nvGrpSpPr>
@@ -1846,7 +1905,9 @@
       <p:sp>
         <p:nvSpPr>
           <p:cNvPr id="149" name="Google Shape;149;p3:notes"/>
-          <p:cNvSpPr txBox="1"/>
+          <p:cNvSpPr txBox="1">
+            <a:spLocks noGrp="1"/>
+          </p:cNvSpPr>
           <p:nvPr>
             <p:ph type="body" idx="1"/>
           </p:nvPr>
@@ -1875,13 +1936,16 @@
               </a:spcAft>
               <a:buNone/>
             </a:pPr>
+            <a:endParaRPr/>
           </a:p>
         </p:txBody>
       </p:sp>
       <p:sp>
         <p:nvSpPr>
           <p:cNvPr id="150" name="Google Shape;150;p3:notes"/>
-          <p:cNvSpPr/>
+          <p:cNvSpPr>
+            <a:spLocks noGrp="1" noRot="1" noChangeAspect="1"/>
+          </p:cNvSpPr>
           <p:nvPr>
             <p:ph type="sldImg" idx="2"/>
           </p:nvPr>
@@ -1926,11 +1990,11 @@
 </file>
 
 <file path=ppt/notesSlides/notesSlide9.xml><?xml version="1.0" encoding="utf-8"?>
-<p:notes xmlns:a="http://schemas.openxmlformats.org/drawingml/2006/main" xmlns:r="http://schemas.openxmlformats.org/officeDocument/2006/relationships" xmlns:p="http://schemas.openxmlformats.org/presentationml/2006/main" showMasterPhAnim="0" showMasterSp="0">
+<p:notes xmlns:a="http://schemas.openxmlformats.org/drawingml/2006/main" xmlns:r="http://schemas.openxmlformats.org/officeDocument/2006/relationships" xmlns:p="http://schemas.openxmlformats.org/presentationml/2006/main" showMasterSp="0" showMasterPhAnim="0">
   <p:cSld>
     <p:spTree>
       <p:nvGrpSpPr>
-        <p:cNvPr id="154" name="Shape 154"/>
+        <p:cNvPr id="1" name="Shape 154"/>
         <p:cNvGrpSpPr/>
         <p:nvPr/>
       </p:nvGrpSpPr>
@@ -1945,7 +2009,9 @@
       <p:sp>
         <p:nvSpPr>
           <p:cNvPr id="155" name="Google Shape;155;p4:notes"/>
-          <p:cNvSpPr txBox="1"/>
+          <p:cNvSpPr txBox="1">
+            <a:spLocks noGrp="1"/>
+          </p:cNvSpPr>
           <p:nvPr>
             <p:ph type="body" idx="1"/>
           </p:nvPr>
@@ -1974,21 +2040,24 @@
               </a:spcAft>
               <a:buNone/>
             </a:pPr>
+            <a:endParaRPr/>
           </a:p>
         </p:txBody>
       </p:sp>
       <p:sp>
         <p:nvSpPr>
           <p:cNvPr id="156" name="Google Shape;156;p4:notes"/>
-          <p:cNvSpPr/>
+          <p:cNvSpPr>
+            <a:spLocks noGrp="1" noRot="1" noChangeAspect="1"/>
+          </p:cNvSpPr>
           <p:nvPr>
             <p:ph type="sldImg" idx="2"/>
           </p:nvPr>
         </p:nvSpPr>
         <p:spPr>
           <a:xfrm>
-            <a:off x="1143225" y="685800"/>
-            <a:ext cx="4572225" cy="3429000"/>
+            <a:off x="1143000" y="685800"/>
+            <a:ext cx="4572000" cy="3429000"/>
           </a:xfrm>
           <a:custGeom>
             <a:avLst/>
@@ -2025,11 +2094,11 @@
 </file>
 
 <file path=ppt/slideLayouts/slideLayout1.xml><?xml version="1.0" encoding="utf-8"?>
-<p:sldLayout xmlns:a="http://schemas.openxmlformats.org/drawingml/2006/main" xmlns:r="http://schemas.openxmlformats.org/officeDocument/2006/relationships" xmlns:p="http://schemas.openxmlformats.org/presentationml/2006/main" type="title" matchingName="Title slide">
+<p:sldLayout xmlns:a="http://schemas.openxmlformats.org/drawingml/2006/main" xmlns:r="http://schemas.openxmlformats.org/officeDocument/2006/relationships" xmlns:p="http://schemas.openxmlformats.org/presentationml/2006/main" matchingName="Title slide" type="title">
   <p:cSld name="TITLE">
     <p:spTree>
       <p:nvGrpSpPr>
-        <p:cNvPr id="9" name="Shape 9"/>
+        <p:cNvPr id="1" name="Shape 9"/>
         <p:cNvGrpSpPr/>
         <p:nvPr/>
       </p:nvGrpSpPr>
@@ -2081,6 +2150,7 @@
               </a:spcAft>
               <a:buNone/>
             </a:pPr>
+            <a:endParaRPr/>
           </a:p>
         </p:txBody>
       </p:sp>
@@ -2138,6 +2208,7 @@
                 </a:spcAft>
                 <a:buNone/>
               </a:pPr>
+              <a:endParaRPr/>
             </a:p>
           </p:txBody>
         </p:sp>
@@ -2181,6 +2252,7 @@
                 </a:spcAft>
                 <a:buNone/>
               </a:pPr>
+              <a:endParaRPr/>
             </a:p>
           </p:txBody>
         </p:sp>
@@ -2222,6 +2294,7 @@
                 </a:spcAft>
                 <a:buNone/>
               </a:pPr>
+              <a:endParaRPr/>
             </a:p>
           </p:txBody>
         </p:sp>
@@ -2263,6 +2336,7 @@
                 </a:spcAft>
                 <a:buNone/>
               </a:pPr>
+              <a:endParaRPr/>
             </a:p>
           </p:txBody>
         </p:sp>
@@ -2270,7 +2344,9 @@
       <p:sp>
         <p:nvSpPr>
           <p:cNvPr id="16" name="Google Shape;16;p2"/>
-          <p:cNvSpPr txBox="1"/>
+          <p:cNvSpPr txBox="1">
+            <a:spLocks noGrp="1"/>
+          </p:cNvSpPr>
           <p:nvPr>
             <p:ph type="ctrTitle"/>
           </p:nvPr>
@@ -2389,13 +2465,17 @@
               <a:defRPr sz="4000"/>
             </a:lvl9pPr>
           </a:lstStyle>
-          <a:p/>
+          <a:p>
+            <a:endParaRPr/>
+          </a:p>
         </p:txBody>
       </p:sp>
       <p:sp>
         <p:nvSpPr>
           <p:cNvPr id="17" name="Google Shape;17;p2"/>
-          <p:cNvSpPr txBox="1"/>
+          <p:cNvSpPr txBox="1">
+            <a:spLocks noGrp="1"/>
+          </p:cNvSpPr>
           <p:nvPr>
             <p:ph type="subTitle" idx="1"/>
           </p:nvPr>
@@ -2541,13 +2621,17 @@
               <a:defRPr sz="1300"/>
             </a:lvl9pPr>
           </a:lstStyle>
-          <a:p/>
+          <a:p>
+            <a:endParaRPr/>
+          </a:p>
         </p:txBody>
       </p:sp>
       <p:sp>
         <p:nvSpPr>
           <p:cNvPr id="18" name="Google Shape;18;p2"/>
-          <p:cNvSpPr txBox="1"/>
+          <p:cNvSpPr txBox="1">
+            <a:spLocks noGrp="1"/>
+          </p:cNvSpPr>
           <p:nvPr>
             <p:ph type="sldNum" idx="12"/>
           </p:nvPr>
@@ -2615,6 +2699,7 @@
             </a:pPr>
             <a:fld id="{00000000-1234-1234-1234-123412341234}" type="slidenum">
               <a:rPr lang="en-US"/>
+              <a:t>‹#›</a:t>
             </a:fld>
             <a:endParaRPr lang="en-US"/>
           </a:p>
@@ -2634,7 +2719,7 @@
   <p:cSld name="BIG_NUMBER">
     <p:spTree>
       <p:nvGrpSpPr>
-        <p:cNvPr id="105" name="Shape 105"/>
+        <p:cNvPr id="1" name="Shape 105"/>
         <p:cNvGrpSpPr/>
         <p:nvPr/>
       </p:nvGrpSpPr>
@@ -2700,6 +2785,7 @@
                 </a:spcAft>
                 <a:buNone/>
               </a:pPr>
+              <a:endParaRPr/>
             </a:p>
           </p:txBody>
         </p:sp>
@@ -2743,6 +2829,7 @@
                 </a:spcAft>
                 <a:buNone/>
               </a:pPr>
+              <a:endParaRPr/>
             </a:p>
           </p:txBody>
         </p:sp>
@@ -2786,6 +2873,7 @@
                 </a:spcAft>
                 <a:buNone/>
               </a:pPr>
+              <a:endParaRPr/>
             </a:p>
           </p:txBody>
         </p:sp>
@@ -2829,6 +2917,7 @@
                 </a:spcAft>
                 <a:buNone/>
               </a:pPr>
+              <a:endParaRPr/>
             </a:p>
           </p:txBody>
         </p:sp>
@@ -2872,6 +2961,7 @@
                 </a:spcAft>
                 <a:buNone/>
               </a:pPr>
+              <a:endParaRPr/>
             </a:p>
           </p:txBody>
         </p:sp>
@@ -2915,6 +3005,7 @@
                 </a:spcAft>
                 <a:buNone/>
               </a:pPr>
+              <a:endParaRPr/>
             </a:p>
           </p:txBody>
         </p:sp>
@@ -2958,6 +3049,7 @@
                 </a:spcAft>
                 <a:buNone/>
               </a:pPr>
+              <a:endParaRPr/>
             </a:p>
           </p:txBody>
         </p:sp>
@@ -2999,6 +3091,7 @@
                 </a:spcAft>
                 <a:buNone/>
               </a:pPr>
+              <a:endParaRPr/>
             </a:p>
           </p:txBody>
         </p:sp>
@@ -3042,6 +3135,7 @@
                 </a:spcAft>
                 <a:buNone/>
               </a:pPr>
+              <a:endParaRPr/>
             </a:p>
           </p:txBody>
         </p:sp>
@@ -3085,6 +3179,7 @@
                 </a:spcAft>
                 <a:buNone/>
               </a:pPr>
+              <a:endParaRPr/>
             </a:p>
           </p:txBody>
         </p:sp>
@@ -3128,6 +3223,7 @@
                 </a:spcAft>
                 <a:buNone/>
               </a:pPr>
+              <a:endParaRPr/>
             </a:p>
           </p:txBody>
         </p:sp>
@@ -3171,6 +3267,7 @@
                 </a:spcAft>
                 <a:buNone/>
               </a:pPr>
+              <a:endParaRPr/>
             </a:p>
           </p:txBody>
         </p:sp>
@@ -3214,6 +3311,7 @@
                 </a:spcAft>
                 <a:buNone/>
               </a:pPr>
+              <a:endParaRPr/>
             </a:p>
           </p:txBody>
         </p:sp>
@@ -3255,6 +3353,7 @@
                 </a:spcAft>
                 <a:buNone/>
               </a:pPr>
+              <a:endParaRPr/>
             </a:p>
           </p:txBody>
         </p:sp>
@@ -3298,6 +3397,7 @@
                 </a:spcAft>
                 <a:buNone/>
               </a:pPr>
+              <a:endParaRPr/>
             </a:p>
           </p:txBody>
         </p:sp>
@@ -3341,6 +3441,7 @@
                 </a:spcAft>
                 <a:buNone/>
               </a:pPr>
+              <a:endParaRPr/>
             </a:p>
           </p:txBody>
         </p:sp>
@@ -3384,6 +3485,7 @@
                 </a:spcAft>
                 <a:buNone/>
               </a:pPr>
+              <a:endParaRPr/>
             </a:p>
           </p:txBody>
         </p:sp>
@@ -3427,6 +3529,7 @@
                 </a:spcAft>
                 <a:buNone/>
               </a:pPr>
+              <a:endParaRPr/>
             </a:p>
           </p:txBody>
         </p:sp>
@@ -3434,7 +3537,9 @@
       <p:sp>
         <p:nvSpPr>
           <p:cNvPr id="125" name="Google Shape;125;p11"/>
-          <p:cNvSpPr txBox="1"/>
+          <p:cNvSpPr txBox="1">
+            <a:spLocks noGrp="1"/>
+          </p:cNvSpPr>
           <p:nvPr>
             <p:ph type="title" hasCustomPrompt="1"/>
           </p:nvPr>
@@ -3563,7 +3668,9 @@
       <p:sp>
         <p:nvSpPr>
           <p:cNvPr id="126" name="Google Shape;126;p11"/>
-          <p:cNvSpPr txBox="1"/>
+          <p:cNvSpPr txBox="1">
+            <a:spLocks noGrp="1"/>
+          </p:cNvSpPr>
           <p:nvPr>
             <p:ph type="body" idx="1"/>
           </p:nvPr>
@@ -3682,13 +3789,17 @@
               <a:defRPr/>
             </a:lvl9pPr>
           </a:lstStyle>
-          <a:p/>
+          <a:p>
+            <a:endParaRPr/>
+          </a:p>
         </p:txBody>
       </p:sp>
       <p:sp>
         <p:nvSpPr>
           <p:cNvPr id="127" name="Google Shape;127;p11"/>
-          <p:cNvSpPr txBox="1"/>
+          <p:cNvSpPr txBox="1">
+            <a:spLocks noGrp="1"/>
+          </p:cNvSpPr>
           <p:nvPr>
             <p:ph type="sldNum" idx="12"/>
           </p:nvPr>
@@ -3756,6 +3867,7 @@
             </a:pPr>
             <a:fld id="{00000000-1234-1234-1234-123412341234}" type="slidenum">
               <a:rPr lang="en-US"/>
+              <a:t>‹#›</a:t>
             </a:fld>
             <a:endParaRPr lang="en-US"/>
           </a:p>
@@ -3771,11 +3883,11 @@
 </file>
 
 <file path=ppt/slideLayouts/slideLayout11.xml><?xml version="1.0" encoding="utf-8"?>
-<p:sldLayout xmlns:a="http://schemas.openxmlformats.org/drawingml/2006/main" xmlns:r="http://schemas.openxmlformats.org/officeDocument/2006/relationships" xmlns:p="http://schemas.openxmlformats.org/presentationml/2006/main" type="blank" matchingName="Blank">
+<p:sldLayout xmlns:a="http://schemas.openxmlformats.org/drawingml/2006/main" xmlns:r="http://schemas.openxmlformats.org/officeDocument/2006/relationships" xmlns:p="http://schemas.openxmlformats.org/presentationml/2006/main" matchingName="Blank" type="blank">
   <p:cSld name="BLANK">
     <p:spTree>
       <p:nvGrpSpPr>
-        <p:cNvPr id="128" name="Shape 128"/>
+        <p:cNvPr id="1" name="Shape 128"/>
         <p:cNvGrpSpPr/>
         <p:nvPr/>
       </p:nvGrpSpPr>
@@ -3790,7 +3902,9 @@
       <p:sp>
         <p:nvSpPr>
           <p:cNvPr id="129" name="Google Shape;129;p12"/>
-          <p:cNvSpPr txBox="1"/>
+          <p:cNvSpPr txBox="1">
+            <a:spLocks noGrp="1"/>
+          </p:cNvSpPr>
           <p:nvPr>
             <p:ph type="sldNum" idx="12"/>
           </p:nvPr>
@@ -3858,6 +3972,7 @@
             </a:pPr>
             <a:fld id="{00000000-1234-1234-1234-123412341234}" type="slidenum">
               <a:rPr lang="en-US"/>
+              <a:t>‹#›</a:t>
             </a:fld>
             <a:endParaRPr lang="en-US"/>
           </a:p>
@@ -3873,11 +3988,11 @@
 </file>
 
 <file path=ppt/slideLayouts/slideLayout12.xml><?xml version="1.0" encoding="utf-8"?>
-<p:sldLayout xmlns:a="http://schemas.openxmlformats.org/drawingml/2006/main" xmlns:r="http://schemas.openxmlformats.org/officeDocument/2006/relationships" xmlns:p="http://schemas.openxmlformats.org/presentationml/2006/main" type="obj" matchingName="Title and Content">
+<p:sldLayout xmlns:a="http://schemas.openxmlformats.org/drawingml/2006/main" xmlns:r="http://schemas.openxmlformats.org/officeDocument/2006/relationships" xmlns:p="http://schemas.openxmlformats.org/presentationml/2006/main" matchingName="Title and Content" type="obj">
   <p:cSld name="OBJECT">
     <p:spTree>
       <p:nvGrpSpPr>
-        <p:cNvPr id="130" name="Shape 130"/>
+        <p:cNvPr id="1" name="Shape 130"/>
         <p:cNvGrpSpPr/>
         <p:nvPr/>
       </p:nvGrpSpPr>
@@ -3892,7 +4007,9 @@
       <p:sp>
         <p:nvSpPr>
           <p:cNvPr id="131" name="Google Shape;131;p13"/>
-          <p:cNvSpPr txBox="1"/>
+          <p:cNvSpPr txBox="1">
+            <a:spLocks noGrp="1"/>
+          </p:cNvSpPr>
           <p:nvPr>
             <p:ph type="title"/>
           </p:nvPr>
@@ -4018,13 +4135,17 @@
               <a:defRPr/>
             </a:lvl9pPr>
           </a:lstStyle>
-          <a:p/>
+          <a:p>
+            <a:endParaRPr/>
+          </a:p>
         </p:txBody>
       </p:sp>
       <p:sp>
         <p:nvSpPr>
           <p:cNvPr id="132" name="Google Shape;132;p13"/>
-          <p:cNvSpPr txBox="1"/>
+          <p:cNvSpPr txBox="1">
+            <a:spLocks noGrp="1"/>
+          </p:cNvSpPr>
           <p:nvPr>
             <p:ph type="body" idx="1"/>
           </p:nvPr>
@@ -4174,13 +4295,17 @@
               <a:defRPr/>
             </a:lvl9pPr>
           </a:lstStyle>
-          <a:p/>
+          <a:p>
+            <a:endParaRPr/>
+          </a:p>
         </p:txBody>
       </p:sp>
       <p:sp>
         <p:nvSpPr>
           <p:cNvPr id="133" name="Google Shape;133;p13"/>
-          <p:cNvSpPr txBox="1"/>
+          <p:cNvSpPr txBox="1">
+            <a:spLocks noGrp="1"/>
+          </p:cNvSpPr>
           <p:nvPr>
             <p:ph type="dt" idx="10"/>
           </p:nvPr>
@@ -4303,13 +4428,17 @@
               <a:defRPr/>
             </a:lvl9pPr>
           </a:lstStyle>
-          <a:p/>
+          <a:p>
+            <a:endParaRPr/>
+          </a:p>
         </p:txBody>
       </p:sp>
       <p:sp>
         <p:nvSpPr>
           <p:cNvPr id="134" name="Google Shape;134;p13"/>
-          <p:cNvSpPr txBox="1"/>
+          <p:cNvSpPr txBox="1">
+            <a:spLocks noGrp="1"/>
+          </p:cNvSpPr>
           <p:nvPr>
             <p:ph type="ftr" idx="11"/>
           </p:nvPr>
@@ -4432,13 +4561,17 @@
               <a:defRPr/>
             </a:lvl9pPr>
           </a:lstStyle>
-          <a:p/>
+          <a:p>
+            <a:endParaRPr/>
+          </a:p>
         </p:txBody>
       </p:sp>
       <p:sp>
         <p:nvSpPr>
           <p:cNvPr id="135" name="Google Shape;135;p13"/>
-          <p:cNvSpPr txBox="1"/>
+          <p:cNvSpPr txBox="1">
+            <a:spLocks noGrp="1"/>
+          </p:cNvSpPr>
           <p:nvPr>
             <p:ph type="sldNum" idx="12"/>
           </p:nvPr>
@@ -4537,6 +4670,7 @@
             </a:pPr>
             <a:fld id="{00000000-1234-1234-1234-123412341234}" type="slidenum">
               <a:rPr lang="en-US"/>
+              <a:t>‹#›</a:t>
             </a:fld>
             <a:endParaRPr lang="en-US"/>
           </a:p>
@@ -4552,11 +4686,11 @@
 </file>
 
 <file path=ppt/slideLayouts/slideLayout2.xml><?xml version="1.0" encoding="utf-8"?>
-<p:sldLayout xmlns:a="http://schemas.openxmlformats.org/drawingml/2006/main" xmlns:r="http://schemas.openxmlformats.org/officeDocument/2006/relationships" xmlns:p="http://schemas.openxmlformats.org/presentationml/2006/main" type="secHead" matchingName="Section header">
+<p:sldLayout xmlns:a="http://schemas.openxmlformats.org/drawingml/2006/main" xmlns:r="http://schemas.openxmlformats.org/officeDocument/2006/relationships" xmlns:p="http://schemas.openxmlformats.org/presentationml/2006/main" matchingName="Section header" type="secHead">
   <p:cSld name="SECTION_HEADER">
     <p:spTree>
       <p:nvGrpSpPr>
-        <p:cNvPr id="19" name="Shape 19"/>
+        <p:cNvPr id="1" name="Shape 19"/>
         <p:cNvGrpSpPr/>
         <p:nvPr/>
       </p:nvGrpSpPr>
@@ -4622,6 +4756,7 @@
                 </a:spcAft>
                 <a:buNone/>
               </a:pPr>
+              <a:endParaRPr/>
             </a:p>
           </p:txBody>
         </p:sp>
@@ -4665,6 +4800,7 @@
                 </a:spcAft>
                 <a:buNone/>
               </a:pPr>
+              <a:endParaRPr/>
             </a:p>
           </p:txBody>
         </p:sp>
@@ -4708,6 +4844,7 @@
                 </a:spcAft>
                 <a:buNone/>
               </a:pPr>
+              <a:endParaRPr/>
             </a:p>
           </p:txBody>
         </p:sp>
@@ -4751,6 +4888,7 @@
                 </a:spcAft>
                 <a:buNone/>
               </a:pPr>
+              <a:endParaRPr/>
             </a:p>
           </p:txBody>
         </p:sp>
@@ -4794,6 +4932,7 @@
                 </a:spcAft>
                 <a:buNone/>
               </a:pPr>
+              <a:endParaRPr/>
             </a:p>
           </p:txBody>
         </p:sp>
@@ -4837,6 +4976,7 @@
                 </a:spcAft>
                 <a:buNone/>
               </a:pPr>
+              <a:endParaRPr/>
             </a:p>
           </p:txBody>
         </p:sp>
@@ -4880,6 +5020,7 @@
                 </a:spcAft>
                 <a:buNone/>
               </a:pPr>
+              <a:endParaRPr/>
             </a:p>
           </p:txBody>
         </p:sp>
@@ -4921,6 +5062,7 @@
                 </a:spcAft>
                 <a:buNone/>
               </a:pPr>
+              <a:endParaRPr/>
             </a:p>
           </p:txBody>
         </p:sp>
@@ -4964,6 +5106,7 @@
                 </a:spcAft>
                 <a:buNone/>
               </a:pPr>
+              <a:endParaRPr/>
             </a:p>
           </p:txBody>
         </p:sp>
@@ -5007,6 +5150,7 @@
                 </a:spcAft>
                 <a:buNone/>
               </a:pPr>
+              <a:endParaRPr/>
             </a:p>
           </p:txBody>
         </p:sp>
@@ -5050,6 +5194,7 @@
                 </a:spcAft>
                 <a:buNone/>
               </a:pPr>
+              <a:endParaRPr/>
             </a:p>
           </p:txBody>
         </p:sp>
@@ -5093,6 +5238,7 @@
                 </a:spcAft>
                 <a:buNone/>
               </a:pPr>
+              <a:endParaRPr/>
             </a:p>
           </p:txBody>
         </p:sp>
@@ -5136,6 +5282,7 @@
                 </a:spcAft>
                 <a:buNone/>
               </a:pPr>
+              <a:endParaRPr/>
             </a:p>
           </p:txBody>
         </p:sp>
@@ -5177,6 +5324,7 @@
                 </a:spcAft>
                 <a:buNone/>
               </a:pPr>
+              <a:endParaRPr/>
             </a:p>
           </p:txBody>
         </p:sp>
@@ -5220,6 +5368,7 @@
                 </a:spcAft>
                 <a:buNone/>
               </a:pPr>
+              <a:endParaRPr/>
             </a:p>
           </p:txBody>
         </p:sp>
@@ -5263,6 +5412,7 @@
                 </a:spcAft>
                 <a:buNone/>
               </a:pPr>
+              <a:endParaRPr/>
             </a:p>
           </p:txBody>
         </p:sp>
@@ -5306,6 +5456,7 @@
                 </a:spcAft>
                 <a:buNone/>
               </a:pPr>
+              <a:endParaRPr/>
             </a:p>
           </p:txBody>
         </p:sp>
@@ -5349,6 +5500,7 @@
                 </a:spcAft>
                 <a:buNone/>
               </a:pPr>
+              <a:endParaRPr/>
             </a:p>
           </p:txBody>
         </p:sp>
@@ -5356,7 +5508,9 @@
       <p:sp>
         <p:nvSpPr>
           <p:cNvPr id="39" name="Google Shape;39;p3"/>
-          <p:cNvSpPr txBox="1"/>
+          <p:cNvSpPr txBox="1">
+            <a:spLocks noGrp="1"/>
+          </p:cNvSpPr>
           <p:nvPr>
             <p:ph type="title"/>
           </p:nvPr>
@@ -5475,13 +5629,17 @@
               <a:defRPr/>
             </a:lvl9pPr>
           </a:lstStyle>
-          <a:p/>
+          <a:p>
+            <a:endParaRPr/>
+          </a:p>
         </p:txBody>
       </p:sp>
       <p:sp>
         <p:nvSpPr>
           <p:cNvPr id="40" name="Google Shape;40;p3"/>
-          <p:cNvSpPr txBox="1"/>
+          <p:cNvSpPr txBox="1">
+            <a:spLocks noGrp="1"/>
+          </p:cNvSpPr>
           <p:nvPr>
             <p:ph type="sldNum" idx="12"/>
           </p:nvPr>
@@ -5549,6 +5707,7 @@
             </a:pPr>
             <a:fld id="{00000000-1234-1234-1234-123412341234}" type="slidenum">
               <a:rPr lang="en-US"/>
+              <a:t>‹#›</a:t>
             </a:fld>
             <a:endParaRPr lang="en-US"/>
           </a:p>
@@ -5564,11 +5723,11 @@
 </file>
 
 <file path=ppt/slideLayouts/slideLayout3.xml><?xml version="1.0" encoding="utf-8"?>
-<p:sldLayout xmlns:a="http://schemas.openxmlformats.org/drawingml/2006/main" xmlns:r="http://schemas.openxmlformats.org/officeDocument/2006/relationships" xmlns:p="http://schemas.openxmlformats.org/presentationml/2006/main" type="tx" matchingName="Title and body">
+<p:sldLayout xmlns:a="http://schemas.openxmlformats.org/drawingml/2006/main" xmlns:r="http://schemas.openxmlformats.org/officeDocument/2006/relationships" xmlns:p="http://schemas.openxmlformats.org/presentationml/2006/main" matchingName="Title and body" type="tx">
   <p:cSld name="TITLE_AND_BODY">
     <p:spTree>
       <p:nvGrpSpPr>
-        <p:cNvPr id="41" name="Shape 41"/>
+        <p:cNvPr id="1" name="Shape 41"/>
         <p:cNvGrpSpPr/>
         <p:nvPr/>
       </p:nvGrpSpPr>
@@ -5632,6 +5791,7 @@
                 </a:spcAft>
                 <a:buNone/>
               </a:pPr>
+              <a:endParaRPr/>
             </a:p>
           </p:txBody>
         </p:sp>
@@ -5673,6 +5833,7 @@
                 </a:spcAft>
                 <a:buNone/>
               </a:pPr>
+              <a:endParaRPr/>
             </a:p>
           </p:txBody>
         </p:sp>
@@ -5680,7 +5841,9 @@
       <p:sp>
         <p:nvSpPr>
           <p:cNvPr id="45" name="Google Shape;45;p4"/>
-          <p:cNvSpPr txBox="1"/>
+          <p:cNvSpPr txBox="1">
+            <a:spLocks noGrp="1"/>
+          </p:cNvSpPr>
           <p:nvPr>
             <p:ph type="title"/>
           </p:nvPr>
@@ -5799,13 +5962,17 @@
               <a:defRPr sz="2400"/>
             </a:lvl9pPr>
           </a:lstStyle>
-          <a:p/>
+          <a:p>
+            <a:endParaRPr/>
+          </a:p>
         </p:txBody>
       </p:sp>
       <p:sp>
         <p:nvSpPr>
           <p:cNvPr id="46" name="Google Shape;46;p4"/>
-          <p:cNvSpPr txBox="1"/>
+          <p:cNvSpPr txBox="1">
+            <a:spLocks noGrp="1"/>
+          </p:cNvSpPr>
           <p:nvPr>
             <p:ph type="body" idx="1"/>
           </p:nvPr>
@@ -5924,13 +6091,17 @@
               <a:defRPr/>
             </a:lvl9pPr>
           </a:lstStyle>
-          <a:p/>
+          <a:p>
+            <a:endParaRPr/>
+          </a:p>
         </p:txBody>
       </p:sp>
       <p:sp>
         <p:nvSpPr>
           <p:cNvPr id="47" name="Google Shape;47;p4"/>
-          <p:cNvSpPr txBox="1"/>
+          <p:cNvSpPr txBox="1">
+            <a:spLocks noGrp="1"/>
+          </p:cNvSpPr>
           <p:nvPr>
             <p:ph type="sldNum" idx="12"/>
           </p:nvPr>
@@ -5998,6 +6169,7 @@
             </a:pPr>
             <a:fld id="{00000000-1234-1234-1234-123412341234}" type="slidenum">
               <a:rPr lang="en-US"/>
+              <a:t>‹#›</a:t>
             </a:fld>
             <a:endParaRPr lang="en-US"/>
           </a:p>
@@ -6013,11 +6185,11 @@
 </file>
 
 <file path=ppt/slideLayouts/slideLayout4.xml><?xml version="1.0" encoding="utf-8"?>
-<p:sldLayout xmlns:a="http://schemas.openxmlformats.org/drawingml/2006/main" xmlns:r="http://schemas.openxmlformats.org/officeDocument/2006/relationships" xmlns:p="http://schemas.openxmlformats.org/presentationml/2006/main" type="twoColTx" matchingName="Title and two columns">
+<p:sldLayout xmlns:a="http://schemas.openxmlformats.org/drawingml/2006/main" xmlns:r="http://schemas.openxmlformats.org/officeDocument/2006/relationships" xmlns:p="http://schemas.openxmlformats.org/presentationml/2006/main" matchingName="Title and two columns" type="twoColTx">
   <p:cSld name="TITLE_AND_TWO_COLUMNS">
     <p:spTree>
       <p:nvGrpSpPr>
-        <p:cNvPr id="48" name="Shape 48"/>
+        <p:cNvPr id="1" name="Shape 48"/>
         <p:cNvGrpSpPr/>
         <p:nvPr/>
       </p:nvGrpSpPr>
@@ -6081,6 +6253,7 @@
                 </a:spcAft>
                 <a:buNone/>
               </a:pPr>
+              <a:endParaRPr/>
             </a:p>
           </p:txBody>
         </p:sp>
@@ -6122,6 +6295,7 @@
                 </a:spcAft>
                 <a:buNone/>
               </a:pPr>
+              <a:endParaRPr/>
             </a:p>
           </p:txBody>
         </p:sp>
@@ -6129,7 +6303,9 @@
       <p:sp>
         <p:nvSpPr>
           <p:cNvPr id="52" name="Google Shape;52;p5"/>
-          <p:cNvSpPr txBox="1"/>
+          <p:cNvSpPr txBox="1">
+            <a:spLocks noGrp="1"/>
+          </p:cNvSpPr>
           <p:nvPr>
             <p:ph type="title"/>
           </p:nvPr>
@@ -6248,13 +6424,17 @@
               <a:defRPr sz="2400"/>
             </a:lvl9pPr>
           </a:lstStyle>
-          <a:p/>
+          <a:p>
+            <a:endParaRPr/>
+          </a:p>
         </p:txBody>
       </p:sp>
       <p:sp>
         <p:nvSpPr>
           <p:cNvPr id="53" name="Google Shape;53;p5"/>
-          <p:cNvSpPr txBox="1"/>
+          <p:cNvSpPr txBox="1">
+            <a:spLocks noGrp="1"/>
+          </p:cNvSpPr>
           <p:nvPr>
             <p:ph type="body" idx="1"/>
           </p:nvPr>
@@ -6373,13 +6553,17 @@
               <a:defRPr/>
             </a:lvl9pPr>
           </a:lstStyle>
-          <a:p/>
+          <a:p>
+            <a:endParaRPr/>
+          </a:p>
         </p:txBody>
       </p:sp>
       <p:sp>
         <p:nvSpPr>
           <p:cNvPr id="54" name="Google Shape;54;p5"/>
-          <p:cNvSpPr txBox="1"/>
+          <p:cNvSpPr txBox="1">
+            <a:spLocks noGrp="1"/>
+          </p:cNvSpPr>
           <p:nvPr>
             <p:ph type="body" idx="2"/>
           </p:nvPr>
@@ -6498,13 +6682,17 @@
               <a:defRPr/>
             </a:lvl9pPr>
           </a:lstStyle>
-          <a:p/>
+          <a:p>
+            <a:endParaRPr/>
+          </a:p>
         </p:txBody>
       </p:sp>
       <p:sp>
         <p:nvSpPr>
           <p:cNvPr id="55" name="Google Shape;55;p5"/>
-          <p:cNvSpPr txBox="1"/>
+          <p:cNvSpPr txBox="1">
+            <a:spLocks noGrp="1"/>
+          </p:cNvSpPr>
           <p:nvPr>
             <p:ph type="sldNum" idx="12"/>
           </p:nvPr>
@@ -6572,6 +6760,7 @@
             </a:pPr>
             <a:fld id="{00000000-1234-1234-1234-123412341234}" type="slidenum">
               <a:rPr lang="en-US"/>
+              <a:t>‹#›</a:t>
             </a:fld>
             <a:endParaRPr lang="en-US"/>
           </a:p>
@@ -6587,11 +6776,11 @@
 </file>
 
 <file path=ppt/slideLayouts/slideLayout5.xml><?xml version="1.0" encoding="utf-8"?>
-<p:sldLayout xmlns:a="http://schemas.openxmlformats.org/drawingml/2006/main" xmlns:r="http://schemas.openxmlformats.org/officeDocument/2006/relationships" xmlns:p="http://schemas.openxmlformats.org/presentationml/2006/main" type="titleOnly" matchingName="Title only">
+<p:sldLayout xmlns:a="http://schemas.openxmlformats.org/drawingml/2006/main" xmlns:r="http://schemas.openxmlformats.org/officeDocument/2006/relationships" xmlns:p="http://schemas.openxmlformats.org/presentationml/2006/main" matchingName="Title only" type="titleOnly">
   <p:cSld name="TITLE_ONLY">
     <p:spTree>
       <p:nvGrpSpPr>
-        <p:cNvPr id="56" name="Shape 56"/>
+        <p:cNvPr id="1" name="Shape 56"/>
         <p:cNvGrpSpPr/>
         <p:nvPr/>
       </p:nvGrpSpPr>
@@ -6655,6 +6844,7 @@
                 </a:spcAft>
                 <a:buNone/>
               </a:pPr>
+              <a:endParaRPr/>
             </a:p>
           </p:txBody>
         </p:sp>
@@ -6696,6 +6886,7 @@
                 </a:spcAft>
                 <a:buNone/>
               </a:pPr>
+              <a:endParaRPr/>
             </a:p>
           </p:txBody>
         </p:sp>
@@ -6703,7 +6894,9 @@
       <p:sp>
         <p:nvSpPr>
           <p:cNvPr id="60" name="Google Shape;60;p6"/>
-          <p:cNvSpPr txBox="1"/>
+          <p:cNvSpPr txBox="1">
+            <a:spLocks noGrp="1"/>
+          </p:cNvSpPr>
           <p:nvPr>
             <p:ph type="title"/>
           </p:nvPr>
@@ -6822,13 +7015,17 @@
               <a:defRPr sz="2400"/>
             </a:lvl9pPr>
           </a:lstStyle>
-          <a:p/>
+          <a:p>
+            <a:endParaRPr/>
+          </a:p>
         </p:txBody>
       </p:sp>
       <p:sp>
         <p:nvSpPr>
           <p:cNvPr id="61" name="Google Shape;61;p6"/>
-          <p:cNvSpPr txBox="1"/>
+          <p:cNvSpPr txBox="1">
+            <a:spLocks noGrp="1"/>
+          </p:cNvSpPr>
           <p:nvPr>
             <p:ph type="sldNum" idx="12"/>
           </p:nvPr>
@@ -6896,6 +7093,7 @@
             </a:pPr>
             <a:fld id="{00000000-1234-1234-1234-123412341234}" type="slidenum">
               <a:rPr lang="en-US"/>
+              <a:t>‹#›</a:t>
             </a:fld>
             <a:endParaRPr lang="en-US"/>
           </a:p>
@@ -6915,7 +7113,7 @@
   <p:cSld name="ONE_COLUMN_TEXT">
     <p:spTree>
       <p:nvGrpSpPr>
-        <p:cNvPr id="62" name="Shape 62"/>
+        <p:cNvPr id="1" name="Shape 62"/>
         <p:cNvGrpSpPr/>
         <p:nvPr/>
       </p:nvGrpSpPr>
@@ -6979,6 +7177,7 @@
                 </a:spcAft>
                 <a:buNone/>
               </a:pPr>
+              <a:endParaRPr/>
             </a:p>
           </p:txBody>
         </p:sp>
@@ -7020,6 +7219,7 @@
                 </a:spcAft>
                 <a:buNone/>
               </a:pPr>
+              <a:endParaRPr/>
             </a:p>
           </p:txBody>
         </p:sp>
@@ -7027,7 +7227,9 @@
       <p:sp>
         <p:nvSpPr>
           <p:cNvPr id="66" name="Google Shape;66;p7"/>
-          <p:cNvSpPr txBox="1"/>
+          <p:cNvSpPr txBox="1">
+            <a:spLocks noGrp="1"/>
+          </p:cNvSpPr>
           <p:nvPr>
             <p:ph type="title"/>
           </p:nvPr>
@@ -7146,13 +7348,17 @@
               <a:defRPr sz="2400"/>
             </a:lvl9pPr>
           </a:lstStyle>
-          <a:p/>
+          <a:p>
+            <a:endParaRPr/>
+          </a:p>
         </p:txBody>
       </p:sp>
       <p:sp>
         <p:nvSpPr>
           <p:cNvPr id="67" name="Google Shape;67;p7"/>
-          <p:cNvSpPr txBox="1"/>
+          <p:cNvSpPr txBox="1">
+            <a:spLocks noGrp="1"/>
+          </p:cNvSpPr>
           <p:nvPr>
             <p:ph type="body" idx="1"/>
           </p:nvPr>
@@ -7271,13 +7477,17 @@
               <a:defRPr/>
             </a:lvl9pPr>
           </a:lstStyle>
-          <a:p/>
+          <a:p>
+            <a:endParaRPr/>
+          </a:p>
         </p:txBody>
       </p:sp>
       <p:sp>
         <p:nvSpPr>
           <p:cNvPr id="68" name="Google Shape;68;p7"/>
-          <p:cNvSpPr txBox="1"/>
+          <p:cNvSpPr txBox="1">
+            <a:spLocks noGrp="1"/>
+          </p:cNvSpPr>
           <p:nvPr>
             <p:ph type="sldNum" idx="12"/>
           </p:nvPr>
@@ -7345,6 +7555,7 @@
             </a:pPr>
             <a:fld id="{00000000-1234-1234-1234-123412341234}" type="slidenum">
               <a:rPr lang="en-US"/>
+              <a:t>‹#›</a:t>
             </a:fld>
             <a:endParaRPr lang="en-US"/>
           </a:p>
@@ -7364,7 +7575,7 @@
   <p:cSld name="MAIN_POINT">
     <p:spTree>
       <p:nvGrpSpPr>
-        <p:cNvPr id="69" name="Shape 69"/>
+        <p:cNvPr id="1" name="Shape 69"/>
         <p:cNvGrpSpPr/>
         <p:nvPr/>
       </p:nvGrpSpPr>
@@ -7430,6 +7641,7 @@
                 </a:spcAft>
                 <a:buNone/>
               </a:pPr>
+              <a:endParaRPr/>
             </a:p>
           </p:txBody>
         </p:sp>
@@ -7473,6 +7685,7 @@
                 </a:spcAft>
                 <a:buNone/>
               </a:pPr>
+              <a:endParaRPr/>
             </a:p>
           </p:txBody>
         </p:sp>
@@ -7516,6 +7729,7 @@
                 </a:spcAft>
                 <a:buNone/>
               </a:pPr>
+              <a:endParaRPr/>
             </a:p>
           </p:txBody>
         </p:sp>
@@ -7559,6 +7773,7 @@
                 </a:spcAft>
                 <a:buNone/>
               </a:pPr>
+              <a:endParaRPr/>
             </a:p>
           </p:txBody>
         </p:sp>
@@ -7602,6 +7817,7 @@
                 </a:spcAft>
                 <a:buNone/>
               </a:pPr>
+              <a:endParaRPr/>
             </a:p>
           </p:txBody>
         </p:sp>
@@ -7645,6 +7861,7 @@
                 </a:spcAft>
                 <a:buNone/>
               </a:pPr>
+              <a:endParaRPr/>
             </a:p>
           </p:txBody>
         </p:sp>
@@ -7688,6 +7905,7 @@
                 </a:spcAft>
                 <a:buNone/>
               </a:pPr>
+              <a:endParaRPr/>
             </a:p>
           </p:txBody>
         </p:sp>
@@ -7729,6 +7947,7 @@
                 </a:spcAft>
                 <a:buNone/>
               </a:pPr>
+              <a:endParaRPr/>
             </a:p>
           </p:txBody>
         </p:sp>
@@ -7772,6 +7991,7 @@
                 </a:spcAft>
                 <a:buNone/>
               </a:pPr>
+              <a:endParaRPr/>
             </a:p>
           </p:txBody>
         </p:sp>
@@ -7815,6 +8035,7 @@
                 </a:spcAft>
                 <a:buNone/>
               </a:pPr>
+              <a:endParaRPr/>
             </a:p>
           </p:txBody>
         </p:sp>
@@ -7858,6 +8079,7 @@
                 </a:spcAft>
                 <a:buNone/>
               </a:pPr>
+              <a:endParaRPr/>
             </a:p>
           </p:txBody>
         </p:sp>
@@ -7901,6 +8123,7 @@
                 </a:spcAft>
                 <a:buNone/>
               </a:pPr>
+              <a:endParaRPr/>
             </a:p>
           </p:txBody>
         </p:sp>
@@ -7944,6 +8167,7 @@
                 </a:spcAft>
                 <a:buNone/>
               </a:pPr>
+              <a:endParaRPr/>
             </a:p>
           </p:txBody>
         </p:sp>
@@ -7985,6 +8209,7 @@
                 </a:spcAft>
                 <a:buNone/>
               </a:pPr>
+              <a:endParaRPr/>
             </a:p>
           </p:txBody>
         </p:sp>
@@ -8028,6 +8253,7 @@
                 </a:spcAft>
                 <a:buNone/>
               </a:pPr>
+              <a:endParaRPr/>
             </a:p>
           </p:txBody>
         </p:sp>
@@ -8071,6 +8297,7 @@
                 </a:spcAft>
                 <a:buNone/>
               </a:pPr>
+              <a:endParaRPr/>
             </a:p>
           </p:txBody>
         </p:sp>
@@ -8114,6 +8341,7 @@
                 </a:spcAft>
                 <a:buNone/>
               </a:pPr>
+              <a:endParaRPr/>
             </a:p>
           </p:txBody>
         </p:sp>
@@ -8157,6 +8385,7 @@
                 </a:spcAft>
                 <a:buNone/>
               </a:pPr>
+              <a:endParaRPr/>
             </a:p>
           </p:txBody>
         </p:sp>
@@ -8164,7 +8393,9 @@
       <p:sp>
         <p:nvSpPr>
           <p:cNvPr id="89" name="Google Shape;89;p8"/>
-          <p:cNvSpPr txBox="1"/>
+          <p:cNvSpPr txBox="1">
+            <a:spLocks noGrp="1"/>
+          </p:cNvSpPr>
           <p:nvPr>
             <p:ph type="title"/>
           </p:nvPr>
@@ -8283,13 +8514,17 @@
               <a:defRPr/>
             </a:lvl9pPr>
           </a:lstStyle>
-          <a:p/>
+          <a:p>
+            <a:endParaRPr/>
+          </a:p>
         </p:txBody>
       </p:sp>
       <p:sp>
         <p:nvSpPr>
           <p:cNvPr id="90" name="Google Shape;90;p8"/>
-          <p:cNvSpPr txBox="1"/>
+          <p:cNvSpPr txBox="1">
+            <a:spLocks noGrp="1"/>
+          </p:cNvSpPr>
           <p:nvPr>
             <p:ph type="sldNum" idx="12"/>
           </p:nvPr>
@@ -8357,6 +8592,7 @@
             </a:pPr>
             <a:fld id="{00000000-1234-1234-1234-123412341234}" type="slidenum">
               <a:rPr lang="en-US"/>
+              <a:t>‹#›</a:t>
             </a:fld>
             <a:endParaRPr lang="en-US"/>
           </a:p>
@@ -8376,7 +8612,7 @@
   <p:cSld name="SECTION_TITLE_AND_DESCRIPTION">
     <p:spTree>
       <p:nvGrpSpPr>
-        <p:cNvPr id="91" name="Shape 91"/>
+        <p:cNvPr id="1" name="Shape 91"/>
         <p:cNvGrpSpPr/>
         <p:nvPr/>
       </p:nvGrpSpPr>
@@ -8440,6 +8676,7 @@
                 </a:spcAft>
                 <a:buNone/>
               </a:pPr>
+              <a:endParaRPr/>
             </a:p>
           </p:txBody>
         </p:sp>
@@ -8481,6 +8718,7 @@
                 </a:spcAft>
                 <a:buNone/>
               </a:pPr>
+              <a:endParaRPr/>
             </a:p>
           </p:txBody>
         </p:sp>
@@ -8488,7 +8726,9 @@
       <p:sp>
         <p:nvSpPr>
           <p:cNvPr id="95" name="Google Shape;95;p9"/>
-          <p:cNvSpPr txBox="1"/>
+          <p:cNvSpPr txBox="1">
+            <a:spLocks noGrp="1"/>
+          </p:cNvSpPr>
           <p:nvPr>
             <p:ph type="title"/>
           </p:nvPr>
@@ -8607,13 +8847,17 @@
               <a:defRPr sz="2400"/>
             </a:lvl9pPr>
           </a:lstStyle>
-          <a:p/>
+          <a:p>
+            <a:endParaRPr/>
+          </a:p>
         </p:txBody>
       </p:sp>
       <p:sp>
         <p:nvSpPr>
           <p:cNvPr id="96" name="Google Shape;96;p9"/>
-          <p:cNvSpPr txBox="1"/>
+          <p:cNvSpPr txBox="1">
+            <a:spLocks noGrp="1"/>
+          </p:cNvSpPr>
           <p:nvPr>
             <p:ph type="subTitle" idx="1"/>
           </p:nvPr>
@@ -8759,13 +9003,17 @@
               <a:defRPr sz="1300"/>
             </a:lvl9pPr>
           </a:lstStyle>
-          <a:p/>
+          <a:p>
+            <a:endParaRPr/>
+          </a:p>
         </p:txBody>
       </p:sp>
       <p:sp>
         <p:nvSpPr>
           <p:cNvPr id="97" name="Google Shape;97;p9"/>
-          <p:cNvSpPr txBox="1"/>
+          <p:cNvSpPr txBox="1">
+            <a:spLocks noGrp="1"/>
+          </p:cNvSpPr>
           <p:nvPr>
             <p:ph type="body" idx="2"/>
           </p:nvPr>
@@ -8884,13 +9132,17 @@
               <a:defRPr/>
             </a:lvl9pPr>
           </a:lstStyle>
-          <a:p/>
+          <a:p>
+            <a:endParaRPr/>
+          </a:p>
         </p:txBody>
       </p:sp>
       <p:sp>
         <p:nvSpPr>
           <p:cNvPr id="98" name="Google Shape;98;p9"/>
-          <p:cNvSpPr txBox="1"/>
+          <p:cNvSpPr txBox="1">
+            <a:spLocks noGrp="1"/>
+          </p:cNvSpPr>
           <p:nvPr>
             <p:ph type="sldNum" idx="12"/>
           </p:nvPr>
@@ -8958,6 +9210,7 @@
             </a:pPr>
             <a:fld id="{00000000-1234-1234-1234-123412341234}" type="slidenum">
               <a:rPr lang="en-US"/>
+              <a:t>‹#›</a:t>
             </a:fld>
             <a:endParaRPr lang="en-US"/>
           </a:p>
@@ -8977,7 +9230,7 @@
   <p:cSld name="CAPTION_ONLY">
     <p:spTree>
       <p:nvGrpSpPr>
-        <p:cNvPr id="99" name="Shape 99"/>
+        <p:cNvPr id="1" name="Shape 99"/>
         <p:cNvGrpSpPr/>
         <p:nvPr/>
       </p:nvGrpSpPr>
@@ -9043,6 +9296,7 @@
                 </a:spcAft>
                 <a:buNone/>
               </a:pPr>
+              <a:endParaRPr/>
             </a:p>
           </p:txBody>
         </p:sp>
@@ -9086,6 +9340,7 @@
                 </a:spcAft>
                 <a:buNone/>
               </a:pPr>
+              <a:endParaRPr/>
             </a:p>
           </p:txBody>
         </p:sp>
@@ -9093,7 +9348,9 @@
       <p:sp>
         <p:nvSpPr>
           <p:cNvPr id="103" name="Google Shape;103;p10"/>
-          <p:cNvSpPr txBox="1"/>
+          <p:cNvSpPr txBox="1">
+            <a:spLocks noGrp="1"/>
+          </p:cNvSpPr>
           <p:nvPr>
             <p:ph type="body" idx="1"/>
           </p:nvPr>
@@ -9127,13 +9384,17 @@
               <a:defRPr/>
             </a:lvl1pPr>
           </a:lstStyle>
-          <a:p/>
+          <a:p>
+            <a:endParaRPr/>
+          </a:p>
         </p:txBody>
       </p:sp>
       <p:sp>
         <p:nvSpPr>
           <p:cNvPr id="104" name="Google Shape;104;p10"/>
-          <p:cNvSpPr txBox="1"/>
+          <p:cNvSpPr txBox="1">
+            <a:spLocks noGrp="1"/>
+          </p:cNvSpPr>
           <p:nvPr>
             <p:ph type="sldNum" idx="12"/>
           </p:nvPr>
@@ -9201,6 +9462,7 @@
             </a:pPr>
             <a:fld id="{00000000-1234-1234-1234-123412341234}" type="slidenum">
               <a:rPr lang="en-US"/>
+              <a:t>‹#›</a:t>
             </a:fld>
             <a:endParaRPr lang="en-US"/>
           </a:p>
@@ -9228,7 +9490,7 @@
     </p:bg>
     <p:spTree>
       <p:nvGrpSpPr>
-        <p:cNvPr id="5" name="Shape 5"/>
+        <p:cNvPr id="1" name="Shape 5"/>
         <p:cNvGrpSpPr/>
         <p:nvPr/>
       </p:nvGrpSpPr>
@@ -9243,7 +9505,9 @@
       <p:sp>
         <p:nvSpPr>
           <p:cNvPr id="6" name="Google Shape;6;p1"/>
-          <p:cNvSpPr txBox="1"/>
+          <p:cNvSpPr txBox="1">
+            <a:spLocks noGrp="1"/>
+          </p:cNvSpPr>
           <p:nvPr>
             <p:ph type="title"/>
           </p:nvPr>
@@ -9474,13 +9738,17 @@
               </a:defRPr>
             </a:lvl9pPr>
           </a:lstStyle>
-          <a:p/>
+          <a:p>
+            <a:endParaRPr/>
+          </a:p>
         </p:txBody>
       </p:sp>
       <p:sp>
         <p:nvSpPr>
           <p:cNvPr id="7" name="Google Shape;7;p1"/>
-          <p:cNvSpPr txBox="1"/>
+          <p:cNvSpPr txBox="1">
+            <a:spLocks noGrp="1"/>
+          </p:cNvSpPr>
           <p:nvPr>
             <p:ph type="body" idx="1"/>
           </p:nvPr>
@@ -9738,13 +10006,17 @@
               </a:defRPr>
             </a:lvl9pPr>
           </a:lstStyle>
-          <a:p/>
+          <a:p>
+            <a:endParaRPr/>
+          </a:p>
         </p:txBody>
       </p:sp>
       <p:sp>
         <p:nvSpPr>
           <p:cNvPr id="8" name="Google Shape;8;p1"/>
-          <p:cNvSpPr txBox="1"/>
+          <p:cNvSpPr txBox="1">
+            <a:spLocks noGrp="1"/>
+          </p:cNvSpPr>
           <p:nvPr>
             <p:ph type="sldNum" idx="12"/>
           </p:nvPr>
@@ -9888,6 +10160,7 @@
             </a:pPr>
             <a:fld id="{00000000-1234-1234-1234-123412341234}" type="slidenum">
               <a:rPr lang="en-US"/>
+              <a:t>‹#›</a:t>
             </a:fld>
             <a:endParaRPr lang="en-US"/>
           </a:p>
@@ -10608,7 +10881,7 @@
   <p:cSld>
     <p:spTree>
       <p:nvGrpSpPr>
-        <p:cNvPr id="139" name="Shape 139"/>
+        <p:cNvPr id="1" name="Shape 139"/>
         <p:cNvGrpSpPr/>
         <p:nvPr/>
       </p:nvGrpSpPr>
@@ -10623,7 +10896,9 @@
       <p:sp>
         <p:nvSpPr>
           <p:cNvPr id="140" name="Google Shape;140;p14"/>
-          <p:cNvSpPr txBox="1"/>
+          <p:cNvSpPr txBox="1">
+            <a:spLocks noGrp="1"/>
+          </p:cNvSpPr>
           <p:nvPr>
             <p:ph type="ctrTitle"/>
           </p:nvPr>
@@ -10670,19 +10945,15 @@
               </a:rPr>
               <a:t>BU Events Planner</a:t>
             </a:r>
-            <a:endParaRPr lang="en-US" sz="4400" b="1">
-              <a:latin typeface="Calibri"/>
-              <a:ea typeface="Calibri"/>
-              <a:cs typeface="Calibri"/>
-              <a:sym typeface="Calibri"/>
-            </a:endParaRPr>
           </a:p>
         </p:txBody>
       </p:sp>
       <p:sp>
         <p:nvSpPr>
           <p:cNvPr id="141" name="Google Shape;141;p14"/>
-          <p:cNvSpPr txBox="1"/>
+          <p:cNvSpPr txBox="1">
+            <a:spLocks noGrp="1"/>
+          </p:cNvSpPr>
           <p:nvPr>
             <p:ph type="subTitle" idx="1"/>
           </p:nvPr>
@@ -10721,15 +10992,7 @@
             </a:pPr>
             <a:r>
               <a:rPr lang="en-US" sz="2500"/>
-              <a:t>Presented by: </a:t>
-            </a:r>
-            <a:r>
-              <a:rPr lang="en-US" sz="2500"/>
-              <a:t>Jialong Ke, Yuchen Cao, Zihan</a:t>
-            </a:r>
-            <a:r>
-              <a:rPr lang="en-US" sz="2500"/>
-              <a:t> Li</a:t>
+              <a:t>Presented by: Jialong Ke, Yuchen Cao, Zihan Li</a:t>
             </a:r>
             <a:endParaRPr sz="1400"/>
           </a:p>
@@ -10748,6 +11011,7 @@
         <p:spPr/>
         <p:txBody>
           <a:bodyPr/>
+          <a:lstStyle/>
           <a:p>
             <a:pPr marL="0" lvl="0" indent="0" algn="r" rtl="0">
               <a:spcBef>
@@ -10760,6 +11024,7 @@
             </a:pPr>
             <a:fld id="{00000000-1234-1234-1234-123412341234}" type="slidenum">
               <a:rPr lang="en-US"/>
+              <a:t>1</a:t>
             </a:fld>
             <a:endParaRPr lang="en-US"/>
           </a:p>
@@ -10778,7 +11043,7 @@
   <p:cSld>
     <p:spTree>
       <p:nvGrpSpPr>
-        <p:cNvPr id="157" name="Shape 157"/>
+        <p:cNvPr id="1" name="Shape 157"/>
         <p:cNvGrpSpPr/>
         <p:nvPr/>
       </p:nvGrpSpPr>
@@ -10793,7 +11058,9 @@
       <p:sp>
         <p:nvSpPr>
           <p:cNvPr id="158" name="Google Shape;158;p17"/>
-          <p:cNvSpPr txBox="1"/>
+          <p:cNvSpPr txBox="1">
+            <a:spLocks noGrp="1"/>
+          </p:cNvSpPr>
           <p:nvPr>
             <p:ph type="title"/>
           </p:nvPr>
@@ -10832,164 +11099,15 @@
               <a:buNone/>
             </a:pPr>
             <a:r>
-              <a:rPr lang="en-US" sz="4400" b="1">
+              <a:rPr lang="en-US" altLang="zh-CN" sz="4400" b="1" dirty="0">
                 <a:latin typeface="Calibri"/>
                 <a:ea typeface="Calibri"/>
                 <a:cs typeface="Calibri"/>
                 <a:sym typeface="Calibri"/>
               </a:rPr>
-              <a:t>APIs</a:t>
+              <a:t>Device sensor</a:t>
             </a:r>
-            <a:endParaRPr lang="en-US" sz="4400" b="1">
-              <a:latin typeface="Calibri"/>
-              <a:ea typeface="Calibri"/>
-              <a:cs typeface="Calibri"/>
-              <a:sym typeface="Calibri"/>
-            </a:endParaRPr>
-          </a:p>
-        </p:txBody>
-      </p:sp>
-      <p:sp>
-        <p:nvSpPr>
-          <p:cNvPr id="159" name="Google Shape;159;p17"/>
-          <p:cNvSpPr txBox="1"/>
-          <p:nvPr>
-            <p:ph type="body" idx="1"/>
-          </p:nvPr>
-        </p:nvSpPr>
-        <p:spPr>
-          <a:xfrm>
-            <a:off x="457200" y="1316990"/>
-            <a:ext cx="8353425" cy="4809490"/>
-          </a:xfrm>
-          <a:prstGeom prst="rect">
-            <a:avLst/>
-          </a:prstGeom>
-          <a:noFill/>
-          <a:ln>
-            <a:noFill/>
-          </a:ln>
-        </p:spPr>
-        <p:txBody>
-          <a:bodyPr spcFirstLastPara="1" wrap="square" lIns="91425" tIns="45700" rIns="91425" bIns="45700" anchor="t" anchorCtr="0">
-            <a:noAutofit/>
-          </a:bodyPr>
-          <a:lstStyle/>
-          <a:p>
-            <a:pPr marL="342900" lvl="0" indent="-139700" algn="l" rtl="0">
-              <a:lnSpc>
-                <a:spcPct val="150000"/>
-              </a:lnSpc>
-              <a:spcBef>
-                <a:spcPts val="0"/>
-              </a:spcBef>
-              <a:spcAft>
-                <a:spcPts val="0"/>
-              </a:spcAft>
-              <a:buClr>
-                <a:schemeClr val="dk1"/>
-              </a:buClr>
-              <a:buSzPts val="3200"/>
-              <a:buNone/>
-            </a:pPr>
-            <a:endParaRPr sz="1000"/>
-          </a:p>
-          <a:p>
-            <a:pPr lvl="0" indent="-457200" algn="l" rtl="0">
-              <a:lnSpc>
-                <a:spcPct val="150000"/>
-              </a:lnSpc>
-              <a:spcBef>
-                <a:spcPts val="640"/>
-              </a:spcBef>
-              <a:spcAft>
-                <a:spcPts val="0"/>
-              </a:spcAft>
-              <a:buClr>
-                <a:schemeClr val="lt1"/>
-              </a:buClr>
-              <a:buSzPts val="3200"/>
-              <a:buFont typeface="Arial" panose="020B0604020202090204" pitchFamily="34" charset="0"/>
-              <a:buChar char="•"/>
-            </a:pPr>
-            <a:r>
-              <a:rPr lang="en-US" sz="2400">
-                <a:latin typeface="Calibri"/>
-                <a:ea typeface="Calibri"/>
-                <a:cs typeface="Calibri"/>
-                <a:sym typeface="Calibri"/>
-              </a:rPr>
-              <a:t>Firebase Firestore: To store event details and user registration history.</a:t>
-            </a:r>
-            <a:endParaRPr lang="en-US" sz="2400">
-              <a:latin typeface="Calibri"/>
-              <a:ea typeface="Calibri"/>
-              <a:cs typeface="Calibri"/>
-              <a:sym typeface="Calibri"/>
-            </a:endParaRPr>
-          </a:p>
-          <a:p>
-            <a:pPr lvl="0" indent="-457200" algn="l" rtl="0">
-              <a:lnSpc>
-                <a:spcPct val="150000"/>
-              </a:lnSpc>
-              <a:spcBef>
-                <a:spcPts val="640"/>
-              </a:spcBef>
-              <a:spcAft>
-                <a:spcPts val="0"/>
-              </a:spcAft>
-              <a:buClr>
-                <a:schemeClr val="lt1"/>
-              </a:buClr>
-              <a:buSzPts val="3200"/>
-              <a:buFont typeface="Arial" panose="020B0604020202090204" pitchFamily="34" charset="0"/>
-              <a:buChar char="•"/>
-            </a:pPr>
-            <a:r>
-              <a:rPr lang="en-US" sz="2400">
-                <a:latin typeface="Calibri"/>
-                <a:ea typeface="Calibri"/>
-                <a:cs typeface="Calibri"/>
-                <a:sym typeface="Calibri"/>
-              </a:rPr>
-              <a:t>Firebase Authentication: For user registration and login.</a:t>
-            </a:r>
-            <a:endParaRPr lang="en-US" sz="2400">
-              <a:latin typeface="Calibri"/>
-              <a:ea typeface="Calibri"/>
-              <a:cs typeface="Calibri"/>
-              <a:sym typeface="Calibri"/>
-            </a:endParaRPr>
-          </a:p>
-          <a:p>
-            <a:pPr lvl="0" indent="-457200" algn="l" rtl="0">
-              <a:lnSpc>
-                <a:spcPct val="150000"/>
-              </a:lnSpc>
-              <a:spcBef>
-                <a:spcPts val="640"/>
-              </a:spcBef>
-              <a:spcAft>
-                <a:spcPts val="0"/>
-              </a:spcAft>
-              <a:buClr>
-                <a:schemeClr val="lt1"/>
-              </a:buClr>
-              <a:buSzPts val="3200"/>
-              <a:buFont typeface="Arial" panose="020B0604020202090204" pitchFamily="34" charset="0"/>
-              <a:buChar char="•"/>
-            </a:pPr>
-            <a:r>
-              <a:rPr lang="en-US" sz="2400">
-                <a:latin typeface="Calibri"/>
-                <a:ea typeface="Calibri"/>
-                <a:cs typeface="Calibri"/>
-                <a:sym typeface="Calibri"/>
-              </a:rPr>
-              <a:t>Third-Party API: Optionally, a public event data API could be integrated to supplement campus event information.</a:t>
-            </a:r>
-            <a:endParaRPr lang="en-US" sz="2400">
+            <a:endParaRPr lang="en-US" sz="4400" b="1" dirty="0">
               <a:latin typeface="Calibri"/>
               <a:ea typeface="Calibri"/>
               <a:cs typeface="Calibri"/>
@@ -11011,6 +11129,7 @@
         <p:spPr/>
         <p:txBody>
           <a:bodyPr/>
+          <a:lstStyle/>
           <a:p>
             <a:pPr marL="0" lvl="0" indent="0" algn="r" rtl="0">
               <a:spcBef>
@@ -11023,6 +11142,1752 @@
             </a:pPr>
             <a:fld id="{00000000-1234-1234-1234-123412341234}" type="slidenum">
               <a:rPr lang="en-US"/>
+              <a:t>10</a:t>
+            </a:fld>
+            <a:endParaRPr lang="en-US"/>
+          </a:p>
+        </p:txBody>
+      </p:sp>
+      <p:sp>
+        <p:nvSpPr>
+          <p:cNvPr id="7" name="Rectangle 5">
+            <a:extLst>
+              <a:ext uri="{FF2B5EF4-FFF2-40B4-BE49-F238E27FC236}">
+                <a16:creationId xmlns:a16="http://schemas.microsoft.com/office/drawing/2014/main" id="{815790C4-C89D-7B8B-08E2-40226A93DE1F}"/>
+              </a:ext>
+            </a:extLst>
+          </p:cNvPr>
+          <p:cNvSpPr>
+            <a:spLocks noGrp="1" noChangeArrowheads="1"/>
+          </p:cNvSpPr>
+          <p:nvPr>
+            <p:ph type="body" idx="1"/>
+          </p:nvPr>
+        </p:nvSpPr>
+        <p:spPr bwMode="auto">
+          <a:xfrm>
+            <a:off x="608857" y="2462445"/>
+            <a:ext cx="3530476" cy="1815882"/>
+          </a:xfrm>
+          <a:prstGeom prst="rect">
+            <a:avLst/>
+          </a:prstGeom>
+          <a:noFill/>
+          <a:ln>
+            <a:noFill/>
+          </a:ln>
+          <a:effectLst/>
+          <a:extLst>
+            <a:ext uri="{909E8E84-426E-40DD-AFC4-6F175D3DCCD1}">
+              <a14:hiddenFill xmlns:a14="http://schemas.microsoft.com/office/drawing/2010/main">
+                <a:solidFill>
+                  <a:schemeClr val="accent1"/>
+                </a:solidFill>
+              </a14:hiddenFill>
+            </a:ext>
+            <a:ext uri="{91240B29-F687-4F45-9708-019B960494DF}">
+              <a14:hiddenLine xmlns:a14="http://schemas.microsoft.com/office/drawing/2010/main" w="9525">
+                <a:solidFill>
+                  <a:schemeClr val="tx1"/>
+                </a:solidFill>
+                <a:miter lim="800000"/>
+                <a:headEnd/>
+                <a:tailEnd/>
+              </a14:hiddenLine>
+            </a:ext>
+            <a:ext uri="{AF507438-7753-43E0-B8FC-AC1667EBCBE1}">
+              <a14:hiddenEffects xmlns:a14="http://schemas.microsoft.com/office/drawing/2010/main">
+                <a:effectLst>
+                  <a:outerShdw dist="35921" dir="2700000" algn="ctr" rotWithShape="0">
+                    <a:schemeClr val="bg2"/>
+                  </a:outerShdw>
+                </a:effectLst>
+              </a14:hiddenEffects>
+            </a:ext>
+          </a:extLst>
+        </p:spPr>
+        <p:txBody>
+          <a:bodyPr vert="horz" wrap="square" lIns="91440" tIns="45720" rIns="91440" bIns="45720" numCol="1" anchor="ctr" anchorCtr="0" compatLnSpc="1">
+            <a:prstTxWarp prst="textNoShape">
+              <a:avLst/>
+            </a:prstTxWarp>
+            <a:spAutoFit/>
+          </a:bodyPr>
+          <a:lstStyle/>
+          <a:p>
+            <a:pPr marL="0" marR="0" lvl="0" indent="0" algn="l" defTabSz="914400" rtl="0" eaLnBrk="0" fontAlgn="base" latinLnBrk="0" hangingPunct="0">
+              <a:lnSpc>
+                <a:spcPct val="100000"/>
+              </a:lnSpc>
+              <a:spcBef>
+                <a:spcPct val="0"/>
+              </a:spcBef>
+              <a:spcAft>
+                <a:spcPct val="0"/>
+              </a:spcAft>
+              <a:buClrTx/>
+              <a:buSzTx/>
+              <a:buFontTx/>
+              <a:buChar char="•"/>
+              <a:tabLst/>
+            </a:pPr>
+            <a:r>
+              <a:rPr kumimoji="0" lang="en-US" altLang="en-US" sz="2800" b="1" i="0" u="none" strike="noStrike" cap="none" normalizeH="0" baseline="0" dirty="0">
+                <a:ln>
+                  <a:noFill/>
+                </a:ln>
+                <a:solidFill>
+                  <a:schemeClr val="bg1"/>
+                </a:solidFill>
+                <a:effectLst/>
+                <a:latin typeface="Arial" panose="020B0604020202020204" pitchFamily="34" charset="0"/>
+              </a:rPr>
+              <a:t>GPS </a:t>
+            </a:r>
+          </a:p>
+          <a:p>
+            <a:pPr marL="0" marR="0" lvl="0" indent="0" algn="l" defTabSz="914400" rtl="0" eaLnBrk="0" fontAlgn="base" latinLnBrk="0" hangingPunct="0">
+              <a:lnSpc>
+                <a:spcPct val="100000"/>
+              </a:lnSpc>
+              <a:spcBef>
+                <a:spcPct val="0"/>
+              </a:spcBef>
+              <a:spcAft>
+                <a:spcPct val="0"/>
+              </a:spcAft>
+              <a:buClrTx/>
+              <a:buSzTx/>
+              <a:buFontTx/>
+              <a:buChar char="•"/>
+              <a:tabLst/>
+            </a:pPr>
+            <a:endParaRPr lang="en-US" altLang="en-US" sz="2800" b="1" dirty="0">
+              <a:solidFill>
+                <a:schemeClr val="bg1"/>
+              </a:solidFill>
+              <a:latin typeface="Arial" panose="020B0604020202020204" pitchFamily="34" charset="0"/>
+            </a:endParaRPr>
+          </a:p>
+          <a:p>
+            <a:pPr marL="0" marR="0" lvl="0" indent="0" algn="l" defTabSz="914400" rtl="0" eaLnBrk="0" fontAlgn="base" latinLnBrk="0" hangingPunct="0">
+              <a:lnSpc>
+                <a:spcPct val="100000"/>
+              </a:lnSpc>
+              <a:spcBef>
+                <a:spcPct val="0"/>
+              </a:spcBef>
+              <a:spcAft>
+                <a:spcPct val="0"/>
+              </a:spcAft>
+              <a:buClrTx/>
+              <a:buSzTx/>
+              <a:buFontTx/>
+              <a:buChar char="•"/>
+              <a:tabLst/>
+            </a:pPr>
+            <a:endParaRPr kumimoji="0" lang="en-US" altLang="en-US" sz="2800" b="0" i="0" u="none" strike="noStrike" cap="none" normalizeH="0" baseline="0" dirty="0">
+              <a:ln>
+                <a:noFill/>
+              </a:ln>
+              <a:solidFill>
+                <a:schemeClr val="bg1"/>
+              </a:solidFill>
+              <a:effectLst/>
+              <a:latin typeface="Arial" panose="020B0604020202020204" pitchFamily="34" charset="0"/>
+            </a:endParaRPr>
+          </a:p>
+          <a:p>
+            <a:pPr marL="0" marR="0" lvl="0" indent="0" algn="l" defTabSz="914400" rtl="0" eaLnBrk="0" fontAlgn="base" latinLnBrk="0" hangingPunct="0">
+              <a:lnSpc>
+                <a:spcPct val="100000"/>
+              </a:lnSpc>
+              <a:spcBef>
+                <a:spcPct val="0"/>
+              </a:spcBef>
+              <a:spcAft>
+                <a:spcPct val="0"/>
+              </a:spcAft>
+              <a:buClrTx/>
+              <a:buSzTx/>
+              <a:buFontTx/>
+              <a:buChar char="•"/>
+              <a:tabLst/>
+            </a:pPr>
+            <a:r>
+              <a:rPr kumimoji="0" lang="en-US" altLang="en-US" sz="2800" b="1" i="0" u="none" strike="noStrike" cap="none" normalizeH="0" baseline="0" dirty="0">
+                <a:ln>
+                  <a:noFill/>
+                </a:ln>
+                <a:solidFill>
+                  <a:schemeClr val="bg1"/>
+                </a:solidFill>
+                <a:effectLst/>
+                <a:latin typeface="Arial" panose="020B0604020202020204" pitchFamily="34" charset="0"/>
+              </a:rPr>
+              <a:t>Camera</a:t>
+            </a:r>
+            <a:r>
+              <a:rPr kumimoji="0" lang="en-US" altLang="en-US" sz="2800" b="0" i="0" u="none" strike="noStrike" cap="none" normalizeH="0" baseline="0" dirty="0">
+                <a:ln>
+                  <a:noFill/>
+                </a:ln>
+                <a:solidFill>
+                  <a:schemeClr val="bg1"/>
+                </a:solidFill>
+                <a:effectLst/>
+                <a:latin typeface="Arial" panose="020B0604020202020204" pitchFamily="34" charset="0"/>
+              </a:rPr>
+              <a:t> </a:t>
+            </a:r>
+          </a:p>
+        </p:txBody>
+      </p:sp>
+    </p:spTree>
+  </p:cSld>
+  <p:clrMapOvr>
+    <a:masterClrMapping/>
+  </p:clrMapOvr>
+</p:sld>
+</file>
+
+<file path=ppt/slides/slide11.xml><?xml version="1.0" encoding="utf-8"?>
+<p:sld xmlns:a="http://schemas.openxmlformats.org/drawingml/2006/main" xmlns:r="http://schemas.openxmlformats.org/officeDocument/2006/relationships" xmlns:p="http://schemas.openxmlformats.org/presentationml/2006/main">
+  <p:cSld>
+    <p:spTree>
+      <p:nvGrpSpPr>
+        <p:cNvPr id="1" name="Shape 157"/>
+        <p:cNvGrpSpPr/>
+        <p:nvPr/>
+      </p:nvGrpSpPr>
+      <p:grpSpPr>
+        <a:xfrm>
+          <a:off x="0" y="0"/>
+          <a:ext cx="0" cy="0"/>
+          <a:chOff x="0" y="0"/>
+          <a:chExt cx="0" cy="0"/>
+        </a:xfrm>
+      </p:grpSpPr>
+      <p:sp>
+        <p:nvSpPr>
+          <p:cNvPr id="158" name="Google Shape;158;p17"/>
+          <p:cNvSpPr txBox="1">
+            <a:spLocks noGrp="1"/>
+          </p:cNvSpPr>
+          <p:nvPr>
+            <p:ph type="title"/>
+          </p:nvPr>
+        </p:nvSpPr>
+        <p:spPr>
+          <a:xfrm>
+            <a:off x="457200" y="-317"/>
+            <a:ext cx="8229600" cy="1143000"/>
+          </a:xfrm>
+          <a:prstGeom prst="rect">
+            <a:avLst/>
+          </a:prstGeom>
+          <a:noFill/>
+          <a:ln>
+            <a:noFill/>
+          </a:ln>
+        </p:spPr>
+        <p:txBody>
+          <a:bodyPr spcFirstLastPara="1" wrap="square" lIns="91425" tIns="45700" rIns="91425" bIns="45700" anchor="ctr" anchorCtr="0">
+            <a:normAutofit/>
+          </a:bodyPr>
+          <a:lstStyle/>
+          <a:p>
+            <a:pPr marL="0" lvl="0" indent="0" algn="ctr" rtl="0">
+              <a:spcBef>
+                <a:spcPts val="0"/>
+              </a:spcBef>
+              <a:spcAft>
+                <a:spcPts val="0"/>
+              </a:spcAft>
+              <a:buClr>
+                <a:schemeClr val="dk1"/>
+              </a:buClr>
+              <a:buSzPct val="100000"/>
+              <a:buFont typeface="Calibri"/>
+              <a:buNone/>
+            </a:pPr>
+            <a:r>
+              <a:rPr lang="en-US" sz="4400" b="1" dirty="0">
+                <a:latin typeface="Calibri"/>
+                <a:ea typeface="Calibri"/>
+                <a:cs typeface="Calibri"/>
+                <a:sym typeface="Calibri"/>
+              </a:rPr>
+              <a:t>Database schema</a:t>
+            </a:r>
+          </a:p>
+        </p:txBody>
+      </p:sp>
+      <p:sp>
+        <p:nvSpPr>
+          <p:cNvPr id="159" name="Google Shape;159;p17"/>
+          <p:cNvSpPr txBox="1">
+            <a:spLocks noGrp="1"/>
+          </p:cNvSpPr>
+          <p:nvPr>
+            <p:ph type="body" idx="1"/>
+          </p:nvPr>
+        </p:nvSpPr>
+        <p:spPr>
+          <a:xfrm>
+            <a:off x="387985" y="902335"/>
+            <a:ext cx="3760269" cy="5538470"/>
+          </a:xfrm>
+          <a:prstGeom prst="rect">
+            <a:avLst/>
+          </a:prstGeom>
+          <a:noFill/>
+          <a:ln>
+            <a:noFill/>
+          </a:ln>
+        </p:spPr>
+        <p:txBody>
+          <a:bodyPr spcFirstLastPara="1" wrap="square" lIns="91425" tIns="45700" rIns="91425" bIns="45700" anchor="t" anchorCtr="0">
+            <a:noAutofit/>
+          </a:bodyPr>
+          <a:lstStyle/>
+          <a:p>
+            <a:pPr marL="0" lvl="0" indent="0">
+              <a:lnSpc>
+                <a:spcPct val="150000"/>
+              </a:lnSpc>
+              <a:spcBef>
+                <a:spcPts val="640"/>
+              </a:spcBef>
+              <a:buClr>
+                <a:schemeClr val="lt1"/>
+              </a:buClr>
+              <a:buSzPts val="3200"/>
+              <a:buNone/>
+            </a:pPr>
+            <a:r>
+              <a:rPr lang="en-US" sz="1000" dirty="0" err="1">
+                <a:latin typeface="Calibri"/>
+                <a:ea typeface="Calibri"/>
+                <a:cs typeface="Calibri"/>
+                <a:sym typeface="Calibri"/>
+              </a:rPr>
+              <a:t>Firestore</a:t>
+            </a:r>
+            <a:endParaRPr lang="en-US" sz="1000" dirty="0">
+              <a:latin typeface="Calibri"/>
+              <a:ea typeface="Calibri"/>
+              <a:cs typeface="Calibri"/>
+              <a:sym typeface="Calibri"/>
+            </a:endParaRPr>
+          </a:p>
+          <a:p>
+            <a:pPr marL="0" lvl="0" indent="0">
+              <a:lnSpc>
+                <a:spcPct val="150000"/>
+              </a:lnSpc>
+              <a:spcBef>
+                <a:spcPts val="640"/>
+              </a:spcBef>
+              <a:buClr>
+                <a:schemeClr val="lt1"/>
+              </a:buClr>
+              <a:buSzPts val="3200"/>
+              <a:buNone/>
+            </a:pPr>
+            <a:r>
+              <a:rPr lang="en-US" sz="1000" dirty="0">
+                <a:latin typeface="Calibri"/>
+                <a:ea typeface="Calibri"/>
+                <a:cs typeface="Calibri"/>
+                <a:sym typeface="Calibri"/>
+              </a:rPr>
+              <a:t>|</a:t>
+            </a:r>
+          </a:p>
+          <a:p>
+            <a:pPr marL="0" lvl="0" indent="0">
+              <a:lnSpc>
+                <a:spcPct val="150000"/>
+              </a:lnSpc>
+              <a:spcBef>
+                <a:spcPts val="640"/>
+              </a:spcBef>
+              <a:buClr>
+                <a:schemeClr val="lt1"/>
+              </a:buClr>
+              <a:buSzPts val="3200"/>
+              <a:buNone/>
+            </a:pPr>
+            <a:r>
+              <a:rPr lang="en-US" sz="1000" dirty="0">
+                <a:latin typeface="Calibri"/>
+                <a:ea typeface="Calibri"/>
+                <a:cs typeface="Calibri"/>
+                <a:sym typeface="Calibri"/>
+              </a:rPr>
+              <a:t>|-- events (Collection)</a:t>
+            </a:r>
+          </a:p>
+          <a:p>
+            <a:pPr marL="0" lvl="0" indent="0">
+              <a:lnSpc>
+                <a:spcPct val="150000"/>
+              </a:lnSpc>
+              <a:spcBef>
+                <a:spcPts val="640"/>
+              </a:spcBef>
+              <a:buClr>
+                <a:schemeClr val="lt1"/>
+              </a:buClr>
+              <a:buSzPts val="3200"/>
+              <a:buNone/>
+            </a:pPr>
+            <a:r>
+              <a:rPr lang="en-US" sz="1000" dirty="0">
+                <a:latin typeface="Calibri"/>
+                <a:ea typeface="Calibri"/>
+                <a:cs typeface="Calibri"/>
+                <a:sym typeface="Calibri"/>
+              </a:rPr>
+              <a:t>|   |-- </a:t>
+            </a:r>
+            <a:r>
+              <a:rPr lang="en-US" sz="1000" dirty="0" err="1">
+                <a:latin typeface="Calibri"/>
+                <a:ea typeface="Calibri"/>
+                <a:cs typeface="Calibri"/>
+                <a:sym typeface="Calibri"/>
+              </a:rPr>
+              <a:t>eventID</a:t>
+            </a:r>
+            <a:r>
+              <a:rPr lang="en-US" sz="1000" dirty="0">
+                <a:latin typeface="Calibri"/>
+                <a:ea typeface="Calibri"/>
+                <a:cs typeface="Calibri"/>
+                <a:sym typeface="Calibri"/>
+              </a:rPr>
+              <a:t> (Document)</a:t>
+            </a:r>
+          </a:p>
+          <a:p>
+            <a:pPr marL="0" lvl="0" indent="0">
+              <a:lnSpc>
+                <a:spcPct val="150000"/>
+              </a:lnSpc>
+              <a:spcBef>
+                <a:spcPts val="640"/>
+              </a:spcBef>
+              <a:buClr>
+                <a:schemeClr val="lt1"/>
+              </a:buClr>
+              <a:buSzPts val="3200"/>
+              <a:buNone/>
+            </a:pPr>
+            <a:r>
+              <a:rPr lang="en-US" sz="1000" dirty="0">
+                <a:latin typeface="Calibri"/>
+                <a:ea typeface="Calibri"/>
+                <a:cs typeface="Calibri"/>
+                <a:sym typeface="Calibri"/>
+              </a:rPr>
+              <a:t>|       |-- </a:t>
+            </a:r>
+            <a:r>
+              <a:rPr lang="en-US" sz="1000" dirty="0" err="1">
+                <a:latin typeface="Calibri"/>
+                <a:ea typeface="Calibri"/>
+                <a:cs typeface="Calibri"/>
+                <a:sym typeface="Calibri"/>
+              </a:rPr>
+              <a:t>eventTitle</a:t>
+            </a:r>
+            <a:r>
+              <a:rPr lang="en-US" sz="1000" dirty="0">
+                <a:latin typeface="Calibri"/>
+                <a:ea typeface="Calibri"/>
+                <a:cs typeface="Calibri"/>
+                <a:sym typeface="Calibri"/>
+              </a:rPr>
+              <a:t>: String</a:t>
+            </a:r>
+          </a:p>
+          <a:p>
+            <a:pPr marL="0" lvl="0" indent="0">
+              <a:lnSpc>
+                <a:spcPct val="150000"/>
+              </a:lnSpc>
+              <a:spcBef>
+                <a:spcPts val="640"/>
+              </a:spcBef>
+              <a:buClr>
+                <a:schemeClr val="lt1"/>
+              </a:buClr>
+              <a:buSzPts val="3200"/>
+              <a:buNone/>
+            </a:pPr>
+            <a:r>
+              <a:rPr lang="en-US" sz="1000" dirty="0">
+                <a:latin typeface="Calibri"/>
+                <a:ea typeface="Calibri"/>
+                <a:cs typeface="Calibri"/>
+                <a:sym typeface="Calibri"/>
+              </a:rPr>
+              <a:t>|       |-- </a:t>
+            </a:r>
+            <a:r>
+              <a:rPr lang="en-US" sz="1000" dirty="0" err="1">
+                <a:latin typeface="Calibri"/>
+                <a:ea typeface="Calibri"/>
+                <a:cs typeface="Calibri"/>
+                <a:sym typeface="Calibri"/>
+              </a:rPr>
+              <a:t>eventURL</a:t>
+            </a:r>
+            <a:r>
+              <a:rPr lang="en-US" sz="1000" dirty="0">
+                <a:latin typeface="Calibri"/>
+                <a:ea typeface="Calibri"/>
+                <a:cs typeface="Calibri"/>
+                <a:sym typeface="Calibri"/>
+              </a:rPr>
+              <a:t>: String</a:t>
+            </a:r>
+          </a:p>
+          <a:p>
+            <a:pPr marL="0" lvl="0" indent="0">
+              <a:lnSpc>
+                <a:spcPct val="150000"/>
+              </a:lnSpc>
+              <a:spcBef>
+                <a:spcPts val="640"/>
+              </a:spcBef>
+              <a:buClr>
+                <a:schemeClr val="lt1"/>
+              </a:buClr>
+              <a:buSzPts val="3200"/>
+              <a:buNone/>
+            </a:pPr>
+            <a:r>
+              <a:rPr lang="en-US" sz="1000" dirty="0">
+                <a:latin typeface="Calibri"/>
+                <a:ea typeface="Calibri"/>
+                <a:cs typeface="Calibri"/>
+                <a:sym typeface="Calibri"/>
+              </a:rPr>
+              <a:t>|       |-- </a:t>
+            </a:r>
+            <a:r>
+              <a:rPr lang="en-US" sz="1000" dirty="0" err="1">
+                <a:latin typeface="Calibri"/>
+                <a:ea typeface="Calibri"/>
+                <a:cs typeface="Calibri"/>
+                <a:sym typeface="Calibri"/>
+              </a:rPr>
+              <a:t>eventPhoto</a:t>
+            </a:r>
+            <a:r>
+              <a:rPr lang="en-US" sz="1000" dirty="0">
+                <a:latin typeface="Calibri"/>
+                <a:ea typeface="Calibri"/>
+                <a:cs typeface="Calibri"/>
+                <a:sym typeface="Calibri"/>
+              </a:rPr>
+              <a:t>: String</a:t>
+            </a:r>
+          </a:p>
+          <a:p>
+            <a:pPr marL="0" lvl="0" indent="0">
+              <a:lnSpc>
+                <a:spcPct val="150000"/>
+              </a:lnSpc>
+              <a:spcBef>
+                <a:spcPts val="640"/>
+              </a:spcBef>
+              <a:buClr>
+                <a:schemeClr val="lt1"/>
+              </a:buClr>
+              <a:buSzPts val="3200"/>
+              <a:buNone/>
+            </a:pPr>
+            <a:r>
+              <a:rPr lang="en-US" sz="1000" dirty="0">
+                <a:latin typeface="Calibri"/>
+                <a:ea typeface="Calibri"/>
+                <a:cs typeface="Calibri"/>
+                <a:sym typeface="Calibri"/>
+              </a:rPr>
+              <a:t>|       |-- </a:t>
+            </a:r>
+            <a:r>
+              <a:rPr lang="en-US" sz="1000" dirty="0" err="1">
+                <a:latin typeface="Calibri"/>
+                <a:ea typeface="Calibri"/>
+                <a:cs typeface="Calibri"/>
+                <a:sym typeface="Calibri"/>
+              </a:rPr>
+              <a:t>eventLocation</a:t>
+            </a:r>
+            <a:r>
+              <a:rPr lang="en-US" sz="1000" dirty="0">
+                <a:latin typeface="Calibri"/>
+                <a:ea typeface="Calibri"/>
+                <a:cs typeface="Calibri"/>
+                <a:sym typeface="Calibri"/>
+              </a:rPr>
+              <a:t>: String</a:t>
+            </a:r>
+          </a:p>
+          <a:p>
+            <a:pPr marL="0" lvl="0" indent="0">
+              <a:lnSpc>
+                <a:spcPct val="150000"/>
+              </a:lnSpc>
+              <a:spcBef>
+                <a:spcPts val="640"/>
+              </a:spcBef>
+              <a:buClr>
+                <a:schemeClr val="lt1"/>
+              </a:buClr>
+              <a:buSzPts val="3200"/>
+              <a:buNone/>
+            </a:pPr>
+            <a:r>
+              <a:rPr lang="en-US" sz="1000" dirty="0">
+                <a:latin typeface="Calibri"/>
+                <a:ea typeface="Calibri"/>
+                <a:cs typeface="Calibri"/>
+                <a:sym typeface="Calibri"/>
+              </a:rPr>
+              <a:t>|       |-- </a:t>
+            </a:r>
+            <a:r>
+              <a:rPr lang="en-US" sz="1000" dirty="0" err="1">
+                <a:latin typeface="Calibri"/>
+                <a:ea typeface="Calibri"/>
+                <a:cs typeface="Calibri"/>
+                <a:sym typeface="Calibri"/>
+              </a:rPr>
+              <a:t>eventStartTime</a:t>
+            </a:r>
+            <a:r>
+              <a:rPr lang="en-US" sz="1000" dirty="0">
+                <a:latin typeface="Calibri"/>
+                <a:ea typeface="Calibri"/>
+                <a:cs typeface="Calibri"/>
+                <a:sym typeface="Calibri"/>
+              </a:rPr>
+              <a:t>: Timestamp</a:t>
+            </a:r>
+          </a:p>
+          <a:p>
+            <a:pPr marL="0" lvl="0" indent="0">
+              <a:lnSpc>
+                <a:spcPct val="150000"/>
+              </a:lnSpc>
+              <a:spcBef>
+                <a:spcPts val="640"/>
+              </a:spcBef>
+              <a:buClr>
+                <a:schemeClr val="lt1"/>
+              </a:buClr>
+              <a:buSzPts val="3200"/>
+              <a:buNone/>
+            </a:pPr>
+            <a:r>
+              <a:rPr lang="en-US" sz="1000" dirty="0">
+                <a:latin typeface="Calibri"/>
+                <a:ea typeface="Calibri"/>
+                <a:cs typeface="Calibri"/>
+                <a:sym typeface="Calibri"/>
+              </a:rPr>
+              <a:t>|       |-- </a:t>
+            </a:r>
+            <a:r>
+              <a:rPr lang="en-US" sz="1000" dirty="0" err="1">
+                <a:latin typeface="Calibri"/>
+                <a:ea typeface="Calibri"/>
+                <a:cs typeface="Calibri"/>
+                <a:sym typeface="Calibri"/>
+              </a:rPr>
+              <a:t>eventEndTime</a:t>
+            </a:r>
+            <a:r>
+              <a:rPr lang="en-US" sz="1000" dirty="0">
+                <a:latin typeface="Calibri"/>
+                <a:ea typeface="Calibri"/>
+                <a:cs typeface="Calibri"/>
+                <a:sym typeface="Calibri"/>
+              </a:rPr>
+              <a:t>: Timestamp</a:t>
+            </a:r>
+          </a:p>
+          <a:p>
+            <a:pPr marL="0" lvl="0" indent="0">
+              <a:lnSpc>
+                <a:spcPct val="150000"/>
+              </a:lnSpc>
+              <a:spcBef>
+                <a:spcPts val="640"/>
+              </a:spcBef>
+              <a:buClr>
+                <a:schemeClr val="lt1"/>
+              </a:buClr>
+              <a:buSzPts val="3200"/>
+              <a:buNone/>
+            </a:pPr>
+            <a:r>
+              <a:rPr lang="en-US" sz="1000" dirty="0">
+                <a:latin typeface="Calibri"/>
+                <a:ea typeface="Calibri"/>
+                <a:cs typeface="Calibri"/>
+                <a:sym typeface="Calibri"/>
+              </a:rPr>
+              <a:t>|       |-- </a:t>
+            </a:r>
+            <a:r>
+              <a:rPr lang="en-US" sz="1000" dirty="0" err="1">
+                <a:latin typeface="Calibri"/>
+                <a:ea typeface="Calibri"/>
+                <a:cs typeface="Calibri"/>
+                <a:sym typeface="Calibri"/>
+              </a:rPr>
+              <a:t>eventDescription</a:t>
+            </a:r>
+            <a:r>
+              <a:rPr lang="en-US" sz="1000" dirty="0">
+                <a:latin typeface="Calibri"/>
+                <a:ea typeface="Calibri"/>
+                <a:cs typeface="Calibri"/>
+                <a:sym typeface="Calibri"/>
+              </a:rPr>
+              <a:t>: String</a:t>
+            </a:r>
+          </a:p>
+          <a:p>
+            <a:pPr marL="0" lvl="0" indent="0">
+              <a:lnSpc>
+                <a:spcPct val="150000"/>
+              </a:lnSpc>
+              <a:spcBef>
+                <a:spcPts val="640"/>
+              </a:spcBef>
+              <a:buClr>
+                <a:schemeClr val="lt1"/>
+              </a:buClr>
+              <a:buSzPts val="3200"/>
+              <a:buNone/>
+            </a:pPr>
+            <a:r>
+              <a:rPr lang="en-US" sz="1000" dirty="0">
+                <a:latin typeface="Calibri"/>
+                <a:ea typeface="Calibri"/>
+                <a:cs typeface="Calibri"/>
+                <a:sym typeface="Calibri"/>
+              </a:rPr>
+              <a:t>|       |-- </a:t>
+            </a:r>
+            <a:r>
+              <a:rPr lang="en-US" sz="1000" dirty="0" err="1">
+                <a:latin typeface="Calibri"/>
+                <a:ea typeface="Calibri"/>
+                <a:cs typeface="Calibri"/>
+                <a:sym typeface="Calibri"/>
+              </a:rPr>
+              <a:t>eventPoints</a:t>
+            </a:r>
+            <a:r>
+              <a:rPr lang="en-US" sz="1000" dirty="0">
+                <a:latin typeface="Calibri"/>
+                <a:ea typeface="Calibri"/>
+                <a:cs typeface="Calibri"/>
+                <a:sym typeface="Calibri"/>
+              </a:rPr>
+              <a:t>: Integer</a:t>
+            </a:r>
+          </a:p>
+          <a:p>
+            <a:pPr marL="0" lvl="0" indent="0">
+              <a:lnSpc>
+                <a:spcPct val="150000"/>
+              </a:lnSpc>
+              <a:spcBef>
+                <a:spcPts val="640"/>
+              </a:spcBef>
+              <a:buClr>
+                <a:schemeClr val="lt1"/>
+              </a:buClr>
+              <a:buSzPts val="3200"/>
+              <a:buNone/>
+            </a:pPr>
+            <a:r>
+              <a:rPr lang="en-US" sz="1000" dirty="0">
+                <a:latin typeface="Calibri"/>
+                <a:ea typeface="Calibri"/>
+                <a:cs typeface="Calibri"/>
+                <a:sym typeface="Calibri"/>
+              </a:rPr>
+              <a:t>|       |-- </a:t>
+            </a:r>
+            <a:r>
+              <a:rPr lang="en-US" sz="1000" dirty="0" err="1">
+                <a:latin typeface="Calibri"/>
+                <a:ea typeface="Calibri"/>
+                <a:cs typeface="Calibri"/>
+                <a:sym typeface="Calibri"/>
+              </a:rPr>
+              <a:t>savedUsers</a:t>
+            </a:r>
+            <a:r>
+              <a:rPr lang="en-US" sz="1000" dirty="0">
+                <a:latin typeface="Calibri"/>
+                <a:ea typeface="Calibri"/>
+                <a:cs typeface="Calibri"/>
+                <a:sym typeface="Calibri"/>
+              </a:rPr>
+              <a:t>: Array&lt;String&gt;</a:t>
+            </a:r>
+          </a:p>
+          <a:p>
+            <a:pPr marL="0" lvl="0" indent="0">
+              <a:lnSpc>
+                <a:spcPct val="150000"/>
+              </a:lnSpc>
+              <a:spcBef>
+                <a:spcPts val="640"/>
+              </a:spcBef>
+              <a:buClr>
+                <a:schemeClr val="lt1"/>
+              </a:buClr>
+              <a:buSzPts val="3200"/>
+              <a:buNone/>
+            </a:pPr>
+            <a:endParaRPr lang="en-US" sz="1000" dirty="0">
+              <a:latin typeface="Calibri"/>
+              <a:ea typeface="Calibri"/>
+              <a:cs typeface="Calibri"/>
+              <a:sym typeface="Calibri"/>
+            </a:endParaRPr>
+          </a:p>
+        </p:txBody>
+      </p:sp>
+      <p:sp>
+        <p:nvSpPr>
+          <p:cNvPr id="2" name="Slide Number Placeholder 1"/>
+          <p:cNvSpPr>
+            <a:spLocks noGrp="1"/>
+          </p:cNvSpPr>
+          <p:nvPr>
+            <p:ph type="sldNum" idx="12"/>
+          </p:nvPr>
+        </p:nvSpPr>
+        <p:spPr/>
+        <p:txBody>
+          <a:bodyPr/>
+          <a:lstStyle/>
+          <a:p>
+            <a:pPr marL="0" lvl="0" indent="0" algn="r" rtl="0">
+              <a:spcBef>
+                <a:spcPts val="0"/>
+              </a:spcBef>
+              <a:spcAft>
+                <a:spcPts val="0"/>
+              </a:spcAft>
+              <a:buNone/>
+            </a:pPr>
+            <a:fld id="{00000000-1234-1234-1234-123412341234}" type="slidenum">
+              <a:rPr lang="en-US"/>
+              <a:t>11</a:t>
+            </a:fld>
+            <a:endParaRPr lang="en-US"/>
+          </a:p>
+        </p:txBody>
+      </p:sp>
+      <p:sp>
+        <p:nvSpPr>
+          <p:cNvPr id="3" name="TextBox 2">
+            <a:extLst>
+              <a:ext uri="{FF2B5EF4-FFF2-40B4-BE49-F238E27FC236}">
+                <a16:creationId xmlns:a16="http://schemas.microsoft.com/office/drawing/2014/main" id="{EB2767E9-9BB5-DE37-F155-C8F8935210D4}"/>
+              </a:ext>
+            </a:extLst>
+          </p:cNvPr>
+          <p:cNvSpPr txBox="1"/>
+          <p:nvPr/>
+        </p:nvSpPr>
+        <p:spPr>
+          <a:xfrm>
+            <a:off x="4680167" y="902335"/>
+            <a:ext cx="3474720" cy="4231928"/>
+          </a:xfrm>
+          <a:prstGeom prst="rect">
+            <a:avLst/>
+          </a:prstGeom>
+          <a:noFill/>
+        </p:spPr>
+        <p:txBody>
+          <a:bodyPr wrap="square" rtlCol="0">
+            <a:spAutoFit/>
+          </a:bodyPr>
+          <a:lstStyle/>
+          <a:p>
+            <a:pPr marL="0" lvl="0" indent="0">
+              <a:lnSpc>
+                <a:spcPct val="150000"/>
+              </a:lnSpc>
+              <a:spcBef>
+                <a:spcPts val="640"/>
+              </a:spcBef>
+              <a:buClr>
+                <a:schemeClr val="lt1"/>
+              </a:buClr>
+              <a:buSzPts val="3200"/>
+              <a:buNone/>
+            </a:pPr>
+            <a:endParaRPr lang="en-US" sz="1000" dirty="0">
+              <a:solidFill>
+                <a:schemeClr val="lt1"/>
+              </a:solidFill>
+              <a:latin typeface="Calibri"/>
+              <a:ea typeface="Calibri"/>
+              <a:cs typeface="Calibri"/>
+              <a:sym typeface="Calibri"/>
+            </a:endParaRPr>
+          </a:p>
+          <a:p>
+            <a:pPr marL="0" lvl="0" indent="0">
+              <a:lnSpc>
+                <a:spcPct val="150000"/>
+              </a:lnSpc>
+              <a:spcBef>
+                <a:spcPts val="640"/>
+              </a:spcBef>
+              <a:buClr>
+                <a:schemeClr val="lt1"/>
+              </a:buClr>
+              <a:buSzPts val="3200"/>
+              <a:buNone/>
+            </a:pPr>
+            <a:endParaRPr lang="en-US" sz="1000" dirty="0">
+              <a:solidFill>
+                <a:schemeClr val="lt1"/>
+              </a:solidFill>
+              <a:latin typeface="Calibri"/>
+              <a:ea typeface="Calibri"/>
+              <a:cs typeface="Calibri"/>
+              <a:sym typeface="Calibri"/>
+            </a:endParaRPr>
+          </a:p>
+          <a:p>
+            <a:pPr marL="0" lvl="0" indent="0">
+              <a:lnSpc>
+                <a:spcPct val="150000"/>
+              </a:lnSpc>
+              <a:spcBef>
+                <a:spcPts val="640"/>
+              </a:spcBef>
+              <a:buClr>
+                <a:schemeClr val="lt1"/>
+              </a:buClr>
+              <a:buSzPts val="3200"/>
+              <a:buNone/>
+            </a:pPr>
+            <a:r>
+              <a:rPr lang="en-US" sz="1000" dirty="0">
+                <a:solidFill>
+                  <a:schemeClr val="lt1"/>
+                </a:solidFill>
+                <a:latin typeface="Calibri"/>
+                <a:ea typeface="Calibri"/>
+                <a:cs typeface="Calibri"/>
+                <a:sym typeface="Calibri"/>
+              </a:rPr>
+              <a:t>|-- users (Collection)</a:t>
+            </a:r>
+          </a:p>
+          <a:p>
+            <a:pPr marL="0" lvl="0" indent="0">
+              <a:lnSpc>
+                <a:spcPct val="150000"/>
+              </a:lnSpc>
+              <a:spcBef>
+                <a:spcPts val="640"/>
+              </a:spcBef>
+              <a:buClr>
+                <a:schemeClr val="lt1"/>
+              </a:buClr>
+              <a:buSzPts val="3200"/>
+              <a:buNone/>
+            </a:pPr>
+            <a:r>
+              <a:rPr lang="en-US" sz="1000" dirty="0">
+                <a:solidFill>
+                  <a:schemeClr val="lt1"/>
+                </a:solidFill>
+                <a:latin typeface="Calibri"/>
+                <a:ea typeface="Calibri"/>
+                <a:cs typeface="Calibri"/>
+                <a:sym typeface="Calibri"/>
+              </a:rPr>
+              <a:t>|   |-- </a:t>
+            </a:r>
+            <a:r>
+              <a:rPr lang="en-US" sz="1000" dirty="0" err="1">
+                <a:solidFill>
+                  <a:schemeClr val="lt1"/>
+                </a:solidFill>
+                <a:latin typeface="Calibri"/>
+                <a:ea typeface="Calibri"/>
+                <a:cs typeface="Calibri"/>
+                <a:sym typeface="Calibri"/>
+              </a:rPr>
+              <a:t>userUID</a:t>
+            </a:r>
+            <a:r>
+              <a:rPr lang="en-US" sz="1000" dirty="0">
+                <a:solidFill>
+                  <a:schemeClr val="lt1"/>
+                </a:solidFill>
+                <a:latin typeface="Calibri"/>
+                <a:ea typeface="Calibri"/>
+                <a:cs typeface="Calibri"/>
+                <a:sym typeface="Calibri"/>
+              </a:rPr>
+              <a:t> (Document)</a:t>
+            </a:r>
+          </a:p>
+          <a:p>
+            <a:pPr marL="0" lvl="0" indent="0">
+              <a:lnSpc>
+                <a:spcPct val="150000"/>
+              </a:lnSpc>
+              <a:spcBef>
+                <a:spcPts val="640"/>
+              </a:spcBef>
+              <a:buClr>
+                <a:schemeClr val="lt1"/>
+              </a:buClr>
+              <a:buSzPts val="3200"/>
+              <a:buNone/>
+            </a:pPr>
+            <a:r>
+              <a:rPr lang="en-US" sz="1000" dirty="0">
+                <a:solidFill>
+                  <a:schemeClr val="lt1"/>
+                </a:solidFill>
+                <a:latin typeface="Calibri"/>
+                <a:ea typeface="Calibri"/>
+                <a:cs typeface="Calibri"/>
+                <a:sym typeface="Calibri"/>
+              </a:rPr>
+              <a:t>|       |-- </a:t>
+            </a:r>
+            <a:r>
+              <a:rPr lang="en-US" sz="1000" dirty="0" err="1">
+                <a:solidFill>
+                  <a:schemeClr val="lt1"/>
+                </a:solidFill>
+                <a:latin typeface="Calibri"/>
+                <a:ea typeface="Calibri"/>
+                <a:cs typeface="Calibri"/>
+                <a:sym typeface="Calibri"/>
+              </a:rPr>
+              <a:t>firstName</a:t>
+            </a:r>
+            <a:r>
+              <a:rPr lang="en-US" sz="1000" dirty="0">
+                <a:solidFill>
+                  <a:schemeClr val="lt1"/>
+                </a:solidFill>
+                <a:latin typeface="Calibri"/>
+                <a:ea typeface="Calibri"/>
+                <a:cs typeface="Calibri"/>
+                <a:sym typeface="Calibri"/>
+              </a:rPr>
+              <a:t>: String</a:t>
+            </a:r>
+          </a:p>
+          <a:p>
+            <a:pPr marL="0" lvl="0" indent="0">
+              <a:lnSpc>
+                <a:spcPct val="150000"/>
+              </a:lnSpc>
+              <a:spcBef>
+                <a:spcPts val="640"/>
+              </a:spcBef>
+              <a:buClr>
+                <a:schemeClr val="lt1"/>
+              </a:buClr>
+              <a:buSzPts val="3200"/>
+              <a:buNone/>
+            </a:pPr>
+            <a:r>
+              <a:rPr lang="en-US" sz="1000" dirty="0">
+                <a:solidFill>
+                  <a:schemeClr val="lt1"/>
+                </a:solidFill>
+                <a:latin typeface="Calibri"/>
+                <a:ea typeface="Calibri"/>
+                <a:cs typeface="Calibri"/>
+                <a:sym typeface="Calibri"/>
+              </a:rPr>
+              <a:t>|       |-- </a:t>
+            </a:r>
+            <a:r>
+              <a:rPr lang="en-US" sz="1000" dirty="0" err="1">
+                <a:solidFill>
+                  <a:schemeClr val="lt1"/>
+                </a:solidFill>
+                <a:latin typeface="Calibri"/>
+                <a:ea typeface="Calibri"/>
+                <a:cs typeface="Calibri"/>
+                <a:sym typeface="Calibri"/>
+              </a:rPr>
+              <a:t>lastName</a:t>
+            </a:r>
+            <a:r>
+              <a:rPr lang="en-US" sz="1000" dirty="0">
+                <a:solidFill>
+                  <a:schemeClr val="lt1"/>
+                </a:solidFill>
+                <a:latin typeface="Calibri"/>
+                <a:ea typeface="Calibri"/>
+                <a:cs typeface="Calibri"/>
+                <a:sym typeface="Calibri"/>
+              </a:rPr>
+              <a:t>: String</a:t>
+            </a:r>
+          </a:p>
+          <a:p>
+            <a:pPr marL="0" lvl="0" indent="0">
+              <a:lnSpc>
+                <a:spcPct val="150000"/>
+              </a:lnSpc>
+              <a:spcBef>
+                <a:spcPts val="640"/>
+              </a:spcBef>
+              <a:buClr>
+                <a:schemeClr val="lt1"/>
+              </a:buClr>
+              <a:buSzPts val="3200"/>
+              <a:buNone/>
+            </a:pPr>
+            <a:r>
+              <a:rPr lang="en-US" sz="1000" dirty="0">
+                <a:solidFill>
+                  <a:schemeClr val="lt1"/>
+                </a:solidFill>
+                <a:latin typeface="Calibri"/>
+                <a:ea typeface="Calibri"/>
+                <a:cs typeface="Calibri"/>
+                <a:sym typeface="Calibri"/>
+              </a:rPr>
+              <a:t>|       |-- </a:t>
+            </a:r>
+            <a:r>
+              <a:rPr lang="en-US" sz="1000" dirty="0" err="1">
+                <a:solidFill>
+                  <a:schemeClr val="lt1"/>
+                </a:solidFill>
+                <a:latin typeface="Calibri"/>
+                <a:ea typeface="Calibri"/>
+                <a:cs typeface="Calibri"/>
+                <a:sym typeface="Calibri"/>
+              </a:rPr>
+              <a:t>userProfileURL</a:t>
+            </a:r>
+            <a:r>
+              <a:rPr lang="en-US" sz="1000" dirty="0">
+                <a:solidFill>
+                  <a:schemeClr val="lt1"/>
+                </a:solidFill>
+                <a:latin typeface="Calibri"/>
+                <a:ea typeface="Calibri"/>
+                <a:cs typeface="Calibri"/>
+                <a:sym typeface="Calibri"/>
+              </a:rPr>
+              <a:t>: String</a:t>
+            </a:r>
+          </a:p>
+          <a:p>
+            <a:pPr marL="0" lvl="0" indent="0">
+              <a:lnSpc>
+                <a:spcPct val="150000"/>
+              </a:lnSpc>
+              <a:spcBef>
+                <a:spcPts val="640"/>
+              </a:spcBef>
+              <a:buClr>
+                <a:schemeClr val="lt1"/>
+              </a:buClr>
+              <a:buSzPts val="3200"/>
+              <a:buNone/>
+            </a:pPr>
+            <a:r>
+              <a:rPr lang="en-US" sz="1000" dirty="0">
+                <a:solidFill>
+                  <a:schemeClr val="lt1"/>
+                </a:solidFill>
+                <a:latin typeface="Calibri"/>
+                <a:ea typeface="Calibri"/>
+                <a:cs typeface="Calibri"/>
+                <a:sym typeface="Calibri"/>
+              </a:rPr>
+              <a:t>|       |-- </a:t>
+            </a:r>
+            <a:r>
+              <a:rPr lang="en-US" sz="1000" dirty="0" err="1">
+                <a:solidFill>
+                  <a:schemeClr val="lt1"/>
+                </a:solidFill>
+                <a:latin typeface="Calibri"/>
+                <a:ea typeface="Calibri"/>
+                <a:cs typeface="Calibri"/>
+                <a:sym typeface="Calibri"/>
+              </a:rPr>
+              <a:t>userBUID</a:t>
+            </a:r>
+            <a:r>
+              <a:rPr lang="en-US" sz="1000" dirty="0">
+                <a:solidFill>
+                  <a:schemeClr val="lt1"/>
+                </a:solidFill>
+                <a:latin typeface="Calibri"/>
+                <a:ea typeface="Calibri"/>
+                <a:cs typeface="Calibri"/>
+                <a:sym typeface="Calibri"/>
+              </a:rPr>
+              <a:t>: String</a:t>
+            </a:r>
+          </a:p>
+          <a:p>
+            <a:pPr marL="0" lvl="0" indent="0">
+              <a:lnSpc>
+                <a:spcPct val="150000"/>
+              </a:lnSpc>
+              <a:spcBef>
+                <a:spcPts val="640"/>
+              </a:spcBef>
+              <a:buClr>
+                <a:schemeClr val="lt1"/>
+              </a:buClr>
+              <a:buSzPts val="3200"/>
+              <a:buNone/>
+            </a:pPr>
+            <a:r>
+              <a:rPr lang="en-US" sz="1000" dirty="0">
+                <a:solidFill>
+                  <a:schemeClr val="lt1"/>
+                </a:solidFill>
+                <a:latin typeface="Calibri"/>
+                <a:ea typeface="Calibri"/>
+                <a:cs typeface="Calibri"/>
+                <a:sym typeface="Calibri"/>
+              </a:rPr>
+              <a:t>|       |-- </a:t>
+            </a:r>
+            <a:r>
+              <a:rPr lang="en-US" sz="1000" dirty="0" err="1">
+                <a:solidFill>
+                  <a:schemeClr val="lt1"/>
+                </a:solidFill>
+                <a:latin typeface="Calibri"/>
+                <a:ea typeface="Calibri"/>
+                <a:cs typeface="Calibri"/>
+                <a:sym typeface="Calibri"/>
+              </a:rPr>
+              <a:t>userEmail</a:t>
+            </a:r>
+            <a:r>
+              <a:rPr lang="en-US" sz="1000" dirty="0">
+                <a:solidFill>
+                  <a:schemeClr val="lt1"/>
+                </a:solidFill>
+                <a:latin typeface="Calibri"/>
+                <a:ea typeface="Calibri"/>
+                <a:cs typeface="Calibri"/>
+                <a:sym typeface="Calibri"/>
+              </a:rPr>
+              <a:t>: String</a:t>
+            </a:r>
+          </a:p>
+          <a:p>
+            <a:pPr marL="0" lvl="0" indent="0">
+              <a:lnSpc>
+                <a:spcPct val="150000"/>
+              </a:lnSpc>
+              <a:spcBef>
+                <a:spcPts val="640"/>
+              </a:spcBef>
+              <a:buClr>
+                <a:schemeClr val="lt1"/>
+              </a:buClr>
+              <a:buSzPts val="3200"/>
+              <a:buNone/>
+            </a:pPr>
+            <a:r>
+              <a:rPr lang="en-US" sz="1000" dirty="0">
+                <a:solidFill>
+                  <a:schemeClr val="lt1"/>
+                </a:solidFill>
+                <a:latin typeface="Calibri"/>
+                <a:ea typeface="Calibri"/>
+                <a:cs typeface="Calibri"/>
+                <a:sym typeface="Calibri"/>
+              </a:rPr>
+              <a:t>|       |-- </a:t>
+            </a:r>
+            <a:r>
+              <a:rPr lang="en-US" sz="1000" dirty="0" err="1">
+                <a:solidFill>
+                  <a:schemeClr val="lt1"/>
+                </a:solidFill>
+                <a:latin typeface="Calibri"/>
+                <a:ea typeface="Calibri"/>
+                <a:cs typeface="Calibri"/>
+                <a:sym typeface="Calibri"/>
+              </a:rPr>
+              <a:t>userSchool</a:t>
+            </a:r>
+            <a:r>
+              <a:rPr lang="en-US" sz="1000" dirty="0">
+                <a:solidFill>
+                  <a:schemeClr val="lt1"/>
+                </a:solidFill>
+                <a:latin typeface="Calibri"/>
+                <a:ea typeface="Calibri"/>
+                <a:cs typeface="Calibri"/>
+                <a:sym typeface="Calibri"/>
+              </a:rPr>
+              <a:t>: String</a:t>
+            </a:r>
+          </a:p>
+          <a:p>
+            <a:pPr marL="0" lvl="0" indent="0">
+              <a:lnSpc>
+                <a:spcPct val="150000"/>
+              </a:lnSpc>
+              <a:spcBef>
+                <a:spcPts val="640"/>
+              </a:spcBef>
+              <a:buClr>
+                <a:schemeClr val="lt1"/>
+              </a:buClr>
+              <a:buSzPts val="3200"/>
+              <a:buNone/>
+            </a:pPr>
+            <a:r>
+              <a:rPr lang="en-US" sz="1000" dirty="0">
+                <a:solidFill>
+                  <a:schemeClr val="lt1"/>
+                </a:solidFill>
+                <a:latin typeface="Calibri"/>
+                <a:ea typeface="Calibri"/>
+                <a:cs typeface="Calibri"/>
+                <a:sym typeface="Calibri"/>
+              </a:rPr>
+              <a:t>|       |-- </a:t>
+            </a:r>
+            <a:r>
+              <a:rPr lang="en-US" sz="1000" dirty="0" err="1">
+                <a:solidFill>
+                  <a:schemeClr val="lt1"/>
+                </a:solidFill>
+                <a:latin typeface="Calibri"/>
+                <a:ea typeface="Calibri"/>
+                <a:cs typeface="Calibri"/>
+                <a:sym typeface="Calibri"/>
+              </a:rPr>
+              <a:t>userYear</a:t>
+            </a:r>
+            <a:r>
+              <a:rPr lang="en-US" sz="1000" dirty="0">
+                <a:solidFill>
+                  <a:schemeClr val="lt1"/>
+                </a:solidFill>
+                <a:latin typeface="Calibri"/>
+                <a:ea typeface="Calibri"/>
+                <a:cs typeface="Calibri"/>
+                <a:sym typeface="Calibri"/>
+              </a:rPr>
+              <a:t>: String</a:t>
+            </a:r>
+          </a:p>
+          <a:p>
+            <a:pPr marL="0" lvl="0" indent="0">
+              <a:lnSpc>
+                <a:spcPct val="150000"/>
+              </a:lnSpc>
+              <a:spcBef>
+                <a:spcPts val="640"/>
+              </a:spcBef>
+              <a:buClr>
+                <a:schemeClr val="lt1"/>
+              </a:buClr>
+              <a:buSzPts val="3200"/>
+              <a:buNone/>
+            </a:pPr>
+            <a:r>
+              <a:rPr lang="en-US" sz="1000" dirty="0">
+                <a:solidFill>
+                  <a:schemeClr val="lt1"/>
+                </a:solidFill>
+                <a:latin typeface="Calibri"/>
+                <a:ea typeface="Calibri"/>
+                <a:cs typeface="Calibri"/>
+                <a:sym typeface="Calibri"/>
+              </a:rPr>
+              <a:t>|       |-- </a:t>
+            </a:r>
+            <a:r>
+              <a:rPr lang="en-US" sz="1000" dirty="0" err="1">
+                <a:solidFill>
+                  <a:schemeClr val="lt1"/>
+                </a:solidFill>
+                <a:latin typeface="Calibri"/>
+                <a:ea typeface="Calibri"/>
+                <a:cs typeface="Calibri"/>
+                <a:sym typeface="Calibri"/>
+              </a:rPr>
+              <a:t>userPoints</a:t>
+            </a:r>
+            <a:r>
+              <a:rPr lang="en-US" sz="1000" dirty="0">
+                <a:solidFill>
+                  <a:schemeClr val="lt1"/>
+                </a:solidFill>
+                <a:latin typeface="Calibri"/>
+                <a:ea typeface="Calibri"/>
+                <a:cs typeface="Calibri"/>
+                <a:sym typeface="Calibri"/>
+              </a:rPr>
+              <a:t>: Integer</a:t>
+            </a:r>
+          </a:p>
+          <a:p>
+            <a:pPr marL="0" indent="0">
+              <a:lnSpc>
+                <a:spcPct val="150000"/>
+              </a:lnSpc>
+              <a:spcBef>
+                <a:spcPts val="640"/>
+              </a:spcBef>
+              <a:buClr>
+                <a:schemeClr val="lt1"/>
+              </a:buClr>
+              <a:buSzPts val="3200"/>
+              <a:buNone/>
+            </a:pPr>
+            <a:r>
+              <a:rPr lang="en-US" sz="1000" dirty="0">
+                <a:solidFill>
+                  <a:schemeClr val="lt1"/>
+                </a:solidFill>
+                <a:latin typeface="Calibri"/>
+                <a:ea typeface="Calibri"/>
+                <a:cs typeface="Calibri"/>
+                <a:sym typeface="Calibri"/>
+              </a:rPr>
+              <a:t>|       |-- </a:t>
+            </a:r>
+            <a:r>
+              <a:rPr lang="en-US" sz="1000" dirty="0" err="1">
+                <a:solidFill>
+                  <a:schemeClr val="lt1"/>
+                </a:solidFill>
+                <a:latin typeface="Calibri"/>
+                <a:ea typeface="Calibri"/>
+                <a:cs typeface="Calibri"/>
+                <a:sym typeface="Calibri"/>
+              </a:rPr>
+              <a:t>userSavedEvents</a:t>
+            </a:r>
+            <a:r>
+              <a:rPr lang="en-US" sz="1000" dirty="0">
+                <a:solidFill>
+                  <a:schemeClr val="lt1"/>
+                </a:solidFill>
+                <a:latin typeface="Calibri"/>
+                <a:ea typeface="Calibri"/>
+                <a:cs typeface="Calibri"/>
+                <a:sym typeface="Calibri"/>
+              </a:rPr>
+              <a:t>: Map&lt;String, Boolean&gt;</a:t>
+            </a:r>
+          </a:p>
+          <a:p>
+            <a:endParaRPr lang="en-US" dirty="0"/>
+          </a:p>
+        </p:txBody>
+      </p:sp>
+    </p:spTree>
+  </p:cSld>
+  <p:clrMapOvr>
+    <a:masterClrMapping/>
+  </p:clrMapOvr>
+  <p:timing>
+    <p:tnLst>
+      <p:par>
+        <p:cTn id="1" dur="indefinite" restart="never" nodeType="tmRoot">
+          <p:childTnLst>
+            <p:seq concurrent="1" nextAc="seek">
+              <p:cTn id="2" dur="indefinite" nodeType="mainSeq">
+                <p:childTnLst>
+                  <p:par>
+                    <p:cTn id="3" fill="hold">
+                      <p:stCondLst>
+                        <p:cond delay="indefinite"/>
+                      </p:stCondLst>
+                      <p:childTnLst>
+                        <p:par>
+                          <p:cTn id="4" fill="hold">
+                            <p:stCondLst>
+                              <p:cond delay="0"/>
+                            </p:stCondLst>
+                            <p:childTnLst>
+                              <p:par>
+                                <p:cTn id="5" presetID="10" presetClass="entr" presetSubtype="0" fill="hold" nodeType="clickEffect">
+                                  <p:stCondLst>
+                                    <p:cond delay="0"/>
+                                  </p:stCondLst>
+                                  <p:childTnLst>
+                                    <p:set>
+                                      <p:cBhvr>
+                                        <p:cTn id="6" dur="1" fill="hold">
+                                          <p:stCondLst>
+                                            <p:cond delay="0"/>
+                                          </p:stCondLst>
+                                        </p:cTn>
+                                        <p:tgtEl>
+                                          <p:spTgt spid="159"/>
+                                        </p:tgtEl>
+                                        <p:attrNameLst>
+                                          <p:attrName>style.visibility</p:attrName>
+                                        </p:attrNameLst>
+                                      </p:cBhvr>
+                                      <p:to>
+                                        <p:strVal val="visible"/>
+                                      </p:to>
+                                    </p:set>
+                                    <p:animEffect transition="in" filter="fade">
+                                      <p:cBhvr>
+                                        <p:cTn id="7" dur="100"/>
+                                        <p:tgtEl>
+                                          <p:spTgt spid="159"/>
+                                        </p:tgtEl>
+                                      </p:cBhvr>
+                                    </p:animEffect>
+                                  </p:childTnLst>
+                                </p:cTn>
+                              </p:par>
+                            </p:childTnLst>
+                          </p:cTn>
+                        </p:par>
+                      </p:childTnLst>
+                    </p:cTn>
+                  </p:par>
+                </p:childTnLst>
+              </p:cTn>
+              <p:prevCondLst>
+                <p:cond evt="onPrev" delay="0">
+                  <p:tgtEl>
+                    <p:sldTgt/>
+                  </p:tgtEl>
+                </p:cond>
+              </p:prevCondLst>
+              <p:nextCondLst>
+                <p:cond evt="onNext" delay="0">
+                  <p:tgtEl>
+                    <p:sldTgt/>
+                  </p:tgtEl>
+                </p:cond>
+              </p:nextCondLst>
+            </p:seq>
+          </p:childTnLst>
+        </p:cTn>
+      </p:par>
+    </p:tnLst>
+  </p:timing>
+</p:sld>
+</file>
+
+<file path=ppt/slides/slide12.xml><?xml version="1.0" encoding="utf-8"?>
+<p:sld xmlns:a="http://schemas.openxmlformats.org/drawingml/2006/main" xmlns:r="http://schemas.openxmlformats.org/officeDocument/2006/relationships" xmlns:p="http://schemas.openxmlformats.org/presentationml/2006/main">
+  <p:cSld>
+    <p:spTree>
+      <p:nvGrpSpPr>
+        <p:cNvPr id="1" name="Shape 157"/>
+        <p:cNvGrpSpPr/>
+        <p:nvPr/>
+      </p:nvGrpSpPr>
+      <p:grpSpPr>
+        <a:xfrm>
+          <a:off x="0" y="0"/>
+          <a:ext cx="0" cy="0"/>
+          <a:chOff x="0" y="0"/>
+          <a:chExt cx="0" cy="0"/>
+        </a:xfrm>
+      </p:grpSpPr>
+      <p:sp>
+        <p:nvSpPr>
+          <p:cNvPr id="158" name="Google Shape;158;p17"/>
+          <p:cNvSpPr txBox="1">
+            <a:spLocks noGrp="1"/>
+          </p:cNvSpPr>
+          <p:nvPr>
+            <p:ph type="title"/>
+          </p:nvPr>
+        </p:nvSpPr>
+        <p:spPr>
+          <a:xfrm>
+            <a:off x="457200" y="274638"/>
+            <a:ext cx="8229600" cy="1143000"/>
+          </a:xfrm>
+          <a:prstGeom prst="rect">
+            <a:avLst/>
+          </a:prstGeom>
+          <a:noFill/>
+          <a:ln>
+            <a:noFill/>
+          </a:ln>
+        </p:spPr>
+        <p:txBody>
+          <a:bodyPr spcFirstLastPara="1" wrap="square" lIns="91425" tIns="45700" rIns="91425" bIns="45700" anchor="ctr" anchorCtr="0">
+            <a:normAutofit/>
+          </a:bodyPr>
+          <a:lstStyle/>
+          <a:p>
+            <a:pPr marL="0" lvl="0" indent="0" algn="ctr" rtl="0">
+              <a:spcBef>
+                <a:spcPts val="0"/>
+              </a:spcBef>
+              <a:spcAft>
+                <a:spcPts val="0"/>
+              </a:spcAft>
+              <a:buClr>
+                <a:schemeClr val="dk1"/>
+              </a:buClr>
+              <a:buSzPct val="100000"/>
+              <a:buFont typeface="Calibri"/>
+              <a:buNone/>
+            </a:pPr>
+            <a:r>
+              <a:rPr lang="en-US" sz="4400" b="1">
+                <a:latin typeface="Calibri"/>
+                <a:ea typeface="Calibri"/>
+                <a:cs typeface="Calibri"/>
+                <a:sym typeface="Calibri"/>
+              </a:rPr>
+              <a:t>External Libraries and Tools</a:t>
+            </a:r>
+          </a:p>
+        </p:txBody>
+      </p:sp>
+      <p:sp>
+        <p:nvSpPr>
+          <p:cNvPr id="159" name="Google Shape;159;p17"/>
+          <p:cNvSpPr txBox="1">
+            <a:spLocks noGrp="1"/>
+          </p:cNvSpPr>
+          <p:nvPr>
+            <p:ph type="body" idx="1"/>
+          </p:nvPr>
+        </p:nvSpPr>
+        <p:spPr>
+          <a:xfrm>
+            <a:off x="457200" y="1600200"/>
+            <a:ext cx="8353425" cy="2051050"/>
+          </a:xfrm>
+          <a:prstGeom prst="rect">
+            <a:avLst/>
+          </a:prstGeom>
+          <a:noFill/>
+          <a:ln>
+            <a:noFill/>
+          </a:ln>
+        </p:spPr>
+        <p:txBody>
+          <a:bodyPr spcFirstLastPara="1" wrap="square" lIns="91425" tIns="45700" rIns="91425" bIns="45700" anchor="t" anchorCtr="0">
+            <a:noAutofit/>
+          </a:bodyPr>
+          <a:lstStyle/>
+          <a:p>
+            <a:pPr marL="342900" lvl="0" indent="-139700" algn="l" rtl="0">
+              <a:lnSpc>
+                <a:spcPct val="150000"/>
+              </a:lnSpc>
+              <a:spcBef>
+                <a:spcPts val="0"/>
+              </a:spcBef>
+              <a:spcAft>
+                <a:spcPts val="0"/>
+              </a:spcAft>
+              <a:buClr>
+                <a:schemeClr val="dk1"/>
+              </a:buClr>
+              <a:buSzPts val="3200"/>
+              <a:buNone/>
+            </a:pPr>
+            <a:endParaRPr sz="1000"/>
+          </a:p>
+          <a:p>
+            <a:pPr lvl="0" indent="-457200" algn="l" rtl="0">
+              <a:lnSpc>
+                <a:spcPct val="150000"/>
+              </a:lnSpc>
+              <a:spcBef>
+                <a:spcPts val="640"/>
+              </a:spcBef>
+              <a:spcAft>
+                <a:spcPts val="0"/>
+              </a:spcAft>
+              <a:buClr>
+                <a:schemeClr val="lt1"/>
+              </a:buClr>
+              <a:buSzPts val="3200"/>
+              <a:buFont typeface="Arial" panose="020B0604020202090204" pitchFamily="34" charset="0"/>
+              <a:buChar char="•"/>
+            </a:pPr>
+            <a:r>
+              <a:rPr lang="en-US" sz="2400">
+                <a:latin typeface="Calibri"/>
+                <a:ea typeface="Calibri"/>
+                <a:cs typeface="Calibri"/>
+                <a:sym typeface="Calibri"/>
+              </a:rPr>
+              <a:t>Firebase Crashlytics: For real-time error and crash monitoring.</a:t>
+            </a:r>
+          </a:p>
+        </p:txBody>
+      </p:sp>
+      <p:sp>
+        <p:nvSpPr>
+          <p:cNvPr id="2" name="Slide Number Placeholder 1"/>
+          <p:cNvSpPr>
+            <a:spLocks noGrp="1"/>
+          </p:cNvSpPr>
+          <p:nvPr>
+            <p:ph type="sldNum" idx="12"/>
+          </p:nvPr>
+        </p:nvSpPr>
+        <p:spPr/>
+        <p:txBody>
+          <a:bodyPr/>
+          <a:lstStyle/>
+          <a:p>
+            <a:pPr marL="0" lvl="0" indent="0" algn="r" rtl="0">
+              <a:spcBef>
+                <a:spcPts val="0"/>
+              </a:spcBef>
+              <a:spcAft>
+                <a:spcPts val="0"/>
+              </a:spcAft>
+              <a:buNone/>
+            </a:pPr>
+            <a:fld id="{00000000-1234-1234-1234-123412341234}" type="slidenum">
+              <a:rPr lang="en-US"/>
+              <a:t>12</a:t>
             </a:fld>
             <a:endParaRPr lang="en-US"/>
           </a:p>
@@ -11097,14 +12962,14 @@
                 </p:childTnLst>
               </p:cTn>
               <p:prevCondLst>
-                <p:cond evt="onPrev">
+                <p:cond evt="onPrev" delay="0">
                   <p:tgtEl>
                     <p:sldTgt/>
                   </p:tgtEl>
                 </p:cond>
               </p:prevCondLst>
               <p:nextCondLst>
-                <p:cond evt="onNext">
+                <p:cond evt="onNext" delay="0">
                   <p:tgtEl>
                     <p:sldTgt/>
                   </p:tgtEl>
@@ -11119,12 +12984,12 @@
 </p:sld>
 </file>
 
-<file path=ppt/slides/slide11.xml><?xml version="1.0" encoding="utf-8"?>
+<file path=ppt/slides/slide13.xml><?xml version="1.0" encoding="utf-8"?>
 <p:sld xmlns:a="http://schemas.openxmlformats.org/drawingml/2006/main" xmlns:r="http://schemas.openxmlformats.org/officeDocument/2006/relationships" xmlns:p="http://schemas.openxmlformats.org/presentationml/2006/main">
   <p:cSld>
     <p:spTree>
       <p:nvGrpSpPr>
-        <p:cNvPr id="157" name="Shape 157"/>
+        <p:cNvPr id="1" name="Shape 257"/>
         <p:cNvGrpSpPr/>
         <p:nvPr/>
       </p:nvGrpSpPr>
@@ -11138,8 +13003,112 @@
       </p:grpSpPr>
       <p:sp>
         <p:nvSpPr>
-          <p:cNvPr id="158" name="Google Shape;158;p17"/>
-          <p:cNvSpPr txBox="1"/>
+          <p:cNvPr id="258" name="Google Shape;258;p31"/>
+          <p:cNvSpPr/>
+          <p:nvPr/>
+        </p:nvSpPr>
+        <p:spPr>
+          <a:xfrm>
+            <a:off x="476250" y="2602600"/>
+            <a:ext cx="8241747" cy="1362590"/>
+          </a:xfrm>
+          <a:prstGeom prst="rect">
+            <a:avLst/>
+          </a:prstGeom>
+        </p:spPr>
+        <p:txBody>
+          <a:bodyPr>
+            <a:prstTxWarp prst="textPlain">
+              <a:avLst/>
+            </a:prstTxWarp>
+          </a:bodyPr>
+          <a:lstStyle/>
+          <a:p>
+            <a:pPr lvl="0" algn="ctr"/>
+            <a:r>
+              <a:rPr b="1" i="0">
+                <a:ln w="9525" cap="flat" cmpd="sng">
+                  <a:solidFill>
+                    <a:schemeClr val="dk2"/>
+                  </a:solidFill>
+                  <a:prstDash val="solid"/>
+                  <a:round/>
+                  <a:headEnd type="none" w="sm" len="sm"/>
+                  <a:tailEnd type="none" w="sm" len="sm"/>
+                </a:ln>
+                <a:solidFill>
+                  <a:srgbClr val="CFE2F3"/>
+                </a:solidFill>
+                <a:latin typeface="Times New Roman" panose="02020503050405090304"/>
+              </a:rPr>
+              <a:t>Thank You!</a:t>
+            </a:r>
+          </a:p>
+        </p:txBody>
+      </p:sp>
+      <p:sp>
+        <p:nvSpPr>
+          <p:cNvPr id="2" name="Slide Number Placeholder 1"/>
+          <p:cNvSpPr>
+            <a:spLocks noGrp="1"/>
+          </p:cNvSpPr>
+          <p:nvPr>
+            <p:ph type="sldNum" idx="12"/>
+          </p:nvPr>
+        </p:nvSpPr>
+        <p:spPr/>
+        <p:txBody>
+          <a:bodyPr/>
+          <a:lstStyle/>
+          <a:p>
+            <a:pPr marL="0" lvl="0" indent="0" algn="r" rtl="0">
+              <a:spcBef>
+                <a:spcPts val="0"/>
+              </a:spcBef>
+              <a:spcAft>
+                <a:spcPts val="0"/>
+              </a:spcAft>
+              <a:buNone/>
+            </a:pPr>
+            <a:fld id="{00000000-1234-1234-1234-123412341234}" type="slidenum">
+              <a:rPr lang="en-US"/>
+              <a:t>13</a:t>
+            </a:fld>
+            <a:endParaRPr lang="en-US"/>
+          </a:p>
+        </p:txBody>
+      </p:sp>
+    </p:spTree>
+  </p:cSld>
+  <p:clrMapOvr>
+    <a:masterClrMapping/>
+  </p:clrMapOvr>
+</p:sld>
+</file>
+
+<file path=ppt/slides/slide2.xml><?xml version="1.0" encoding="utf-8"?>
+<p:sld xmlns:a="http://schemas.openxmlformats.org/drawingml/2006/main" xmlns:r="http://schemas.openxmlformats.org/officeDocument/2006/relationships" xmlns:p="http://schemas.openxmlformats.org/presentationml/2006/main">
+  <p:cSld>
+    <p:spTree>
+      <p:nvGrpSpPr>
+        <p:cNvPr id="1" name="Shape 145"/>
+        <p:cNvGrpSpPr/>
+        <p:nvPr/>
+      </p:nvGrpSpPr>
+      <p:grpSpPr>
+        <a:xfrm>
+          <a:off x="0" y="0"/>
+          <a:ext cx="0" cy="0"/>
+          <a:chOff x="0" y="0"/>
+          <a:chExt cx="0" cy="0"/>
+        </a:xfrm>
+      </p:grpSpPr>
+      <p:sp>
+        <p:nvSpPr>
+          <p:cNvPr id="146" name="Google Shape;146;p15"/>
+          <p:cNvSpPr txBox="1">
+            <a:spLocks noGrp="1"/>
+          </p:cNvSpPr>
           <p:nvPr>
             <p:ph type="title"/>
           </p:nvPr>
@@ -11173,7 +13142,7 @@
               <a:buClr>
                 <a:schemeClr val="dk1"/>
               </a:buClr>
-              <a:buSzPct val="100000"/>
+              <a:buSzPts val="4400"/>
               <a:buFont typeface="Calibri"/>
               <a:buNone/>
             </a:pPr>
@@ -11184,38 +13153,25 @@
                 <a:cs typeface="Calibri"/>
                 <a:sym typeface="Calibri"/>
               </a:rPr>
-              <a:t>Data </a:t>
+              <a:t>App Purpose</a:t>
             </a:r>
-            <a:r>
-              <a:rPr lang="en-US" sz="4400" b="1">
-                <a:latin typeface="Calibri"/>
-                <a:ea typeface="Calibri"/>
-                <a:cs typeface="Calibri"/>
-                <a:sym typeface="Calibri"/>
-              </a:rPr>
-              <a:t>Source </a:t>
-            </a:r>
-            <a:endParaRPr lang="en-US" sz="4400" b="1">
-              <a:latin typeface="Calibri"/>
-              <a:ea typeface="Calibri"/>
-              <a:cs typeface="Calibri"/>
-              <a:sym typeface="Calibri"/>
-            </a:endParaRPr>
           </a:p>
         </p:txBody>
       </p:sp>
       <p:sp>
         <p:nvSpPr>
-          <p:cNvPr id="159" name="Google Shape;159;p17"/>
-          <p:cNvSpPr txBox="1"/>
+          <p:cNvPr id="147" name="Google Shape;147;p15"/>
+          <p:cNvSpPr txBox="1">
+            <a:spLocks noGrp="1"/>
+          </p:cNvSpPr>
           <p:nvPr>
             <p:ph type="body" idx="1"/>
           </p:nvPr>
         </p:nvSpPr>
         <p:spPr>
           <a:xfrm>
-            <a:off x="457200" y="1600200"/>
-            <a:ext cx="8353425" cy="1517650"/>
+            <a:off x="457200" y="1086485"/>
+            <a:ext cx="8558530" cy="4684395"/>
           </a:xfrm>
           <a:prstGeom prst="rect">
             <a:avLst/>
@@ -11247,10 +13203,10 @@
               <a:buSzPts val="3200"/>
               <a:buNone/>
             </a:pPr>
-            <a:endParaRPr sz="1000"/>
+            <a:endParaRPr sz="1200"/>
           </a:p>
           <a:p>
-            <a:pPr lvl="0" indent="-457200" algn="l" rtl="0">
+            <a:pPr marL="0" lvl="0" indent="0" algn="l" rtl="0">
               <a:lnSpc>
                 <a:spcPct val="150000"/>
               </a:lnSpc>
@@ -11264,24 +13220,44 @@
                 <a:schemeClr val="lt1"/>
               </a:buClr>
               <a:buSzPts val="3200"/>
-              <a:buFont typeface="Arial" panose="020B0604020202090204" pitchFamily="34" charset="0"/>
-              <a:buChar char="•"/>
+              <a:buNone/>
             </a:pPr>
             <a:r>
-              <a:rPr lang="en-US" sz="2400">
+              <a:rPr lang="en-US" sz="2800">
                 <a:latin typeface="Calibri"/>
                 <a:ea typeface="Calibri"/>
                 <a:cs typeface="Calibri"/>
                 <a:sym typeface="Calibri"/>
               </a:rPr>
-              <a:t>All data was sourced from the BU event website.</a:t>
+              <a:t>This app is designed for Boston University students to easily browse and register for various campus events. </a:t>
             </a:r>
-            <a:endParaRPr lang="en-US" sz="2400">
-              <a:latin typeface="Calibri"/>
-              <a:ea typeface="Calibri"/>
-              <a:cs typeface="Calibri"/>
-              <a:sym typeface="Calibri"/>
-            </a:endParaRPr>
+          </a:p>
+          <a:p>
+            <a:pPr marL="0" lvl="0" indent="0" algn="l" rtl="0">
+              <a:lnSpc>
+                <a:spcPct val="150000"/>
+              </a:lnSpc>
+              <a:spcBef>
+                <a:spcPts val="640"/>
+              </a:spcBef>
+              <a:spcAft>
+                <a:spcPts val="0"/>
+              </a:spcAft>
+              <a:buClr>
+                <a:schemeClr val="lt1"/>
+              </a:buClr>
+              <a:buSzPts val="3200"/>
+              <a:buNone/>
+            </a:pPr>
+            <a:r>
+              <a:rPr lang="en-US" sz="2800">
+                <a:latin typeface="Calibri"/>
+                <a:ea typeface="Calibri"/>
+                <a:cs typeface="Calibri"/>
+                <a:sym typeface="Calibri"/>
+              </a:rPr>
+              <a:t>The app aims to help students stay informed about campus happenings, providing an accessible way to enhance their university experience by participating in events.</a:t>
+            </a:r>
           </a:p>
         </p:txBody>
       </p:sp>
@@ -11298,6 +13274,7 @@
         <p:spPr/>
         <p:txBody>
           <a:bodyPr/>
+          <a:lstStyle/>
           <a:p>
             <a:pPr marL="0" lvl="0" indent="0" algn="r" rtl="0">
               <a:spcBef>
@@ -11310,6 +13287,572 @@
             </a:pPr>
             <a:fld id="{00000000-1234-1234-1234-123412341234}" type="slidenum">
               <a:rPr lang="en-US"/>
+              <a:t>2</a:t>
+            </a:fld>
+            <a:endParaRPr lang="en-US"/>
+          </a:p>
+        </p:txBody>
+      </p:sp>
+    </p:spTree>
+  </p:cSld>
+  <p:clrMapOvr>
+    <a:masterClrMapping/>
+  </p:clrMapOvr>
+  <p:timing>
+    <p:tnLst>
+      <p:par>
+        <p:cTn id="1" dur="indefinite" restart="never" nodeType="tmRoot">
+          <p:childTnLst>
+            <p:seq concurrent="1" nextAc="seek">
+              <p:cTn id="2" dur="indefinite" nodeType="mainSeq">
+                <p:childTnLst>
+                  <p:par>
+                    <p:cTn id="3" fill="hold">
+                      <p:stCondLst>
+                        <p:cond delay="indefinite"/>
+                      </p:stCondLst>
+                      <p:childTnLst>
+                        <p:par>
+                          <p:cTn id="4" fill="hold">
+                            <p:stCondLst>
+                              <p:cond delay="0"/>
+                            </p:stCondLst>
+                            <p:childTnLst>
+                              <p:par>
+                                <p:cTn id="5" presetID="10" presetClass="entr" presetSubtype="0" fill="hold" nodeType="clickEffect">
+                                  <p:stCondLst>
+                                    <p:cond delay="0"/>
+                                  </p:stCondLst>
+                                  <p:childTnLst>
+                                    <p:set>
+                                      <p:cBhvr>
+                                        <p:cTn id="6" dur="1" fill="hold">
+                                          <p:stCondLst>
+                                            <p:cond delay="0"/>
+                                          </p:stCondLst>
+                                        </p:cTn>
+                                        <p:tgtEl>
+                                          <p:spTgt spid="147"/>
+                                        </p:tgtEl>
+                                        <p:attrNameLst>
+                                          <p:attrName>style.visibility</p:attrName>
+                                        </p:attrNameLst>
+                                      </p:cBhvr>
+                                      <p:to>
+                                        <p:strVal val="visible"/>
+                                      </p:to>
+                                    </p:set>
+                                    <p:animEffect transition="in" filter="fade">
+                                      <p:cBhvr>
+                                        <p:cTn id="7" dur="100"/>
+                                        <p:tgtEl>
+                                          <p:spTgt spid="147"/>
+                                        </p:tgtEl>
+                                      </p:cBhvr>
+                                    </p:animEffect>
+                                  </p:childTnLst>
+                                </p:cTn>
+                              </p:par>
+                            </p:childTnLst>
+                          </p:cTn>
+                        </p:par>
+                      </p:childTnLst>
+                    </p:cTn>
+                  </p:par>
+                </p:childTnLst>
+              </p:cTn>
+              <p:prevCondLst>
+                <p:cond evt="onPrev" delay="0">
+                  <p:tgtEl>
+                    <p:sldTgt/>
+                  </p:tgtEl>
+                </p:cond>
+              </p:prevCondLst>
+              <p:nextCondLst>
+                <p:cond evt="onNext" delay="0">
+                  <p:tgtEl>
+                    <p:sldTgt/>
+                  </p:tgtEl>
+                </p:cond>
+              </p:nextCondLst>
+            </p:seq>
+          </p:childTnLst>
+        </p:cTn>
+      </p:par>
+    </p:tnLst>
+  </p:timing>
+</p:sld>
+</file>
+
+<file path=ppt/slides/slide3.xml><?xml version="1.0" encoding="utf-8"?>
+<p:sld xmlns:a="http://schemas.openxmlformats.org/drawingml/2006/main" xmlns:r="http://schemas.openxmlformats.org/officeDocument/2006/relationships" xmlns:p="http://schemas.openxmlformats.org/presentationml/2006/main">
+  <p:cSld>
+    <p:spTree>
+      <p:nvGrpSpPr>
+        <p:cNvPr id="1" name="Shape 151"/>
+        <p:cNvGrpSpPr/>
+        <p:nvPr/>
+      </p:nvGrpSpPr>
+      <p:grpSpPr>
+        <a:xfrm>
+          <a:off x="0" y="0"/>
+          <a:ext cx="0" cy="0"/>
+          <a:chOff x="0" y="0"/>
+          <a:chExt cx="0" cy="0"/>
+        </a:xfrm>
+      </p:grpSpPr>
+      <p:sp>
+        <p:nvSpPr>
+          <p:cNvPr id="152" name="Google Shape;152;p16"/>
+          <p:cNvSpPr txBox="1">
+            <a:spLocks noGrp="1"/>
+          </p:cNvSpPr>
+          <p:nvPr>
+            <p:ph type="title"/>
+          </p:nvPr>
+        </p:nvSpPr>
+        <p:spPr>
+          <a:xfrm>
+            <a:off x="457200" y="274638"/>
+            <a:ext cx="8229600" cy="1143000"/>
+          </a:xfrm>
+          <a:prstGeom prst="rect">
+            <a:avLst/>
+          </a:prstGeom>
+          <a:noFill/>
+          <a:ln>
+            <a:noFill/>
+          </a:ln>
+        </p:spPr>
+        <p:txBody>
+          <a:bodyPr spcFirstLastPara="1" wrap="square" lIns="91425" tIns="45700" rIns="91425" bIns="45700" anchor="ctr" anchorCtr="0">
+            <a:normAutofit/>
+          </a:bodyPr>
+          <a:lstStyle/>
+          <a:p>
+            <a:pPr marL="0" lvl="0" indent="0" algn="ctr" rtl="0">
+              <a:spcBef>
+                <a:spcPts val="0"/>
+              </a:spcBef>
+              <a:spcAft>
+                <a:spcPts val="0"/>
+              </a:spcAft>
+              <a:buClr>
+                <a:schemeClr val="dk1"/>
+              </a:buClr>
+              <a:buSzPct val="100000"/>
+              <a:buFont typeface="Calibri"/>
+              <a:buNone/>
+            </a:pPr>
+            <a:r>
+              <a:rPr lang="en-US" sz="4400" b="1" dirty="0">
+                <a:latin typeface="Calibri"/>
+                <a:ea typeface="Calibri"/>
+                <a:cs typeface="Calibri"/>
+                <a:sym typeface="Calibri"/>
+              </a:rPr>
+              <a:t>Additional Features</a:t>
+            </a:r>
+          </a:p>
+        </p:txBody>
+      </p:sp>
+      <p:sp>
+        <p:nvSpPr>
+          <p:cNvPr id="153" name="Google Shape;153;p16"/>
+          <p:cNvSpPr txBox="1">
+            <a:spLocks noGrp="1"/>
+          </p:cNvSpPr>
+          <p:nvPr>
+            <p:ph type="body" idx="1"/>
+          </p:nvPr>
+        </p:nvSpPr>
+        <p:spPr>
+          <a:xfrm>
+            <a:off x="1443990" y="1668145"/>
+            <a:ext cx="7526655" cy="4446905"/>
+          </a:xfrm>
+          <a:prstGeom prst="rect">
+            <a:avLst/>
+          </a:prstGeom>
+          <a:noFill/>
+          <a:ln>
+            <a:noFill/>
+          </a:ln>
+        </p:spPr>
+        <p:txBody>
+          <a:bodyPr spcFirstLastPara="1" wrap="square" lIns="91425" tIns="45700" rIns="91425" bIns="45700" anchor="t" anchorCtr="0">
+            <a:noAutofit/>
+          </a:bodyPr>
+          <a:lstStyle/>
+          <a:p>
+            <a:pPr marL="0" lvl="0" indent="0">
+              <a:lnSpc>
+                <a:spcPct val="200000"/>
+              </a:lnSpc>
+              <a:spcBef>
+                <a:spcPts val="0"/>
+              </a:spcBef>
+              <a:buSzPts val="3200"/>
+              <a:buNone/>
+            </a:pPr>
+            <a:r>
+              <a:rPr lang="en-US" sz="2800" dirty="0">
+                <a:latin typeface="Calibri"/>
+                <a:ea typeface="Calibri"/>
+                <a:cs typeface="Calibri"/>
+                <a:sym typeface="Calibri"/>
+              </a:rPr>
+              <a:t>1. </a:t>
+            </a:r>
+            <a:r>
+              <a:rPr lang="en-US" sz="2800" dirty="0"/>
+              <a:t>Location Services</a:t>
+            </a:r>
+          </a:p>
+          <a:p>
+            <a:pPr marL="0" lvl="0" indent="0">
+              <a:lnSpc>
+                <a:spcPct val="200000"/>
+              </a:lnSpc>
+              <a:spcBef>
+                <a:spcPts val="0"/>
+              </a:spcBef>
+              <a:buSzPts val="3200"/>
+              <a:buNone/>
+            </a:pPr>
+            <a:r>
+              <a:rPr lang="en-US" sz="2800" dirty="0">
+                <a:latin typeface="Calibri"/>
+                <a:ea typeface="Calibri"/>
+                <a:cs typeface="Calibri"/>
+                <a:sym typeface="Calibri"/>
+              </a:rPr>
+              <a:t>2. </a:t>
+            </a:r>
+            <a:r>
+              <a:rPr lang="en-US" sz="2800" dirty="0"/>
+              <a:t>Dark Mode</a:t>
+            </a:r>
+          </a:p>
+          <a:p>
+            <a:pPr marL="0" lvl="0" indent="0">
+              <a:lnSpc>
+                <a:spcPct val="200000"/>
+              </a:lnSpc>
+              <a:spcBef>
+                <a:spcPts val="0"/>
+              </a:spcBef>
+              <a:buSzPts val="3200"/>
+              <a:buNone/>
+            </a:pPr>
+            <a:r>
+              <a:rPr lang="en-US" sz="2800" dirty="0">
+                <a:latin typeface="Calibri"/>
+                <a:ea typeface="Calibri"/>
+                <a:cs typeface="Calibri"/>
+                <a:sym typeface="Calibri"/>
+              </a:rPr>
+              <a:t>3. </a:t>
+            </a:r>
+            <a:r>
+              <a:rPr lang="en-US" sz="2800" dirty="0"/>
+              <a:t>File Upload and Media Handling</a:t>
+            </a:r>
+          </a:p>
+        </p:txBody>
+      </p:sp>
+      <p:sp>
+        <p:nvSpPr>
+          <p:cNvPr id="2" name="Slide Number Placeholder 1"/>
+          <p:cNvSpPr>
+            <a:spLocks noGrp="1"/>
+          </p:cNvSpPr>
+          <p:nvPr>
+            <p:ph type="sldNum" idx="12"/>
+          </p:nvPr>
+        </p:nvSpPr>
+        <p:spPr/>
+        <p:txBody>
+          <a:bodyPr/>
+          <a:lstStyle/>
+          <a:p>
+            <a:pPr marL="0" lvl="0" indent="0" algn="r" rtl="0">
+              <a:spcBef>
+                <a:spcPts val="0"/>
+              </a:spcBef>
+              <a:spcAft>
+                <a:spcPts val="0"/>
+              </a:spcAft>
+              <a:buNone/>
+            </a:pPr>
+            <a:fld id="{00000000-1234-1234-1234-123412341234}" type="slidenum">
+              <a:rPr lang="en-US"/>
+              <a:t>3</a:t>
+            </a:fld>
+            <a:endParaRPr lang="en-US"/>
+          </a:p>
+        </p:txBody>
+      </p:sp>
+    </p:spTree>
+  </p:cSld>
+  <p:clrMapOvr>
+    <a:masterClrMapping/>
+  </p:clrMapOvr>
+  <p:timing>
+    <p:tnLst>
+      <p:par>
+        <p:cTn id="1" dur="indefinite" restart="never" nodeType="tmRoot">
+          <p:childTnLst>
+            <p:seq concurrent="1" nextAc="seek">
+              <p:cTn id="2" dur="indefinite" nodeType="mainSeq">
+                <p:childTnLst>
+                  <p:par>
+                    <p:cTn id="3" fill="hold">
+                      <p:stCondLst>
+                        <p:cond delay="indefinite"/>
+                      </p:stCondLst>
+                      <p:childTnLst>
+                        <p:par>
+                          <p:cTn id="4" fill="hold">
+                            <p:stCondLst>
+                              <p:cond delay="0"/>
+                            </p:stCondLst>
+                            <p:childTnLst>
+                              <p:par>
+                                <p:cTn id="5" presetID="10" presetClass="entr" presetSubtype="0" fill="hold" nodeType="clickEffect">
+                                  <p:stCondLst>
+                                    <p:cond delay="0"/>
+                                  </p:stCondLst>
+                                  <p:childTnLst>
+                                    <p:set>
+                                      <p:cBhvr>
+                                        <p:cTn id="6" dur="1" fill="hold">
+                                          <p:stCondLst>
+                                            <p:cond delay="0"/>
+                                          </p:stCondLst>
+                                        </p:cTn>
+                                        <p:tgtEl>
+                                          <p:spTgt spid="153"/>
+                                        </p:tgtEl>
+                                        <p:attrNameLst>
+                                          <p:attrName>style.visibility</p:attrName>
+                                        </p:attrNameLst>
+                                      </p:cBhvr>
+                                      <p:to>
+                                        <p:strVal val="visible"/>
+                                      </p:to>
+                                    </p:set>
+                                    <p:animEffect transition="in" filter="fade">
+                                      <p:cBhvr>
+                                        <p:cTn id="7" dur="100"/>
+                                        <p:tgtEl>
+                                          <p:spTgt spid="153"/>
+                                        </p:tgtEl>
+                                      </p:cBhvr>
+                                    </p:animEffect>
+                                  </p:childTnLst>
+                                </p:cTn>
+                              </p:par>
+                            </p:childTnLst>
+                          </p:cTn>
+                        </p:par>
+                      </p:childTnLst>
+                    </p:cTn>
+                  </p:par>
+                </p:childTnLst>
+              </p:cTn>
+              <p:prevCondLst>
+                <p:cond evt="onPrev" delay="0">
+                  <p:tgtEl>
+                    <p:sldTgt/>
+                  </p:tgtEl>
+                </p:cond>
+              </p:prevCondLst>
+              <p:nextCondLst>
+                <p:cond evt="onNext" delay="0">
+                  <p:tgtEl>
+                    <p:sldTgt/>
+                  </p:tgtEl>
+                </p:cond>
+              </p:nextCondLst>
+            </p:seq>
+          </p:childTnLst>
+        </p:cTn>
+      </p:par>
+    </p:tnLst>
+  </p:timing>
+</p:sld>
+</file>
+
+<file path=ppt/slides/slide4.xml><?xml version="1.0" encoding="utf-8"?>
+<p:sld xmlns:a="http://schemas.openxmlformats.org/drawingml/2006/main" xmlns:r="http://schemas.openxmlformats.org/officeDocument/2006/relationships" xmlns:p="http://schemas.openxmlformats.org/presentationml/2006/main">
+  <p:cSld>
+    <p:spTree>
+      <p:nvGrpSpPr>
+        <p:cNvPr id="1" name="Shape 157"/>
+        <p:cNvGrpSpPr/>
+        <p:nvPr/>
+      </p:nvGrpSpPr>
+      <p:grpSpPr>
+        <a:xfrm>
+          <a:off x="0" y="0"/>
+          <a:ext cx="0" cy="0"/>
+          <a:chOff x="0" y="0"/>
+          <a:chExt cx="0" cy="0"/>
+        </a:xfrm>
+      </p:grpSpPr>
+      <p:sp>
+        <p:nvSpPr>
+          <p:cNvPr id="158" name="Google Shape;158;p17"/>
+          <p:cNvSpPr txBox="1">
+            <a:spLocks noGrp="1"/>
+          </p:cNvSpPr>
+          <p:nvPr>
+            <p:ph type="title"/>
+          </p:nvPr>
+        </p:nvSpPr>
+        <p:spPr>
+          <a:xfrm>
+            <a:off x="457200" y="274638"/>
+            <a:ext cx="8229600" cy="1143000"/>
+          </a:xfrm>
+          <a:prstGeom prst="rect">
+            <a:avLst/>
+          </a:prstGeom>
+          <a:noFill/>
+          <a:ln>
+            <a:noFill/>
+          </a:ln>
+        </p:spPr>
+        <p:txBody>
+          <a:bodyPr spcFirstLastPara="1" wrap="square" lIns="91425" tIns="45700" rIns="91425" bIns="45700" anchor="ctr" anchorCtr="0">
+            <a:normAutofit/>
+          </a:bodyPr>
+          <a:lstStyle/>
+          <a:p>
+            <a:pPr marL="0" lvl="0" indent="0" algn="ctr" rtl="0">
+              <a:spcBef>
+                <a:spcPts val="0"/>
+              </a:spcBef>
+              <a:spcAft>
+                <a:spcPts val="0"/>
+              </a:spcAft>
+              <a:buClr>
+                <a:schemeClr val="dk1"/>
+              </a:buClr>
+              <a:buSzPct val="100000"/>
+              <a:buFont typeface="Calibri"/>
+              <a:buNone/>
+            </a:pPr>
+            <a:r>
+              <a:rPr lang="en-US" sz="4400" b="1">
+                <a:latin typeface="Calibri"/>
+                <a:ea typeface="Calibri"/>
+                <a:cs typeface="Calibri"/>
+                <a:sym typeface="Calibri"/>
+              </a:rPr>
+              <a:t>Target User</a:t>
+            </a:r>
+          </a:p>
+        </p:txBody>
+      </p:sp>
+      <p:sp>
+        <p:nvSpPr>
+          <p:cNvPr id="159" name="Google Shape;159;p17"/>
+          <p:cNvSpPr txBox="1">
+            <a:spLocks noGrp="1"/>
+          </p:cNvSpPr>
+          <p:nvPr>
+            <p:ph type="body" idx="1"/>
+          </p:nvPr>
+        </p:nvSpPr>
+        <p:spPr>
+          <a:xfrm>
+            <a:off x="852805" y="1600200"/>
+            <a:ext cx="7833995" cy="4526280"/>
+          </a:xfrm>
+          <a:prstGeom prst="rect">
+            <a:avLst/>
+          </a:prstGeom>
+          <a:noFill/>
+          <a:ln>
+            <a:noFill/>
+          </a:ln>
+        </p:spPr>
+        <p:txBody>
+          <a:bodyPr spcFirstLastPara="1" wrap="square" lIns="91425" tIns="45700" rIns="91425" bIns="45700" anchor="t" anchorCtr="0">
+            <a:normAutofit/>
+          </a:bodyPr>
+          <a:lstStyle/>
+          <a:p>
+            <a:pPr marL="342900" lvl="0" indent="-139700" algn="l" rtl="0">
+              <a:spcBef>
+                <a:spcPts val="0"/>
+              </a:spcBef>
+              <a:spcAft>
+                <a:spcPts val="0"/>
+              </a:spcAft>
+              <a:buClr>
+                <a:schemeClr val="dk1"/>
+              </a:buClr>
+              <a:buSzPts val="3200"/>
+              <a:buNone/>
+            </a:pPr>
+            <a:endParaRPr/>
+          </a:p>
+          <a:p>
+            <a:pPr marL="0" lvl="0" indent="0" algn="l" rtl="0">
+              <a:spcBef>
+                <a:spcPts val="640"/>
+              </a:spcBef>
+              <a:spcAft>
+                <a:spcPts val="0"/>
+              </a:spcAft>
+              <a:buClr>
+                <a:schemeClr val="lt1"/>
+              </a:buClr>
+              <a:buSzPts val="3200"/>
+              <a:buNone/>
+            </a:pPr>
+            <a:r>
+              <a:rPr lang="en-US" sz="3200">
+                <a:latin typeface="Calibri"/>
+                <a:ea typeface="Calibri"/>
+                <a:cs typeface="Calibri"/>
+                <a:sym typeface="Calibri"/>
+              </a:rPr>
+              <a:t>Primarily designed for Boston University students and staff who want quick access to information about campus events.</a:t>
+            </a:r>
+          </a:p>
+        </p:txBody>
+      </p:sp>
+      <p:sp>
+        <p:nvSpPr>
+          <p:cNvPr id="2" name="Slide Number Placeholder 1"/>
+          <p:cNvSpPr>
+            <a:spLocks noGrp="1"/>
+          </p:cNvSpPr>
+          <p:nvPr>
+            <p:ph type="sldNum" idx="12"/>
+          </p:nvPr>
+        </p:nvSpPr>
+        <p:spPr/>
+        <p:txBody>
+          <a:bodyPr/>
+          <a:lstStyle/>
+          <a:p>
+            <a:pPr marL="0" lvl="0" indent="0" algn="r" rtl="0">
+              <a:spcBef>
+                <a:spcPts val="0"/>
+              </a:spcBef>
+              <a:spcAft>
+                <a:spcPts val="0"/>
+              </a:spcAft>
+              <a:buNone/>
+            </a:pPr>
+            <a:fld id="{00000000-1234-1234-1234-123412341234}" type="slidenum">
+              <a:rPr lang="en-US"/>
+              <a:t>4</a:t>
             </a:fld>
             <a:endParaRPr lang="en-US"/>
           </a:p>
@@ -11384,14 +13927,14 @@
                 </p:childTnLst>
               </p:cTn>
               <p:prevCondLst>
-                <p:cond evt="onPrev">
+                <p:cond evt="onPrev" delay="0">
                   <p:tgtEl>
                     <p:sldTgt/>
                   </p:tgtEl>
                 </p:cond>
               </p:prevCondLst>
               <p:nextCondLst>
-                <p:cond evt="onNext">
+                <p:cond evt="onNext" delay="0">
                   <p:tgtEl>
                     <p:sldTgt/>
                   </p:tgtEl>
@@ -11406,715 +13949,12 @@
 </p:sld>
 </file>
 
-<file path=ppt/slides/slide12.xml><?xml version="1.0" encoding="utf-8"?>
+<file path=ppt/slides/slide5.xml><?xml version="1.0" encoding="utf-8"?>
 <p:sld xmlns:a="http://schemas.openxmlformats.org/drawingml/2006/main" xmlns:r="http://schemas.openxmlformats.org/officeDocument/2006/relationships" xmlns:p="http://schemas.openxmlformats.org/presentationml/2006/main">
   <p:cSld>
     <p:spTree>
       <p:nvGrpSpPr>
-        <p:cNvPr id="157" name="Shape 157"/>
-        <p:cNvGrpSpPr/>
-        <p:nvPr/>
-      </p:nvGrpSpPr>
-      <p:grpSpPr>
-        <a:xfrm>
-          <a:off x="0" y="0"/>
-          <a:ext cx="0" cy="0"/>
-          <a:chOff x="0" y="0"/>
-          <a:chExt cx="0" cy="0"/>
-        </a:xfrm>
-      </p:grpSpPr>
-      <p:sp>
-        <p:nvSpPr>
-          <p:cNvPr id="158" name="Google Shape;158;p17"/>
-          <p:cNvSpPr txBox="1"/>
-          <p:nvPr>
-            <p:ph type="title"/>
-          </p:nvPr>
-        </p:nvSpPr>
-        <p:spPr>
-          <a:xfrm>
-            <a:off x="457200" y="274638"/>
-            <a:ext cx="8229600" cy="1143000"/>
-          </a:xfrm>
-          <a:prstGeom prst="rect">
-            <a:avLst/>
-          </a:prstGeom>
-          <a:noFill/>
-          <a:ln>
-            <a:noFill/>
-          </a:ln>
-        </p:spPr>
-        <p:txBody>
-          <a:bodyPr spcFirstLastPara="1" wrap="square" lIns="91425" tIns="45700" rIns="91425" bIns="45700" anchor="ctr" anchorCtr="0">
-            <a:normAutofit/>
-          </a:bodyPr>
-          <a:lstStyle/>
-          <a:p>
-            <a:pPr marL="0" lvl="0" indent="0" algn="ctr" rtl="0">
-              <a:spcBef>
-                <a:spcPts val="0"/>
-              </a:spcBef>
-              <a:spcAft>
-                <a:spcPts val="0"/>
-              </a:spcAft>
-              <a:buClr>
-                <a:schemeClr val="dk1"/>
-              </a:buClr>
-              <a:buSzPct val="100000"/>
-              <a:buFont typeface="Calibri"/>
-              <a:buNone/>
-            </a:pPr>
-            <a:r>
-              <a:rPr lang="en-US" sz="4400" b="1">
-                <a:latin typeface="Calibri"/>
-                <a:ea typeface="Calibri"/>
-                <a:cs typeface="Calibri"/>
-                <a:sym typeface="Calibri"/>
-              </a:rPr>
-              <a:t>External Libraries and Tools</a:t>
-            </a:r>
-            <a:endParaRPr lang="en-US" sz="4400" b="1">
-              <a:latin typeface="Calibri"/>
-              <a:ea typeface="Calibri"/>
-              <a:cs typeface="Calibri"/>
-              <a:sym typeface="Calibri"/>
-            </a:endParaRPr>
-          </a:p>
-        </p:txBody>
-      </p:sp>
-      <p:sp>
-        <p:nvSpPr>
-          <p:cNvPr id="159" name="Google Shape;159;p17"/>
-          <p:cNvSpPr txBox="1"/>
-          <p:nvPr>
-            <p:ph type="body" idx="1"/>
-          </p:nvPr>
-        </p:nvSpPr>
-        <p:spPr>
-          <a:xfrm>
-            <a:off x="457200" y="1600200"/>
-            <a:ext cx="8353425" cy="2051050"/>
-          </a:xfrm>
-          <a:prstGeom prst="rect">
-            <a:avLst/>
-          </a:prstGeom>
-          <a:noFill/>
-          <a:ln>
-            <a:noFill/>
-          </a:ln>
-        </p:spPr>
-        <p:txBody>
-          <a:bodyPr spcFirstLastPara="1" wrap="square" lIns="91425" tIns="45700" rIns="91425" bIns="45700" anchor="t" anchorCtr="0">
-            <a:noAutofit/>
-          </a:bodyPr>
-          <a:lstStyle/>
-          <a:p>
-            <a:pPr marL="342900" lvl="0" indent="-139700" algn="l" rtl="0">
-              <a:lnSpc>
-                <a:spcPct val="150000"/>
-              </a:lnSpc>
-              <a:spcBef>
-                <a:spcPts val="0"/>
-              </a:spcBef>
-              <a:spcAft>
-                <a:spcPts val="0"/>
-              </a:spcAft>
-              <a:buClr>
-                <a:schemeClr val="dk1"/>
-              </a:buClr>
-              <a:buSzPts val="3200"/>
-              <a:buNone/>
-            </a:pPr>
-            <a:endParaRPr sz="1000"/>
-          </a:p>
-          <a:p>
-            <a:pPr lvl="0" indent="-457200" algn="l" rtl="0">
-              <a:lnSpc>
-                <a:spcPct val="150000"/>
-              </a:lnSpc>
-              <a:spcBef>
-                <a:spcPts val="640"/>
-              </a:spcBef>
-              <a:spcAft>
-                <a:spcPts val="0"/>
-              </a:spcAft>
-              <a:buClr>
-                <a:schemeClr val="lt1"/>
-              </a:buClr>
-              <a:buSzPts val="3200"/>
-              <a:buFont typeface="Arial" panose="020B0604020202090204" pitchFamily="34" charset="0"/>
-              <a:buChar char="•"/>
-            </a:pPr>
-            <a:r>
-              <a:rPr lang="en-US" sz="2400">
-                <a:latin typeface="Calibri"/>
-                <a:ea typeface="Calibri"/>
-                <a:cs typeface="Calibri"/>
-                <a:sym typeface="Calibri"/>
-              </a:rPr>
-              <a:t>Firebase Crashlytics: For real-time error and crash monitoring.</a:t>
-            </a:r>
-            <a:endParaRPr lang="en-US" sz="2400">
-              <a:latin typeface="Calibri"/>
-              <a:ea typeface="Calibri"/>
-              <a:cs typeface="Calibri"/>
-              <a:sym typeface="Calibri"/>
-            </a:endParaRPr>
-          </a:p>
-        </p:txBody>
-      </p:sp>
-      <p:sp>
-        <p:nvSpPr>
-          <p:cNvPr id="2" name="Slide Number Placeholder 1"/>
-          <p:cNvSpPr>
-            <a:spLocks noGrp="1"/>
-          </p:cNvSpPr>
-          <p:nvPr>
-            <p:ph type="sldNum" idx="12"/>
-          </p:nvPr>
-        </p:nvSpPr>
-        <p:spPr/>
-        <p:txBody>
-          <a:bodyPr/>
-          <a:p>
-            <a:pPr marL="0" lvl="0" indent="0" algn="r" rtl="0">
-              <a:spcBef>
-                <a:spcPts val="0"/>
-              </a:spcBef>
-              <a:spcAft>
-                <a:spcPts val="0"/>
-              </a:spcAft>
-              <a:buNone/>
-            </a:pPr>
-            <a:fld id="{00000000-1234-1234-1234-123412341234}" type="slidenum">
-              <a:rPr lang="en-US"/>
-            </a:fld>
-            <a:endParaRPr lang="en-US"/>
-          </a:p>
-        </p:txBody>
-      </p:sp>
-    </p:spTree>
-  </p:cSld>
-  <p:clrMapOvr>
-    <a:masterClrMapping/>
-  </p:clrMapOvr>
-  <p:timing>
-    <p:tnLst>
-      <p:par>
-        <p:cTn id="1" dur="indefinite" restart="never" nodeType="tmRoot">
-          <p:childTnLst>
-            <p:seq concurrent="1" nextAc="seek">
-              <p:cTn id="2" dur="indefinite" nodeType="mainSeq">
-                <p:childTnLst>
-                  <p:par>
-                    <p:cTn id="3" fill="hold">
-                      <p:stCondLst>
-                        <p:cond delay="indefinite"/>
-                      </p:stCondLst>
-                      <p:childTnLst>
-                        <p:par>
-                          <p:cTn id="4" fill="hold">
-                            <p:stCondLst>
-                              <p:cond delay="0"/>
-                            </p:stCondLst>
-                            <p:childTnLst>
-                              <p:par>
-                                <p:cTn id="5" presetID="10" presetClass="entr" presetSubtype="0" fill="hold" nodeType="clickEffect">
-                                  <p:stCondLst>
-                                    <p:cond delay="0"/>
-                                  </p:stCondLst>
-                                  <p:childTnLst>
-                                    <p:set>
-                                      <p:cBhvr>
-                                        <p:cTn id="6" dur="1" fill="hold">
-                                          <p:stCondLst>
-                                            <p:cond delay="0"/>
-                                          </p:stCondLst>
-                                        </p:cTn>
-                                        <p:tgtEl>
-                                          <p:spTgt spid="159"/>
-                                        </p:tgtEl>
-                                        <p:attrNameLst>
-                                          <p:attrName>style.visibility</p:attrName>
-                                        </p:attrNameLst>
-                                      </p:cBhvr>
-                                      <p:to>
-                                        <p:strVal val="visible"/>
-                                      </p:to>
-                                    </p:set>
-                                    <p:animEffect transition="in" filter="fade">
-                                      <p:cBhvr>
-                                        <p:cTn id="7" dur="100"/>
-                                        <p:tgtEl>
-                                          <p:spTgt spid="159"/>
-                                        </p:tgtEl>
-                                      </p:cBhvr>
-                                    </p:animEffect>
-                                  </p:childTnLst>
-                                </p:cTn>
-                              </p:par>
-                            </p:childTnLst>
-                          </p:cTn>
-                        </p:par>
-                      </p:childTnLst>
-                    </p:cTn>
-                  </p:par>
-                </p:childTnLst>
-              </p:cTn>
-              <p:prevCondLst>
-                <p:cond evt="onPrev">
-                  <p:tgtEl>
-                    <p:sldTgt/>
-                  </p:tgtEl>
-                </p:cond>
-              </p:prevCondLst>
-              <p:nextCondLst>
-                <p:cond evt="onNext">
-                  <p:tgtEl>
-                    <p:sldTgt/>
-                  </p:tgtEl>
-                </p:cond>
-              </p:nextCondLst>
-            </p:seq>
-          </p:childTnLst>
-        </p:cTn>
-      </p:par>
-    </p:tnLst>
-  </p:timing>
-</p:sld>
-</file>
-
-<file path=ppt/slides/slide13.xml><?xml version="1.0" encoding="utf-8"?>
-<p:sld xmlns:a="http://schemas.openxmlformats.org/drawingml/2006/main" xmlns:r="http://schemas.openxmlformats.org/officeDocument/2006/relationships" xmlns:p="http://schemas.openxmlformats.org/presentationml/2006/main">
-  <p:cSld>
-    <p:spTree>
-      <p:nvGrpSpPr>
-        <p:cNvPr id="257" name="Shape 257"/>
-        <p:cNvGrpSpPr/>
-        <p:nvPr/>
-      </p:nvGrpSpPr>
-      <p:grpSpPr>
-        <a:xfrm>
-          <a:off x="0" y="0"/>
-          <a:ext cx="0" cy="0"/>
-          <a:chOff x="0" y="0"/>
-          <a:chExt cx="0" cy="0"/>
-        </a:xfrm>
-      </p:grpSpPr>
-      <p:sp>
-        <p:nvSpPr>
-          <p:cNvPr id="258" name="Google Shape;258;p31"/>
-          <p:cNvSpPr/>
-          <p:nvPr/>
-        </p:nvSpPr>
-        <p:spPr>
-          <a:xfrm>
-            <a:off x="476250" y="2602600"/>
-            <a:ext cx="8241747" cy="1362590"/>
-          </a:xfrm>
-          <a:prstGeom prst="rect">
-            <a:avLst/>
-          </a:prstGeom>
-        </p:spPr>
-        <p:txBody>
-          <a:bodyPr>
-            <a:prstTxWarp prst="textPlain">
-              <a:avLst/>
-            </a:prstTxWarp>
-          </a:bodyPr>
-          <a:lstStyle/>
-          <a:p>
-            <a:pPr lvl="0" algn="ctr"/>
-            <a:r>
-              <a:rPr b="1" i="0">
-                <a:ln w="9525" cap="flat" cmpd="sng">
-                  <a:solidFill>
-                    <a:schemeClr val="dk2"/>
-                  </a:solidFill>
-                  <a:prstDash val="solid"/>
-                  <a:round/>
-                  <a:headEnd type="none" w="sm" len="sm"/>
-                  <a:tailEnd type="none" w="sm" len="sm"/>
-                </a:ln>
-                <a:solidFill>
-                  <a:srgbClr val="CFE2F3"/>
-                </a:solidFill>
-                <a:latin typeface="Times New Roman" panose="02020503050405090304"/>
-              </a:rPr>
-              <a:t>Thank You!</a:t>
-            </a:r>
-            <a:endParaRPr b="1" i="0">
-              <a:ln w="9525" cap="flat" cmpd="sng">
-                <a:solidFill>
-                  <a:schemeClr val="dk2"/>
-                </a:solidFill>
-                <a:prstDash val="solid"/>
-                <a:round/>
-                <a:headEnd type="none" w="sm" len="sm"/>
-                <a:tailEnd type="none" w="sm" len="sm"/>
-              </a:ln>
-              <a:solidFill>
-                <a:srgbClr val="CFE2F3"/>
-              </a:solidFill>
-              <a:latin typeface="Times New Roman" panose="02020503050405090304"/>
-            </a:endParaRPr>
-          </a:p>
-        </p:txBody>
-      </p:sp>
-      <p:sp>
-        <p:nvSpPr>
-          <p:cNvPr id="2" name="Slide Number Placeholder 1"/>
-          <p:cNvSpPr>
-            <a:spLocks noGrp="1"/>
-          </p:cNvSpPr>
-          <p:nvPr>
-            <p:ph type="sldNum" idx="12"/>
-          </p:nvPr>
-        </p:nvSpPr>
-        <p:spPr/>
-        <p:txBody>
-          <a:bodyPr/>
-          <a:p>
-            <a:pPr marL="0" lvl="0" indent="0" algn="r" rtl="0">
-              <a:spcBef>
-                <a:spcPts val="0"/>
-              </a:spcBef>
-              <a:spcAft>
-                <a:spcPts val="0"/>
-              </a:spcAft>
-              <a:buNone/>
-            </a:pPr>
-            <a:fld id="{00000000-1234-1234-1234-123412341234}" type="slidenum">
-              <a:rPr lang="en-US"/>
-            </a:fld>
-            <a:endParaRPr lang="en-US"/>
-          </a:p>
-        </p:txBody>
-      </p:sp>
-    </p:spTree>
-  </p:cSld>
-  <p:clrMapOvr>
-    <a:masterClrMapping/>
-  </p:clrMapOvr>
-</p:sld>
-</file>
-
-<file path=ppt/slides/slide2.xml><?xml version="1.0" encoding="utf-8"?>
-<p:sld xmlns:a="http://schemas.openxmlformats.org/drawingml/2006/main" xmlns:r="http://schemas.openxmlformats.org/officeDocument/2006/relationships" xmlns:p="http://schemas.openxmlformats.org/presentationml/2006/main">
-  <p:cSld>
-    <p:spTree>
-      <p:nvGrpSpPr>
-        <p:cNvPr id="145" name="Shape 145"/>
-        <p:cNvGrpSpPr/>
-        <p:nvPr/>
-      </p:nvGrpSpPr>
-      <p:grpSpPr>
-        <a:xfrm>
-          <a:off x="0" y="0"/>
-          <a:ext cx="0" cy="0"/>
-          <a:chOff x="0" y="0"/>
-          <a:chExt cx="0" cy="0"/>
-        </a:xfrm>
-      </p:grpSpPr>
-      <p:sp>
-        <p:nvSpPr>
-          <p:cNvPr id="146" name="Google Shape;146;p15"/>
-          <p:cNvSpPr txBox="1"/>
-          <p:nvPr>
-            <p:ph type="title"/>
-          </p:nvPr>
-        </p:nvSpPr>
-        <p:spPr>
-          <a:xfrm>
-            <a:off x="457200" y="274638"/>
-            <a:ext cx="8229600" cy="1143000"/>
-          </a:xfrm>
-          <a:prstGeom prst="rect">
-            <a:avLst/>
-          </a:prstGeom>
-          <a:noFill/>
-          <a:ln>
-            <a:noFill/>
-          </a:ln>
-        </p:spPr>
-        <p:txBody>
-          <a:bodyPr spcFirstLastPara="1" wrap="square" lIns="91425" tIns="45700" rIns="91425" bIns="45700" anchor="ctr" anchorCtr="0">
-            <a:normAutofit/>
-          </a:bodyPr>
-          <a:lstStyle/>
-          <a:p>
-            <a:pPr marL="0" lvl="0" indent="0" algn="ctr" rtl="0">
-              <a:spcBef>
-                <a:spcPts val="0"/>
-              </a:spcBef>
-              <a:spcAft>
-                <a:spcPts val="0"/>
-              </a:spcAft>
-              <a:buClr>
-                <a:schemeClr val="dk1"/>
-              </a:buClr>
-              <a:buSzPts val="4400"/>
-              <a:buFont typeface="Calibri"/>
-              <a:buNone/>
-            </a:pPr>
-            <a:r>
-              <a:rPr lang="en-US" sz="4400" b="1">
-                <a:latin typeface="Calibri"/>
-                <a:ea typeface="Calibri"/>
-                <a:cs typeface="Calibri"/>
-                <a:sym typeface="Calibri"/>
-              </a:rPr>
-              <a:t>App Purpose</a:t>
-            </a:r>
-            <a:endParaRPr lang="en-US" sz="4400" b="1">
-              <a:latin typeface="Calibri"/>
-              <a:ea typeface="Calibri"/>
-              <a:cs typeface="Calibri"/>
-              <a:sym typeface="Calibri"/>
-            </a:endParaRPr>
-          </a:p>
-        </p:txBody>
-      </p:sp>
-      <p:sp>
-        <p:nvSpPr>
-          <p:cNvPr id="147" name="Google Shape;147;p15"/>
-          <p:cNvSpPr txBox="1"/>
-          <p:nvPr>
-            <p:ph type="body" idx="1"/>
-          </p:nvPr>
-        </p:nvSpPr>
-        <p:spPr>
-          <a:xfrm>
-            <a:off x="457200" y="1086485"/>
-            <a:ext cx="8558530" cy="4684395"/>
-          </a:xfrm>
-          <a:prstGeom prst="rect">
-            <a:avLst/>
-          </a:prstGeom>
-          <a:noFill/>
-          <a:ln>
-            <a:noFill/>
-          </a:ln>
-        </p:spPr>
-        <p:txBody>
-          <a:bodyPr spcFirstLastPara="1" wrap="square" lIns="91425" tIns="45700" rIns="91425" bIns="45700" anchor="t" anchorCtr="0">
-            <a:noAutofit/>
-          </a:bodyPr>
-          <a:lstStyle/>
-          <a:p>
-            <a:pPr marL="342900" lvl="0" indent="-139700" algn="l" rtl="0">
-              <a:lnSpc>
-                <a:spcPct val="150000"/>
-              </a:lnSpc>
-              <a:spcBef>
-                <a:spcPts val="0"/>
-              </a:spcBef>
-              <a:spcAft>
-                <a:spcPts val="0"/>
-              </a:spcAft>
-              <a:buClr>
-                <a:schemeClr val="dk1"/>
-              </a:buClr>
-              <a:buSzPts val="3200"/>
-              <a:buNone/>
-            </a:pPr>
-            <a:endParaRPr sz="1200"/>
-          </a:p>
-          <a:p>
-            <a:pPr marL="0" lvl="0" indent="0" algn="l" rtl="0">
-              <a:lnSpc>
-                <a:spcPct val="150000"/>
-              </a:lnSpc>
-              <a:spcBef>
-                <a:spcPts val="640"/>
-              </a:spcBef>
-              <a:spcAft>
-                <a:spcPts val="0"/>
-              </a:spcAft>
-              <a:buClr>
-                <a:schemeClr val="lt1"/>
-              </a:buClr>
-              <a:buSzPts val="3200"/>
-              <a:buNone/>
-            </a:pPr>
-            <a:r>
-              <a:rPr lang="en-US" sz="2800">
-                <a:latin typeface="Calibri"/>
-                <a:ea typeface="Calibri"/>
-                <a:cs typeface="Calibri"/>
-                <a:sym typeface="Calibri"/>
-              </a:rPr>
-              <a:t>This app is designed for Boston University students to easily browse and register for various campus events. </a:t>
-            </a:r>
-            <a:endParaRPr lang="en-US" sz="2800">
-              <a:latin typeface="Calibri"/>
-              <a:ea typeface="Calibri"/>
-              <a:cs typeface="Calibri"/>
-              <a:sym typeface="Calibri"/>
-            </a:endParaRPr>
-          </a:p>
-          <a:p>
-            <a:pPr marL="0" lvl="0" indent="0" algn="l" rtl="0">
-              <a:lnSpc>
-                <a:spcPct val="150000"/>
-              </a:lnSpc>
-              <a:spcBef>
-                <a:spcPts val="640"/>
-              </a:spcBef>
-              <a:spcAft>
-                <a:spcPts val="0"/>
-              </a:spcAft>
-              <a:buClr>
-                <a:schemeClr val="lt1"/>
-              </a:buClr>
-              <a:buSzPts val="3200"/>
-              <a:buNone/>
-            </a:pPr>
-            <a:r>
-              <a:rPr lang="en-US" sz="2800">
-                <a:latin typeface="Calibri"/>
-                <a:ea typeface="Calibri"/>
-                <a:cs typeface="Calibri"/>
-                <a:sym typeface="Calibri"/>
-              </a:rPr>
-              <a:t>The app aims to help students stay informed about campus happenings, providing an accessible way to enhance their university experience by participating in events.</a:t>
-            </a:r>
-            <a:endParaRPr lang="en-US" sz="2800">
-              <a:latin typeface="Calibri"/>
-              <a:ea typeface="Calibri"/>
-              <a:cs typeface="Calibri"/>
-              <a:sym typeface="Calibri"/>
-            </a:endParaRPr>
-          </a:p>
-        </p:txBody>
-      </p:sp>
-      <p:sp>
-        <p:nvSpPr>
-          <p:cNvPr id="2" name="Slide Number Placeholder 1"/>
-          <p:cNvSpPr>
-            <a:spLocks noGrp="1"/>
-          </p:cNvSpPr>
-          <p:nvPr>
-            <p:ph type="sldNum" idx="12"/>
-          </p:nvPr>
-        </p:nvSpPr>
-        <p:spPr/>
-        <p:txBody>
-          <a:bodyPr/>
-          <a:p>
-            <a:pPr marL="0" lvl="0" indent="0" algn="r" rtl="0">
-              <a:spcBef>
-                <a:spcPts val="0"/>
-              </a:spcBef>
-              <a:spcAft>
-                <a:spcPts val="0"/>
-              </a:spcAft>
-              <a:buNone/>
-            </a:pPr>
-            <a:fld id="{00000000-1234-1234-1234-123412341234}" type="slidenum">
-              <a:rPr lang="en-US"/>
-            </a:fld>
-            <a:endParaRPr lang="en-US"/>
-          </a:p>
-        </p:txBody>
-      </p:sp>
-    </p:spTree>
-  </p:cSld>
-  <p:clrMapOvr>
-    <a:masterClrMapping/>
-  </p:clrMapOvr>
-  <p:timing>
-    <p:tnLst>
-      <p:par>
-        <p:cTn id="1" dur="indefinite" restart="never" nodeType="tmRoot">
-          <p:childTnLst>
-            <p:seq concurrent="1" nextAc="seek">
-              <p:cTn id="2" dur="indefinite" nodeType="mainSeq">
-                <p:childTnLst>
-                  <p:par>
-                    <p:cTn id="3" fill="hold">
-                      <p:stCondLst>
-                        <p:cond delay="indefinite"/>
-                      </p:stCondLst>
-                      <p:childTnLst>
-                        <p:par>
-                          <p:cTn id="4" fill="hold">
-                            <p:stCondLst>
-                              <p:cond delay="0"/>
-                            </p:stCondLst>
-                            <p:childTnLst>
-                              <p:par>
-                                <p:cTn id="5" presetID="10" presetClass="entr" presetSubtype="0" fill="hold" nodeType="clickEffect">
-                                  <p:stCondLst>
-                                    <p:cond delay="0"/>
-                                  </p:stCondLst>
-                                  <p:childTnLst>
-                                    <p:set>
-                                      <p:cBhvr>
-                                        <p:cTn id="6" dur="1" fill="hold">
-                                          <p:stCondLst>
-                                            <p:cond delay="0"/>
-                                          </p:stCondLst>
-                                        </p:cTn>
-                                        <p:tgtEl>
-                                          <p:spTgt spid="147"/>
-                                        </p:tgtEl>
-                                        <p:attrNameLst>
-                                          <p:attrName>style.visibility</p:attrName>
-                                        </p:attrNameLst>
-                                      </p:cBhvr>
-                                      <p:to>
-                                        <p:strVal val="visible"/>
-                                      </p:to>
-                                    </p:set>
-                                    <p:animEffect transition="in" filter="fade">
-                                      <p:cBhvr>
-                                        <p:cTn id="7" dur="100"/>
-                                        <p:tgtEl>
-                                          <p:spTgt spid="147"/>
-                                        </p:tgtEl>
-                                      </p:cBhvr>
-                                    </p:animEffect>
-                                  </p:childTnLst>
-                                </p:cTn>
-                              </p:par>
-                            </p:childTnLst>
-                          </p:cTn>
-                        </p:par>
-                      </p:childTnLst>
-                    </p:cTn>
-                  </p:par>
-                </p:childTnLst>
-              </p:cTn>
-              <p:prevCondLst>
-                <p:cond evt="onPrev">
-                  <p:tgtEl>
-                    <p:sldTgt/>
-                  </p:tgtEl>
-                </p:cond>
-              </p:prevCondLst>
-              <p:nextCondLst>
-                <p:cond evt="onNext">
-                  <p:tgtEl>
-                    <p:sldTgt/>
-                  </p:tgtEl>
-                </p:cond>
-              </p:nextCondLst>
-            </p:seq>
-          </p:childTnLst>
-        </p:cTn>
-      </p:par>
-    </p:tnLst>
-  </p:timing>
-</p:sld>
-</file>
-
-<file path=ppt/slides/slide3.xml><?xml version="1.0" encoding="utf-8"?>
-<p:sld xmlns:a="http://schemas.openxmlformats.org/drawingml/2006/main" xmlns:r="http://schemas.openxmlformats.org/officeDocument/2006/relationships" xmlns:p="http://schemas.openxmlformats.org/presentationml/2006/main">
-  <p:cSld>
-    <p:spTree>
-      <p:nvGrpSpPr>
-        <p:cNvPr id="151" name="Shape 151"/>
+        <p:cNvPr id="1" name="Shape 151"/>
         <p:cNvGrpSpPr/>
         <p:nvPr/>
       </p:nvGrpSpPr>
@@ -12129,15 +13969,17 @@
       <p:sp>
         <p:nvSpPr>
           <p:cNvPr id="152" name="Google Shape;152;p16"/>
-          <p:cNvSpPr txBox="1"/>
+          <p:cNvSpPr txBox="1">
+            <a:spLocks noGrp="1"/>
+          </p:cNvSpPr>
           <p:nvPr>
             <p:ph type="title"/>
           </p:nvPr>
         </p:nvSpPr>
         <p:spPr>
           <a:xfrm>
-            <a:off x="457200" y="274638"/>
-            <a:ext cx="8229600" cy="1143000"/>
+            <a:off x="203835" y="-189230"/>
+            <a:ext cx="4368165" cy="3254375"/>
           </a:xfrm>
           <a:prstGeom prst="rect">
             <a:avLst/>
@@ -12148,7 +13990,7 @@
           </a:ln>
         </p:spPr>
         <p:txBody>
-          <a:bodyPr spcFirstLastPara="1" wrap="square" lIns="91425" tIns="45700" rIns="91425" bIns="45700" anchor="ctr" anchorCtr="0">
+          <a:bodyPr spcFirstLastPara="1" vert="horz" wrap="square" lIns="91425" tIns="45700" rIns="91425" bIns="45700" anchor="ctr" anchorCtr="0">
             <a:normAutofit/>
           </a:bodyPr>
           <a:lstStyle/>
@@ -12174,29 +14016,25 @@
                 <a:cs typeface="Calibri"/>
                 <a:sym typeface="Calibri"/>
               </a:rPr>
-              <a:t>Main Features</a:t>
+              <a:t> User’s Registration and Login</a:t>
             </a:r>
-            <a:endParaRPr lang="en-US" sz="4400" b="1">
-              <a:latin typeface="Calibri"/>
-              <a:ea typeface="Calibri"/>
-              <a:cs typeface="Calibri"/>
-              <a:sym typeface="Calibri"/>
-            </a:endParaRPr>
           </a:p>
         </p:txBody>
       </p:sp>
       <p:sp>
         <p:nvSpPr>
           <p:cNvPr id="153" name="Google Shape;153;p16"/>
-          <p:cNvSpPr txBox="1"/>
+          <p:cNvSpPr txBox="1">
+            <a:spLocks noGrp="1"/>
+          </p:cNvSpPr>
           <p:nvPr>
             <p:ph type="body" idx="1"/>
           </p:nvPr>
         </p:nvSpPr>
         <p:spPr>
           <a:xfrm>
-            <a:off x="1443990" y="1668145"/>
-            <a:ext cx="7526655" cy="4446905"/>
+            <a:off x="298450" y="3935730"/>
+            <a:ext cx="4874260" cy="2143760"/>
           </a:xfrm>
           <a:prstGeom prst="rect">
             <a:avLst/>
@@ -12214,7 +14052,7 @@
           <a:p>
             <a:pPr marL="0" lvl="0" indent="0" algn="l" rtl="0" eaLnBrk="1" fontAlgn="auto" latinLnBrk="0" hangingPunct="1">
               <a:lnSpc>
-                <a:spcPct val="200000"/>
+                <a:spcPct val="150000"/>
               </a:lnSpc>
               <a:spcBef>
                 <a:spcPts val="0"/>
@@ -12229,125 +14067,48 @@
               <a:buNone/>
             </a:pPr>
             <a:r>
-              <a:rPr lang="en-US" sz="2800">
+              <a:rPr lang="en-US" sz="2400">
                 <a:latin typeface="Calibri"/>
                 <a:ea typeface="Calibri"/>
                 <a:cs typeface="Calibri"/>
                 <a:sym typeface="Calibri"/>
               </a:rPr>
-              <a:t>1. User Registration and Login</a:t>
+              <a:t>Users can register and log in using their email or through third-party platforms like Google.</a:t>
             </a:r>
-            <a:endParaRPr lang="en-US" sz="2800">
-              <a:latin typeface="Calibri"/>
-              <a:ea typeface="Calibri"/>
-              <a:cs typeface="Calibri"/>
-              <a:sym typeface="Calibri"/>
-            </a:endParaRPr>
-          </a:p>
-          <a:p>
-            <a:pPr marL="0" lvl="0" indent="0" algn="l" rtl="0" eaLnBrk="1" fontAlgn="auto" latinLnBrk="0" hangingPunct="1">
-              <a:lnSpc>
-                <a:spcPct val="200000"/>
-              </a:lnSpc>
-              <a:spcBef>
-                <a:spcPts val="0"/>
-              </a:spcBef>
-              <a:spcAft>
-                <a:spcPts val="0"/>
-              </a:spcAft>
-              <a:buClr>
-                <a:schemeClr val="dk1"/>
-              </a:buClr>
-              <a:buSzPts val="3200"/>
-              <a:buNone/>
-            </a:pPr>
-            <a:r>
-              <a:rPr lang="en-US" sz="2800">
-                <a:latin typeface="Calibri"/>
-                <a:ea typeface="Calibri"/>
-                <a:cs typeface="Calibri"/>
-                <a:sym typeface="Calibri"/>
-              </a:rPr>
-              <a:t>2. Event List Browsing</a:t>
-            </a:r>
-            <a:endParaRPr lang="en-US" sz="2800">
-              <a:latin typeface="Calibri"/>
-              <a:ea typeface="Calibri"/>
-              <a:cs typeface="Calibri"/>
-              <a:sym typeface="Calibri"/>
-            </a:endParaRPr>
-          </a:p>
-          <a:p>
-            <a:pPr marL="0" lvl="0" indent="0" algn="l" rtl="0" eaLnBrk="1" fontAlgn="auto" latinLnBrk="0" hangingPunct="1">
-              <a:lnSpc>
-                <a:spcPct val="200000"/>
-              </a:lnSpc>
-              <a:spcBef>
-                <a:spcPts val="0"/>
-              </a:spcBef>
-              <a:spcAft>
-                <a:spcPts val="0"/>
-              </a:spcAft>
-              <a:buClr>
-                <a:schemeClr val="dk1"/>
-              </a:buClr>
-              <a:buSzPts val="3200"/>
-              <a:buNone/>
-            </a:pPr>
-            <a:r>
-              <a:rPr lang="en-US" sz="2800">
-                <a:latin typeface="Calibri"/>
-                <a:ea typeface="Calibri"/>
-                <a:cs typeface="Calibri"/>
-                <a:sym typeface="Calibri"/>
-              </a:rPr>
-              <a:t>3. Event Details View</a:t>
-            </a:r>
-            <a:endParaRPr lang="en-US" sz="2800">
-              <a:latin typeface="Calibri"/>
-              <a:ea typeface="Calibri"/>
-              <a:cs typeface="Calibri"/>
-              <a:sym typeface="Calibri"/>
-            </a:endParaRPr>
-          </a:p>
-          <a:p>
-            <a:pPr marL="0" lvl="0" indent="0" algn="l" rtl="0" eaLnBrk="1" fontAlgn="auto" latinLnBrk="0" hangingPunct="1">
-              <a:lnSpc>
-                <a:spcPct val="200000"/>
-              </a:lnSpc>
-              <a:spcBef>
-                <a:spcPts val="0"/>
-              </a:spcBef>
-              <a:spcAft>
-                <a:spcPts val="0"/>
-              </a:spcAft>
-              <a:buClr>
-                <a:schemeClr val="dk1"/>
-              </a:buClr>
-              <a:buSzPts val="3200"/>
-              <a:buNone/>
-            </a:pPr>
-            <a:r>
-              <a:rPr lang="en-US" sz="2800">
-                <a:latin typeface="Calibri"/>
-                <a:ea typeface="Calibri"/>
-                <a:cs typeface="Calibri"/>
-                <a:sym typeface="Calibri"/>
-              </a:rPr>
-              <a:t>4. Personal Homepage with Event History</a:t>
-            </a:r>
-            <a:endParaRPr lang="en-US" sz="2800">
-              <a:latin typeface="Calibri"/>
-              <a:ea typeface="Calibri"/>
-              <a:cs typeface="Calibri"/>
-              <a:sym typeface="Calibri"/>
-            </a:endParaRPr>
           </a:p>
         </p:txBody>
       </p:sp>
+      <p:pic>
+        <p:nvPicPr>
+          <p:cNvPr id="5" name="Picture 1"/>
+          <p:cNvPicPr>
+            <a:picLocks noChangeAspect="1"/>
+          </p:cNvPicPr>
+          <p:nvPr/>
+        </p:nvPicPr>
+        <p:blipFill>
+          <a:blip r:embed="rId3"/>
+          <a:stretch>
+            <a:fillRect/>
+          </a:stretch>
+        </p:blipFill>
+        <p:spPr>
+          <a:xfrm>
+            <a:off x="5660390" y="0"/>
+            <a:ext cx="3162935" cy="6858000"/>
+          </a:xfrm>
+          <a:prstGeom prst="rect">
+            <a:avLst/>
+          </a:prstGeom>
+          <a:noFill/>
+          <a:ln>
+            <a:noFill/>
+          </a:ln>
+        </p:spPr>
+      </p:pic>
       <p:sp>
         <p:nvSpPr>
-          <p:cNvPr id="2" name="Slide Number Placeholder 1"/>
+          <p:cNvPr id="3" name="Slide Number Placeholder 2"/>
           <p:cNvSpPr>
             <a:spLocks noGrp="1"/>
           </p:cNvSpPr>
@@ -12358,6 +14119,7 @@
         <p:spPr/>
         <p:txBody>
           <a:bodyPr/>
+          <a:lstStyle/>
           <a:p>
             <a:pPr marL="0" lvl="0" indent="0" algn="r" rtl="0">
               <a:spcBef>
@@ -12370,6 +14132,7 @@
             </a:pPr>
             <a:fld id="{00000000-1234-1234-1234-123412341234}" type="slidenum">
               <a:rPr lang="en-US"/>
+              <a:t>5</a:t>
             </a:fld>
             <a:endParaRPr lang="en-US"/>
           </a:p>
@@ -12444,570 +14207,14 @@
                 </p:childTnLst>
               </p:cTn>
               <p:prevCondLst>
-                <p:cond evt="onPrev">
+                <p:cond evt="onPrev" delay="0">
                   <p:tgtEl>
                     <p:sldTgt/>
                   </p:tgtEl>
                 </p:cond>
               </p:prevCondLst>
               <p:nextCondLst>
-                <p:cond evt="onNext">
-                  <p:tgtEl>
-                    <p:sldTgt/>
-                  </p:tgtEl>
-                </p:cond>
-              </p:nextCondLst>
-            </p:seq>
-          </p:childTnLst>
-        </p:cTn>
-      </p:par>
-    </p:tnLst>
-  </p:timing>
-</p:sld>
-</file>
-
-<file path=ppt/slides/slide4.xml><?xml version="1.0" encoding="utf-8"?>
-<p:sld xmlns:a="http://schemas.openxmlformats.org/drawingml/2006/main" xmlns:r="http://schemas.openxmlformats.org/officeDocument/2006/relationships" xmlns:p="http://schemas.openxmlformats.org/presentationml/2006/main">
-  <p:cSld>
-    <p:spTree>
-      <p:nvGrpSpPr>
-        <p:cNvPr id="157" name="Shape 157"/>
-        <p:cNvGrpSpPr/>
-        <p:nvPr/>
-      </p:nvGrpSpPr>
-      <p:grpSpPr>
-        <a:xfrm>
-          <a:off x="0" y="0"/>
-          <a:ext cx="0" cy="0"/>
-          <a:chOff x="0" y="0"/>
-          <a:chExt cx="0" cy="0"/>
-        </a:xfrm>
-      </p:grpSpPr>
-      <p:sp>
-        <p:nvSpPr>
-          <p:cNvPr id="158" name="Google Shape;158;p17"/>
-          <p:cNvSpPr txBox="1"/>
-          <p:nvPr>
-            <p:ph type="title"/>
-          </p:nvPr>
-        </p:nvSpPr>
-        <p:spPr>
-          <a:xfrm>
-            <a:off x="457200" y="274638"/>
-            <a:ext cx="8229600" cy="1143000"/>
-          </a:xfrm>
-          <a:prstGeom prst="rect">
-            <a:avLst/>
-          </a:prstGeom>
-          <a:noFill/>
-          <a:ln>
-            <a:noFill/>
-          </a:ln>
-        </p:spPr>
-        <p:txBody>
-          <a:bodyPr spcFirstLastPara="1" wrap="square" lIns="91425" tIns="45700" rIns="91425" bIns="45700" anchor="ctr" anchorCtr="0">
-            <a:normAutofit/>
-          </a:bodyPr>
-          <a:lstStyle/>
-          <a:p>
-            <a:pPr marL="0" lvl="0" indent="0" algn="ctr" rtl="0">
-              <a:spcBef>
-                <a:spcPts val="0"/>
-              </a:spcBef>
-              <a:spcAft>
-                <a:spcPts val="0"/>
-              </a:spcAft>
-              <a:buClr>
-                <a:schemeClr val="dk1"/>
-              </a:buClr>
-              <a:buSzPct val="100000"/>
-              <a:buFont typeface="Calibri"/>
-              <a:buNone/>
-            </a:pPr>
-            <a:r>
-              <a:rPr lang="en-US" sz="4400" b="1">
-                <a:latin typeface="Calibri"/>
-                <a:ea typeface="Calibri"/>
-                <a:cs typeface="Calibri"/>
-                <a:sym typeface="Calibri"/>
-              </a:rPr>
-              <a:t>Target User</a:t>
-            </a:r>
-            <a:endParaRPr lang="en-US" sz="4400" b="1">
-              <a:latin typeface="Calibri"/>
-              <a:ea typeface="Calibri"/>
-              <a:cs typeface="Calibri"/>
-              <a:sym typeface="Calibri"/>
-            </a:endParaRPr>
-          </a:p>
-        </p:txBody>
-      </p:sp>
-      <p:sp>
-        <p:nvSpPr>
-          <p:cNvPr id="159" name="Google Shape;159;p17"/>
-          <p:cNvSpPr txBox="1"/>
-          <p:nvPr>
-            <p:ph type="body" idx="1"/>
-          </p:nvPr>
-        </p:nvSpPr>
-        <p:spPr>
-          <a:xfrm>
-            <a:off x="852805" y="1600200"/>
-            <a:ext cx="7833995" cy="4526280"/>
-          </a:xfrm>
-          <a:prstGeom prst="rect">
-            <a:avLst/>
-          </a:prstGeom>
-          <a:noFill/>
-          <a:ln>
-            <a:noFill/>
-          </a:ln>
-        </p:spPr>
-        <p:txBody>
-          <a:bodyPr spcFirstLastPara="1" wrap="square" lIns="91425" tIns="45700" rIns="91425" bIns="45700" anchor="t" anchorCtr="0">
-            <a:normAutofit/>
-          </a:bodyPr>
-          <a:lstStyle/>
-          <a:p>
-            <a:pPr marL="342900" lvl="0" indent="-139700" algn="l" rtl="0">
-              <a:spcBef>
-                <a:spcPts val="0"/>
-              </a:spcBef>
-              <a:spcAft>
-                <a:spcPts val="0"/>
-              </a:spcAft>
-              <a:buClr>
-                <a:schemeClr val="dk1"/>
-              </a:buClr>
-              <a:buSzPts val="3200"/>
-              <a:buNone/>
-            </a:pPr>
-          </a:p>
-          <a:p>
-            <a:pPr marL="0" lvl="0" indent="0" algn="l" rtl="0">
-              <a:spcBef>
-                <a:spcPts val="640"/>
-              </a:spcBef>
-              <a:spcAft>
-                <a:spcPts val="0"/>
-              </a:spcAft>
-              <a:buClr>
-                <a:schemeClr val="lt1"/>
-              </a:buClr>
-              <a:buSzPts val="3200"/>
-              <a:buNone/>
-            </a:pPr>
-            <a:r>
-              <a:rPr lang="en-US" sz="3200">
-                <a:latin typeface="Calibri"/>
-                <a:ea typeface="Calibri"/>
-                <a:cs typeface="Calibri"/>
-                <a:sym typeface="Calibri"/>
-              </a:rPr>
-              <a:t>Primarily designed for Boston University students and staff who want quick access to information about campus events.</a:t>
-            </a:r>
-            <a:endParaRPr lang="en-US" sz="3200">
-              <a:latin typeface="Calibri"/>
-              <a:ea typeface="Calibri"/>
-              <a:cs typeface="Calibri"/>
-              <a:sym typeface="Calibri"/>
-            </a:endParaRPr>
-          </a:p>
-        </p:txBody>
-      </p:sp>
-      <p:sp>
-        <p:nvSpPr>
-          <p:cNvPr id="2" name="Slide Number Placeholder 1"/>
-          <p:cNvSpPr>
-            <a:spLocks noGrp="1"/>
-          </p:cNvSpPr>
-          <p:nvPr>
-            <p:ph type="sldNum" idx="12"/>
-          </p:nvPr>
-        </p:nvSpPr>
-        <p:spPr/>
-        <p:txBody>
-          <a:bodyPr/>
-          <a:p>
-            <a:pPr marL="0" lvl="0" indent="0" algn="r" rtl="0">
-              <a:spcBef>
-                <a:spcPts val="0"/>
-              </a:spcBef>
-              <a:spcAft>
-                <a:spcPts val="0"/>
-              </a:spcAft>
-              <a:buNone/>
-            </a:pPr>
-            <a:fld id="{00000000-1234-1234-1234-123412341234}" type="slidenum">
-              <a:rPr lang="en-US"/>
-            </a:fld>
-            <a:endParaRPr lang="en-US"/>
-          </a:p>
-        </p:txBody>
-      </p:sp>
-    </p:spTree>
-  </p:cSld>
-  <p:clrMapOvr>
-    <a:masterClrMapping/>
-  </p:clrMapOvr>
-  <p:timing>
-    <p:tnLst>
-      <p:par>
-        <p:cTn id="1" dur="indefinite" restart="never" nodeType="tmRoot">
-          <p:childTnLst>
-            <p:seq concurrent="1" nextAc="seek">
-              <p:cTn id="2" dur="indefinite" nodeType="mainSeq">
-                <p:childTnLst>
-                  <p:par>
-                    <p:cTn id="3" fill="hold">
-                      <p:stCondLst>
-                        <p:cond delay="indefinite"/>
-                      </p:stCondLst>
-                      <p:childTnLst>
-                        <p:par>
-                          <p:cTn id="4" fill="hold">
-                            <p:stCondLst>
-                              <p:cond delay="0"/>
-                            </p:stCondLst>
-                            <p:childTnLst>
-                              <p:par>
-                                <p:cTn id="5" presetID="10" presetClass="entr" presetSubtype="0" fill="hold" nodeType="clickEffect">
-                                  <p:stCondLst>
-                                    <p:cond delay="0"/>
-                                  </p:stCondLst>
-                                  <p:childTnLst>
-                                    <p:set>
-                                      <p:cBhvr>
-                                        <p:cTn id="6" dur="1" fill="hold">
-                                          <p:stCondLst>
-                                            <p:cond delay="0"/>
-                                          </p:stCondLst>
-                                        </p:cTn>
-                                        <p:tgtEl>
-                                          <p:spTgt spid="159"/>
-                                        </p:tgtEl>
-                                        <p:attrNameLst>
-                                          <p:attrName>style.visibility</p:attrName>
-                                        </p:attrNameLst>
-                                      </p:cBhvr>
-                                      <p:to>
-                                        <p:strVal val="visible"/>
-                                      </p:to>
-                                    </p:set>
-                                    <p:animEffect transition="in" filter="fade">
-                                      <p:cBhvr>
-                                        <p:cTn id="7" dur="100"/>
-                                        <p:tgtEl>
-                                          <p:spTgt spid="159"/>
-                                        </p:tgtEl>
-                                      </p:cBhvr>
-                                    </p:animEffect>
-                                  </p:childTnLst>
-                                </p:cTn>
-                              </p:par>
-                            </p:childTnLst>
-                          </p:cTn>
-                        </p:par>
-                      </p:childTnLst>
-                    </p:cTn>
-                  </p:par>
-                </p:childTnLst>
-              </p:cTn>
-              <p:prevCondLst>
-                <p:cond evt="onPrev">
-                  <p:tgtEl>
-                    <p:sldTgt/>
-                  </p:tgtEl>
-                </p:cond>
-              </p:prevCondLst>
-              <p:nextCondLst>
-                <p:cond evt="onNext">
-                  <p:tgtEl>
-                    <p:sldTgt/>
-                  </p:tgtEl>
-                </p:cond>
-              </p:nextCondLst>
-            </p:seq>
-          </p:childTnLst>
-        </p:cTn>
-      </p:par>
-    </p:tnLst>
-  </p:timing>
-</p:sld>
-</file>
-
-<file path=ppt/slides/slide5.xml><?xml version="1.0" encoding="utf-8"?>
-<p:sld xmlns:a="http://schemas.openxmlformats.org/drawingml/2006/main" xmlns:r="http://schemas.openxmlformats.org/officeDocument/2006/relationships" xmlns:p="http://schemas.openxmlformats.org/presentationml/2006/main">
-  <p:cSld>
-    <p:spTree>
-      <p:nvGrpSpPr>
-        <p:cNvPr id="151" name="Shape 151"/>
-        <p:cNvGrpSpPr/>
-        <p:nvPr/>
-      </p:nvGrpSpPr>
-      <p:grpSpPr>
-        <a:xfrm>
-          <a:off x="0" y="0"/>
-          <a:ext cx="0" cy="0"/>
-          <a:chOff x="0" y="0"/>
-          <a:chExt cx="0" cy="0"/>
-        </a:xfrm>
-      </p:grpSpPr>
-      <p:sp>
-        <p:nvSpPr>
-          <p:cNvPr id="152" name="Google Shape;152;p16"/>
-          <p:cNvSpPr txBox="1"/>
-          <p:nvPr>
-            <p:ph type="title"/>
-          </p:nvPr>
-        </p:nvSpPr>
-        <p:spPr>
-          <a:xfrm>
-            <a:off x="203835" y="-189230"/>
-            <a:ext cx="4368165" cy="3254375"/>
-          </a:xfrm>
-          <a:prstGeom prst="rect">
-            <a:avLst/>
-          </a:prstGeom>
-          <a:noFill/>
-          <a:ln>
-            <a:noFill/>
-          </a:ln>
-        </p:spPr>
-        <p:txBody>
-          <a:bodyPr spcFirstLastPara="1" vert="horz" wrap="square" lIns="91425" tIns="45700" rIns="91425" bIns="45700" anchor="ctr" anchorCtr="0">
-            <a:normAutofit/>
-          </a:bodyPr>
-          <a:lstStyle/>
-          <a:p>
-            <a:pPr marL="0" lvl="0" indent="0" algn="ctr" rtl="0">
-              <a:spcBef>
-                <a:spcPts val="0"/>
-              </a:spcBef>
-              <a:spcAft>
-                <a:spcPts val="0"/>
-              </a:spcAft>
-              <a:buClr>
-                <a:schemeClr val="dk1"/>
-              </a:buClr>
-              <a:buSzPct val="100000"/>
-              <a:buFont typeface="Calibri"/>
-              <a:buNone/>
-            </a:pPr>
-            <a:r>
-              <a:rPr lang="en-US" sz="4400" b="1">
-                <a:latin typeface="Calibri"/>
-                <a:ea typeface="Calibri"/>
-                <a:cs typeface="Calibri"/>
-                <a:sym typeface="Calibri"/>
-              </a:rPr>
-              <a:t> User’s Registration and Login</a:t>
-            </a:r>
-            <a:endParaRPr lang="en-US" sz="4400" b="1">
-              <a:latin typeface="Calibri"/>
-              <a:ea typeface="Calibri"/>
-              <a:cs typeface="Calibri"/>
-              <a:sym typeface="Calibri"/>
-            </a:endParaRPr>
-          </a:p>
-        </p:txBody>
-      </p:sp>
-      <p:sp>
-        <p:nvSpPr>
-          <p:cNvPr id="153" name="Google Shape;153;p16"/>
-          <p:cNvSpPr txBox="1"/>
-          <p:nvPr>
-            <p:ph type="body" idx="1"/>
-          </p:nvPr>
-        </p:nvSpPr>
-        <p:spPr>
-          <a:xfrm>
-            <a:off x="298450" y="3935730"/>
-            <a:ext cx="4874260" cy="2143760"/>
-          </a:xfrm>
-          <a:prstGeom prst="rect">
-            <a:avLst/>
-          </a:prstGeom>
-          <a:noFill/>
-          <a:ln>
-            <a:noFill/>
-          </a:ln>
-        </p:spPr>
-        <p:txBody>
-          <a:bodyPr spcFirstLastPara="1" wrap="square" lIns="91425" tIns="45700" rIns="91425" bIns="45700" anchor="t" anchorCtr="0">
-            <a:noAutofit/>
-          </a:bodyPr>
-          <a:lstStyle/>
-          <a:p>
-            <a:pPr marL="0" lvl="0" indent="0" algn="l" rtl="0" eaLnBrk="1" fontAlgn="auto" latinLnBrk="0" hangingPunct="1">
-              <a:lnSpc>
-                <a:spcPct val="150000"/>
-              </a:lnSpc>
-              <a:spcBef>
-                <a:spcPts val="0"/>
-              </a:spcBef>
-              <a:spcAft>
-                <a:spcPts val="0"/>
-              </a:spcAft>
-              <a:buClr>
-                <a:schemeClr val="dk1"/>
-              </a:buClr>
-              <a:buSzPts val="3200"/>
-              <a:buNone/>
-            </a:pPr>
-            <a:r>
-              <a:rPr lang="en-US" sz="2400">
-                <a:latin typeface="Calibri"/>
-                <a:ea typeface="Calibri"/>
-                <a:cs typeface="Calibri"/>
-                <a:sym typeface="Calibri"/>
-              </a:rPr>
-              <a:t>Users can register and log in using their email or through third-party platforms like Google.</a:t>
-            </a:r>
-            <a:endParaRPr lang="en-US" sz="2400">
-              <a:latin typeface="Calibri"/>
-              <a:ea typeface="Calibri"/>
-              <a:cs typeface="Calibri"/>
-              <a:sym typeface="Calibri"/>
-            </a:endParaRPr>
-          </a:p>
-        </p:txBody>
-      </p:sp>
-      <p:pic>
-        <p:nvPicPr>
-          <p:cNvPr id="5" name="Picture 1"/>
-          <p:cNvPicPr>
-            <a:picLocks noChangeAspect="1"/>
-          </p:cNvPicPr>
-          <p:nvPr/>
-        </p:nvPicPr>
-        <p:blipFill>
-          <a:blip r:embed="rId1"/>
-          <a:stretch>
-            <a:fillRect/>
-          </a:stretch>
-        </p:blipFill>
-        <p:spPr>
-          <a:xfrm>
-            <a:off x="5660390" y="0"/>
-            <a:ext cx="3162935" cy="6858000"/>
-          </a:xfrm>
-          <a:prstGeom prst="rect">
-            <a:avLst/>
-          </a:prstGeom>
-          <a:noFill/>
-          <a:ln>
-            <a:noFill/>
-          </a:ln>
-        </p:spPr>
-      </p:pic>
-      <p:sp>
-        <p:nvSpPr>
-          <p:cNvPr id="3" name="Slide Number Placeholder 2"/>
-          <p:cNvSpPr>
-            <a:spLocks noGrp="1"/>
-          </p:cNvSpPr>
-          <p:nvPr>
-            <p:ph type="sldNum" idx="12"/>
-          </p:nvPr>
-        </p:nvSpPr>
-        <p:spPr/>
-        <p:txBody>
-          <a:bodyPr/>
-          <a:p>
-            <a:pPr marL="0" lvl="0" indent="0" algn="r" rtl="0">
-              <a:spcBef>
-                <a:spcPts val="0"/>
-              </a:spcBef>
-              <a:spcAft>
-                <a:spcPts val="0"/>
-              </a:spcAft>
-              <a:buNone/>
-            </a:pPr>
-            <a:fld id="{00000000-1234-1234-1234-123412341234}" type="slidenum">
-              <a:rPr lang="en-US"/>
-            </a:fld>
-            <a:endParaRPr lang="en-US"/>
-          </a:p>
-        </p:txBody>
-      </p:sp>
-    </p:spTree>
-  </p:cSld>
-  <p:clrMapOvr>
-    <a:masterClrMapping/>
-  </p:clrMapOvr>
-  <p:timing>
-    <p:tnLst>
-      <p:par>
-        <p:cTn id="1" dur="indefinite" restart="never" nodeType="tmRoot">
-          <p:childTnLst>
-            <p:seq concurrent="1" nextAc="seek">
-              <p:cTn id="2" dur="indefinite" nodeType="mainSeq">
-                <p:childTnLst>
-                  <p:par>
-                    <p:cTn id="3" fill="hold">
-                      <p:stCondLst>
-                        <p:cond delay="indefinite"/>
-                      </p:stCondLst>
-                      <p:childTnLst>
-                        <p:par>
-                          <p:cTn id="4" fill="hold">
-                            <p:stCondLst>
-                              <p:cond delay="0"/>
-                            </p:stCondLst>
-                            <p:childTnLst>
-                              <p:par>
-                                <p:cTn id="5" presetID="10" presetClass="entr" presetSubtype="0" fill="hold" nodeType="clickEffect">
-                                  <p:stCondLst>
-                                    <p:cond delay="0"/>
-                                  </p:stCondLst>
-                                  <p:childTnLst>
-                                    <p:set>
-                                      <p:cBhvr>
-                                        <p:cTn id="6" dur="1" fill="hold">
-                                          <p:stCondLst>
-                                            <p:cond delay="0"/>
-                                          </p:stCondLst>
-                                        </p:cTn>
-                                        <p:tgtEl>
-                                          <p:spTgt spid="153"/>
-                                        </p:tgtEl>
-                                        <p:attrNameLst>
-                                          <p:attrName>style.visibility</p:attrName>
-                                        </p:attrNameLst>
-                                      </p:cBhvr>
-                                      <p:to>
-                                        <p:strVal val="visible"/>
-                                      </p:to>
-                                    </p:set>
-                                    <p:animEffect transition="in" filter="fade">
-                                      <p:cBhvr>
-                                        <p:cTn id="7" dur="100"/>
-                                        <p:tgtEl>
-                                          <p:spTgt spid="153"/>
-                                        </p:tgtEl>
-                                      </p:cBhvr>
-                                    </p:animEffect>
-                                  </p:childTnLst>
-                                </p:cTn>
-                              </p:par>
-                            </p:childTnLst>
-                          </p:cTn>
-                        </p:par>
-                      </p:childTnLst>
-                    </p:cTn>
-                  </p:par>
-                </p:childTnLst>
-              </p:cTn>
-              <p:prevCondLst>
-                <p:cond evt="onPrev">
-                  <p:tgtEl>
-                    <p:sldTgt/>
-                  </p:tgtEl>
-                </p:cond>
-              </p:prevCondLst>
-              <p:nextCondLst>
-                <p:cond evt="onNext">
+                <p:cond evt="onNext" delay="0">
                   <p:tgtEl>
                     <p:sldTgt/>
                   </p:tgtEl>
@@ -13027,7 +14234,7 @@
   <p:cSld>
     <p:spTree>
       <p:nvGrpSpPr>
-        <p:cNvPr id="151" name="Shape 151"/>
+        <p:cNvPr id="1" name="Shape 151"/>
         <p:cNvGrpSpPr/>
         <p:nvPr/>
       </p:nvGrpSpPr>
@@ -13042,7 +14249,9 @@
       <p:sp>
         <p:nvSpPr>
           <p:cNvPr id="152" name="Google Shape;152;p16"/>
-          <p:cNvSpPr txBox="1"/>
+          <p:cNvSpPr txBox="1">
+            <a:spLocks noGrp="1"/>
+          </p:cNvSpPr>
           <p:nvPr>
             <p:ph type="title"/>
           </p:nvPr>
@@ -13087,30 +14296,17 @@
                 <a:cs typeface="Calibri"/>
                 <a:sym typeface="Calibri"/>
               </a:rPr>
-              <a:t>Event List </a:t>
+              <a:t>Event List Page</a:t>
             </a:r>
-            <a:r>
-              <a:rPr lang="en-US" sz="4400" b="1">
-                <a:latin typeface="Calibri"/>
-                <a:ea typeface="Calibri"/>
-                <a:cs typeface="Calibri"/>
-                <a:sym typeface="Calibri"/>
-              </a:rPr>
-              <a:t>Page</a:t>
-            </a:r>
-            <a:endParaRPr lang="en-US" sz="4400" b="1">
-              <a:latin typeface="Calibri"/>
-              <a:ea typeface="Calibri"/>
-              <a:cs typeface="Calibri"/>
-              <a:sym typeface="Calibri"/>
-            </a:endParaRPr>
           </a:p>
         </p:txBody>
       </p:sp>
       <p:sp>
         <p:nvSpPr>
           <p:cNvPr id="153" name="Google Shape;153;p16"/>
-          <p:cNvSpPr txBox="1"/>
+          <p:cNvSpPr txBox="1">
+            <a:spLocks noGrp="1"/>
+          </p:cNvSpPr>
           <p:nvPr>
             <p:ph type="body" idx="1"/>
           </p:nvPr>
@@ -13159,12 +14355,6 @@
               </a:rPr>
               <a:t>Users can view a list of upcoming events, with details such as date, time, and location.</a:t>
             </a:r>
-            <a:endParaRPr lang="en-US" sz="2400">
-              <a:latin typeface="Calibri"/>
-              <a:ea typeface="Calibri"/>
-              <a:cs typeface="Calibri"/>
-              <a:sym typeface="Calibri"/>
-            </a:endParaRPr>
           </a:p>
           <a:p>
             <a:pPr marL="0" lvl="0" indent="0" algn="l" rtl="0" eaLnBrk="1" fontAlgn="auto" latinLnBrk="0" hangingPunct="1">
@@ -13214,6 +14404,7 @@
         <p:spPr/>
         <p:txBody>
           <a:bodyPr/>
+          <a:lstStyle/>
           <a:p>
             <a:pPr marL="0" lvl="0" indent="0" algn="r" rtl="0">
               <a:spcBef>
@@ -13226,6 +14417,7 @@
             </a:pPr>
             <a:fld id="{00000000-1234-1234-1234-123412341234}" type="slidenum">
               <a:rPr lang="en-US"/>
+              <a:t>6</a:t>
             </a:fld>
             <a:endParaRPr lang="en-US"/>
           </a:p>
@@ -13233,14 +14425,14 @@
       </p:sp>
       <p:pic>
         <p:nvPicPr>
-          <p:cNvPr id="1" name="Picture 0"/>
+          <p:cNvPr id="2" name="Picture 0"/>
           <p:cNvPicPr>
             <a:picLocks noChangeAspect="1"/>
           </p:cNvPicPr>
           <p:nvPr/>
         </p:nvPicPr>
         <p:blipFill>
-          <a:blip r:embed="rId1"/>
+          <a:blip r:embed="rId3"/>
           <a:stretch>
             <a:fillRect/>
           </a:stretch>
@@ -13324,14 +14516,14 @@
                 </p:childTnLst>
               </p:cTn>
               <p:prevCondLst>
-                <p:cond evt="onPrev">
+                <p:cond evt="onPrev" delay="0">
                   <p:tgtEl>
                     <p:sldTgt/>
                   </p:tgtEl>
                 </p:cond>
               </p:prevCondLst>
               <p:nextCondLst>
-                <p:cond evt="onNext">
+                <p:cond evt="onNext" delay="0">
                   <p:tgtEl>
                     <p:sldTgt/>
                   </p:tgtEl>
@@ -13351,7 +14543,7 @@
   <p:cSld>
     <p:spTree>
       <p:nvGrpSpPr>
-        <p:cNvPr id="151" name="Shape 151"/>
+        <p:cNvPr id="1" name="Shape 151"/>
         <p:cNvGrpSpPr/>
         <p:nvPr/>
       </p:nvGrpSpPr>
@@ -13366,7 +14558,9 @@
       <p:sp>
         <p:nvSpPr>
           <p:cNvPr id="152" name="Google Shape;152;p16"/>
-          <p:cNvSpPr txBox="1"/>
+          <p:cNvSpPr txBox="1">
+            <a:spLocks noGrp="1"/>
+          </p:cNvSpPr>
           <p:nvPr>
             <p:ph type="title"/>
           </p:nvPr>
@@ -13413,19 +14607,15 @@
               </a:rPr>
               <a:t>Event Details View</a:t>
             </a:r>
-            <a:endParaRPr lang="en-US" sz="4400" b="1">
-              <a:latin typeface="Calibri"/>
-              <a:ea typeface="Calibri"/>
-              <a:cs typeface="Calibri"/>
-              <a:sym typeface="Calibri"/>
-            </a:endParaRPr>
           </a:p>
         </p:txBody>
       </p:sp>
       <p:sp>
         <p:nvSpPr>
           <p:cNvPr id="153" name="Google Shape;153;p16"/>
-          <p:cNvSpPr txBox="1"/>
+          <p:cNvSpPr txBox="1">
+            <a:spLocks noGrp="1"/>
+          </p:cNvSpPr>
           <p:nvPr>
             <p:ph type="body" idx="1"/>
           </p:nvPr>
@@ -13474,12 +14664,6 @@
               </a:rPr>
               <a:t>By selecting an event, users can see more detailed information, including descriptions, timings, link for the event, location, and an option to register for the event.</a:t>
             </a:r>
-            <a:endParaRPr lang="en-US" sz="2400">
-              <a:latin typeface="Calibri"/>
-              <a:ea typeface="Calibri"/>
-              <a:cs typeface="Calibri"/>
-              <a:sym typeface="Calibri"/>
-            </a:endParaRPr>
           </a:p>
         </p:txBody>
       </p:sp>
@@ -13492,7 +14676,7 @@
           <p:nvPr/>
         </p:nvPicPr>
         <p:blipFill>
-          <a:blip r:embed="rId1"/>
+          <a:blip r:embed="rId3"/>
           <a:stretch>
             <a:fillRect/>
           </a:stretch>
@@ -13524,6 +14708,7 @@
         <p:spPr/>
         <p:txBody>
           <a:bodyPr/>
+          <a:lstStyle/>
           <a:p>
             <a:pPr marL="0" lvl="0" indent="0" algn="r" rtl="0">
               <a:spcBef>
@@ -13536,6 +14721,7 @@
             </a:pPr>
             <a:fld id="{00000000-1234-1234-1234-123412341234}" type="slidenum">
               <a:rPr lang="en-US"/>
+              <a:t>7</a:t>
             </a:fld>
             <a:endParaRPr lang="en-US"/>
           </a:p>
@@ -13610,14 +14796,14 @@
                 </p:childTnLst>
               </p:cTn>
               <p:prevCondLst>
-                <p:cond evt="onPrev">
+                <p:cond evt="onPrev" delay="0">
                   <p:tgtEl>
                     <p:sldTgt/>
                   </p:tgtEl>
                 </p:cond>
               </p:prevCondLst>
               <p:nextCondLst>
-                <p:cond evt="onNext">
+                <p:cond evt="onNext" delay="0">
                   <p:tgtEl>
                     <p:sldTgt/>
                   </p:tgtEl>
@@ -13637,7 +14823,7 @@
   <p:cSld>
     <p:spTree>
       <p:nvGrpSpPr>
-        <p:cNvPr id="151" name="Shape 151"/>
+        <p:cNvPr id="1" name="Shape 151"/>
         <p:cNvGrpSpPr/>
         <p:nvPr/>
       </p:nvGrpSpPr>
@@ -13652,7 +14838,9 @@
       <p:sp>
         <p:nvSpPr>
           <p:cNvPr id="152" name="Google Shape;152;p16"/>
-          <p:cNvSpPr txBox="1"/>
+          <p:cNvSpPr txBox="1">
+            <a:spLocks noGrp="1"/>
+          </p:cNvSpPr>
           <p:nvPr>
             <p:ph type="title"/>
           </p:nvPr>
@@ -13699,19 +14887,15 @@
               </a:rPr>
               <a:t>Personal Homepage with Event History</a:t>
             </a:r>
-            <a:endParaRPr lang="en-US" sz="4400" b="1">
-              <a:latin typeface="Calibri"/>
-              <a:ea typeface="Calibri"/>
-              <a:cs typeface="Calibri"/>
-              <a:sym typeface="Calibri"/>
-            </a:endParaRPr>
           </a:p>
         </p:txBody>
       </p:sp>
       <p:sp>
         <p:nvSpPr>
           <p:cNvPr id="153" name="Google Shape;153;p16"/>
-          <p:cNvSpPr txBox="1"/>
+          <p:cNvSpPr txBox="1">
+            <a:spLocks noGrp="1"/>
+          </p:cNvSpPr>
           <p:nvPr>
             <p:ph type="body" idx="1"/>
           </p:nvPr>
@@ -13760,12 +14944,6 @@
               </a:rPr>
               <a:t>Users can view a personal profile page displaying past attended events and upcoming registered events.</a:t>
             </a:r>
-            <a:endParaRPr lang="en-US" sz="2400">
-              <a:latin typeface="Calibri"/>
-              <a:ea typeface="Calibri"/>
-              <a:cs typeface="Calibri"/>
-              <a:sym typeface="Calibri"/>
-            </a:endParaRPr>
           </a:p>
         </p:txBody>
       </p:sp>
@@ -13778,7 +14956,7 @@
           <p:nvPr/>
         </p:nvPicPr>
         <p:blipFill>
-          <a:blip r:embed="rId1"/>
+          <a:blip r:embed="rId3"/>
           <a:stretch>
             <a:fillRect/>
           </a:stretch>
@@ -13810,6 +14988,7 @@
         <p:spPr/>
         <p:txBody>
           <a:bodyPr/>
+          <a:lstStyle/>
           <a:p>
             <a:pPr marL="0" lvl="0" indent="0" algn="r" rtl="0">
               <a:spcBef>
@@ -13822,6 +15001,7 @@
             </a:pPr>
             <a:fld id="{00000000-1234-1234-1234-123412341234}" type="slidenum">
               <a:rPr lang="en-US"/>
+              <a:t>8</a:t>
             </a:fld>
             <a:endParaRPr lang="en-US"/>
           </a:p>
@@ -13896,14 +15076,14 @@
                 </p:childTnLst>
               </p:cTn>
               <p:prevCondLst>
-                <p:cond evt="onPrev">
+                <p:cond evt="onPrev" delay="0">
                   <p:tgtEl>
                     <p:sldTgt/>
                   </p:tgtEl>
                 </p:cond>
               </p:prevCondLst>
               <p:nextCondLst>
-                <p:cond evt="onNext">
+                <p:cond evt="onNext" delay="0">
                   <p:tgtEl>
                     <p:sldTgt/>
                   </p:tgtEl>
@@ -13923,7 +15103,7 @@
   <p:cSld>
     <p:spTree>
       <p:nvGrpSpPr>
-        <p:cNvPr id="157" name="Shape 157"/>
+        <p:cNvPr id="1" name="Shape 157"/>
         <p:cNvGrpSpPr/>
         <p:nvPr/>
       </p:nvGrpSpPr>
@@ -13938,14 +15118,16 @@
       <p:sp>
         <p:nvSpPr>
           <p:cNvPr id="158" name="Google Shape;158;p17"/>
-          <p:cNvSpPr txBox="1"/>
+          <p:cNvSpPr txBox="1">
+            <a:spLocks noGrp="1"/>
+          </p:cNvSpPr>
           <p:nvPr>
             <p:ph type="title"/>
           </p:nvPr>
         </p:nvSpPr>
         <p:spPr>
           <a:xfrm>
-            <a:off x="457200" y="-317"/>
+            <a:off x="457200" y="274638"/>
             <a:ext cx="8229600" cy="1143000"/>
           </a:xfrm>
           <a:prstGeom prst="rect">
@@ -13983,29 +15165,25 @@
                 <a:cs typeface="Calibri"/>
                 <a:sym typeface="Calibri"/>
               </a:rPr>
-              <a:t>Tech Stack</a:t>
+              <a:t>APIs</a:t>
             </a:r>
-            <a:endParaRPr lang="en-US" sz="4400" b="1">
-              <a:latin typeface="Calibri"/>
-              <a:ea typeface="Calibri"/>
-              <a:cs typeface="Calibri"/>
-              <a:sym typeface="Calibri"/>
-            </a:endParaRPr>
           </a:p>
         </p:txBody>
       </p:sp>
       <p:sp>
         <p:nvSpPr>
           <p:cNvPr id="159" name="Google Shape;159;p17"/>
-          <p:cNvSpPr txBox="1"/>
+          <p:cNvSpPr txBox="1">
+            <a:spLocks noGrp="1"/>
+          </p:cNvSpPr>
           <p:nvPr>
             <p:ph type="body" idx="1"/>
           </p:nvPr>
         </p:nvSpPr>
         <p:spPr>
           <a:xfrm>
-            <a:off x="387985" y="902335"/>
-            <a:ext cx="8559165" cy="5538470"/>
+            <a:off x="457200" y="1316990"/>
+            <a:ext cx="8353425" cy="4809490"/>
           </a:xfrm>
           <a:prstGeom prst="rect">
             <a:avLst/>
@@ -14037,7 +15215,7 @@
               <a:buSzPts val="3200"/>
               <a:buNone/>
             </a:pPr>
-            <a:endParaRPr sz="1000"/>
+            <a:endParaRPr sz="1000" dirty="0"/>
           </a:p>
           <a:p>
             <a:pPr lvl="0" indent="-457200" algn="l" rtl="0">
@@ -14058,20 +15236,32 @@
               <a:buChar char="•"/>
             </a:pPr>
             <a:r>
-              <a:rPr lang="en-US" sz="2400">
+              <a:rPr lang="en-US" sz="2400" dirty="0">
                 <a:latin typeface="Calibri"/>
                 <a:ea typeface="Calibri"/>
                 <a:cs typeface="Calibri"/>
                 <a:sym typeface="Calibri"/>
               </a:rPr>
-              <a:t>Programming Language: Kotlin</a:t>
+              <a:t>Firebase </a:t>
             </a:r>
-            <a:endParaRPr lang="en-US" sz="2400">
-              <a:latin typeface="Calibri"/>
-              <a:ea typeface="Calibri"/>
-              <a:cs typeface="Calibri"/>
-              <a:sym typeface="Calibri"/>
-            </a:endParaRPr>
+            <a:r>
+              <a:rPr lang="en-US" sz="2400" dirty="0" err="1">
+                <a:latin typeface="Calibri"/>
+                <a:ea typeface="Calibri"/>
+                <a:cs typeface="Calibri"/>
+                <a:sym typeface="Calibri"/>
+              </a:rPr>
+              <a:t>Firestore</a:t>
+            </a:r>
+            <a:r>
+              <a:rPr lang="en-US" sz="2400" dirty="0">
+                <a:latin typeface="Calibri"/>
+                <a:ea typeface="Calibri"/>
+                <a:cs typeface="Calibri"/>
+                <a:sym typeface="Calibri"/>
+              </a:rPr>
+              <a:t>: To store event details and user registration history.</a:t>
+            </a:r>
           </a:p>
           <a:p>
             <a:pPr lvl="0" indent="-457200" algn="l" rtl="0">
@@ -14092,32 +15282,23 @@
               <a:buChar char="•"/>
             </a:pPr>
             <a:r>
-              <a:rPr lang="en-US" sz="2400">
+              <a:rPr lang="en-US" sz="2400" dirty="0">
                 <a:latin typeface="Calibri"/>
                 <a:ea typeface="Calibri"/>
                 <a:cs typeface="Calibri"/>
                 <a:sym typeface="Calibri"/>
               </a:rPr>
-              <a:t>UI Framework: Jetpack Compose</a:t>
+              <a:t>Firebase Authentication: For user registration and login.</a:t>
             </a:r>
-            <a:endParaRPr lang="en-US" sz="2400">
-              <a:latin typeface="Calibri"/>
-              <a:ea typeface="Calibri"/>
-              <a:cs typeface="Calibri"/>
-              <a:sym typeface="Calibri"/>
-            </a:endParaRPr>
           </a:p>
           <a:p>
-            <a:pPr lvl="0" indent="-457200" algn="l" rtl="0">
+            <a:pPr lvl="0" indent="-457200">
               <a:lnSpc>
                 <a:spcPct val="150000"/>
               </a:lnSpc>
               <a:spcBef>
                 <a:spcPts val="640"/>
               </a:spcBef>
-              <a:spcAft>
-                <a:spcPts val="0"/>
-              </a:spcAft>
               <a:buClr>
                 <a:schemeClr val="lt1"/>
               </a:buClr>
@@ -14126,32 +15307,18 @@
               <a:buChar char="•"/>
             </a:pPr>
             <a:r>
-              <a:rPr lang="en-US" sz="2400">
-                <a:latin typeface="Calibri"/>
-                <a:ea typeface="Calibri"/>
-                <a:cs typeface="Calibri"/>
-                <a:sym typeface="Calibri"/>
-              </a:rPr>
-              <a:t>Database: Firebase Firestore (for storing and syncing user data)</a:t>
+              <a:rPr lang="en-US" sz="2400" dirty="0"/>
+              <a:t>Google Maps Geolocation API</a:t>
             </a:r>
-            <a:endParaRPr lang="en-US" sz="2400">
-              <a:latin typeface="Calibri"/>
-              <a:ea typeface="Calibri"/>
-              <a:cs typeface="Calibri"/>
-              <a:sym typeface="Calibri"/>
-            </a:endParaRPr>
           </a:p>
           <a:p>
-            <a:pPr lvl="0" indent="-457200" algn="l" rtl="0">
+            <a:pPr lvl="0" indent="-457200">
               <a:lnSpc>
                 <a:spcPct val="150000"/>
               </a:lnSpc>
               <a:spcBef>
                 <a:spcPts val="640"/>
               </a:spcBef>
-              <a:spcAft>
-                <a:spcPts val="0"/>
-              </a:spcAft>
               <a:buClr>
                 <a:schemeClr val="lt1"/>
               </a:buClr>
@@ -14160,32 +15327,18 @@
               <a:buChar char="•"/>
             </a:pPr>
             <a:r>
-              <a:rPr lang="en-US" sz="2400">
-                <a:latin typeface="Calibri"/>
-                <a:ea typeface="Calibri"/>
-                <a:cs typeface="Calibri"/>
-                <a:sym typeface="Calibri"/>
-              </a:rPr>
-              <a:t>Authentication Service: Firebase Authentication (supports email login and Google Sign-In)</a:t>
+              <a:rPr lang="en-US" sz="2400" dirty="0"/>
+              <a:t>Camera API</a:t>
             </a:r>
-            <a:endParaRPr lang="en-US" sz="2400">
-              <a:latin typeface="Calibri"/>
-              <a:ea typeface="Calibri"/>
-              <a:cs typeface="Calibri"/>
-              <a:sym typeface="Calibri"/>
-            </a:endParaRPr>
           </a:p>
           <a:p>
-            <a:pPr lvl="0" indent="-457200" algn="l" rtl="0">
+            <a:pPr lvl="0" indent="-457200">
               <a:lnSpc>
                 <a:spcPct val="150000"/>
               </a:lnSpc>
               <a:spcBef>
                 <a:spcPts val="640"/>
               </a:spcBef>
-              <a:spcAft>
-                <a:spcPts val="0"/>
-              </a:spcAft>
               <a:buClr>
                 <a:schemeClr val="lt1"/>
               </a:buClr>
@@ -14194,15 +15347,30 @@
               <a:buChar char="•"/>
             </a:pPr>
             <a:r>
-              <a:rPr lang="en-US" sz="2400">
-                <a:latin typeface="Calibri"/>
-                <a:ea typeface="Calibri"/>
-                <a:cs typeface="Calibri"/>
-                <a:sym typeface="Calibri"/>
-              </a:rPr>
-              <a:t>Network Requests: Retrofit (for accessing event data from third-party APIs).</a:t>
+              <a:rPr lang="en-US" sz="2400" dirty="0" err="1"/>
+              <a:t>MediaStore</a:t>
             </a:r>
-            <a:endParaRPr lang="en-US" sz="2400">
+            <a:r>
+              <a:rPr lang="en-US" sz="2400" dirty="0"/>
+              <a:t> API</a:t>
+            </a:r>
+          </a:p>
+          <a:p>
+            <a:pPr lvl="0" indent="-457200">
+              <a:lnSpc>
+                <a:spcPct val="150000"/>
+              </a:lnSpc>
+              <a:spcBef>
+                <a:spcPts val="640"/>
+              </a:spcBef>
+              <a:buClr>
+                <a:schemeClr val="lt1"/>
+              </a:buClr>
+              <a:buSzPts val="3200"/>
+              <a:buFont typeface="Arial" panose="020B0604020202090204" pitchFamily="34" charset="0"/>
+              <a:buChar char="•"/>
+            </a:pPr>
+            <a:endParaRPr lang="en-US" sz="2400" dirty="0">
               <a:latin typeface="Calibri"/>
               <a:ea typeface="Calibri"/>
               <a:cs typeface="Calibri"/>
@@ -14224,6 +15392,7 @@
         <p:spPr/>
         <p:txBody>
           <a:bodyPr/>
+          <a:lstStyle/>
           <a:p>
             <a:pPr marL="0" lvl="0" indent="0" algn="r" rtl="0">
               <a:spcBef>
@@ -14236,6 +15405,7 @@
             </a:pPr>
             <a:fld id="{00000000-1234-1234-1234-123412341234}" type="slidenum">
               <a:rPr lang="en-US"/>
+              <a:t>9</a:t>
             </a:fld>
             <a:endParaRPr lang="en-US"/>
           </a:p>
@@ -14310,14 +15480,14 @@
                 </p:childTnLst>
               </p:cTn>
               <p:prevCondLst>
-                <p:cond evt="onPrev">
+                <p:cond evt="onPrev" delay="0">
                   <p:tgtEl>
                     <p:sldTgt/>
                   </p:tgtEl>
                 </p:cond>
               </p:prevCondLst>
               <p:nextCondLst>
-                <p:cond evt="onNext">
+                <p:cond evt="onNext" delay="0">
                   <p:tgtEl>
                     <p:sldTgt/>
                   </p:tgtEl>
@@ -14608,6 +15778,8 @@
       </a:bgFillStyleLst>
     </a:fmtScheme>
   </a:themeElements>
+  <a:objectDefaults/>
+  <a:extraClrSchemeLst/>
   <a:extLst>
     <a:ext uri="{05A4C25C-085E-4340-85A3-A5531E510DB2}">
       <thm15:themeFamily xmlns:thm15="http://schemas.microsoft.com/office/thememl/2012/main" name="Office Theme" id="{62F939B6-93AF-4DB8-9C6B-D6C7DFDC589F}" vid="{4A3C46E8-61CC-4603-A589-7422A47A8E4A}"/>
@@ -14892,6 +16064,8 @@
       </a:bgFillStyleLst>
     </a:fmtScheme>
   </a:themeElements>
+  <a:objectDefaults/>
+  <a:extraClrSchemeLst/>
   <a:extLst>
     <a:ext uri="{05A4C25C-085E-4340-85A3-A5531E510DB2}">
       <thm15:themeFamily xmlns:thm15="http://schemas.microsoft.com/office/thememl/2012/main" name="Office Theme" id="{62F939B6-93AF-4DB8-9C6B-D6C7DFDC589F}" vid="{4A3C46E8-61CC-4603-A589-7422A47A8E4A}"/>

--- a/First_PRE.pptx
+++ b/First_PRE.pptx
@@ -5,33 +5,33 @@
     <p:sldMasterId id="2147483648" r:id="rId1"/>
   </p:sldMasterIdLst>
   <p:notesMasterIdLst>
-    <p:notesMasterId r:id="rId15"/>
+    <p:notesMasterId r:id="rId4"/>
   </p:notesMasterIdLst>
   <p:sldIdLst>
-    <p:sldId id="256" r:id="rId2"/>
-    <p:sldId id="257" r:id="rId3"/>
-    <p:sldId id="258" r:id="rId4"/>
-    <p:sldId id="259" r:id="rId5"/>
-    <p:sldId id="278" r:id="rId6"/>
-    <p:sldId id="279" r:id="rId7"/>
-    <p:sldId id="280" r:id="rId8"/>
-    <p:sldId id="281" r:id="rId9"/>
-    <p:sldId id="275" r:id="rId10"/>
-    <p:sldId id="286" r:id="rId11"/>
+    <p:sldId id="256" r:id="rId3"/>
+    <p:sldId id="257" r:id="rId5"/>
+    <p:sldId id="258" r:id="rId6"/>
+    <p:sldId id="259" r:id="rId7"/>
+    <p:sldId id="278" r:id="rId8"/>
+    <p:sldId id="279" r:id="rId9"/>
+    <p:sldId id="280" r:id="rId10"/>
+    <p:sldId id="281" r:id="rId11"/>
     <p:sldId id="274" r:id="rId12"/>
-    <p:sldId id="287" r:id="rId13"/>
-    <p:sldId id="273" r:id="rId14"/>
+    <p:sldId id="275" r:id="rId13"/>
+    <p:sldId id="286" r:id="rId14"/>
+    <p:sldId id="287" r:id="rId15"/>
+    <p:sldId id="273" r:id="rId16"/>
   </p:sldIdLst>
-  <p:sldSz cx="9144000" cy="6858000" type="screen4x3"/>
+  <p:sldSz cx="9144000" cy="6858000"/>
   <p:notesSz cx="6858000" cy="9144000"/>
   <p:embeddedFontLst>
     <p:embeddedFont>
-      <p:font typeface="Lato" panose="020F0502020204030203" pitchFamily="34" charset="0"/>
-      <p:regular r:id="rId16"/>
+      <p:font typeface="Montserrat"/>
+      <p:regular r:id="rId20"/>
     </p:embeddedFont>
     <p:embeddedFont>
-      <p:font typeface="Montserrat" panose="00000500000000000000" pitchFamily="2" charset="0"/>
-      <p:regular r:id="rId17"/>
+      <p:font typeface="Lato"/>
+      <p:regular r:id="rId21"/>
     </p:embeddedFont>
   </p:embeddedFontLst>
   <p:defaultTextStyle>
@@ -292,7 +292,7 @@
     </p:bg>
     <p:spTree>
       <p:nvGrpSpPr>
-        <p:cNvPr id="1" name="Shape 2"/>
+        <p:cNvPr id="2" name="Shape 2"/>
         <p:cNvGrpSpPr/>
         <p:nvPr/>
       </p:nvGrpSpPr>
@@ -307,9 +307,7 @@
       <p:sp>
         <p:nvSpPr>
           <p:cNvPr id="3" name="Google Shape;3;n"/>
-          <p:cNvSpPr>
-            <a:spLocks noGrp="1" noRot="1" noChangeAspect="1"/>
-          </p:cNvSpPr>
+          <p:cNvSpPr/>
           <p:nvPr>
             <p:ph type="sldImg" idx="2"/>
           </p:nvPr>
@@ -358,9 +356,7 @@
       <p:sp>
         <p:nvSpPr>
           <p:cNvPr id="4" name="Google Shape;4;n"/>
-          <p:cNvSpPr txBox="1">
-            <a:spLocks noGrp="1"/>
-          </p:cNvSpPr>
+          <p:cNvSpPr txBox="1"/>
           <p:nvPr>
             <p:ph type="body" idx="1"/>
           </p:nvPr>
@@ -483,9 +479,7 @@
               <a:defRPr sz="1100"/>
             </a:lvl9pPr>
           </a:lstStyle>
-          <a:p>
-            <a:endParaRPr/>
-          </a:p>
+          <a:p/>
         </p:txBody>
       </p:sp>
     </p:spTree>
@@ -724,11 +718,11 @@
 </file>
 
 <file path=ppt/notesSlides/notesSlide1.xml><?xml version="1.0" encoding="utf-8"?>
-<p:notes xmlns:a="http://schemas.openxmlformats.org/drawingml/2006/main" xmlns:r="http://schemas.openxmlformats.org/officeDocument/2006/relationships" xmlns:p="http://schemas.openxmlformats.org/presentationml/2006/main" showMasterSp="0" showMasterPhAnim="0">
+<p:notes xmlns:a="http://schemas.openxmlformats.org/drawingml/2006/main" xmlns:r="http://schemas.openxmlformats.org/officeDocument/2006/relationships" xmlns:p="http://schemas.openxmlformats.org/presentationml/2006/main" showMasterPhAnim="0" showMasterSp="0">
   <p:cSld>
     <p:spTree>
       <p:nvGrpSpPr>
-        <p:cNvPr id="1" name="Shape 136"/>
+        <p:cNvPr id="136" name="Shape 136"/>
         <p:cNvGrpSpPr/>
         <p:nvPr/>
       </p:nvGrpSpPr>
@@ -743,9 +737,7 @@
       <p:sp>
         <p:nvSpPr>
           <p:cNvPr id="137" name="Google Shape;137;p1:notes"/>
-          <p:cNvSpPr txBox="1">
-            <a:spLocks noGrp="1"/>
-          </p:cNvSpPr>
+          <p:cNvSpPr txBox="1"/>
           <p:nvPr>
             <p:ph type="body" idx="1"/>
           </p:nvPr>
@@ -774,16 +766,13 @@
               </a:spcAft>
               <a:buNone/>
             </a:pPr>
-            <a:endParaRPr/>
           </a:p>
         </p:txBody>
       </p:sp>
       <p:sp>
         <p:nvSpPr>
           <p:cNvPr id="138" name="Google Shape;138;p1:notes"/>
-          <p:cNvSpPr>
-            <a:spLocks noGrp="1" noRot="1" noChangeAspect="1"/>
-          </p:cNvSpPr>
+          <p:cNvSpPr/>
           <p:nvPr>
             <p:ph type="sldImg" idx="2"/>
           </p:nvPr>
@@ -828,11 +817,11 @@
 </file>
 
 <file path=ppt/notesSlides/notesSlide10.xml><?xml version="1.0" encoding="utf-8"?>
-<p:notes xmlns:a="http://schemas.openxmlformats.org/drawingml/2006/main" xmlns:r="http://schemas.openxmlformats.org/officeDocument/2006/relationships" xmlns:p="http://schemas.openxmlformats.org/presentationml/2006/main" showMasterSp="0" showMasterPhAnim="0">
+<p:notes xmlns:a="http://schemas.openxmlformats.org/drawingml/2006/main" xmlns:r="http://schemas.openxmlformats.org/officeDocument/2006/relationships" xmlns:p="http://schemas.openxmlformats.org/presentationml/2006/main" showMasterPhAnim="0" showMasterSp="0">
   <p:cSld>
     <p:spTree>
       <p:nvGrpSpPr>
-        <p:cNvPr id="1" name="Shape 154"/>
+        <p:cNvPr id="154" name="Shape 154"/>
         <p:cNvGrpSpPr/>
         <p:nvPr/>
       </p:nvGrpSpPr>
@@ -847,9 +836,7 @@
       <p:sp>
         <p:nvSpPr>
           <p:cNvPr id="155" name="Google Shape;155;p4:notes"/>
-          <p:cNvSpPr txBox="1">
-            <a:spLocks noGrp="1"/>
-          </p:cNvSpPr>
+          <p:cNvSpPr txBox="1"/>
           <p:nvPr>
             <p:ph type="body" idx="1"/>
           </p:nvPr>
@@ -878,24 +865,21 @@
               </a:spcAft>
               <a:buNone/>
             </a:pPr>
-            <a:endParaRPr/>
           </a:p>
         </p:txBody>
       </p:sp>
       <p:sp>
         <p:nvSpPr>
           <p:cNvPr id="156" name="Google Shape;156;p4:notes"/>
-          <p:cNvSpPr>
-            <a:spLocks noGrp="1" noRot="1" noChangeAspect="1"/>
-          </p:cNvSpPr>
+          <p:cNvSpPr/>
           <p:nvPr>
             <p:ph type="sldImg" idx="2"/>
           </p:nvPr>
         </p:nvSpPr>
         <p:spPr>
           <a:xfrm>
-            <a:off x="1143000" y="685800"/>
-            <a:ext cx="4572000" cy="3429000"/>
+            <a:off x="1143225" y="685800"/>
+            <a:ext cx="4572225" cy="3429000"/>
           </a:xfrm>
           <a:custGeom>
             <a:avLst/>
@@ -932,11 +916,11 @@
 </file>
 
 <file path=ppt/notesSlides/notesSlide11.xml><?xml version="1.0" encoding="utf-8"?>
-<p:notes xmlns:a="http://schemas.openxmlformats.org/drawingml/2006/main" xmlns:r="http://schemas.openxmlformats.org/officeDocument/2006/relationships" xmlns:p="http://schemas.openxmlformats.org/presentationml/2006/main" showMasterSp="0" showMasterPhAnim="0">
+<p:notes xmlns:a="http://schemas.openxmlformats.org/drawingml/2006/main" xmlns:r="http://schemas.openxmlformats.org/officeDocument/2006/relationships" xmlns:p="http://schemas.openxmlformats.org/presentationml/2006/main" showMasterPhAnim="0" showMasterSp="0">
   <p:cSld>
     <p:spTree>
       <p:nvGrpSpPr>
-        <p:cNvPr id="1" name="Shape 154"/>
+        <p:cNvPr id="154" name="Shape 154"/>
         <p:cNvGrpSpPr/>
         <p:nvPr/>
       </p:nvGrpSpPr>
@@ -951,9 +935,7 @@
       <p:sp>
         <p:nvSpPr>
           <p:cNvPr id="155" name="Google Shape;155;p4:notes"/>
-          <p:cNvSpPr txBox="1">
-            <a:spLocks noGrp="1"/>
-          </p:cNvSpPr>
+          <p:cNvSpPr txBox="1"/>
           <p:nvPr>
             <p:ph type="body" idx="1"/>
           </p:nvPr>
@@ -982,24 +964,21 @@
               </a:spcAft>
               <a:buNone/>
             </a:pPr>
-            <a:endParaRPr/>
           </a:p>
         </p:txBody>
       </p:sp>
       <p:sp>
         <p:nvSpPr>
           <p:cNvPr id="156" name="Google Shape;156;p4:notes"/>
-          <p:cNvSpPr>
-            <a:spLocks noGrp="1" noRot="1" noChangeAspect="1"/>
-          </p:cNvSpPr>
+          <p:cNvSpPr/>
           <p:nvPr>
             <p:ph type="sldImg" idx="2"/>
           </p:nvPr>
         </p:nvSpPr>
         <p:spPr>
           <a:xfrm>
-            <a:off x="1143000" y="685800"/>
-            <a:ext cx="4572000" cy="3429000"/>
+            <a:off x="1143225" y="685800"/>
+            <a:ext cx="4572225" cy="3429000"/>
           </a:xfrm>
           <a:custGeom>
             <a:avLst/>
@@ -1036,11 +1015,11 @@
 </file>
 
 <file path=ppt/notesSlides/notesSlide12.xml><?xml version="1.0" encoding="utf-8"?>
-<p:notes xmlns:a="http://schemas.openxmlformats.org/drawingml/2006/main" xmlns:r="http://schemas.openxmlformats.org/officeDocument/2006/relationships" xmlns:p="http://schemas.openxmlformats.org/presentationml/2006/main" showMasterSp="0" showMasterPhAnim="0">
+<p:notes xmlns:a="http://schemas.openxmlformats.org/drawingml/2006/main" xmlns:r="http://schemas.openxmlformats.org/officeDocument/2006/relationships" xmlns:p="http://schemas.openxmlformats.org/presentationml/2006/main" showMasterPhAnim="0" showMasterSp="0">
   <p:cSld>
     <p:spTree>
       <p:nvGrpSpPr>
-        <p:cNvPr id="1" name="Shape 154"/>
+        <p:cNvPr id="154" name="Shape 154"/>
         <p:cNvGrpSpPr/>
         <p:nvPr/>
       </p:nvGrpSpPr>
@@ -1055,9 +1034,7 @@
       <p:sp>
         <p:nvSpPr>
           <p:cNvPr id="155" name="Google Shape;155;p4:notes"/>
-          <p:cNvSpPr txBox="1">
-            <a:spLocks noGrp="1"/>
-          </p:cNvSpPr>
+          <p:cNvSpPr txBox="1"/>
           <p:nvPr>
             <p:ph type="body" idx="1"/>
           </p:nvPr>
@@ -1086,16 +1063,13 @@
               </a:spcAft>
               <a:buNone/>
             </a:pPr>
-            <a:endParaRPr/>
           </a:p>
         </p:txBody>
       </p:sp>
       <p:sp>
         <p:nvSpPr>
           <p:cNvPr id="156" name="Google Shape;156;p4:notes"/>
-          <p:cNvSpPr>
-            <a:spLocks noGrp="1" noRot="1" noChangeAspect="1"/>
-          </p:cNvSpPr>
+          <p:cNvSpPr/>
           <p:nvPr>
             <p:ph type="sldImg" idx="2"/>
           </p:nvPr>
@@ -1140,11 +1114,11 @@
 </file>
 
 <file path=ppt/notesSlides/notesSlide13.xml><?xml version="1.0" encoding="utf-8"?>
-<p:notes xmlns:a="http://schemas.openxmlformats.org/drawingml/2006/main" xmlns:r="http://schemas.openxmlformats.org/officeDocument/2006/relationships" xmlns:p="http://schemas.openxmlformats.org/presentationml/2006/main" showMasterSp="0" showMasterPhAnim="0">
+<p:notes xmlns:a="http://schemas.openxmlformats.org/drawingml/2006/main" xmlns:r="http://schemas.openxmlformats.org/officeDocument/2006/relationships" xmlns:p="http://schemas.openxmlformats.org/presentationml/2006/main" showMasterPhAnim="0" showMasterSp="0">
   <p:cSld>
     <p:spTree>
       <p:nvGrpSpPr>
-        <p:cNvPr id="1" name="Shape 254"/>
+        <p:cNvPr id="254" name="Shape 254"/>
         <p:cNvGrpSpPr/>
         <p:nvPr/>
       </p:nvGrpSpPr>
@@ -1159,9 +1133,7 @@
       <p:sp>
         <p:nvSpPr>
           <p:cNvPr id="255" name="Google Shape;255;g30946a4a56f_1_233:notes"/>
-          <p:cNvSpPr txBox="1">
-            <a:spLocks noGrp="1"/>
-          </p:cNvSpPr>
+          <p:cNvSpPr txBox="1"/>
           <p:nvPr>
             <p:ph type="body" idx="1"/>
           </p:nvPr>
@@ -1190,16 +1162,13 @@
               </a:spcAft>
               <a:buNone/>
             </a:pPr>
-            <a:endParaRPr/>
           </a:p>
         </p:txBody>
       </p:sp>
       <p:sp>
         <p:nvSpPr>
           <p:cNvPr id="256" name="Google Shape;256;g30946a4a56f_1_233:notes"/>
-          <p:cNvSpPr>
-            <a:spLocks noGrp="1" noRot="1" noChangeAspect="1"/>
-          </p:cNvSpPr>
+          <p:cNvSpPr/>
           <p:nvPr>
             <p:ph type="sldImg" idx="2"/>
           </p:nvPr>
@@ -1244,11 +1213,11 @@
 </file>
 
 <file path=ppt/notesSlides/notesSlide2.xml><?xml version="1.0" encoding="utf-8"?>
-<p:notes xmlns:a="http://schemas.openxmlformats.org/drawingml/2006/main" xmlns:r="http://schemas.openxmlformats.org/officeDocument/2006/relationships" xmlns:p="http://schemas.openxmlformats.org/presentationml/2006/main" showMasterSp="0" showMasterPhAnim="0">
+<p:notes xmlns:a="http://schemas.openxmlformats.org/drawingml/2006/main" xmlns:r="http://schemas.openxmlformats.org/officeDocument/2006/relationships" xmlns:p="http://schemas.openxmlformats.org/presentationml/2006/main" showMasterPhAnim="0" showMasterSp="0">
   <p:cSld>
     <p:spTree>
       <p:nvGrpSpPr>
-        <p:cNvPr id="1" name="Shape 142"/>
+        <p:cNvPr id="142" name="Shape 142"/>
         <p:cNvGrpSpPr/>
         <p:nvPr/>
       </p:nvGrpSpPr>
@@ -1263,9 +1232,7 @@
       <p:sp>
         <p:nvSpPr>
           <p:cNvPr id="143" name="Google Shape;143;p2:notes"/>
-          <p:cNvSpPr txBox="1">
-            <a:spLocks noGrp="1"/>
-          </p:cNvSpPr>
+          <p:cNvSpPr txBox="1"/>
           <p:nvPr>
             <p:ph type="body" idx="1"/>
           </p:nvPr>
@@ -1294,16 +1261,13 @@
               </a:spcAft>
               <a:buNone/>
             </a:pPr>
-            <a:endParaRPr/>
           </a:p>
         </p:txBody>
       </p:sp>
       <p:sp>
         <p:nvSpPr>
           <p:cNvPr id="144" name="Google Shape;144;p2:notes"/>
-          <p:cNvSpPr>
-            <a:spLocks noGrp="1" noRot="1" noChangeAspect="1"/>
-          </p:cNvSpPr>
+          <p:cNvSpPr/>
           <p:nvPr>
             <p:ph type="sldImg" idx="2"/>
           </p:nvPr>
@@ -1348,11 +1312,11 @@
 </file>
 
 <file path=ppt/notesSlides/notesSlide3.xml><?xml version="1.0" encoding="utf-8"?>
-<p:notes xmlns:a="http://schemas.openxmlformats.org/drawingml/2006/main" xmlns:r="http://schemas.openxmlformats.org/officeDocument/2006/relationships" xmlns:p="http://schemas.openxmlformats.org/presentationml/2006/main" showMasterSp="0" showMasterPhAnim="0">
+<p:notes xmlns:a="http://schemas.openxmlformats.org/drawingml/2006/main" xmlns:r="http://schemas.openxmlformats.org/officeDocument/2006/relationships" xmlns:p="http://schemas.openxmlformats.org/presentationml/2006/main" showMasterPhAnim="0" showMasterSp="0">
   <p:cSld>
     <p:spTree>
       <p:nvGrpSpPr>
-        <p:cNvPr id="1" name="Shape 148"/>
+        <p:cNvPr id="148" name="Shape 148"/>
         <p:cNvGrpSpPr/>
         <p:nvPr/>
       </p:nvGrpSpPr>
@@ -1367,9 +1331,7 @@
       <p:sp>
         <p:nvSpPr>
           <p:cNvPr id="149" name="Google Shape;149;p3:notes"/>
-          <p:cNvSpPr txBox="1">
-            <a:spLocks noGrp="1"/>
-          </p:cNvSpPr>
+          <p:cNvSpPr txBox="1"/>
           <p:nvPr>
             <p:ph type="body" idx="1"/>
           </p:nvPr>
@@ -1398,24 +1360,21 @@
               </a:spcAft>
               <a:buNone/>
             </a:pPr>
-            <a:endParaRPr/>
           </a:p>
         </p:txBody>
       </p:sp>
       <p:sp>
         <p:nvSpPr>
           <p:cNvPr id="150" name="Google Shape;150;p3:notes"/>
-          <p:cNvSpPr>
-            <a:spLocks noGrp="1" noRot="1" noChangeAspect="1"/>
-          </p:cNvSpPr>
+          <p:cNvSpPr/>
           <p:nvPr>
             <p:ph type="sldImg" idx="2"/>
           </p:nvPr>
         </p:nvSpPr>
         <p:spPr>
           <a:xfrm>
-            <a:off x="1143000" y="685800"/>
-            <a:ext cx="4572000" cy="3429000"/>
+            <a:off x="1143225" y="685800"/>
+            <a:ext cx="4572225" cy="3429000"/>
           </a:xfrm>
           <a:custGeom>
             <a:avLst/>
@@ -1452,11 +1411,11 @@
 </file>
 
 <file path=ppt/notesSlides/notesSlide4.xml><?xml version="1.0" encoding="utf-8"?>
-<p:notes xmlns:a="http://schemas.openxmlformats.org/drawingml/2006/main" xmlns:r="http://schemas.openxmlformats.org/officeDocument/2006/relationships" xmlns:p="http://schemas.openxmlformats.org/presentationml/2006/main" showMasterSp="0" showMasterPhAnim="0">
+<p:notes xmlns:a="http://schemas.openxmlformats.org/drawingml/2006/main" xmlns:r="http://schemas.openxmlformats.org/officeDocument/2006/relationships" xmlns:p="http://schemas.openxmlformats.org/presentationml/2006/main" showMasterPhAnim="0" showMasterSp="0">
   <p:cSld>
     <p:spTree>
       <p:nvGrpSpPr>
-        <p:cNvPr id="1" name="Shape 154"/>
+        <p:cNvPr id="154" name="Shape 154"/>
         <p:cNvGrpSpPr/>
         <p:nvPr/>
       </p:nvGrpSpPr>
@@ -1471,9 +1430,7 @@
       <p:sp>
         <p:nvSpPr>
           <p:cNvPr id="155" name="Google Shape;155;p4:notes"/>
-          <p:cNvSpPr txBox="1">
-            <a:spLocks noGrp="1"/>
-          </p:cNvSpPr>
+          <p:cNvSpPr txBox="1"/>
           <p:nvPr>
             <p:ph type="body" idx="1"/>
           </p:nvPr>
@@ -1502,16 +1459,13 @@
               </a:spcAft>
               <a:buNone/>
             </a:pPr>
-            <a:endParaRPr/>
           </a:p>
         </p:txBody>
       </p:sp>
       <p:sp>
         <p:nvSpPr>
           <p:cNvPr id="156" name="Google Shape;156;p4:notes"/>
-          <p:cNvSpPr>
-            <a:spLocks noGrp="1" noRot="1" noChangeAspect="1"/>
-          </p:cNvSpPr>
+          <p:cNvSpPr/>
           <p:nvPr>
             <p:ph type="sldImg" idx="2"/>
           </p:nvPr>
@@ -1556,11 +1510,11 @@
 </file>
 
 <file path=ppt/notesSlides/notesSlide5.xml><?xml version="1.0" encoding="utf-8"?>
-<p:notes xmlns:a="http://schemas.openxmlformats.org/drawingml/2006/main" xmlns:r="http://schemas.openxmlformats.org/officeDocument/2006/relationships" xmlns:p="http://schemas.openxmlformats.org/presentationml/2006/main" showMasterSp="0" showMasterPhAnim="0">
+<p:notes xmlns:a="http://schemas.openxmlformats.org/drawingml/2006/main" xmlns:r="http://schemas.openxmlformats.org/officeDocument/2006/relationships" xmlns:p="http://schemas.openxmlformats.org/presentationml/2006/main" showMasterPhAnim="0" showMasterSp="0">
   <p:cSld>
     <p:spTree>
       <p:nvGrpSpPr>
-        <p:cNvPr id="1" name="Shape 148"/>
+        <p:cNvPr id="148" name="Shape 148"/>
         <p:cNvGrpSpPr/>
         <p:nvPr/>
       </p:nvGrpSpPr>
@@ -1575,9 +1529,7 @@
       <p:sp>
         <p:nvSpPr>
           <p:cNvPr id="149" name="Google Shape;149;p3:notes"/>
-          <p:cNvSpPr txBox="1">
-            <a:spLocks noGrp="1"/>
-          </p:cNvSpPr>
+          <p:cNvSpPr txBox="1"/>
           <p:nvPr>
             <p:ph type="body" idx="1"/>
           </p:nvPr>
@@ -1629,9 +1581,7 @@
       <p:sp>
         <p:nvSpPr>
           <p:cNvPr id="150" name="Google Shape;150;p3:notes"/>
-          <p:cNvSpPr>
-            <a:spLocks noGrp="1" noRot="1" noChangeAspect="1"/>
-          </p:cNvSpPr>
+          <p:cNvSpPr/>
           <p:nvPr>
             <p:ph type="sldImg" idx="2"/>
           </p:nvPr>
@@ -1676,11 +1626,11 @@
 </file>
 
 <file path=ppt/notesSlides/notesSlide6.xml><?xml version="1.0" encoding="utf-8"?>
-<p:notes xmlns:a="http://schemas.openxmlformats.org/drawingml/2006/main" xmlns:r="http://schemas.openxmlformats.org/officeDocument/2006/relationships" xmlns:p="http://schemas.openxmlformats.org/presentationml/2006/main" showMasterSp="0" showMasterPhAnim="0">
+<p:notes xmlns:a="http://schemas.openxmlformats.org/drawingml/2006/main" xmlns:r="http://schemas.openxmlformats.org/officeDocument/2006/relationships" xmlns:p="http://schemas.openxmlformats.org/presentationml/2006/main" showMasterPhAnim="0" showMasterSp="0">
   <p:cSld>
     <p:spTree>
       <p:nvGrpSpPr>
-        <p:cNvPr id="1" name="Shape 148"/>
+        <p:cNvPr id="148" name="Shape 148"/>
         <p:cNvGrpSpPr/>
         <p:nvPr/>
       </p:nvGrpSpPr>
@@ -1695,9 +1645,7 @@
       <p:sp>
         <p:nvSpPr>
           <p:cNvPr id="149" name="Google Shape;149;p3:notes"/>
-          <p:cNvSpPr txBox="1">
-            <a:spLocks noGrp="1"/>
-          </p:cNvSpPr>
+          <p:cNvSpPr txBox="1"/>
           <p:nvPr>
             <p:ph type="body" idx="1"/>
           </p:nvPr>
@@ -1735,9 +1683,7 @@
       <p:sp>
         <p:nvSpPr>
           <p:cNvPr id="150" name="Google Shape;150;p3:notes"/>
-          <p:cNvSpPr>
-            <a:spLocks noGrp="1" noRot="1" noChangeAspect="1"/>
-          </p:cNvSpPr>
+          <p:cNvSpPr/>
           <p:nvPr>
             <p:ph type="sldImg" idx="2"/>
           </p:nvPr>
@@ -1782,11 +1728,11 @@
 </file>
 
 <file path=ppt/notesSlides/notesSlide7.xml><?xml version="1.0" encoding="utf-8"?>
-<p:notes xmlns:a="http://schemas.openxmlformats.org/drawingml/2006/main" xmlns:r="http://schemas.openxmlformats.org/officeDocument/2006/relationships" xmlns:p="http://schemas.openxmlformats.org/presentationml/2006/main" showMasterSp="0" showMasterPhAnim="0">
+<p:notes xmlns:a="http://schemas.openxmlformats.org/drawingml/2006/main" xmlns:r="http://schemas.openxmlformats.org/officeDocument/2006/relationships" xmlns:p="http://schemas.openxmlformats.org/presentationml/2006/main" showMasterPhAnim="0" showMasterSp="0">
   <p:cSld>
     <p:spTree>
       <p:nvGrpSpPr>
-        <p:cNvPr id="1" name="Shape 148"/>
+        <p:cNvPr id="148" name="Shape 148"/>
         <p:cNvGrpSpPr/>
         <p:nvPr/>
       </p:nvGrpSpPr>
@@ -1801,9 +1747,7 @@
       <p:sp>
         <p:nvSpPr>
           <p:cNvPr id="149" name="Google Shape;149;p3:notes"/>
-          <p:cNvSpPr txBox="1">
-            <a:spLocks noGrp="1"/>
-          </p:cNvSpPr>
+          <p:cNvSpPr txBox="1"/>
           <p:nvPr>
             <p:ph type="body" idx="1"/>
           </p:nvPr>
@@ -1832,16 +1776,13 @@
               </a:spcAft>
               <a:buNone/>
             </a:pPr>
-            <a:endParaRPr/>
           </a:p>
         </p:txBody>
       </p:sp>
       <p:sp>
         <p:nvSpPr>
           <p:cNvPr id="150" name="Google Shape;150;p3:notes"/>
-          <p:cNvSpPr>
-            <a:spLocks noGrp="1" noRot="1" noChangeAspect="1"/>
-          </p:cNvSpPr>
+          <p:cNvSpPr/>
           <p:nvPr>
             <p:ph type="sldImg" idx="2"/>
           </p:nvPr>
@@ -1886,11 +1827,11 @@
 </file>
 
 <file path=ppt/notesSlides/notesSlide8.xml><?xml version="1.0" encoding="utf-8"?>
-<p:notes xmlns:a="http://schemas.openxmlformats.org/drawingml/2006/main" xmlns:r="http://schemas.openxmlformats.org/officeDocument/2006/relationships" xmlns:p="http://schemas.openxmlformats.org/presentationml/2006/main" showMasterSp="0" showMasterPhAnim="0">
+<p:notes xmlns:a="http://schemas.openxmlformats.org/drawingml/2006/main" xmlns:r="http://schemas.openxmlformats.org/officeDocument/2006/relationships" xmlns:p="http://schemas.openxmlformats.org/presentationml/2006/main" showMasterPhAnim="0" showMasterSp="0">
   <p:cSld>
     <p:spTree>
       <p:nvGrpSpPr>
-        <p:cNvPr id="1" name="Shape 148"/>
+        <p:cNvPr id="148" name="Shape 148"/>
         <p:cNvGrpSpPr/>
         <p:nvPr/>
       </p:nvGrpSpPr>
@@ -1905,9 +1846,7 @@
       <p:sp>
         <p:nvSpPr>
           <p:cNvPr id="149" name="Google Shape;149;p3:notes"/>
-          <p:cNvSpPr txBox="1">
-            <a:spLocks noGrp="1"/>
-          </p:cNvSpPr>
+          <p:cNvSpPr txBox="1"/>
           <p:nvPr>
             <p:ph type="body" idx="1"/>
           </p:nvPr>
@@ -1936,16 +1875,13 @@
               </a:spcAft>
               <a:buNone/>
             </a:pPr>
-            <a:endParaRPr/>
           </a:p>
         </p:txBody>
       </p:sp>
       <p:sp>
         <p:nvSpPr>
           <p:cNvPr id="150" name="Google Shape;150;p3:notes"/>
-          <p:cNvSpPr>
-            <a:spLocks noGrp="1" noRot="1" noChangeAspect="1"/>
-          </p:cNvSpPr>
+          <p:cNvSpPr/>
           <p:nvPr>
             <p:ph type="sldImg" idx="2"/>
           </p:nvPr>
@@ -1990,11 +1926,11 @@
 </file>
 
 <file path=ppt/notesSlides/notesSlide9.xml><?xml version="1.0" encoding="utf-8"?>
-<p:notes xmlns:a="http://schemas.openxmlformats.org/drawingml/2006/main" xmlns:r="http://schemas.openxmlformats.org/officeDocument/2006/relationships" xmlns:p="http://schemas.openxmlformats.org/presentationml/2006/main" showMasterSp="0" showMasterPhAnim="0">
+<p:notes xmlns:a="http://schemas.openxmlformats.org/drawingml/2006/main" xmlns:r="http://schemas.openxmlformats.org/officeDocument/2006/relationships" xmlns:p="http://schemas.openxmlformats.org/presentationml/2006/main" showMasterPhAnim="0" showMasterSp="0">
   <p:cSld>
     <p:spTree>
       <p:nvGrpSpPr>
-        <p:cNvPr id="1" name="Shape 154"/>
+        <p:cNvPr id="154" name="Shape 154"/>
         <p:cNvGrpSpPr/>
         <p:nvPr/>
       </p:nvGrpSpPr>
@@ -2009,9 +1945,7 @@
       <p:sp>
         <p:nvSpPr>
           <p:cNvPr id="155" name="Google Shape;155;p4:notes"/>
-          <p:cNvSpPr txBox="1">
-            <a:spLocks noGrp="1"/>
-          </p:cNvSpPr>
+          <p:cNvSpPr txBox="1"/>
           <p:nvPr>
             <p:ph type="body" idx="1"/>
           </p:nvPr>
@@ -2040,24 +1974,21 @@
               </a:spcAft>
               <a:buNone/>
             </a:pPr>
-            <a:endParaRPr/>
           </a:p>
         </p:txBody>
       </p:sp>
       <p:sp>
         <p:nvSpPr>
           <p:cNvPr id="156" name="Google Shape;156;p4:notes"/>
-          <p:cNvSpPr>
-            <a:spLocks noGrp="1" noRot="1" noChangeAspect="1"/>
-          </p:cNvSpPr>
+          <p:cNvSpPr/>
           <p:nvPr>
             <p:ph type="sldImg" idx="2"/>
           </p:nvPr>
         </p:nvSpPr>
         <p:spPr>
           <a:xfrm>
-            <a:off x="1143000" y="685800"/>
-            <a:ext cx="4572000" cy="3429000"/>
+            <a:off x="1143225" y="685800"/>
+            <a:ext cx="4572225" cy="3429000"/>
           </a:xfrm>
           <a:custGeom>
             <a:avLst/>
@@ -2094,11 +2025,11 @@
 </file>
 
 <file path=ppt/slideLayouts/slideLayout1.xml><?xml version="1.0" encoding="utf-8"?>
-<p:sldLayout xmlns:a="http://schemas.openxmlformats.org/drawingml/2006/main" xmlns:r="http://schemas.openxmlformats.org/officeDocument/2006/relationships" xmlns:p="http://schemas.openxmlformats.org/presentationml/2006/main" matchingName="Title slide" type="title">
+<p:sldLayout xmlns:a="http://schemas.openxmlformats.org/drawingml/2006/main" xmlns:r="http://schemas.openxmlformats.org/officeDocument/2006/relationships" xmlns:p="http://schemas.openxmlformats.org/presentationml/2006/main" type="title" matchingName="Title slide">
   <p:cSld name="TITLE">
     <p:spTree>
       <p:nvGrpSpPr>
-        <p:cNvPr id="1" name="Shape 9"/>
+        <p:cNvPr id="9" name="Shape 9"/>
         <p:cNvGrpSpPr/>
         <p:nvPr/>
       </p:nvGrpSpPr>
@@ -2150,7 +2081,6 @@
               </a:spcAft>
               <a:buNone/>
             </a:pPr>
-            <a:endParaRPr/>
           </a:p>
         </p:txBody>
       </p:sp>
@@ -2208,7 +2138,6 @@
                 </a:spcAft>
                 <a:buNone/>
               </a:pPr>
-              <a:endParaRPr/>
             </a:p>
           </p:txBody>
         </p:sp>
@@ -2252,7 +2181,6 @@
                 </a:spcAft>
                 <a:buNone/>
               </a:pPr>
-              <a:endParaRPr/>
             </a:p>
           </p:txBody>
         </p:sp>
@@ -2294,7 +2222,6 @@
                 </a:spcAft>
                 <a:buNone/>
               </a:pPr>
-              <a:endParaRPr/>
             </a:p>
           </p:txBody>
         </p:sp>
@@ -2336,7 +2263,6 @@
                 </a:spcAft>
                 <a:buNone/>
               </a:pPr>
-              <a:endParaRPr/>
             </a:p>
           </p:txBody>
         </p:sp>
@@ -2344,9 +2270,7 @@
       <p:sp>
         <p:nvSpPr>
           <p:cNvPr id="16" name="Google Shape;16;p2"/>
-          <p:cNvSpPr txBox="1">
-            <a:spLocks noGrp="1"/>
-          </p:cNvSpPr>
+          <p:cNvSpPr txBox="1"/>
           <p:nvPr>
             <p:ph type="ctrTitle"/>
           </p:nvPr>
@@ -2465,17 +2389,13 @@
               <a:defRPr sz="4000"/>
             </a:lvl9pPr>
           </a:lstStyle>
-          <a:p>
-            <a:endParaRPr/>
-          </a:p>
+          <a:p/>
         </p:txBody>
       </p:sp>
       <p:sp>
         <p:nvSpPr>
           <p:cNvPr id="17" name="Google Shape;17;p2"/>
-          <p:cNvSpPr txBox="1">
-            <a:spLocks noGrp="1"/>
-          </p:cNvSpPr>
+          <p:cNvSpPr txBox="1"/>
           <p:nvPr>
             <p:ph type="subTitle" idx="1"/>
           </p:nvPr>
@@ -2621,17 +2541,13 @@
               <a:defRPr sz="1300"/>
             </a:lvl9pPr>
           </a:lstStyle>
-          <a:p>
-            <a:endParaRPr/>
-          </a:p>
+          <a:p/>
         </p:txBody>
       </p:sp>
       <p:sp>
         <p:nvSpPr>
           <p:cNvPr id="18" name="Google Shape;18;p2"/>
-          <p:cNvSpPr txBox="1">
-            <a:spLocks noGrp="1"/>
-          </p:cNvSpPr>
+          <p:cNvSpPr txBox="1"/>
           <p:nvPr>
             <p:ph type="sldNum" idx="12"/>
           </p:nvPr>
@@ -2699,7 +2615,6 @@
             </a:pPr>
             <a:fld id="{00000000-1234-1234-1234-123412341234}" type="slidenum">
               <a:rPr lang="en-US"/>
-              <a:t>‹#›</a:t>
             </a:fld>
             <a:endParaRPr lang="en-US"/>
           </a:p>
@@ -2719,7 +2634,7 @@
   <p:cSld name="BIG_NUMBER">
     <p:spTree>
       <p:nvGrpSpPr>
-        <p:cNvPr id="1" name="Shape 105"/>
+        <p:cNvPr id="105" name="Shape 105"/>
         <p:cNvGrpSpPr/>
         <p:nvPr/>
       </p:nvGrpSpPr>
@@ -2785,7 +2700,6 @@
                 </a:spcAft>
                 <a:buNone/>
               </a:pPr>
-              <a:endParaRPr/>
             </a:p>
           </p:txBody>
         </p:sp>
@@ -2829,7 +2743,6 @@
                 </a:spcAft>
                 <a:buNone/>
               </a:pPr>
-              <a:endParaRPr/>
             </a:p>
           </p:txBody>
         </p:sp>
@@ -2873,7 +2786,6 @@
                 </a:spcAft>
                 <a:buNone/>
               </a:pPr>
-              <a:endParaRPr/>
             </a:p>
           </p:txBody>
         </p:sp>
@@ -2917,7 +2829,6 @@
                 </a:spcAft>
                 <a:buNone/>
               </a:pPr>
-              <a:endParaRPr/>
             </a:p>
           </p:txBody>
         </p:sp>
@@ -2961,7 +2872,6 @@
                 </a:spcAft>
                 <a:buNone/>
               </a:pPr>
-              <a:endParaRPr/>
             </a:p>
           </p:txBody>
         </p:sp>
@@ -3005,7 +2915,6 @@
                 </a:spcAft>
                 <a:buNone/>
               </a:pPr>
-              <a:endParaRPr/>
             </a:p>
           </p:txBody>
         </p:sp>
@@ -3049,7 +2958,6 @@
                 </a:spcAft>
                 <a:buNone/>
               </a:pPr>
-              <a:endParaRPr/>
             </a:p>
           </p:txBody>
         </p:sp>
@@ -3091,7 +2999,6 @@
                 </a:spcAft>
                 <a:buNone/>
               </a:pPr>
-              <a:endParaRPr/>
             </a:p>
           </p:txBody>
         </p:sp>
@@ -3135,7 +3042,6 @@
                 </a:spcAft>
                 <a:buNone/>
               </a:pPr>
-              <a:endParaRPr/>
             </a:p>
           </p:txBody>
         </p:sp>
@@ -3179,7 +3085,6 @@
                 </a:spcAft>
                 <a:buNone/>
               </a:pPr>
-              <a:endParaRPr/>
             </a:p>
           </p:txBody>
         </p:sp>
@@ -3223,7 +3128,6 @@
                 </a:spcAft>
                 <a:buNone/>
               </a:pPr>
-              <a:endParaRPr/>
             </a:p>
           </p:txBody>
         </p:sp>
@@ -3267,7 +3171,6 @@
                 </a:spcAft>
                 <a:buNone/>
               </a:pPr>
-              <a:endParaRPr/>
             </a:p>
           </p:txBody>
         </p:sp>
@@ -3311,7 +3214,6 @@
                 </a:spcAft>
                 <a:buNone/>
               </a:pPr>
-              <a:endParaRPr/>
             </a:p>
           </p:txBody>
         </p:sp>
@@ -3353,7 +3255,6 @@
                 </a:spcAft>
                 <a:buNone/>
               </a:pPr>
-              <a:endParaRPr/>
             </a:p>
           </p:txBody>
         </p:sp>
@@ -3397,7 +3298,6 @@
                 </a:spcAft>
                 <a:buNone/>
               </a:pPr>
-              <a:endParaRPr/>
             </a:p>
           </p:txBody>
         </p:sp>
@@ -3441,7 +3341,6 @@
                 </a:spcAft>
                 <a:buNone/>
               </a:pPr>
-              <a:endParaRPr/>
             </a:p>
           </p:txBody>
         </p:sp>
@@ -3485,7 +3384,6 @@
                 </a:spcAft>
                 <a:buNone/>
               </a:pPr>
-              <a:endParaRPr/>
             </a:p>
           </p:txBody>
         </p:sp>
@@ -3529,7 +3427,6 @@
                 </a:spcAft>
                 <a:buNone/>
               </a:pPr>
-              <a:endParaRPr/>
             </a:p>
           </p:txBody>
         </p:sp>
@@ -3537,9 +3434,7 @@
       <p:sp>
         <p:nvSpPr>
           <p:cNvPr id="125" name="Google Shape;125;p11"/>
-          <p:cNvSpPr txBox="1">
-            <a:spLocks noGrp="1"/>
-          </p:cNvSpPr>
+          <p:cNvSpPr txBox="1"/>
           <p:nvPr>
             <p:ph type="title" hasCustomPrompt="1"/>
           </p:nvPr>
@@ -3668,9 +3563,7 @@
       <p:sp>
         <p:nvSpPr>
           <p:cNvPr id="126" name="Google Shape;126;p11"/>
-          <p:cNvSpPr txBox="1">
-            <a:spLocks noGrp="1"/>
-          </p:cNvSpPr>
+          <p:cNvSpPr txBox="1"/>
           <p:nvPr>
             <p:ph type="body" idx="1"/>
           </p:nvPr>
@@ -3789,17 +3682,13 @@
               <a:defRPr/>
             </a:lvl9pPr>
           </a:lstStyle>
-          <a:p>
-            <a:endParaRPr/>
-          </a:p>
+          <a:p/>
         </p:txBody>
       </p:sp>
       <p:sp>
         <p:nvSpPr>
           <p:cNvPr id="127" name="Google Shape;127;p11"/>
-          <p:cNvSpPr txBox="1">
-            <a:spLocks noGrp="1"/>
-          </p:cNvSpPr>
+          <p:cNvSpPr txBox="1"/>
           <p:nvPr>
             <p:ph type="sldNum" idx="12"/>
           </p:nvPr>
@@ -3867,7 +3756,6 @@
             </a:pPr>
             <a:fld id="{00000000-1234-1234-1234-123412341234}" type="slidenum">
               <a:rPr lang="en-US"/>
-              <a:t>‹#›</a:t>
             </a:fld>
             <a:endParaRPr lang="en-US"/>
           </a:p>
@@ -3883,11 +3771,11 @@
 </file>
 
 <file path=ppt/slideLayouts/slideLayout11.xml><?xml version="1.0" encoding="utf-8"?>
-<p:sldLayout xmlns:a="http://schemas.openxmlformats.org/drawingml/2006/main" xmlns:r="http://schemas.openxmlformats.org/officeDocument/2006/relationships" xmlns:p="http://schemas.openxmlformats.org/presentationml/2006/main" matchingName="Blank" type="blank">
+<p:sldLayout xmlns:a="http://schemas.openxmlformats.org/drawingml/2006/main" xmlns:r="http://schemas.openxmlformats.org/officeDocument/2006/relationships" xmlns:p="http://schemas.openxmlformats.org/presentationml/2006/main" type="blank" matchingName="Blank">
   <p:cSld name="BLANK">
     <p:spTree>
       <p:nvGrpSpPr>
-        <p:cNvPr id="1" name="Shape 128"/>
+        <p:cNvPr id="128" name="Shape 128"/>
         <p:cNvGrpSpPr/>
         <p:nvPr/>
       </p:nvGrpSpPr>
@@ -3902,9 +3790,7 @@
       <p:sp>
         <p:nvSpPr>
           <p:cNvPr id="129" name="Google Shape;129;p12"/>
-          <p:cNvSpPr txBox="1">
-            <a:spLocks noGrp="1"/>
-          </p:cNvSpPr>
+          <p:cNvSpPr txBox="1"/>
           <p:nvPr>
             <p:ph type="sldNum" idx="12"/>
           </p:nvPr>
@@ -3972,7 +3858,6 @@
             </a:pPr>
             <a:fld id="{00000000-1234-1234-1234-123412341234}" type="slidenum">
               <a:rPr lang="en-US"/>
-              <a:t>‹#›</a:t>
             </a:fld>
             <a:endParaRPr lang="en-US"/>
           </a:p>
@@ -3988,11 +3873,11 @@
 </file>
 
 <file path=ppt/slideLayouts/slideLayout12.xml><?xml version="1.0" encoding="utf-8"?>
-<p:sldLayout xmlns:a="http://schemas.openxmlformats.org/drawingml/2006/main" xmlns:r="http://schemas.openxmlformats.org/officeDocument/2006/relationships" xmlns:p="http://schemas.openxmlformats.org/presentationml/2006/main" matchingName="Title and Content" type="obj">
+<p:sldLayout xmlns:a="http://schemas.openxmlformats.org/drawingml/2006/main" xmlns:r="http://schemas.openxmlformats.org/officeDocument/2006/relationships" xmlns:p="http://schemas.openxmlformats.org/presentationml/2006/main" type="obj" matchingName="Title and Content">
   <p:cSld name="OBJECT">
     <p:spTree>
       <p:nvGrpSpPr>
-        <p:cNvPr id="1" name="Shape 130"/>
+        <p:cNvPr id="130" name="Shape 130"/>
         <p:cNvGrpSpPr/>
         <p:nvPr/>
       </p:nvGrpSpPr>
@@ -4007,9 +3892,7 @@
       <p:sp>
         <p:nvSpPr>
           <p:cNvPr id="131" name="Google Shape;131;p13"/>
-          <p:cNvSpPr txBox="1">
-            <a:spLocks noGrp="1"/>
-          </p:cNvSpPr>
+          <p:cNvSpPr txBox="1"/>
           <p:nvPr>
             <p:ph type="title"/>
           </p:nvPr>
@@ -4135,17 +4018,13 @@
               <a:defRPr/>
             </a:lvl9pPr>
           </a:lstStyle>
-          <a:p>
-            <a:endParaRPr/>
-          </a:p>
+          <a:p/>
         </p:txBody>
       </p:sp>
       <p:sp>
         <p:nvSpPr>
           <p:cNvPr id="132" name="Google Shape;132;p13"/>
-          <p:cNvSpPr txBox="1">
-            <a:spLocks noGrp="1"/>
-          </p:cNvSpPr>
+          <p:cNvSpPr txBox="1"/>
           <p:nvPr>
             <p:ph type="body" idx="1"/>
           </p:nvPr>
@@ -4295,17 +4174,13 @@
               <a:defRPr/>
             </a:lvl9pPr>
           </a:lstStyle>
-          <a:p>
-            <a:endParaRPr/>
-          </a:p>
+          <a:p/>
         </p:txBody>
       </p:sp>
       <p:sp>
         <p:nvSpPr>
           <p:cNvPr id="133" name="Google Shape;133;p13"/>
-          <p:cNvSpPr txBox="1">
-            <a:spLocks noGrp="1"/>
-          </p:cNvSpPr>
+          <p:cNvSpPr txBox="1"/>
           <p:nvPr>
             <p:ph type="dt" idx="10"/>
           </p:nvPr>
@@ -4428,17 +4303,13 @@
               <a:defRPr/>
             </a:lvl9pPr>
           </a:lstStyle>
-          <a:p>
-            <a:endParaRPr/>
-          </a:p>
+          <a:p/>
         </p:txBody>
       </p:sp>
       <p:sp>
         <p:nvSpPr>
           <p:cNvPr id="134" name="Google Shape;134;p13"/>
-          <p:cNvSpPr txBox="1">
-            <a:spLocks noGrp="1"/>
-          </p:cNvSpPr>
+          <p:cNvSpPr txBox="1"/>
           <p:nvPr>
             <p:ph type="ftr" idx="11"/>
           </p:nvPr>
@@ -4561,17 +4432,13 @@
               <a:defRPr/>
             </a:lvl9pPr>
           </a:lstStyle>
-          <a:p>
-            <a:endParaRPr/>
-          </a:p>
+          <a:p/>
         </p:txBody>
       </p:sp>
       <p:sp>
         <p:nvSpPr>
           <p:cNvPr id="135" name="Google Shape;135;p13"/>
-          <p:cNvSpPr txBox="1">
-            <a:spLocks noGrp="1"/>
-          </p:cNvSpPr>
+          <p:cNvSpPr txBox="1"/>
           <p:nvPr>
             <p:ph type="sldNum" idx="12"/>
           </p:nvPr>
@@ -4670,7 +4537,6 @@
             </a:pPr>
             <a:fld id="{00000000-1234-1234-1234-123412341234}" type="slidenum">
               <a:rPr lang="en-US"/>
-              <a:t>‹#›</a:t>
             </a:fld>
             <a:endParaRPr lang="en-US"/>
           </a:p>
@@ -4686,11 +4552,11 @@
 </file>
 
 <file path=ppt/slideLayouts/slideLayout2.xml><?xml version="1.0" encoding="utf-8"?>
-<p:sldLayout xmlns:a="http://schemas.openxmlformats.org/drawingml/2006/main" xmlns:r="http://schemas.openxmlformats.org/officeDocument/2006/relationships" xmlns:p="http://schemas.openxmlformats.org/presentationml/2006/main" matchingName="Section header" type="secHead">
+<p:sldLayout xmlns:a="http://schemas.openxmlformats.org/drawingml/2006/main" xmlns:r="http://schemas.openxmlformats.org/officeDocument/2006/relationships" xmlns:p="http://schemas.openxmlformats.org/presentationml/2006/main" type="secHead" matchingName="Section header">
   <p:cSld name="SECTION_HEADER">
     <p:spTree>
       <p:nvGrpSpPr>
-        <p:cNvPr id="1" name="Shape 19"/>
+        <p:cNvPr id="19" name="Shape 19"/>
         <p:cNvGrpSpPr/>
         <p:nvPr/>
       </p:nvGrpSpPr>
@@ -4756,7 +4622,6 @@
                 </a:spcAft>
                 <a:buNone/>
               </a:pPr>
-              <a:endParaRPr/>
             </a:p>
           </p:txBody>
         </p:sp>
@@ -4800,7 +4665,6 @@
                 </a:spcAft>
                 <a:buNone/>
               </a:pPr>
-              <a:endParaRPr/>
             </a:p>
           </p:txBody>
         </p:sp>
@@ -4844,7 +4708,6 @@
                 </a:spcAft>
                 <a:buNone/>
               </a:pPr>
-              <a:endParaRPr/>
             </a:p>
           </p:txBody>
         </p:sp>
@@ -4888,7 +4751,6 @@
                 </a:spcAft>
                 <a:buNone/>
               </a:pPr>
-              <a:endParaRPr/>
             </a:p>
           </p:txBody>
         </p:sp>
@@ -4932,7 +4794,6 @@
                 </a:spcAft>
                 <a:buNone/>
               </a:pPr>
-              <a:endParaRPr/>
             </a:p>
           </p:txBody>
         </p:sp>
@@ -4976,7 +4837,6 @@
                 </a:spcAft>
                 <a:buNone/>
               </a:pPr>
-              <a:endParaRPr/>
             </a:p>
           </p:txBody>
         </p:sp>
@@ -5020,7 +4880,6 @@
                 </a:spcAft>
                 <a:buNone/>
               </a:pPr>
-              <a:endParaRPr/>
             </a:p>
           </p:txBody>
         </p:sp>
@@ -5062,7 +4921,6 @@
                 </a:spcAft>
                 <a:buNone/>
               </a:pPr>
-              <a:endParaRPr/>
             </a:p>
           </p:txBody>
         </p:sp>
@@ -5106,7 +4964,6 @@
                 </a:spcAft>
                 <a:buNone/>
               </a:pPr>
-              <a:endParaRPr/>
             </a:p>
           </p:txBody>
         </p:sp>
@@ -5150,7 +5007,6 @@
                 </a:spcAft>
                 <a:buNone/>
               </a:pPr>
-              <a:endParaRPr/>
             </a:p>
           </p:txBody>
         </p:sp>
@@ -5194,7 +5050,6 @@
                 </a:spcAft>
                 <a:buNone/>
               </a:pPr>
-              <a:endParaRPr/>
             </a:p>
           </p:txBody>
         </p:sp>
@@ -5238,7 +5093,6 @@
                 </a:spcAft>
                 <a:buNone/>
               </a:pPr>
-              <a:endParaRPr/>
             </a:p>
           </p:txBody>
         </p:sp>
@@ -5282,7 +5136,6 @@
                 </a:spcAft>
                 <a:buNone/>
               </a:pPr>
-              <a:endParaRPr/>
             </a:p>
           </p:txBody>
         </p:sp>
@@ -5324,7 +5177,6 @@
                 </a:spcAft>
                 <a:buNone/>
               </a:pPr>
-              <a:endParaRPr/>
             </a:p>
           </p:txBody>
         </p:sp>
@@ -5368,7 +5220,6 @@
                 </a:spcAft>
                 <a:buNone/>
               </a:pPr>
-              <a:endParaRPr/>
             </a:p>
           </p:txBody>
         </p:sp>
@@ -5412,7 +5263,6 @@
                 </a:spcAft>
                 <a:buNone/>
               </a:pPr>
-              <a:endParaRPr/>
             </a:p>
           </p:txBody>
         </p:sp>
@@ -5456,7 +5306,6 @@
                 </a:spcAft>
                 <a:buNone/>
               </a:pPr>
-              <a:endParaRPr/>
             </a:p>
           </p:txBody>
         </p:sp>
@@ -5500,7 +5349,6 @@
                 </a:spcAft>
                 <a:buNone/>
               </a:pPr>
-              <a:endParaRPr/>
             </a:p>
           </p:txBody>
         </p:sp>
@@ -5508,9 +5356,7 @@
       <p:sp>
         <p:nvSpPr>
           <p:cNvPr id="39" name="Google Shape;39;p3"/>
-          <p:cNvSpPr txBox="1">
-            <a:spLocks noGrp="1"/>
-          </p:cNvSpPr>
+          <p:cNvSpPr txBox="1"/>
           <p:nvPr>
             <p:ph type="title"/>
           </p:nvPr>
@@ -5629,17 +5475,13 @@
               <a:defRPr/>
             </a:lvl9pPr>
           </a:lstStyle>
-          <a:p>
-            <a:endParaRPr/>
-          </a:p>
+          <a:p/>
         </p:txBody>
       </p:sp>
       <p:sp>
         <p:nvSpPr>
           <p:cNvPr id="40" name="Google Shape;40;p3"/>
-          <p:cNvSpPr txBox="1">
-            <a:spLocks noGrp="1"/>
-          </p:cNvSpPr>
+          <p:cNvSpPr txBox="1"/>
           <p:nvPr>
             <p:ph type="sldNum" idx="12"/>
           </p:nvPr>
@@ -5707,7 +5549,6 @@
             </a:pPr>
             <a:fld id="{00000000-1234-1234-1234-123412341234}" type="slidenum">
               <a:rPr lang="en-US"/>
-              <a:t>‹#›</a:t>
             </a:fld>
             <a:endParaRPr lang="en-US"/>
           </a:p>
@@ -5723,11 +5564,11 @@
 </file>
 
 <file path=ppt/slideLayouts/slideLayout3.xml><?xml version="1.0" encoding="utf-8"?>
-<p:sldLayout xmlns:a="http://schemas.openxmlformats.org/drawingml/2006/main" xmlns:r="http://schemas.openxmlformats.org/officeDocument/2006/relationships" xmlns:p="http://schemas.openxmlformats.org/presentationml/2006/main" matchingName="Title and body" type="tx">
+<p:sldLayout xmlns:a="http://schemas.openxmlformats.org/drawingml/2006/main" xmlns:r="http://schemas.openxmlformats.org/officeDocument/2006/relationships" xmlns:p="http://schemas.openxmlformats.org/presentationml/2006/main" type="tx" matchingName="Title and body">
   <p:cSld name="TITLE_AND_BODY">
     <p:spTree>
       <p:nvGrpSpPr>
-        <p:cNvPr id="1" name="Shape 41"/>
+        <p:cNvPr id="41" name="Shape 41"/>
         <p:cNvGrpSpPr/>
         <p:nvPr/>
       </p:nvGrpSpPr>
@@ -5791,7 +5632,6 @@
                 </a:spcAft>
                 <a:buNone/>
               </a:pPr>
-              <a:endParaRPr/>
             </a:p>
           </p:txBody>
         </p:sp>
@@ -5833,7 +5673,6 @@
                 </a:spcAft>
                 <a:buNone/>
               </a:pPr>
-              <a:endParaRPr/>
             </a:p>
           </p:txBody>
         </p:sp>
@@ -5841,9 +5680,7 @@
       <p:sp>
         <p:nvSpPr>
           <p:cNvPr id="45" name="Google Shape;45;p4"/>
-          <p:cNvSpPr txBox="1">
-            <a:spLocks noGrp="1"/>
-          </p:cNvSpPr>
+          <p:cNvSpPr txBox="1"/>
           <p:nvPr>
             <p:ph type="title"/>
           </p:nvPr>
@@ -5962,17 +5799,13 @@
               <a:defRPr sz="2400"/>
             </a:lvl9pPr>
           </a:lstStyle>
-          <a:p>
-            <a:endParaRPr/>
-          </a:p>
+          <a:p/>
         </p:txBody>
       </p:sp>
       <p:sp>
         <p:nvSpPr>
           <p:cNvPr id="46" name="Google Shape;46;p4"/>
-          <p:cNvSpPr txBox="1">
-            <a:spLocks noGrp="1"/>
-          </p:cNvSpPr>
+          <p:cNvSpPr txBox="1"/>
           <p:nvPr>
             <p:ph type="body" idx="1"/>
           </p:nvPr>
@@ -6091,17 +5924,13 @@
               <a:defRPr/>
             </a:lvl9pPr>
           </a:lstStyle>
-          <a:p>
-            <a:endParaRPr/>
-          </a:p>
+          <a:p/>
         </p:txBody>
       </p:sp>
       <p:sp>
         <p:nvSpPr>
           <p:cNvPr id="47" name="Google Shape;47;p4"/>
-          <p:cNvSpPr txBox="1">
-            <a:spLocks noGrp="1"/>
-          </p:cNvSpPr>
+          <p:cNvSpPr txBox="1"/>
           <p:nvPr>
             <p:ph type="sldNum" idx="12"/>
           </p:nvPr>
@@ -6169,7 +5998,6 @@
             </a:pPr>
             <a:fld id="{00000000-1234-1234-1234-123412341234}" type="slidenum">
               <a:rPr lang="en-US"/>
-              <a:t>‹#›</a:t>
             </a:fld>
             <a:endParaRPr lang="en-US"/>
           </a:p>
@@ -6185,11 +6013,11 @@
 </file>
 
 <file path=ppt/slideLayouts/slideLayout4.xml><?xml version="1.0" encoding="utf-8"?>
-<p:sldLayout xmlns:a="http://schemas.openxmlformats.org/drawingml/2006/main" xmlns:r="http://schemas.openxmlformats.org/officeDocument/2006/relationships" xmlns:p="http://schemas.openxmlformats.org/presentationml/2006/main" matchingName="Title and two columns" type="twoColTx">
+<p:sldLayout xmlns:a="http://schemas.openxmlformats.org/drawingml/2006/main" xmlns:r="http://schemas.openxmlformats.org/officeDocument/2006/relationships" xmlns:p="http://schemas.openxmlformats.org/presentationml/2006/main" type="twoColTx" matchingName="Title and two columns">
   <p:cSld name="TITLE_AND_TWO_COLUMNS">
     <p:spTree>
       <p:nvGrpSpPr>
-        <p:cNvPr id="1" name="Shape 48"/>
+        <p:cNvPr id="48" name="Shape 48"/>
         <p:cNvGrpSpPr/>
         <p:nvPr/>
       </p:nvGrpSpPr>
@@ -6253,7 +6081,6 @@
                 </a:spcAft>
                 <a:buNone/>
               </a:pPr>
-              <a:endParaRPr/>
             </a:p>
           </p:txBody>
         </p:sp>
@@ -6295,7 +6122,6 @@
                 </a:spcAft>
                 <a:buNone/>
               </a:pPr>
-              <a:endParaRPr/>
             </a:p>
           </p:txBody>
         </p:sp>
@@ -6303,9 +6129,7 @@
       <p:sp>
         <p:nvSpPr>
           <p:cNvPr id="52" name="Google Shape;52;p5"/>
-          <p:cNvSpPr txBox="1">
-            <a:spLocks noGrp="1"/>
-          </p:cNvSpPr>
+          <p:cNvSpPr txBox="1"/>
           <p:nvPr>
             <p:ph type="title"/>
           </p:nvPr>
@@ -6424,17 +6248,13 @@
               <a:defRPr sz="2400"/>
             </a:lvl9pPr>
           </a:lstStyle>
-          <a:p>
-            <a:endParaRPr/>
-          </a:p>
+          <a:p/>
         </p:txBody>
       </p:sp>
       <p:sp>
         <p:nvSpPr>
           <p:cNvPr id="53" name="Google Shape;53;p5"/>
-          <p:cNvSpPr txBox="1">
-            <a:spLocks noGrp="1"/>
-          </p:cNvSpPr>
+          <p:cNvSpPr txBox="1"/>
           <p:nvPr>
             <p:ph type="body" idx="1"/>
           </p:nvPr>
@@ -6553,17 +6373,13 @@
               <a:defRPr/>
             </a:lvl9pPr>
           </a:lstStyle>
-          <a:p>
-            <a:endParaRPr/>
-          </a:p>
+          <a:p/>
         </p:txBody>
       </p:sp>
       <p:sp>
         <p:nvSpPr>
           <p:cNvPr id="54" name="Google Shape;54;p5"/>
-          <p:cNvSpPr txBox="1">
-            <a:spLocks noGrp="1"/>
-          </p:cNvSpPr>
+          <p:cNvSpPr txBox="1"/>
           <p:nvPr>
             <p:ph type="body" idx="2"/>
           </p:nvPr>
@@ -6682,17 +6498,13 @@
               <a:defRPr/>
             </a:lvl9pPr>
           </a:lstStyle>
-          <a:p>
-            <a:endParaRPr/>
-          </a:p>
+          <a:p/>
         </p:txBody>
       </p:sp>
       <p:sp>
         <p:nvSpPr>
           <p:cNvPr id="55" name="Google Shape;55;p5"/>
-          <p:cNvSpPr txBox="1">
-            <a:spLocks noGrp="1"/>
-          </p:cNvSpPr>
+          <p:cNvSpPr txBox="1"/>
           <p:nvPr>
             <p:ph type="sldNum" idx="12"/>
           </p:nvPr>
@@ -6760,7 +6572,6 @@
             </a:pPr>
             <a:fld id="{00000000-1234-1234-1234-123412341234}" type="slidenum">
               <a:rPr lang="en-US"/>
-              <a:t>‹#›</a:t>
             </a:fld>
             <a:endParaRPr lang="en-US"/>
           </a:p>
@@ -6776,11 +6587,11 @@
 </file>
 
 <file path=ppt/slideLayouts/slideLayout5.xml><?xml version="1.0" encoding="utf-8"?>
-<p:sldLayout xmlns:a="http://schemas.openxmlformats.org/drawingml/2006/main" xmlns:r="http://schemas.openxmlformats.org/officeDocument/2006/relationships" xmlns:p="http://schemas.openxmlformats.org/presentationml/2006/main" matchingName="Title only" type="titleOnly">
+<p:sldLayout xmlns:a="http://schemas.openxmlformats.org/drawingml/2006/main" xmlns:r="http://schemas.openxmlformats.org/officeDocument/2006/relationships" xmlns:p="http://schemas.openxmlformats.org/presentationml/2006/main" type="titleOnly" matchingName="Title only">
   <p:cSld name="TITLE_ONLY">
     <p:spTree>
       <p:nvGrpSpPr>
-        <p:cNvPr id="1" name="Shape 56"/>
+        <p:cNvPr id="56" name="Shape 56"/>
         <p:cNvGrpSpPr/>
         <p:nvPr/>
       </p:nvGrpSpPr>
@@ -6844,7 +6655,6 @@
                 </a:spcAft>
                 <a:buNone/>
               </a:pPr>
-              <a:endParaRPr/>
             </a:p>
           </p:txBody>
         </p:sp>
@@ -6886,7 +6696,6 @@
                 </a:spcAft>
                 <a:buNone/>
               </a:pPr>
-              <a:endParaRPr/>
             </a:p>
           </p:txBody>
         </p:sp>
@@ -6894,9 +6703,7 @@
       <p:sp>
         <p:nvSpPr>
           <p:cNvPr id="60" name="Google Shape;60;p6"/>
-          <p:cNvSpPr txBox="1">
-            <a:spLocks noGrp="1"/>
-          </p:cNvSpPr>
+          <p:cNvSpPr txBox="1"/>
           <p:nvPr>
             <p:ph type="title"/>
           </p:nvPr>
@@ -7015,17 +6822,13 @@
               <a:defRPr sz="2400"/>
             </a:lvl9pPr>
           </a:lstStyle>
-          <a:p>
-            <a:endParaRPr/>
-          </a:p>
+          <a:p/>
         </p:txBody>
       </p:sp>
       <p:sp>
         <p:nvSpPr>
           <p:cNvPr id="61" name="Google Shape;61;p6"/>
-          <p:cNvSpPr txBox="1">
-            <a:spLocks noGrp="1"/>
-          </p:cNvSpPr>
+          <p:cNvSpPr txBox="1"/>
           <p:nvPr>
             <p:ph type="sldNum" idx="12"/>
           </p:nvPr>
@@ -7093,7 +6896,6 @@
             </a:pPr>
             <a:fld id="{00000000-1234-1234-1234-123412341234}" type="slidenum">
               <a:rPr lang="en-US"/>
-              <a:t>‹#›</a:t>
             </a:fld>
             <a:endParaRPr lang="en-US"/>
           </a:p>
@@ -7113,7 +6915,7 @@
   <p:cSld name="ONE_COLUMN_TEXT">
     <p:spTree>
       <p:nvGrpSpPr>
-        <p:cNvPr id="1" name="Shape 62"/>
+        <p:cNvPr id="62" name="Shape 62"/>
         <p:cNvGrpSpPr/>
         <p:nvPr/>
       </p:nvGrpSpPr>
@@ -7177,7 +6979,6 @@
                 </a:spcAft>
                 <a:buNone/>
               </a:pPr>
-              <a:endParaRPr/>
             </a:p>
           </p:txBody>
         </p:sp>
@@ -7219,7 +7020,6 @@
                 </a:spcAft>
                 <a:buNone/>
               </a:pPr>
-              <a:endParaRPr/>
             </a:p>
           </p:txBody>
         </p:sp>
@@ -7227,9 +7027,7 @@
       <p:sp>
         <p:nvSpPr>
           <p:cNvPr id="66" name="Google Shape;66;p7"/>
-          <p:cNvSpPr txBox="1">
-            <a:spLocks noGrp="1"/>
-          </p:cNvSpPr>
+          <p:cNvSpPr txBox="1"/>
           <p:nvPr>
             <p:ph type="title"/>
           </p:nvPr>
@@ -7348,17 +7146,13 @@
               <a:defRPr sz="2400"/>
             </a:lvl9pPr>
           </a:lstStyle>
-          <a:p>
-            <a:endParaRPr/>
-          </a:p>
+          <a:p/>
         </p:txBody>
       </p:sp>
       <p:sp>
         <p:nvSpPr>
           <p:cNvPr id="67" name="Google Shape;67;p7"/>
-          <p:cNvSpPr txBox="1">
-            <a:spLocks noGrp="1"/>
-          </p:cNvSpPr>
+          <p:cNvSpPr txBox="1"/>
           <p:nvPr>
             <p:ph type="body" idx="1"/>
           </p:nvPr>
@@ -7477,17 +7271,13 @@
               <a:defRPr/>
             </a:lvl9pPr>
           </a:lstStyle>
-          <a:p>
-            <a:endParaRPr/>
-          </a:p>
+          <a:p/>
         </p:txBody>
       </p:sp>
       <p:sp>
         <p:nvSpPr>
           <p:cNvPr id="68" name="Google Shape;68;p7"/>
-          <p:cNvSpPr txBox="1">
-            <a:spLocks noGrp="1"/>
-          </p:cNvSpPr>
+          <p:cNvSpPr txBox="1"/>
           <p:nvPr>
             <p:ph type="sldNum" idx="12"/>
           </p:nvPr>
@@ -7555,7 +7345,6 @@
             </a:pPr>
             <a:fld id="{00000000-1234-1234-1234-123412341234}" type="slidenum">
               <a:rPr lang="en-US"/>
-              <a:t>‹#›</a:t>
             </a:fld>
             <a:endParaRPr lang="en-US"/>
           </a:p>
@@ -7575,7 +7364,7 @@
   <p:cSld name="MAIN_POINT">
     <p:spTree>
       <p:nvGrpSpPr>
-        <p:cNvPr id="1" name="Shape 69"/>
+        <p:cNvPr id="69" name="Shape 69"/>
         <p:cNvGrpSpPr/>
         <p:nvPr/>
       </p:nvGrpSpPr>
@@ -7641,7 +7430,6 @@
                 </a:spcAft>
                 <a:buNone/>
               </a:pPr>
-              <a:endParaRPr/>
             </a:p>
           </p:txBody>
         </p:sp>
@@ -7685,7 +7473,6 @@
                 </a:spcAft>
                 <a:buNone/>
               </a:pPr>
-              <a:endParaRPr/>
             </a:p>
           </p:txBody>
         </p:sp>
@@ -7729,7 +7516,6 @@
                 </a:spcAft>
                 <a:buNone/>
               </a:pPr>
-              <a:endParaRPr/>
             </a:p>
           </p:txBody>
         </p:sp>
@@ -7773,7 +7559,6 @@
                 </a:spcAft>
                 <a:buNone/>
               </a:pPr>
-              <a:endParaRPr/>
             </a:p>
           </p:txBody>
         </p:sp>
@@ -7817,7 +7602,6 @@
                 </a:spcAft>
                 <a:buNone/>
               </a:pPr>
-              <a:endParaRPr/>
             </a:p>
           </p:txBody>
         </p:sp>
@@ -7861,7 +7645,6 @@
                 </a:spcAft>
                 <a:buNone/>
               </a:pPr>
-              <a:endParaRPr/>
             </a:p>
           </p:txBody>
         </p:sp>
@@ -7905,7 +7688,6 @@
                 </a:spcAft>
                 <a:buNone/>
               </a:pPr>
-              <a:endParaRPr/>
             </a:p>
           </p:txBody>
         </p:sp>
@@ -7947,7 +7729,6 @@
                 </a:spcAft>
                 <a:buNone/>
               </a:pPr>
-              <a:endParaRPr/>
             </a:p>
           </p:txBody>
         </p:sp>
@@ -7991,7 +7772,6 @@
                 </a:spcAft>
                 <a:buNone/>
               </a:pPr>
-              <a:endParaRPr/>
             </a:p>
           </p:txBody>
         </p:sp>
@@ -8035,7 +7815,6 @@
                 </a:spcAft>
                 <a:buNone/>
               </a:pPr>
-              <a:endParaRPr/>
             </a:p>
           </p:txBody>
         </p:sp>
@@ -8079,7 +7858,6 @@
                 </a:spcAft>
                 <a:buNone/>
               </a:pPr>
-              <a:endParaRPr/>
             </a:p>
           </p:txBody>
         </p:sp>
@@ -8123,7 +7901,6 @@
                 </a:spcAft>
                 <a:buNone/>
               </a:pPr>
-              <a:endParaRPr/>
             </a:p>
           </p:txBody>
         </p:sp>
@@ -8167,7 +7944,6 @@
                 </a:spcAft>
                 <a:buNone/>
               </a:pPr>
-              <a:endParaRPr/>
             </a:p>
           </p:txBody>
         </p:sp>
@@ -8209,7 +7985,6 @@
                 </a:spcAft>
                 <a:buNone/>
               </a:pPr>
-              <a:endParaRPr/>
             </a:p>
           </p:txBody>
         </p:sp>
@@ -8253,7 +8028,6 @@
                 </a:spcAft>
                 <a:buNone/>
               </a:pPr>
-              <a:endParaRPr/>
             </a:p>
           </p:txBody>
         </p:sp>
@@ -8297,7 +8071,6 @@
                 </a:spcAft>
                 <a:buNone/>
               </a:pPr>
-              <a:endParaRPr/>
             </a:p>
           </p:txBody>
         </p:sp>
@@ -8341,7 +8114,6 @@
                 </a:spcAft>
                 <a:buNone/>
               </a:pPr>
-              <a:endParaRPr/>
             </a:p>
           </p:txBody>
         </p:sp>
@@ -8385,7 +8157,6 @@
                 </a:spcAft>
                 <a:buNone/>
               </a:pPr>
-              <a:endParaRPr/>
             </a:p>
           </p:txBody>
         </p:sp>
@@ -8393,9 +8164,7 @@
       <p:sp>
         <p:nvSpPr>
           <p:cNvPr id="89" name="Google Shape;89;p8"/>
-          <p:cNvSpPr txBox="1">
-            <a:spLocks noGrp="1"/>
-          </p:cNvSpPr>
+          <p:cNvSpPr txBox="1"/>
           <p:nvPr>
             <p:ph type="title"/>
           </p:nvPr>
@@ -8514,17 +8283,13 @@
               <a:defRPr/>
             </a:lvl9pPr>
           </a:lstStyle>
-          <a:p>
-            <a:endParaRPr/>
-          </a:p>
+          <a:p/>
         </p:txBody>
       </p:sp>
       <p:sp>
         <p:nvSpPr>
           <p:cNvPr id="90" name="Google Shape;90;p8"/>
-          <p:cNvSpPr txBox="1">
-            <a:spLocks noGrp="1"/>
-          </p:cNvSpPr>
+          <p:cNvSpPr txBox="1"/>
           <p:nvPr>
             <p:ph type="sldNum" idx="12"/>
           </p:nvPr>
@@ -8592,7 +8357,6 @@
             </a:pPr>
             <a:fld id="{00000000-1234-1234-1234-123412341234}" type="slidenum">
               <a:rPr lang="en-US"/>
-              <a:t>‹#›</a:t>
             </a:fld>
             <a:endParaRPr lang="en-US"/>
           </a:p>
@@ -8612,7 +8376,7 @@
   <p:cSld name="SECTION_TITLE_AND_DESCRIPTION">
     <p:spTree>
       <p:nvGrpSpPr>
-        <p:cNvPr id="1" name="Shape 91"/>
+        <p:cNvPr id="91" name="Shape 91"/>
         <p:cNvGrpSpPr/>
         <p:nvPr/>
       </p:nvGrpSpPr>
@@ -8676,7 +8440,6 @@
                 </a:spcAft>
                 <a:buNone/>
               </a:pPr>
-              <a:endParaRPr/>
             </a:p>
           </p:txBody>
         </p:sp>
@@ -8718,7 +8481,6 @@
                 </a:spcAft>
                 <a:buNone/>
               </a:pPr>
-              <a:endParaRPr/>
             </a:p>
           </p:txBody>
         </p:sp>
@@ -8726,9 +8488,7 @@
       <p:sp>
         <p:nvSpPr>
           <p:cNvPr id="95" name="Google Shape;95;p9"/>
-          <p:cNvSpPr txBox="1">
-            <a:spLocks noGrp="1"/>
-          </p:cNvSpPr>
+          <p:cNvSpPr txBox="1"/>
           <p:nvPr>
             <p:ph type="title"/>
           </p:nvPr>
@@ -8847,17 +8607,13 @@
               <a:defRPr sz="2400"/>
             </a:lvl9pPr>
           </a:lstStyle>
-          <a:p>
-            <a:endParaRPr/>
-          </a:p>
+          <a:p/>
         </p:txBody>
       </p:sp>
       <p:sp>
         <p:nvSpPr>
           <p:cNvPr id="96" name="Google Shape;96;p9"/>
-          <p:cNvSpPr txBox="1">
-            <a:spLocks noGrp="1"/>
-          </p:cNvSpPr>
+          <p:cNvSpPr txBox="1"/>
           <p:nvPr>
             <p:ph type="subTitle" idx="1"/>
           </p:nvPr>
@@ -9003,17 +8759,13 @@
               <a:defRPr sz="1300"/>
             </a:lvl9pPr>
           </a:lstStyle>
-          <a:p>
-            <a:endParaRPr/>
-          </a:p>
+          <a:p/>
         </p:txBody>
       </p:sp>
       <p:sp>
         <p:nvSpPr>
           <p:cNvPr id="97" name="Google Shape;97;p9"/>
-          <p:cNvSpPr txBox="1">
-            <a:spLocks noGrp="1"/>
-          </p:cNvSpPr>
+          <p:cNvSpPr txBox="1"/>
           <p:nvPr>
             <p:ph type="body" idx="2"/>
           </p:nvPr>
@@ -9132,17 +8884,13 @@
               <a:defRPr/>
             </a:lvl9pPr>
           </a:lstStyle>
-          <a:p>
-            <a:endParaRPr/>
-          </a:p>
+          <a:p/>
         </p:txBody>
       </p:sp>
       <p:sp>
         <p:nvSpPr>
           <p:cNvPr id="98" name="Google Shape;98;p9"/>
-          <p:cNvSpPr txBox="1">
-            <a:spLocks noGrp="1"/>
-          </p:cNvSpPr>
+          <p:cNvSpPr txBox="1"/>
           <p:nvPr>
             <p:ph type="sldNum" idx="12"/>
           </p:nvPr>
@@ -9210,7 +8958,6 @@
             </a:pPr>
             <a:fld id="{00000000-1234-1234-1234-123412341234}" type="slidenum">
               <a:rPr lang="en-US"/>
-              <a:t>‹#›</a:t>
             </a:fld>
             <a:endParaRPr lang="en-US"/>
           </a:p>
@@ -9230,7 +8977,7 @@
   <p:cSld name="CAPTION_ONLY">
     <p:spTree>
       <p:nvGrpSpPr>
-        <p:cNvPr id="1" name="Shape 99"/>
+        <p:cNvPr id="99" name="Shape 99"/>
         <p:cNvGrpSpPr/>
         <p:nvPr/>
       </p:nvGrpSpPr>
@@ -9296,7 +9043,6 @@
                 </a:spcAft>
                 <a:buNone/>
               </a:pPr>
-              <a:endParaRPr/>
             </a:p>
           </p:txBody>
         </p:sp>
@@ -9340,7 +9086,6 @@
                 </a:spcAft>
                 <a:buNone/>
               </a:pPr>
-              <a:endParaRPr/>
             </a:p>
           </p:txBody>
         </p:sp>
@@ -9348,9 +9093,7 @@
       <p:sp>
         <p:nvSpPr>
           <p:cNvPr id="103" name="Google Shape;103;p10"/>
-          <p:cNvSpPr txBox="1">
-            <a:spLocks noGrp="1"/>
-          </p:cNvSpPr>
+          <p:cNvSpPr txBox="1"/>
           <p:nvPr>
             <p:ph type="body" idx="1"/>
           </p:nvPr>
@@ -9384,17 +9127,13 @@
               <a:defRPr/>
             </a:lvl1pPr>
           </a:lstStyle>
-          <a:p>
-            <a:endParaRPr/>
-          </a:p>
+          <a:p/>
         </p:txBody>
       </p:sp>
       <p:sp>
         <p:nvSpPr>
           <p:cNvPr id="104" name="Google Shape;104;p10"/>
-          <p:cNvSpPr txBox="1">
-            <a:spLocks noGrp="1"/>
-          </p:cNvSpPr>
+          <p:cNvSpPr txBox="1"/>
           <p:nvPr>
             <p:ph type="sldNum" idx="12"/>
           </p:nvPr>
@@ -9462,7 +9201,6 @@
             </a:pPr>
             <a:fld id="{00000000-1234-1234-1234-123412341234}" type="slidenum">
               <a:rPr lang="en-US"/>
-              <a:t>‹#›</a:t>
             </a:fld>
             <a:endParaRPr lang="en-US"/>
           </a:p>
@@ -9490,7 +9228,7 @@
     </p:bg>
     <p:spTree>
       <p:nvGrpSpPr>
-        <p:cNvPr id="1" name="Shape 5"/>
+        <p:cNvPr id="5" name="Shape 5"/>
         <p:cNvGrpSpPr/>
         <p:nvPr/>
       </p:nvGrpSpPr>
@@ -9505,9 +9243,7 @@
       <p:sp>
         <p:nvSpPr>
           <p:cNvPr id="6" name="Google Shape;6;p1"/>
-          <p:cNvSpPr txBox="1">
-            <a:spLocks noGrp="1"/>
-          </p:cNvSpPr>
+          <p:cNvSpPr txBox="1"/>
           <p:nvPr>
             <p:ph type="title"/>
           </p:nvPr>
@@ -9738,17 +9474,13 @@
               </a:defRPr>
             </a:lvl9pPr>
           </a:lstStyle>
-          <a:p>
-            <a:endParaRPr/>
-          </a:p>
+          <a:p/>
         </p:txBody>
       </p:sp>
       <p:sp>
         <p:nvSpPr>
           <p:cNvPr id="7" name="Google Shape;7;p1"/>
-          <p:cNvSpPr txBox="1">
-            <a:spLocks noGrp="1"/>
-          </p:cNvSpPr>
+          <p:cNvSpPr txBox="1"/>
           <p:nvPr>
             <p:ph type="body" idx="1"/>
           </p:nvPr>
@@ -10006,17 +9738,13 @@
               </a:defRPr>
             </a:lvl9pPr>
           </a:lstStyle>
-          <a:p>
-            <a:endParaRPr/>
-          </a:p>
+          <a:p/>
         </p:txBody>
       </p:sp>
       <p:sp>
         <p:nvSpPr>
           <p:cNvPr id="8" name="Google Shape;8;p1"/>
-          <p:cNvSpPr txBox="1">
-            <a:spLocks noGrp="1"/>
-          </p:cNvSpPr>
+          <p:cNvSpPr txBox="1"/>
           <p:nvPr>
             <p:ph type="sldNum" idx="12"/>
           </p:nvPr>
@@ -10160,7 +9888,6 @@
             </a:pPr>
             <a:fld id="{00000000-1234-1234-1234-123412341234}" type="slidenum">
               <a:rPr lang="en-US"/>
-              <a:t>‹#›</a:t>
             </a:fld>
             <a:endParaRPr lang="en-US"/>
           </a:p>
@@ -10881,7 +10608,7 @@
   <p:cSld>
     <p:spTree>
       <p:nvGrpSpPr>
-        <p:cNvPr id="1" name="Shape 139"/>
+        <p:cNvPr id="139" name="Shape 139"/>
         <p:cNvGrpSpPr/>
         <p:nvPr/>
       </p:nvGrpSpPr>
@@ -10896,9 +10623,7 @@
       <p:sp>
         <p:nvSpPr>
           <p:cNvPr id="140" name="Google Shape;140;p14"/>
-          <p:cNvSpPr txBox="1">
-            <a:spLocks noGrp="1"/>
-          </p:cNvSpPr>
+          <p:cNvSpPr txBox="1"/>
           <p:nvPr>
             <p:ph type="ctrTitle"/>
           </p:nvPr>
@@ -10945,15 +10670,19 @@
               </a:rPr>
               <a:t>BU Events Planner</a:t>
             </a:r>
+            <a:endParaRPr lang="en-US" sz="4400" b="1">
+              <a:latin typeface="Calibri"/>
+              <a:ea typeface="Calibri"/>
+              <a:cs typeface="Calibri"/>
+              <a:sym typeface="Calibri"/>
+            </a:endParaRPr>
           </a:p>
         </p:txBody>
       </p:sp>
       <p:sp>
         <p:nvSpPr>
           <p:cNvPr id="141" name="Google Shape;141;p14"/>
-          <p:cNvSpPr txBox="1">
-            <a:spLocks noGrp="1"/>
-          </p:cNvSpPr>
+          <p:cNvSpPr txBox="1"/>
           <p:nvPr>
             <p:ph type="subTitle" idx="1"/>
           </p:nvPr>
@@ -10992,7 +10721,15 @@
             </a:pPr>
             <a:r>
               <a:rPr lang="en-US" sz="2500"/>
-              <a:t>Presented by: Jialong Ke, Yuchen Cao, Zihan Li</a:t>
+              <a:t>Presented by: </a:t>
+            </a:r>
+            <a:r>
+              <a:rPr lang="en-US" sz="2500"/>
+              <a:t>Jialong Ke, Yuchen Cao, Zihan</a:t>
+            </a:r>
+            <a:r>
+              <a:rPr lang="en-US" sz="2500"/>
+              <a:t> Li</a:t>
             </a:r>
             <a:endParaRPr sz="1400"/>
           </a:p>
@@ -11011,7 +10748,6 @@
         <p:spPr/>
         <p:txBody>
           <a:bodyPr/>
-          <a:lstStyle/>
           <a:p>
             <a:pPr marL="0" lvl="0" indent="0" algn="r" rtl="0">
               <a:spcBef>
@@ -11024,7 +10760,6 @@
             </a:pPr>
             <a:fld id="{00000000-1234-1234-1234-123412341234}" type="slidenum">
               <a:rPr lang="en-US"/>
-              <a:t>1</a:t>
             </a:fld>
             <a:endParaRPr lang="en-US"/>
           </a:p>
@@ -11043,7 +10778,7 @@
   <p:cSld>
     <p:spTree>
       <p:nvGrpSpPr>
-        <p:cNvPr id="1" name="Shape 157"/>
+        <p:cNvPr id="157" name="Shape 157"/>
         <p:cNvGrpSpPr/>
         <p:nvPr/>
       </p:nvGrpSpPr>
@@ -11058,9 +10793,7 @@
       <p:sp>
         <p:nvSpPr>
           <p:cNvPr id="158" name="Google Shape;158;p17"/>
-          <p:cNvSpPr txBox="1">
-            <a:spLocks noGrp="1"/>
-          </p:cNvSpPr>
+          <p:cNvSpPr txBox="1"/>
           <p:nvPr>
             <p:ph type="title"/>
           </p:nvPr>
@@ -11099,15 +10832,164 @@
               <a:buNone/>
             </a:pPr>
             <a:r>
-              <a:rPr lang="en-US" altLang="zh-CN" sz="4400" b="1" dirty="0">
+              <a:rPr lang="en-US" sz="4400" b="1">
                 <a:latin typeface="Calibri"/>
                 <a:ea typeface="Calibri"/>
                 <a:cs typeface="Calibri"/>
                 <a:sym typeface="Calibri"/>
               </a:rPr>
-              <a:t>Device sensor</a:t>
+              <a:t>APIs</a:t>
             </a:r>
-            <a:endParaRPr lang="en-US" sz="4400" b="1" dirty="0">
+            <a:endParaRPr lang="en-US" sz="4400" b="1">
+              <a:latin typeface="Calibri"/>
+              <a:ea typeface="Calibri"/>
+              <a:cs typeface="Calibri"/>
+              <a:sym typeface="Calibri"/>
+            </a:endParaRPr>
+          </a:p>
+        </p:txBody>
+      </p:sp>
+      <p:sp>
+        <p:nvSpPr>
+          <p:cNvPr id="159" name="Google Shape;159;p17"/>
+          <p:cNvSpPr txBox="1"/>
+          <p:nvPr>
+            <p:ph type="body" idx="1"/>
+          </p:nvPr>
+        </p:nvSpPr>
+        <p:spPr>
+          <a:xfrm>
+            <a:off x="457200" y="1316990"/>
+            <a:ext cx="8353425" cy="4809490"/>
+          </a:xfrm>
+          <a:prstGeom prst="rect">
+            <a:avLst/>
+          </a:prstGeom>
+          <a:noFill/>
+          <a:ln>
+            <a:noFill/>
+          </a:ln>
+        </p:spPr>
+        <p:txBody>
+          <a:bodyPr spcFirstLastPara="1" wrap="square" lIns="91425" tIns="45700" rIns="91425" bIns="45700" anchor="t" anchorCtr="0">
+            <a:noAutofit/>
+          </a:bodyPr>
+          <a:lstStyle/>
+          <a:p>
+            <a:pPr marL="342900" lvl="0" indent="-139700" algn="l" rtl="0">
+              <a:lnSpc>
+                <a:spcPct val="150000"/>
+              </a:lnSpc>
+              <a:spcBef>
+                <a:spcPts val="0"/>
+              </a:spcBef>
+              <a:spcAft>
+                <a:spcPts val="0"/>
+              </a:spcAft>
+              <a:buClr>
+                <a:schemeClr val="dk1"/>
+              </a:buClr>
+              <a:buSzPts val="3200"/>
+              <a:buNone/>
+            </a:pPr>
+            <a:endParaRPr sz="1000"/>
+          </a:p>
+          <a:p>
+            <a:pPr lvl="0" indent="-457200" algn="l" rtl="0">
+              <a:lnSpc>
+                <a:spcPct val="150000"/>
+              </a:lnSpc>
+              <a:spcBef>
+                <a:spcPts val="640"/>
+              </a:spcBef>
+              <a:spcAft>
+                <a:spcPts val="0"/>
+              </a:spcAft>
+              <a:buClr>
+                <a:schemeClr val="lt1"/>
+              </a:buClr>
+              <a:buSzPts val="3200"/>
+              <a:buFont typeface="Arial" panose="020B0604020202090204" pitchFamily="34" charset="0"/>
+              <a:buChar char="•"/>
+            </a:pPr>
+            <a:r>
+              <a:rPr lang="en-US" sz="2400">
+                <a:latin typeface="Calibri"/>
+                <a:ea typeface="Calibri"/>
+                <a:cs typeface="Calibri"/>
+                <a:sym typeface="Calibri"/>
+              </a:rPr>
+              <a:t>Firebase Firestore: To store event details and user registration history.</a:t>
+            </a:r>
+            <a:endParaRPr lang="en-US" sz="2400">
+              <a:latin typeface="Calibri"/>
+              <a:ea typeface="Calibri"/>
+              <a:cs typeface="Calibri"/>
+              <a:sym typeface="Calibri"/>
+            </a:endParaRPr>
+          </a:p>
+          <a:p>
+            <a:pPr lvl="0" indent="-457200" algn="l" rtl="0">
+              <a:lnSpc>
+                <a:spcPct val="150000"/>
+              </a:lnSpc>
+              <a:spcBef>
+                <a:spcPts val="640"/>
+              </a:spcBef>
+              <a:spcAft>
+                <a:spcPts val="0"/>
+              </a:spcAft>
+              <a:buClr>
+                <a:schemeClr val="lt1"/>
+              </a:buClr>
+              <a:buSzPts val="3200"/>
+              <a:buFont typeface="Arial" panose="020B0604020202090204" pitchFamily="34" charset="0"/>
+              <a:buChar char="•"/>
+            </a:pPr>
+            <a:r>
+              <a:rPr lang="en-US" sz="2400">
+                <a:latin typeface="Calibri"/>
+                <a:ea typeface="Calibri"/>
+                <a:cs typeface="Calibri"/>
+                <a:sym typeface="Calibri"/>
+              </a:rPr>
+              <a:t>Firebase Authentication: For user registration and login.</a:t>
+            </a:r>
+            <a:endParaRPr lang="en-US" sz="2400">
+              <a:latin typeface="Calibri"/>
+              <a:ea typeface="Calibri"/>
+              <a:cs typeface="Calibri"/>
+              <a:sym typeface="Calibri"/>
+            </a:endParaRPr>
+          </a:p>
+          <a:p>
+            <a:pPr lvl="0" indent="-457200" algn="l" rtl="0">
+              <a:lnSpc>
+                <a:spcPct val="150000"/>
+              </a:lnSpc>
+              <a:spcBef>
+                <a:spcPts val="640"/>
+              </a:spcBef>
+              <a:spcAft>
+                <a:spcPts val="0"/>
+              </a:spcAft>
+              <a:buClr>
+                <a:schemeClr val="lt1"/>
+              </a:buClr>
+              <a:buSzPts val="3200"/>
+              <a:buFont typeface="Arial" panose="020B0604020202090204" pitchFamily="34" charset="0"/>
+              <a:buChar char="•"/>
+            </a:pPr>
+            <a:r>
+              <a:rPr lang="en-US" sz="2400">
+                <a:latin typeface="Calibri"/>
+                <a:ea typeface="Calibri"/>
+                <a:cs typeface="Calibri"/>
+                <a:sym typeface="Calibri"/>
+              </a:rPr>
+              <a:t>Third-Party API: Optionally, a public event data API could be integrated to supplement campus event information.</a:t>
+            </a:r>
+            <a:endParaRPr lang="en-US" sz="2400">
               <a:latin typeface="Calibri"/>
               <a:ea typeface="Calibri"/>
               <a:cs typeface="Calibri"/>
@@ -11129,7 +11011,6 @@
         <p:spPr/>
         <p:txBody>
           <a:bodyPr/>
-          <a:lstStyle/>
           <a:p>
             <a:pPr marL="0" lvl="0" indent="0" algn="r" rtl="0">
               <a:spcBef>
@@ -11142,1752 +11023,6 @@
             </a:pPr>
             <a:fld id="{00000000-1234-1234-1234-123412341234}" type="slidenum">
               <a:rPr lang="en-US"/>
-              <a:t>10</a:t>
-            </a:fld>
-            <a:endParaRPr lang="en-US"/>
-          </a:p>
-        </p:txBody>
-      </p:sp>
-      <p:sp>
-        <p:nvSpPr>
-          <p:cNvPr id="7" name="Rectangle 5">
-            <a:extLst>
-              <a:ext uri="{FF2B5EF4-FFF2-40B4-BE49-F238E27FC236}">
-                <a16:creationId xmlns:a16="http://schemas.microsoft.com/office/drawing/2014/main" id="{815790C4-C89D-7B8B-08E2-40226A93DE1F}"/>
-              </a:ext>
-            </a:extLst>
-          </p:cNvPr>
-          <p:cNvSpPr>
-            <a:spLocks noGrp="1" noChangeArrowheads="1"/>
-          </p:cNvSpPr>
-          <p:nvPr>
-            <p:ph type="body" idx="1"/>
-          </p:nvPr>
-        </p:nvSpPr>
-        <p:spPr bwMode="auto">
-          <a:xfrm>
-            <a:off x="608857" y="2462445"/>
-            <a:ext cx="3530476" cy="1815882"/>
-          </a:xfrm>
-          <a:prstGeom prst="rect">
-            <a:avLst/>
-          </a:prstGeom>
-          <a:noFill/>
-          <a:ln>
-            <a:noFill/>
-          </a:ln>
-          <a:effectLst/>
-          <a:extLst>
-            <a:ext uri="{909E8E84-426E-40DD-AFC4-6F175D3DCCD1}">
-              <a14:hiddenFill xmlns:a14="http://schemas.microsoft.com/office/drawing/2010/main">
-                <a:solidFill>
-                  <a:schemeClr val="accent1"/>
-                </a:solidFill>
-              </a14:hiddenFill>
-            </a:ext>
-            <a:ext uri="{91240B29-F687-4F45-9708-019B960494DF}">
-              <a14:hiddenLine xmlns:a14="http://schemas.microsoft.com/office/drawing/2010/main" w="9525">
-                <a:solidFill>
-                  <a:schemeClr val="tx1"/>
-                </a:solidFill>
-                <a:miter lim="800000"/>
-                <a:headEnd/>
-                <a:tailEnd/>
-              </a14:hiddenLine>
-            </a:ext>
-            <a:ext uri="{AF507438-7753-43E0-B8FC-AC1667EBCBE1}">
-              <a14:hiddenEffects xmlns:a14="http://schemas.microsoft.com/office/drawing/2010/main">
-                <a:effectLst>
-                  <a:outerShdw dist="35921" dir="2700000" algn="ctr" rotWithShape="0">
-                    <a:schemeClr val="bg2"/>
-                  </a:outerShdw>
-                </a:effectLst>
-              </a14:hiddenEffects>
-            </a:ext>
-          </a:extLst>
-        </p:spPr>
-        <p:txBody>
-          <a:bodyPr vert="horz" wrap="square" lIns="91440" tIns="45720" rIns="91440" bIns="45720" numCol="1" anchor="ctr" anchorCtr="0" compatLnSpc="1">
-            <a:prstTxWarp prst="textNoShape">
-              <a:avLst/>
-            </a:prstTxWarp>
-            <a:spAutoFit/>
-          </a:bodyPr>
-          <a:lstStyle/>
-          <a:p>
-            <a:pPr marL="0" marR="0" lvl="0" indent="0" algn="l" defTabSz="914400" rtl="0" eaLnBrk="0" fontAlgn="base" latinLnBrk="0" hangingPunct="0">
-              <a:lnSpc>
-                <a:spcPct val="100000"/>
-              </a:lnSpc>
-              <a:spcBef>
-                <a:spcPct val="0"/>
-              </a:spcBef>
-              <a:spcAft>
-                <a:spcPct val="0"/>
-              </a:spcAft>
-              <a:buClrTx/>
-              <a:buSzTx/>
-              <a:buFontTx/>
-              <a:buChar char="•"/>
-              <a:tabLst/>
-            </a:pPr>
-            <a:r>
-              <a:rPr kumimoji="0" lang="en-US" altLang="en-US" sz="2800" b="1" i="0" u="none" strike="noStrike" cap="none" normalizeH="0" baseline="0" dirty="0">
-                <a:ln>
-                  <a:noFill/>
-                </a:ln>
-                <a:solidFill>
-                  <a:schemeClr val="bg1"/>
-                </a:solidFill>
-                <a:effectLst/>
-                <a:latin typeface="Arial" panose="020B0604020202020204" pitchFamily="34" charset="0"/>
-              </a:rPr>
-              <a:t>GPS </a:t>
-            </a:r>
-          </a:p>
-          <a:p>
-            <a:pPr marL="0" marR="0" lvl="0" indent="0" algn="l" defTabSz="914400" rtl="0" eaLnBrk="0" fontAlgn="base" latinLnBrk="0" hangingPunct="0">
-              <a:lnSpc>
-                <a:spcPct val="100000"/>
-              </a:lnSpc>
-              <a:spcBef>
-                <a:spcPct val="0"/>
-              </a:spcBef>
-              <a:spcAft>
-                <a:spcPct val="0"/>
-              </a:spcAft>
-              <a:buClrTx/>
-              <a:buSzTx/>
-              <a:buFontTx/>
-              <a:buChar char="•"/>
-              <a:tabLst/>
-            </a:pPr>
-            <a:endParaRPr lang="en-US" altLang="en-US" sz="2800" b="1" dirty="0">
-              <a:solidFill>
-                <a:schemeClr val="bg1"/>
-              </a:solidFill>
-              <a:latin typeface="Arial" panose="020B0604020202020204" pitchFamily="34" charset="0"/>
-            </a:endParaRPr>
-          </a:p>
-          <a:p>
-            <a:pPr marL="0" marR="0" lvl="0" indent="0" algn="l" defTabSz="914400" rtl="0" eaLnBrk="0" fontAlgn="base" latinLnBrk="0" hangingPunct="0">
-              <a:lnSpc>
-                <a:spcPct val="100000"/>
-              </a:lnSpc>
-              <a:spcBef>
-                <a:spcPct val="0"/>
-              </a:spcBef>
-              <a:spcAft>
-                <a:spcPct val="0"/>
-              </a:spcAft>
-              <a:buClrTx/>
-              <a:buSzTx/>
-              <a:buFontTx/>
-              <a:buChar char="•"/>
-              <a:tabLst/>
-            </a:pPr>
-            <a:endParaRPr kumimoji="0" lang="en-US" altLang="en-US" sz="2800" b="0" i="0" u="none" strike="noStrike" cap="none" normalizeH="0" baseline="0" dirty="0">
-              <a:ln>
-                <a:noFill/>
-              </a:ln>
-              <a:solidFill>
-                <a:schemeClr val="bg1"/>
-              </a:solidFill>
-              <a:effectLst/>
-              <a:latin typeface="Arial" panose="020B0604020202020204" pitchFamily="34" charset="0"/>
-            </a:endParaRPr>
-          </a:p>
-          <a:p>
-            <a:pPr marL="0" marR="0" lvl="0" indent="0" algn="l" defTabSz="914400" rtl="0" eaLnBrk="0" fontAlgn="base" latinLnBrk="0" hangingPunct="0">
-              <a:lnSpc>
-                <a:spcPct val="100000"/>
-              </a:lnSpc>
-              <a:spcBef>
-                <a:spcPct val="0"/>
-              </a:spcBef>
-              <a:spcAft>
-                <a:spcPct val="0"/>
-              </a:spcAft>
-              <a:buClrTx/>
-              <a:buSzTx/>
-              <a:buFontTx/>
-              <a:buChar char="•"/>
-              <a:tabLst/>
-            </a:pPr>
-            <a:r>
-              <a:rPr kumimoji="0" lang="en-US" altLang="en-US" sz="2800" b="1" i="0" u="none" strike="noStrike" cap="none" normalizeH="0" baseline="0" dirty="0">
-                <a:ln>
-                  <a:noFill/>
-                </a:ln>
-                <a:solidFill>
-                  <a:schemeClr val="bg1"/>
-                </a:solidFill>
-                <a:effectLst/>
-                <a:latin typeface="Arial" panose="020B0604020202020204" pitchFamily="34" charset="0"/>
-              </a:rPr>
-              <a:t>Camera</a:t>
-            </a:r>
-            <a:r>
-              <a:rPr kumimoji="0" lang="en-US" altLang="en-US" sz="2800" b="0" i="0" u="none" strike="noStrike" cap="none" normalizeH="0" baseline="0" dirty="0">
-                <a:ln>
-                  <a:noFill/>
-                </a:ln>
-                <a:solidFill>
-                  <a:schemeClr val="bg1"/>
-                </a:solidFill>
-                <a:effectLst/>
-                <a:latin typeface="Arial" panose="020B0604020202020204" pitchFamily="34" charset="0"/>
-              </a:rPr>
-              <a:t> </a:t>
-            </a:r>
-          </a:p>
-        </p:txBody>
-      </p:sp>
-    </p:spTree>
-  </p:cSld>
-  <p:clrMapOvr>
-    <a:masterClrMapping/>
-  </p:clrMapOvr>
-</p:sld>
-</file>
-
-<file path=ppt/slides/slide11.xml><?xml version="1.0" encoding="utf-8"?>
-<p:sld xmlns:a="http://schemas.openxmlformats.org/drawingml/2006/main" xmlns:r="http://schemas.openxmlformats.org/officeDocument/2006/relationships" xmlns:p="http://schemas.openxmlformats.org/presentationml/2006/main">
-  <p:cSld>
-    <p:spTree>
-      <p:nvGrpSpPr>
-        <p:cNvPr id="1" name="Shape 157"/>
-        <p:cNvGrpSpPr/>
-        <p:nvPr/>
-      </p:nvGrpSpPr>
-      <p:grpSpPr>
-        <a:xfrm>
-          <a:off x="0" y="0"/>
-          <a:ext cx="0" cy="0"/>
-          <a:chOff x="0" y="0"/>
-          <a:chExt cx="0" cy="0"/>
-        </a:xfrm>
-      </p:grpSpPr>
-      <p:sp>
-        <p:nvSpPr>
-          <p:cNvPr id="158" name="Google Shape;158;p17"/>
-          <p:cNvSpPr txBox="1">
-            <a:spLocks noGrp="1"/>
-          </p:cNvSpPr>
-          <p:nvPr>
-            <p:ph type="title"/>
-          </p:nvPr>
-        </p:nvSpPr>
-        <p:spPr>
-          <a:xfrm>
-            <a:off x="457200" y="-317"/>
-            <a:ext cx="8229600" cy="1143000"/>
-          </a:xfrm>
-          <a:prstGeom prst="rect">
-            <a:avLst/>
-          </a:prstGeom>
-          <a:noFill/>
-          <a:ln>
-            <a:noFill/>
-          </a:ln>
-        </p:spPr>
-        <p:txBody>
-          <a:bodyPr spcFirstLastPara="1" wrap="square" lIns="91425" tIns="45700" rIns="91425" bIns="45700" anchor="ctr" anchorCtr="0">
-            <a:normAutofit/>
-          </a:bodyPr>
-          <a:lstStyle/>
-          <a:p>
-            <a:pPr marL="0" lvl="0" indent="0" algn="ctr" rtl="0">
-              <a:spcBef>
-                <a:spcPts val="0"/>
-              </a:spcBef>
-              <a:spcAft>
-                <a:spcPts val="0"/>
-              </a:spcAft>
-              <a:buClr>
-                <a:schemeClr val="dk1"/>
-              </a:buClr>
-              <a:buSzPct val="100000"/>
-              <a:buFont typeface="Calibri"/>
-              <a:buNone/>
-            </a:pPr>
-            <a:r>
-              <a:rPr lang="en-US" sz="4400" b="1" dirty="0">
-                <a:latin typeface="Calibri"/>
-                <a:ea typeface="Calibri"/>
-                <a:cs typeface="Calibri"/>
-                <a:sym typeface="Calibri"/>
-              </a:rPr>
-              <a:t>Database schema</a:t>
-            </a:r>
-          </a:p>
-        </p:txBody>
-      </p:sp>
-      <p:sp>
-        <p:nvSpPr>
-          <p:cNvPr id="159" name="Google Shape;159;p17"/>
-          <p:cNvSpPr txBox="1">
-            <a:spLocks noGrp="1"/>
-          </p:cNvSpPr>
-          <p:nvPr>
-            <p:ph type="body" idx="1"/>
-          </p:nvPr>
-        </p:nvSpPr>
-        <p:spPr>
-          <a:xfrm>
-            <a:off x="387985" y="902335"/>
-            <a:ext cx="3760269" cy="5538470"/>
-          </a:xfrm>
-          <a:prstGeom prst="rect">
-            <a:avLst/>
-          </a:prstGeom>
-          <a:noFill/>
-          <a:ln>
-            <a:noFill/>
-          </a:ln>
-        </p:spPr>
-        <p:txBody>
-          <a:bodyPr spcFirstLastPara="1" wrap="square" lIns="91425" tIns="45700" rIns="91425" bIns="45700" anchor="t" anchorCtr="0">
-            <a:noAutofit/>
-          </a:bodyPr>
-          <a:lstStyle/>
-          <a:p>
-            <a:pPr marL="0" lvl="0" indent="0">
-              <a:lnSpc>
-                <a:spcPct val="150000"/>
-              </a:lnSpc>
-              <a:spcBef>
-                <a:spcPts val="640"/>
-              </a:spcBef>
-              <a:buClr>
-                <a:schemeClr val="lt1"/>
-              </a:buClr>
-              <a:buSzPts val="3200"/>
-              <a:buNone/>
-            </a:pPr>
-            <a:r>
-              <a:rPr lang="en-US" sz="1000" dirty="0" err="1">
-                <a:latin typeface="Calibri"/>
-                <a:ea typeface="Calibri"/>
-                <a:cs typeface="Calibri"/>
-                <a:sym typeface="Calibri"/>
-              </a:rPr>
-              <a:t>Firestore</a:t>
-            </a:r>
-            <a:endParaRPr lang="en-US" sz="1000" dirty="0">
-              <a:latin typeface="Calibri"/>
-              <a:ea typeface="Calibri"/>
-              <a:cs typeface="Calibri"/>
-              <a:sym typeface="Calibri"/>
-            </a:endParaRPr>
-          </a:p>
-          <a:p>
-            <a:pPr marL="0" lvl="0" indent="0">
-              <a:lnSpc>
-                <a:spcPct val="150000"/>
-              </a:lnSpc>
-              <a:spcBef>
-                <a:spcPts val="640"/>
-              </a:spcBef>
-              <a:buClr>
-                <a:schemeClr val="lt1"/>
-              </a:buClr>
-              <a:buSzPts val="3200"/>
-              <a:buNone/>
-            </a:pPr>
-            <a:r>
-              <a:rPr lang="en-US" sz="1000" dirty="0">
-                <a:latin typeface="Calibri"/>
-                <a:ea typeface="Calibri"/>
-                <a:cs typeface="Calibri"/>
-                <a:sym typeface="Calibri"/>
-              </a:rPr>
-              <a:t>|</a:t>
-            </a:r>
-          </a:p>
-          <a:p>
-            <a:pPr marL="0" lvl="0" indent="0">
-              <a:lnSpc>
-                <a:spcPct val="150000"/>
-              </a:lnSpc>
-              <a:spcBef>
-                <a:spcPts val="640"/>
-              </a:spcBef>
-              <a:buClr>
-                <a:schemeClr val="lt1"/>
-              </a:buClr>
-              <a:buSzPts val="3200"/>
-              <a:buNone/>
-            </a:pPr>
-            <a:r>
-              <a:rPr lang="en-US" sz="1000" dirty="0">
-                <a:latin typeface="Calibri"/>
-                <a:ea typeface="Calibri"/>
-                <a:cs typeface="Calibri"/>
-                <a:sym typeface="Calibri"/>
-              </a:rPr>
-              <a:t>|-- events (Collection)</a:t>
-            </a:r>
-          </a:p>
-          <a:p>
-            <a:pPr marL="0" lvl="0" indent="0">
-              <a:lnSpc>
-                <a:spcPct val="150000"/>
-              </a:lnSpc>
-              <a:spcBef>
-                <a:spcPts val="640"/>
-              </a:spcBef>
-              <a:buClr>
-                <a:schemeClr val="lt1"/>
-              </a:buClr>
-              <a:buSzPts val="3200"/>
-              <a:buNone/>
-            </a:pPr>
-            <a:r>
-              <a:rPr lang="en-US" sz="1000" dirty="0">
-                <a:latin typeface="Calibri"/>
-                <a:ea typeface="Calibri"/>
-                <a:cs typeface="Calibri"/>
-                <a:sym typeface="Calibri"/>
-              </a:rPr>
-              <a:t>|   |-- </a:t>
-            </a:r>
-            <a:r>
-              <a:rPr lang="en-US" sz="1000" dirty="0" err="1">
-                <a:latin typeface="Calibri"/>
-                <a:ea typeface="Calibri"/>
-                <a:cs typeface="Calibri"/>
-                <a:sym typeface="Calibri"/>
-              </a:rPr>
-              <a:t>eventID</a:t>
-            </a:r>
-            <a:r>
-              <a:rPr lang="en-US" sz="1000" dirty="0">
-                <a:latin typeface="Calibri"/>
-                <a:ea typeface="Calibri"/>
-                <a:cs typeface="Calibri"/>
-                <a:sym typeface="Calibri"/>
-              </a:rPr>
-              <a:t> (Document)</a:t>
-            </a:r>
-          </a:p>
-          <a:p>
-            <a:pPr marL="0" lvl="0" indent="0">
-              <a:lnSpc>
-                <a:spcPct val="150000"/>
-              </a:lnSpc>
-              <a:spcBef>
-                <a:spcPts val="640"/>
-              </a:spcBef>
-              <a:buClr>
-                <a:schemeClr val="lt1"/>
-              </a:buClr>
-              <a:buSzPts val="3200"/>
-              <a:buNone/>
-            </a:pPr>
-            <a:r>
-              <a:rPr lang="en-US" sz="1000" dirty="0">
-                <a:latin typeface="Calibri"/>
-                <a:ea typeface="Calibri"/>
-                <a:cs typeface="Calibri"/>
-                <a:sym typeface="Calibri"/>
-              </a:rPr>
-              <a:t>|       |-- </a:t>
-            </a:r>
-            <a:r>
-              <a:rPr lang="en-US" sz="1000" dirty="0" err="1">
-                <a:latin typeface="Calibri"/>
-                <a:ea typeface="Calibri"/>
-                <a:cs typeface="Calibri"/>
-                <a:sym typeface="Calibri"/>
-              </a:rPr>
-              <a:t>eventTitle</a:t>
-            </a:r>
-            <a:r>
-              <a:rPr lang="en-US" sz="1000" dirty="0">
-                <a:latin typeface="Calibri"/>
-                <a:ea typeface="Calibri"/>
-                <a:cs typeface="Calibri"/>
-                <a:sym typeface="Calibri"/>
-              </a:rPr>
-              <a:t>: String</a:t>
-            </a:r>
-          </a:p>
-          <a:p>
-            <a:pPr marL="0" lvl="0" indent="0">
-              <a:lnSpc>
-                <a:spcPct val="150000"/>
-              </a:lnSpc>
-              <a:spcBef>
-                <a:spcPts val="640"/>
-              </a:spcBef>
-              <a:buClr>
-                <a:schemeClr val="lt1"/>
-              </a:buClr>
-              <a:buSzPts val="3200"/>
-              <a:buNone/>
-            </a:pPr>
-            <a:r>
-              <a:rPr lang="en-US" sz="1000" dirty="0">
-                <a:latin typeface="Calibri"/>
-                <a:ea typeface="Calibri"/>
-                <a:cs typeface="Calibri"/>
-                <a:sym typeface="Calibri"/>
-              </a:rPr>
-              <a:t>|       |-- </a:t>
-            </a:r>
-            <a:r>
-              <a:rPr lang="en-US" sz="1000" dirty="0" err="1">
-                <a:latin typeface="Calibri"/>
-                <a:ea typeface="Calibri"/>
-                <a:cs typeface="Calibri"/>
-                <a:sym typeface="Calibri"/>
-              </a:rPr>
-              <a:t>eventURL</a:t>
-            </a:r>
-            <a:r>
-              <a:rPr lang="en-US" sz="1000" dirty="0">
-                <a:latin typeface="Calibri"/>
-                <a:ea typeface="Calibri"/>
-                <a:cs typeface="Calibri"/>
-                <a:sym typeface="Calibri"/>
-              </a:rPr>
-              <a:t>: String</a:t>
-            </a:r>
-          </a:p>
-          <a:p>
-            <a:pPr marL="0" lvl="0" indent="0">
-              <a:lnSpc>
-                <a:spcPct val="150000"/>
-              </a:lnSpc>
-              <a:spcBef>
-                <a:spcPts val="640"/>
-              </a:spcBef>
-              <a:buClr>
-                <a:schemeClr val="lt1"/>
-              </a:buClr>
-              <a:buSzPts val="3200"/>
-              <a:buNone/>
-            </a:pPr>
-            <a:r>
-              <a:rPr lang="en-US" sz="1000" dirty="0">
-                <a:latin typeface="Calibri"/>
-                <a:ea typeface="Calibri"/>
-                <a:cs typeface="Calibri"/>
-                <a:sym typeface="Calibri"/>
-              </a:rPr>
-              <a:t>|       |-- </a:t>
-            </a:r>
-            <a:r>
-              <a:rPr lang="en-US" sz="1000" dirty="0" err="1">
-                <a:latin typeface="Calibri"/>
-                <a:ea typeface="Calibri"/>
-                <a:cs typeface="Calibri"/>
-                <a:sym typeface="Calibri"/>
-              </a:rPr>
-              <a:t>eventPhoto</a:t>
-            </a:r>
-            <a:r>
-              <a:rPr lang="en-US" sz="1000" dirty="0">
-                <a:latin typeface="Calibri"/>
-                <a:ea typeface="Calibri"/>
-                <a:cs typeface="Calibri"/>
-                <a:sym typeface="Calibri"/>
-              </a:rPr>
-              <a:t>: String</a:t>
-            </a:r>
-          </a:p>
-          <a:p>
-            <a:pPr marL="0" lvl="0" indent="0">
-              <a:lnSpc>
-                <a:spcPct val="150000"/>
-              </a:lnSpc>
-              <a:spcBef>
-                <a:spcPts val="640"/>
-              </a:spcBef>
-              <a:buClr>
-                <a:schemeClr val="lt1"/>
-              </a:buClr>
-              <a:buSzPts val="3200"/>
-              <a:buNone/>
-            </a:pPr>
-            <a:r>
-              <a:rPr lang="en-US" sz="1000" dirty="0">
-                <a:latin typeface="Calibri"/>
-                <a:ea typeface="Calibri"/>
-                <a:cs typeface="Calibri"/>
-                <a:sym typeface="Calibri"/>
-              </a:rPr>
-              <a:t>|       |-- </a:t>
-            </a:r>
-            <a:r>
-              <a:rPr lang="en-US" sz="1000" dirty="0" err="1">
-                <a:latin typeface="Calibri"/>
-                <a:ea typeface="Calibri"/>
-                <a:cs typeface="Calibri"/>
-                <a:sym typeface="Calibri"/>
-              </a:rPr>
-              <a:t>eventLocation</a:t>
-            </a:r>
-            <a:r>
-              <a:rPr lang="en-US" sz="1000" dirty="0">
-                <a:latin typeface="Calibri"/>
-                <a:ea typeface="Calibri"/>
-                <a:cs typeface="Calibri"/>
-                <a:sym typeface="Calibri"/>
-              </a:rPr>
-              <a:t>: String</a:t>
-            </a:r>
-          </a:p>
-          <a:p>
-            <a:pPr marL="0" lvl="0" indent="0">
-              <a:lnSpc>
-                <a:spcPct val="150000"/>
-              </a:lnSpc>
-              <a:spcBef>
-                <a:spcPts val="640"/>
-              </a:spcBef>
-              <a:buClr>
-                <a:schemeClr val="lt1"/>
-              </a:buClr>
-              <a:buSzPts val="3200"/>
-              <a:buNone/>
-            </a:pPr>
-            <a:r>
-              <a:rPr lang="en-US" sz="1000" dirty="0">
-                <a:latin typeface="Calibri"/>
-                <a:ea typeface="Calibri"/>
-                <a:cs typeface="Calibri"/>
-                <a:sym typeface="Calibri"/>
-              </a:rPr>
-              <a:t>|       |-- </a:t>
-            </a:r>
-            <a:r>
-              <a:rPr lang="en-US" sz="1000" dirty="0" err="1">
-                <a:latin typeface="Calibri"/>
-                <a:ea typeface="Calibri"/>
-                <a:cs typeface="Calibri"/>
-                <a:sym typeface="Calibri"/>
-              </a:rPr>
-              <a:t>eventStartTime</a:t>
-            </a:r>
-            <a:r>
-              <a:rPr lang="en-US" sz="1000" dirty="0">
-                <a:latin typeface="Calibri"/>
-                <a:ea typeface="Calibri"/>
-                <a:cs typeface="Calibri"/>
-                <a:sym typeface="Calibri"/>
-              </a:rPr>
-              <a:t>: Timestamp</a:t>
-            </a:r>
-          </a:p>
-          <a:p>
-            <a:pPr marL="0" lvl="0" indent="0">
-              <a:lnSpc>
-                <a:spcPct val="150000"/>
-              </a:lnSpc>
-              <a:spcBef>
-                <a:spcPts val="640"/>
-              </a:spcBef>
-              <a:buClr>
-                <a:schemeClr val="lt1"/>
-              </a:buClr>
-              <a:buSzPts val="3200"/>
-              <a:buNone/>
-            </a:pPr>
-            <a:r>
-              <a:rPr lang="en-US" sz="1000" dirty="0">
-                <a:latin typeface="Calibri"/>
-                <a:ea typeface="Calibri"/>
-                <a:cs typeface="Calibri"/>
-                <a:sym typeface="Calibri"/>
-              </a:rPr>
-              <a:t>|       |-- </a:t>
-            </a:r>
-            <a:r>
-              <a:rPr lang="en-US" sz="1000" dirty="0" err="1">
-                <a:latin typeface="Calibri"/>
-                <a:ea typeface="Calibri"/>
-                <a:cs typeface="Calibri"/>
-                <a:sym typeface="Calibri"/>
-              </a:rPr>
-              <a:t>eventEndTime</a:t>
-            </a:r>
-            <a:r>
-              <a:rPr lang="en-US" sz="1000" dirty="0">
-                <a:latin typeface="Calibri"/>
-                <a:ea typeface="Calibri"/>
-                <a:cs typeface="Calibri"/>
-                <a:sym typeface="Calibri"/>
-              </a:rPr>
-              <a:t>: Timestamp</a:t>
-            </a:r>
-          </a:p>
-          <a:p>
-            <a:pPr marL="0" lvl="0" indent="0">
-              <a:lnSpc>
-                <a:spcPct val="150000"/>
-              </a:lnSpc>
-              <a:spcBef>
-                <a:spcPts val="640"/>
-              </a:spcBef>
-              <a:buClr>
-                <a:schemeClr val="lt1"/>
-              </a:buClr>
-              <a:buSzPts val="3200"/>
-              <a:buNone/>
-            </a:pPr>
-            <a:r>
-              <a:rPr lang="en-US" sz="1000" dirty="0">
-                <a:latin typeface="Calibri"/>
-                <a:ea typeface="Calibri"/>
-                <a:cs typeface="Calibri"/>
-                <a:sym typeface="Calibri"/>
-              </a:rPr>
-              <a:t>|       |-- </a:t>
-            </a:r>
-            <a:r>
-              <a:rPr lang="en-US" sz="1000" dirty="0" err="1">
-                <a:latin typeface="Calibri"/>
-                <a:ea typeface="Calibri"/>
-                <a:cs typeface="Calibri"/>
-                <a:sym typeface="Calibri"/>
-              </a:rPr>
-              <a:t>eventDescription</a:t>
-            </a:r>
-            <a:r>
-              <a:rPr lang="en-US" sz="1000" dirty="0">
-                <a:latin typeface="Calibri"/>
-                <a:ea typeface="Calibri"/>
-                <a:cs typeface="Calibri"/>
-                <a:sym typeface="Calibri"/>
-              </a:rPr>
-              <a:t>: String</a:t>
-            </a:r>
-          </a:p>
-          <a:p>
-            <a:pPr marL="0" lvl="0" indent="0">
-              <a:lnSpc>
-                <a:spcPct val="150000"/>
-              </a:lnSpc>
-              <a:spcBef>
-                <a:spcPts val="640"/>
-              </a:spcBef>
-              <a:buClr>
-                <a:schemeClr val="lt1"/>
-              </a:buClr>
-              <a:buSzPts val="3200"/>
-              <a:buNone/>
-            </a:pPr>
-            <a:r>
-              <a:rPr lang="en-US" sz="1000" dirty="0">
-                <a:latin typeface="Calibri"/>
-                <a:ea typeface="Calibri"/>
-                <a:cs typeface="Calibri"/>
-                <a:sym typeface="Calibri"/>
-              </a:rPr>
-              <a:t>|       |-- </a:t>
-            </a:r>
-            <a:r>
-              <a:rPr lang="en-US" sz="1000" dirty="0" err="1">
-                <a:latin typeface="Calibri"/>
-                <a:ea typeface="Calibri"/>
-                <a:cs typeface="Calibri"/>
-                <a:sym typeface="Calibri"/>
-              </a:rPr>
-              <a:t>eventPoints</a:t>
-            </a:r>
-            <a:r>
-              <a:rPr lang="en-US" sz="1000" dirty="0">
-                <a:latin typeface="Calibri"/>
-                <a:ea typeface="Calibri"/>
-                <a:cs typeface="Calibri"/>
-                <a:sym typeface="Calibri"/>
-              </a:rPr>
-              <a:t>: Integer</a:t>
-            </a:r>
-          </a:p>
-          <a:p>
-            <a:pPr marL="0" lvl="0" indent="0">
-              <a:lnSpc>
-                <a:spcPct val="150000"/>
-              </a:lnSpc>
-              <a:spcBef>
-                <a:spcPts val="640"/>
-              </a:spcBef>
-              <a:buClr>
-                <a:schemeClr val="lt1"/>
-              </a:buClr>
-              <a:buSzPts val="3200"/>
-              <a:buNone/>
-            </a:pPr>
-            <a:r>
-              <a:rPr lang="en-US" sz="1000" dirty="0">
-                <a:latin typeface="Calibri"/>
-                <a:ea typeface="Calibri"/>
-                <a:cs typeface="Calibri"/>
-                <a:sym typeface="Calibri"/>
-              </a:rPr>
-              <a:t>|       |-- </a:t>
-            </a:r>
-            <a:r>
-              <a:rPr lang="en-US" sz="1000" dirty="0" err="1">
-                <a:latin typeface="Calibri"/>
-                <a:ea typeface="Calibri"/>
-                <a:cs typeface="Calibri"/>
-                <a:sym typeface="Calibri"/>
-              </a:rPr>
-              <a:t>savedUsers</a:t>
-            </a:r>
-            <a:r>
-              <a:rPr lang="en-US" sz="1000" dirty="0">
-                <a:latin typeface="Calibri"/>
-                <a:ea typeface="Calibri"/>
-                <a:cs typeface="Calibri"/>
-                <a:sym typeface="Calibri"/>
-              </a:rPr>
-              <a:t>: Array&lt;String&gt;</a:t>
-            </a:r>
-          </a:p>
-          <a:p>
-            <a:pPr marL="0" lvl="0" indent="0">
-              <a:lnSpc>
-                <a:spcPct val="150000"/>
-              </a:lnSpc>
-              <a:spcBef>
-                <a:spcPts val="640"/>
-              </a:spcBef>
-              <a:buClr>
-                <a:schemeClr val="lt1"/>
-              </a:buClr>
-              <a:buSzPts val="3200"/>
-              <a:buNone/>
-            </a:pPr>
-            <a:endParaRPr lang="en-US" sz="1000" dirty="0">
-              <a:latin typeface="Calibri"/>
-              <a:ea typeface="Calibri"/>
-              <a:cs typeface="Calibri"/>
-              <a:sym typeface="Calibri"/>
-            </a:endParaRPr>
-          </a:p>
-        </p:txBody>
-      </p:sp>
-      <p:sp>
-        <p:nvSpPr>
-          <p:cNvPr id="2" name="Slide Number Placeholder 1"/>
-          <p:cNvSpPr>
-            <a:spLocks noGrp="1"/>
-          </p:cNvSpPr>
-          <p:nvPr>
-            <p:ph type="sldNum" idx="12"/>
-          </p:nvPr>
-        </p:nvSpPr>
-        <p:spPr/>
-        <p:txBody>
-          <a:bodyPr/>
-          <a:lstStyle/>
-          <a:p>
-            <a:pPr marL="0" lvl="0" indent="0" algn="r" rtl="0">
-              <a:spcBef>
-                <a:spcPts val="0"/>
-              </a:spcBef>
-              <a:spcAft>
-                <a:spcPts val="0"/>
-              </a:spcAft>
-              <a:buNone/>
-            </a:pPr>
-            <a:fld id="{00000000-1234-1234-1234-123412341234}" type="slidenum">
-              <a:rPr lang="en-US"/>
-              <a:t>11</a:t>
-            </a:fld>
-            <a:endParaRPr lang="en-US"/>
-          </a:p>
-        </p:txBody>
-      </p:sp>
-      <p:sp>
-        <p:nvSpPr>
-          <p:cNvPr id="3" name="TextBox 2">
-            <a:extLst>
-              <a:ext uri="{FF2B5EF4-FFF2-40B4-BE49-F238E27FC236}">
-                <a16:creationId xmlns:a16="http://schemas.microsoft.com/office/drawing/2014/main" id="{EB2767E9-9BB5-DE37-F155-C8F8935210D4}"/>
-              </a:ext>
-            </a:extLst>
-          </p:cNvPr>
-          <p:cNvSpPr txBox="1"/>
-          <p:nvPr/>
-        </p:nvSpPr>
-        <p:spPr>
-          <a:xfrm>
-            <a:off x="4680167" y="902335"/>
-            <a:ext cx="3474720" cy="4231928"/>
-          </a:xfrm>
-          <a:prstGeom prst="rect">
-            <a:avLst/>
-          </a:prstGeom>
-          <a:noFill/>
-        </p:spPr>
-        <p:txBody>
-          <a:bodyPr wrap="square" rtlCol="0">
-            <a:spAutoFit/>
-          </a:bodyPr>
-          <a:lstStyle/>
-          <a:p>
-            <a:pPr marL="0" lvl="0" indent="0">
-              <a:lnSpc>
-                <a:spcPct val="150000"/>
-              </a:lnSpc>
-              <a:spcBef>
-                <a:spcPts val="640"/>
-              </a:spcBef>
-              <a:buClr>
-                <a:schemeClr val="lt1"/>
-              </a:buClr>
-              <a:buSzPts val="3200"/>
-              <a:buNone/>
-            </a:pPr>
-            <a:endParaRPr lang="en-US" sz="1000" dirty="0">
-              <a:solidFill>
-                <a:schemeClr val="lt1"/>
-              </a:solidFill>
-              <a:latin typeface="Calibri"/>
-              <a:ea typeface="Calibri"/>
-              <a:cs typeface="Calibri"/>
-              <a:sym typeface="Calibri"/>
-            </a:endParaRPr>
-          </a:p>
-          <a:p>
-            <a:pPr marL="0" lvl="0" indent="0">
-              <a:lnSpc>
-                <a:spcPct val="150000"/>
-              </a:lnSpc>
-              <a:spcBef>
-                <a:spcPts val="640"/>
-              </a:spcBef>
-              <a:buClr>
-                <a:schemeClr val="lt1"/>
-              </a:buClr>
-              <a:buSzPts val="3200"/>
-              <a:buNone/>
-            </a:pPr>
-            <a:endParaRPr lang="en-US" sz="1000" dirty="0">
-              <a:solidFill>
-                <a:schemeClr val="lt1"/>
-              </a:solidFill>
-              <a:latin typeface="Calibri"/>
-              <a:ea typeface="Calibri"/>
-              <a:cs typeface="Calibri"/>
-              <a:sym typeface="Calibri"/>
-            </a:endParaRPr>
-          </a:p>
-          <a:p>
-            <a:pPr marL="0" lvl="0" indent="0">
-              <a:lnSpc>
-                <a:spcPct val="150000"/>
-              </a:lnSpc>
-              <a:spcBef>
-                <a:spcPts val="640"/>
-              </a:spcBef>
-              <a:buClr>
-                <a:schemeClr val="lt1"/>
-              </a:buClr>
-              <a:buSzPts val="3200"/>
-              <a:buNone/>
-            </a:pPr>
-            <a:r>
-              <a:rPr lang="en-US" sz="1000" dirty="0">
-                <a:solidFill>
-                  <a:schemeClr val="lt1"/>
-                </a:solidFill>
-                <a:latin typeface="Calibri"/>
-                <a:ea typeface="Calibri"/>
-                <a:cs typeface="Calibri"/>
-                <a:sym typeface="Calibri"/>
-              </a:rPr>
-              <a:t>|-- users (Collection)</a:t>
-            </a:r>
-          </a:p>
-          <a:p>
-            <a:pPr marL="0" lvl="0" indent="0">
-              <a:lnSpc>
-                <a:spcPct val="150000"/>
-              </a:lnSpc>
-              <a:spcBef>
-                <a:spcPts val="640"/>
-              </a:spcBef>
-              <a:buClr>
-                <a:schemeClr val="lt1"/>
-              </a:buClr>
-              <a:buSzPts val="3200"/>
-              <a:buNone/>
-            </a:pPr>
-            <a:r>
-              <a:rPr lang="en-US" sz="1000" dirty="0">
-                <a:solidFill>
-                  <a:schemeClr val="lt1"/>
-                </a:solidFill>
-                <a:latin typeface="Calibri"/>
-                <a:ea typeface="Calibri"/>
-                <a:cs typeface="Calibri"/>
-                <a:sym typeface="Calibri"/>
-              </a:rPr>
-              <a:t>|   |-- </a:t>
-            </a:r>
-            <a:r>
-              <a:rPr lang="en-US" sz="1000" dirty="0" err="1">
-                <a:solidFill>
-                  <a:schemeClr val="lt1"/>
-                </a:solidFill>
-                <a:latin typeface="Calibri"/>
-                <a:ea typeface="Calibri"/>
-                <a:cs typeface="Calibri"/>
-                <a:sym typeface="Calibri"/>
-              </a:rPr>
-              <a:t>userUID</a:t>
-            </a:r>
-            <a:r>
-              <a:rPr lang="en-US" sz="1000" dirty="0">
-                <a:solidFill>
-                  <a:schemeClr val="lt1"/>
-                </a:solidFill>
-                <a:latin typeface="Calibri"/>
-                <a:ea typeface="Calibri"/>
-                <a:cs typeface="Calibri"/>
-                <a:sym typeface="Calibri"/>
-              </a:rPr>
-              <a:t> (Document)</a:t>
-            </a:r>
-          </a:p>
-          <a:p>
-            <a:pPr marL="0" lvl="0" indent="0">
-              <a:lnSpc>
-                <a:spcPct val="150000"/>
-              </a:lnSpc>
-              <a:spcBef>
-                <a:spcPts val="640"/>
-              </a:spcBef>
-              <a:buClr>
-                <a:schemeClr val="lt1"/>
-              </a:buClr>
-              <a:buSzPts val="3200"/>
-              <a:buNone/>
-            </a:pPr>
-            <a:r>
-              <a:rPr lang="en-US" sz="1000" dirty="0">
-                <a:solidFill>
-                  <a:schemeClr val="lt1"/>
-                </a:solidFill>
-                <a:latin typeface="Calibri"/>
-                <a:ea typeface="Calibri"/>
-                <a:cs typeface="Calibri"/>
-                <a:sym typeface="Calibri"/>
-              </a:rPr>
-              <a:t>|       |-- </a:t>
-            </a:r>
-            <a:r>
-              <a:rPr lang="en-US" sz="1000" dirty="0" err="1">
-                <a:solidFill>
-                  <a:schemeClr val="lt1"/>
-                </a:solidFill>
-                <a:latin typeface="Calibri"/>
-                <a:ea typeface="Calibri"/>
-                <a:cs typeface="Calibri"/>
-                <a:sym typeface="Calibri"/>
-              </a:rPr>
-              <a:t>firstName</a:t>
-            </a:r>
-            <a:r>
-              <a:rPr lang="en-US" sz="1000" dirty="0">
-                <a:solidFill>
-                  <a:schemeClr val="lt1"/>
-                </a:solidFill>
-                <a:latin typeface="Calibri"/>
-                <a:ea typeface="Calibri"/>
-                <a:cs typeface="Calibri"/>
-                <a:sym typeface="Calibri"/>
-              </a:rPr>
-              <a:t>: String</a:t>
-            </a:r>
-          </a:p>
-          <a:p>
-            <a:pPr marL="0" lvl="0" indent="0">
-              <a:lnSpc>
-                <a:spcPct val="150000"/>
-              </a:lnSpc>
-              <a:spcBef>
-                <a:spcPts val="640"/>
-              </a:spcBef>
-              <a:buClr>
-                <a:schemeClr val="lt1"/>
-              </a:buClr>
-              <a:buSzPts val="3200"/>
-              <a:buNone/>
-            </a:pPr>
-            <a:r>
-              <a:rPr lang="en-US" sz="1000" dirty="0">
-                <a:solidFill>
-                  <a:schemeClr val="lt1"/>
-                </a:solidFill>
-                <a:latin typeface="Calibri"/>
-                <a:ea typeface="Calibri"/>
-                <a:cs typeface="Calibri"/>
-                <a:sym typeface="Calibri"/>
-              </a:rPr>
-              <a:t>|       |-- </a:t>
-            </a:r>
-            <a:r>
-              <a:rPr lang="en-US" sz="1000" dirty="0" err="1">
-                <a:solidFill>
-                  <a:schemeClr val="lt1"/>
-                </a:solidFill>
-                <a:latin typeface="Calibri"/>
-                <a:ea typeface="Calibri"/>
-                <a:cs typeface="Calibri"/>
-                <a:sym typeface="Calibri"/>
-              </a:rPr>
-              <a:t>lastName</a:t>
-            </a:r>
-            <a:r>
-              <a:rPr lang="en-US" sz="1000" dirty="0">
-                <a:solidFill>
-                  <a:schemeClr val="lt1"/>
-                </a:solidFill>
-                <a:latin typeface="Calibri"/>
-                <a:ea typeface="Calibri"/>
-                <a:cs typeface="Calibri"/>
-                <a:sym typeface="Calibri"/>
-              </a:rPr>
-              <a:t>: String</a:t>
-            </a:r>
-          </a:p>
-          <a:p>
-            <a:pPr marL="0" lvl="0" indent="0">
-              <a:lnSpc>
-                <a:spcPct val="150000"/>
-              </a:lnSpc>
-              <a:spcBef>
-                <a:spcPts val="640"/>
-              </a:spcBef>
-              <a:buClr>
-                <a:schemeClr val="lt1"/>
-              </a:buClr>
-              <a:buSzPts val="3200"/>
-              <a:buNone/>
-            </a:pPr>
-            <a:r>
-              <a:rPr lang="en-US" sz="1000" dirty="0">
-                <a:solidFill>
-                  <a:schemeClr val="lt1"/>
-                </a:solidFill>
-                <a:latin typeface="Calibri"/>
-                <a:ea typeface="Calibri"/>
-                <a:cs typeface="Calibri"/>
-                <a:sym typeface="Calibri"/>
-              </a:rPr>
-              <a:t>|       |-- </a:t>
-            </a:r>
-            <a:r>
-              <a:rPr lang="en-US" sz="1000" dirty="0" err="1">
-                <a:solidFill>
-                  <a:schemeClr val="lt1"/>
-                </a:solidFill>
-                <a:latin typeface="Calibri"/>
-                <a:ea typeface="Calibri"/>
-                <a:cs typeface="Calibri"/>
-                <a:sym typeface="Calibri"/>
-              </a:rPr>
-              <a:t>userProfileURL</a:t>
-            </a:r>
-            <a:r>
-              <a:rPr lang="en-US" sz="1000" dirty="0">
-                <a:solidFill>
-                  <a:schemeClr val="lt1"/>
-                </a:solidFill>
-                <a:latin typeface="Calibri"/>
-                <a:ea typeface="Calibri"/>
-                <a:cs typeface="Calibri"/>
-                <a:sym typeface="Calibri"/>
-              </a:rPr>
-              <a:t>: String</a:t>
-            </a:r>
-          </a:p>
-          <a:p>
-            <a:pPr marL="0" lvl="0" indent="0">
-              <a:lnSpc>
-                <a:spcPct val="150000"/>
-              </a:lnSpc>
-              <a:spcBef>
-                <a:spcPts val="640"/>
-              </a:spcBef>
-              <a:buClr>
-                <a:schemeClr val="lt1"/>
-              </a:buClr>
-              <a:buSzPts val="3200"/>
-              <a:buNone/>
-            </a:pPr>
-            <a:r>
-              <a:rPr lang="en-US" sz="1000" dirty="0">
-                <a:solidFill>
-                  <a:schemeClr val="lt1"/>
-                </a:solidFill>
-                <a:latin typeface="Calibri"/>
-                <a:ea typeface="Calibri"/>
-                <a:cs typeface="Calibri"/>
-                <a:sym typeface="Calibri"/>
-              </a:rPr>
-              <a:t>|       |-- </a:t>
-            </a:r>
-            <a:r>
-              <a:rPr lang="en-US" sz="1000" dirty="0" err="1">
-                <a:solidFill>
-                  <a:schemeClr val="lt1"/>
-                </a:solidFill>
-                <a:latin typeface="Calibri"/>
-                <a:ea typeface="Calibri"/>
-                <a:cs typeface="Calibri"/>
-                <a:sym typeface="Calibri"/>
-              </a:rPr>
-              <a:t>userBUID</a:t>
-            </a:r>
-            <a:r>
-              <a:rPr lang="en-US" sz="1000" dirty="0">
-                <a:solidFill>
-                  <a:schemeClr val="lt1"/>
-                </a:solidFill>
-                <a:latin typeface="Calibri"/>
-                <a:ea typeface="Calibri"/>
-                <a:cs typeface="Calibri"/>
-                <a:sym typeface="Calibri"/>
-              </a:rPr>
-              <a:t>: String</a:t>
-            </a:r>
-          </a:p>
-          <a:p>
-            <a:pPr marL="0" lvl="0" indent="0">
-              <a:lnSpc>
-                <a:spcPct val="150000"/>
-              </a:lnSpc>
-              <a:spcBef>
-                <a:spcPts val="640"/>
-              </a:spcBef>
-              <a:buClr>
-                <a:schemeClr val="lt1"/>
-              </a:buClr>
-              <a:buSzPts val="3200"/>
-              <a:buNone/>
-            </a:pPr>
-            <a:r>
-              <a:rPr lang="en-US" sz="1000" dirty="0">
-                <a:solidFill>
-                  <a:schemeClr val="lt1"/>
-                </a:solidFill>
-                <a:latin typeface="Calibri"/>
-                <a:ea typeface="Calibri"/>
-                <a:cs typeface="Calibri"/>
-                <a:sym typeface="Calibri"/>
-              </a:rPr>
-              <a:t>|       |-- </a:t>
-            </a:r>
-            <a:r>
-              <a:rPr lang="en-US" sz="1000" dirty="0" err="1">
-                <a:solidFill>
-                  <a:schemeClr val="lt1"/>
-                </a:solidFill>
-                <a:latin typeface="Calibri"/>
-                <a:ea typeface="Calibri"/>
-                <a:cs typeface="Calibri"/>
-                <a:sym typeface="Calibri"/>
-              </a:rPr>
-              <a:t>userEmail</a:t>
-            </a:r>
-            <a:r>
-              <a:rPr lang="en-US" sz="1000" dirty="0">
-                <a:solidFill>
-                  <a:schemeClr val="lt1"/>
-                </a:solidFill>
-                <a:latin typeface="Calibri"/>
-                <a:ea typeface="Calibri"/>
-                <a:cs typeface="Calibri"/>
-                <a:sym typeface="Calibri"/>
-              </a:rPr>
-              <a:t>: String</a:t>
-            </a:r>
-          </a:p>
-          <a:p>
-            <a:pPr marL="0" lvl="0" indent="0">
-              <a:lnSpc>
-                <a:spcPct val="150000"/>
-              </a:lnSpc>
-              <a:spcBef>
-                <a:spcPts val="640"/>
-              </a:spcBef>
-              <a:buClr>
-                <a:schemeClr val="lt1"/>
-              </a:buClr>
-              <a:buSzPts val="3200"/>
-              <a:buNone/>
-            </a:pPr>
-            <a:r>
-              <a:rPr lang="en-US" sz="1000" dirty="0">
-                <a:solidFill>
-                  <a:schemeClr val="lt1"/>
-                </a:solidFill>
-                <a:latin typeface="Calibri"/>
-                <a:ea typeface="Calibri"/>
-                <a:cs typeface="Calibri"/>
-                <a:sym typeface="Calibri"/>
-              </a:rPr>
-              <a:t>|       |-- </a:t>
-            </a:r>
-            <a:r>
-              <a:rPr lang="en-US" sz="1000" dirty="0" err="1">
-                <a:solidFill>
-                  <a:schemeClr val="lt1"/>
-                </a:solidFill>
-                <a:latin typeface="Calibri"/>
-                <a:ea typeface="Calibri"/>
-                <a:cs typeface="Calibri"/>
-                <a:sym typeface="Calibri"/>
-              </a:rPr>
-              <a:t>userSchool</a:t>
-            </a:r>
-            <a:r>
-              <a:rPr lang="en-US" sz="1000" dirty="0">
-                <a:solidFill>
-                  <a:schemeClr val="lt1"/>
-                </a:solidFill>
-                <a:latin typeface="Calibri"/>
-                <a:ea typeface="Calibri"/>
-                <a:cs typeface="Calibri"/>
-                <a:sym typeface="Calibri"/>
-              </a:rPr>
-              <a:t>: String</a:t>
-            </a:r>
-          </a:p>
-          <a:p>
-            <a:pPr marL="0" lvl="0" indent="0">
-              <a:lnSpc>
-                <a:spcPct val="150000"/>
-              </a:lnSpc>
-              <a:spcBef>
-                <a:spcPts val="640"/>
-              </a:spcBef>
-              <a:buClr>
-                <a:schemeClr val="lt1"/>
-              </a:buClr>
-              <a:buSzPts val="3200"/>
-              <a:buNone/>
-            </a:pPr>
-            <a:r>
-              <a:rPr lang="en-US" sz="1000" dirty="0">
-                <a:solidFill>
-                  <a:schemeClr val="lt1"/>
-                </a:solidFill>
-                <a:latin typeface="Calibri"/>
-                <a:ea typeface="Calibri"/>
-                <a:cs typeface="Calibri"/>
-                <a:sym typeface="Calibri"/>
-              </a:rPr>
-              <a:t>|       |-- </a:t>
-            </a:r>
-            <a:r>
-              <a:rPr lang="en-US" sz="1000" dirty="0" err="1">
-                <a:solidFill>
-                  <a:schemeClr val="lt1"/>
-                </a:solidFill>
-                <a:latin typeface="Calibri"/>
-                <a:ea typeface="Calibri"/>
-                <a:cs typeface="Calibri"/>
-                <a:sym typeface="Calibri"/>
-              </a:rPr>
-              <a:t>userYear</a:t>
-            </a:r>
-            <a:r>
-              <a:rPr lang="en-US" sz="1000" dirty="0">
-                <a:solidFill>
-                  <a:schemeClr val="lt1"/>
-                </a:solidFill>
-                <a:latin typeface="Calibri"/>
-                <a:ea typeface="Calibri"/>
-                <a:cs typeface="Calibri"/>
-                <a:sym typeface="Calibri"/>
-              </a:rPr>
-              <a:t>: String</a:t>
-            </a:r>
-          </a:p>
-          <a:p>
-            <a:pPr marL="0" lvl="0" indent="0">
-              <a:lnSpc>
-                <a:spcPct val="150000"/>
-              </a:lnSpc>
-              <a:spcBef>
-                <a:spcPts val="640"/>
-              </a:spcBef>
-              <a:buClr>
-                <a:schemeClr val="lt1"/>
-              </a:buClr>
-              <a:buSzPts val="3200"/>
-              <a:buNone/>
-            </a:pPr>
-            <a:r>
-              <a:rPr lang="en-US" sz="1000" dirty="0">
-                <a:solidFill>
-                  <a:schemeClr val="lt1"/>
-                </a:solidFill>
-                <a:latin typeface="Calibri"/>
-                <a:ea typeface="Calibri"/>
-                <a:cs typeface="Calibri"/>
-                <a:sym typeface="Calibri"/>
-              </a:rPr>
-              <a:t>|       |-- </a:t>
-            </a:r>
-            <a:r>
-              <a:rPr lang="en-US" sz="1000" dirty="0" err="1">
-                <a:solidFill>
-                  <a:schemeClr val="lt1"/>
-                </a:solidFill>
-                <a:latin typeface="Calibri"/>
-                <a:ea typeface="Calibri"/>
-                <a:cs typeface="Calibri"/>
-                <a:sym typeface="Calibri"/>
-              </a:rPr>
-              <a:t>userPoints</a:t>
-            </a:r>
-            <a:r>
-              <a:rPr lang="en-US" sz="1000" dirty="0">
-                <a:solidFill>
-                  <a:schemeClr val="lt1"/>
-                </a:solidFill>
-                <a:latin typeface="Calibri"/>
-                <a:ea typeface="Calibri"/>
-                <a:cs typeface="Calibri"/>
-                <a:sym typeface="Calibri"/>
-              </a:rPr>
-              <a:t>: Integer</a:t>
-            </a:r>
-          </a:p>
-          <a:p>
-            <a:pPr marL="0" indent="0">
-              <a:lnSpc>
-                <a:spcPct val="150000"/>
-              </a:lnSpc>
-              <a:spcBef>
-                <a:spcPts val="640"/>
-              </a:spcBef>
-              <a:buClr>
-                <a:schemeClr val="lt1"/>
-              </a:buClr>
-              <a:buSzPts val="3200"/>
-              <a:buNone/>
-            </a:pPr>
-            <a:r>
-              <a:rPr lang="en-US" sz="1000" dirty="0">
-                <a:solidFill>
-                  <a:schemeClr val="lt1"/>
-                </a:solidFill>
-                <a:latin typeface="Calibri"/>
-                <a:ea typeface="Calibri"/>
-                <a:cs typeface="Calibri"/>
-                <a:sym typeface="Calibri"/>
-              </a:rPr>
-              <a:t>|       |-- </a:t>
-            </a:r>
-            <a:r>
-              <a:rPr lang="en-US" sz="1000" dirty="0" err="1">
-                <a:solidFill>
-                  <a:schemeClr val="lt1"/>
-                </a:solidFill>
-                <a:latin typeface="Calibri"/>
-                <a:ea typeface="Calibri"/>
-                <a:cs typeface="Calibri"/>
-                <a:sym typeface="Calibri"/>
-              </a:rPr>
-              <a:t>userSavedEvents</a:t>
-            </a:r>
-            <a:r>
-              <a:rPr lang="en-US" sz="1000" dirty="0">
-                <a:solidFill>
-                  <a:schemeClr val="lt1"/>
-                </a:solidFill>
-                <a:latin typeface="Calibri"/>
-                <a:ea typeface="Calibri"/>
-                <a:cs typeface="Calibri"/>
-                <a:sym typeface="Calibri"/>
-              </a:rPr>
-              <a:t>: Map&lt;String, Boolean&gt;</a:t>
-            </a:r>
-          </a:p>
-          <a:p>
-            <a:endParaRPr lang="en-US" dirty="0"/>
-          </a:p>
-        </p:txBody>
-      </p:sp>
-    </p:spTree>
-  </p:cSld>
-  <p:clrMapOvr>
-    <a:masterClrMapping/>
-  </p:clrMapOvr>
-  <p:timing>
-    <p:tnLst>
-      <p:par>
-        <p:cTn id="1" dur="indefinite" restart="never" nodeType="tmRoot">
-          <p:childTnLst>
-            <p:seq concurrent="1" nextAc="seek">
-              <p:cTn id="2" dur="indefinite" nodeType="mainSeq">
-                <p:childTnLst>
-                  <p:par>
-                    <p:cTn id="3" fill="hold">
-                      <p:stCondLst>
-                        <p:cond delay="indefinite"/>
-                      </p:stCondLst>
-                      <p:childTnLst>
-                        <p:par>
-                          <p:cTn id="4" fill="hold">
-                            <p:stCondLst>
-                              <p:cond delay="0"/>
-                            </p:stCondLst>
-                            <p:childTnLst>
-                              <p:par>
-                                <p:cTn id="5" presetID="10" presetClass="entr" presetSubtype="0" fill="hold" nodeType="clickEffect">
-                                  <p:stCondLst>
-                                    <p:cond delay="0"/>
-                                  </p:stCondLst>
-                                  <p:childTnLst>
-                                    <p:set>
-                                      <p:cBhvr>
-                                        <p:cTn id="6" dur="1" fill="hold">
-                                          <p:stCondLst>
-                                            <p:cond delay="0"/>
-                                          </p:stCondLst>
-                                        </p:cTn>
-                                        <p:tgtEl>
-                                          <p:spTgt spid="159"/>
-                                        </p:tgtEl>
-                                        <p:attrNameLst>
-                                          <p:attrName>style.visibility</p:attrName>
-                                        </p:attrNameLst>
-                                      </p:cBhvr>
-                                      <p:to>
-                                        <p:strVal val="visible"/>
-                                      </p:to>
-                                    </p:set>
-                                    <p:animEffect transition="in" filter="fade">
-                                      <p:cBhvr>
-                                        <p:cTn id="7" dur="100"/>
-                                        <p:tgtEl>
-                                          <p:spTgt spid="159"/>
-                                        </p:tgtEl>
-                                      </p:cBhvr>
-                                    </p:animEffect>
-                                  </p:childTnLst>
-                                </p:cTn>
-                              </p:par>
-                            </p:childTnLst>
-                          </p:cTn>
-                        </p:par>
-                      </p:childTnLst>
-                    </p:cTn>
-                  </p:par>
-                </p:childTnLst>
-              </p:cTn>
-              <p:prevCondLst>
-                <p:cond evt="onPrev" delay="0">
-                  <p:tgtEl>
-                    <p:sldTgt/>
-                  </p:tgtEl>
-                </p:cond>
-              </p:prevCondLst>
-              <p:nextCondLst>
-                <p:cond evt="onNext" delay="0">
-                  <p:tgtEl>
-                    <p:sldTgt/>
-                  </p:tgtEl>
-                </p:cond>
-              </p:nextCondLst>
-            </p:seq>
-          </p:childTnLst>
-        </p:cTn>
-      </p:par>
-    </p:tnLst>
-  </p:timing>
-</p:sld>
-</file>
-
-<file path=ppt/slides/slide12.xml><?xml version="1.0" encoding="utf-8"?>
-<p:sld xmlns:a="http://schemas.openxmlformats.org/drawingml/2006/main" xmlns:r="http://schemas.openxmlformats.org/officeDocument/2006/relationships" xmlns:p="http://schemas.openxmlformats.org/presentationml/2006/main">
-  <p:cSld>
-    <p:spTree>
-      <p:nvGrpSpPr>
-        <p:cNvPr id="1" name="Shape 157"/>
-        <p:cNvGrpSpPr/>
-        <p:nvPr/>
-      </p:nvGrpSpPr>
-      <p:grpSpPr>
-        <a:xfrm>
-          <a:off x="0" y="0"/>
-          <a:ext cx="0" cy="0"/>
-          <a:chOff x="0" y="0"/>
-          <a:chExt cx="0" cy="0"/>
-        </a:xfrm>
-      </p:grpSpPr>
-      <p:sp>
-        <p:nvSpPr>
-          <p:cNvPr id="158" name="Google Shape;158;p17"/>
-          <p:cNvSpPr txBox="1">
-            <a:spLocks noGrp="1"/>
-          </p:cNvSpPr>
-          <p:nvPr>
-            <p:ph type="title"/>
-          </p:nvPr>
-        </p:nvSpPr>
-        <p:spPr>
-          <a:xfrm>
-            <a:off x="457200" y="274638"/>
-            <a:ext cx="8229600" cy="1143000"/>
-          </a:xfrm>
-          <a:prstGeom prst="rect">
-            <a:avLst/>
-          </a:prstGeom>
-          <a:noFill/>
-          <a:ln>
-            <a:noFill/>
-          </a:ln>
-        </p:spPr>
-        <p:txBody>
-          <a:bodyPr spcFirstLastPara="1" wrap="square" lIns="91425" tIns="45700" rIns="91425" bIns="45700" anchor="ctr" anchorCtr="0">
-            <a:normAutofit/>
-          </a:bodyPr>
-          <a:lstStyle/>
-          <a:p>
-            <a:pPr marL="0" lvl="0" indent="0" algn="ctr" rtl="0">
-              <a:spcBef>
-                <a:spcPts val="0"/>
-              </a:spcBef>
-              <a:spcAft>
-                <a:spcPts val="0"/>
-              </a:spcAft>
-              <a:buClr>
-                <a:schemeClr val="dk1"/>
-              </a:buClr>
-              <a:buSzPct val="100000"/>
-              <a:buFont typeface="Calibri"/>
-              <a:buNone/>
-            </a:pPr>
-            <a:r>
-              <a:rPr lang="en-US" sz="4400" b="1">
-                <a:latin typeface="Calibri"/>
-                <a:ea typeface="Calibri"/>
-                <a:cs typeface="Calibri"/>
-                <a:sym typeface="Calibri"/>
-              </a:rPr>
-              <a:t>External Libraries and Tools</a:t>
-            </a:r>
-          </a:p>
-        </p:txBody>
-      </p:sp>
-      <p:sp>
-        <p:nvSpPr>
-          <p:cNvPr id="159" name="Google Shape;159;p17"/>
-          <p:cNvSpPr txBox="1">
-            <a:spLocks noGrp="1"/>
-          </p:cNvSpPr>
-          <p:nvPr>
-            <p:ph type="body" idx="1"/>
-          </p:nvPr>
-        </p:nvSpPr>
-        <p:spPr>
-          <a:xfrm>
-            <a:off x="457200" y="1600200"/>
-            <a:ext cx="8353425" cy="2051050"/>
-          </a:xfrm>
-          <a:prstGeom prst="rect">
-            <a:avLst/>
-          </a:prstGeom>
-          <a:noFill/>
-          <a:ln>
-            <a:noFill/>
-          </a:ln>
-        </p:spPr>
-        <p:txBody>
-          <a:bodyPr spcFirstLastPara="1" wrap="square" lIns="91425" tIns="45700" rIns="91425" bIns="45700" anchor="t" anchorCtr="0">
-            <a:noAutofit/>
-          </a:bodyPr>
-          <a:lstStyle/>
-          <a:p>
-            <a:pPr marL="342900" lvl="0" indent="-139700" algn="l" rtl="0">
-              <a:lnSpc>
-                <a:spcPct val="150000"/>
-              </a:lnSpc>
-              <a:spcBef>
-                <a:spcPts val="0"/>
-              </a:spcBef>
-              <a:spcAft>
-                <a:spcPts val="0"/>
-              </a:spcAft>
-              <a:buClr>
-                <a:schemeClr val="dk1"/>
-              </a:buClr>
-              <a:buSzPts val="3200"/>
-              <a:buNone/>
-            </a:pPr>
-            <a:endParaRPr sz="1000"/>
-          </a:p>
-          <a:p>
-            <a:pPr lvl="0" indent="-457200" algn="l" rtl="0">
-              <a:lnSpc>
-                <a:spcPct val="150000"/>
-              </a:lnSpc>
-              <a:spcBef>
-                <a:spcPts val="640"/>
-              </a:spcBef>
-              <a:spcAft>
-                <a:spcPts val="0"/>
-              </a:spcAft>
-              <a:buClr>
-                <a:schemeClr val="lt1"/>
-              </a:buClr>
-              <a:buSzPts val="3200"/>
-              <a:buFont typeface="Arial" panose="020B0604020202090204" pitchFamily="34" charset="0"/>
-              <a:buChar char="•"/>
-            </a:pPr>
-            <a:r>
-              <a:rPr lang="en-US" sz="2400">
-                <a:latin typeface="Calibri"/>
-                <a:ea typeface="Calibri"/>
-                <a:cs typeface="Calibri"/>
-                <a:sym typeface="Calibri"/>
-              </a:rPr>
-              <a:t>Firebase Crashlytics: For real-time error and crash monitoring.</a:t>
-            </a:r>
-          </a:p>
-        </p:txBody>
-      </p:sp>
-      <p:sp>
-        <p:nvSpPr>
-          <p:cNvPr id="2" name="Slide Number Placeholder 1"/>
-          <p:cNvSpPr>
-            <a:spLocks noGrp="1"/>
-          </p:cNvSpPr>
-          <p:nvPr>
-            <p:ph type="sldNum" idx="12"/>
-          </p:nvPr>
-        </p:nvSpPr>
-        <p:spPr/>
-        <p:txBody>
-          <a:bodyPr/>
-          <a:lstStyle/>
-          <a:p>
-            <a:pPr marL="0" lvl="0" indent="0" algn="r" rtl="0">
-              <a:spcBef>
-                <a:spcPts val="0"/>
-              </a:spcBef>
-              <a:spcAft>
-                <a:spcPts val="0"/>
-              </a:spcAft>
-              <a:buNone/>
-            </a:pPr>
-            <a:fld id="{00000000-1234-1234-1234-123412341234}" type="slidenum">
-              <a:rPr lang="en-US"/>
-              <a:t>12</a:t>
             </a:fld>
             <a:endParaRPr lang="en-US"/>
           </a:p>
@@ -12962,14 +11097,579 @@
                 </p:childTnLst>
               </p:cTn>
               <p:prevCondLst>
-                <p:cond evt="onPrev" delay="0">
+                <p:cond evt="onPrev">
                   <p:tgtEl>
                     <p:sldTgt/>
                   </p:tgtEl>
                 </p:cond>
               </p:prevCondLst>
               <p:nextCondLst>
-                <p:cond evt="onNext" delay="0">
+                <p:cond evt="onNext">
+                  <p:tgtEl>
+                    <p:sldTgt/>
+                  </p:tgtEl>
+                </p:cond>
+              </p:nextCondLst>
+            </p:seq>
+          </p:childTnLst>
+        </p:cTn>
+      </p:par>
+    </p:tnLst>
+  </p:timing>
+</p:sld>
+</file>
+
+<file path=ppt/slides/slide11.xml><?xml version="1.0" encoding="utf-8"?>
+<p:sld xmlns:a="http://schemas.openxmlformats.org/drawingml/2006/main" xmlns:r="http://schemas.openxmlformats.org/officeDocument/2006/relationships" xmlns:p="http://schemas.openxmlformats.org/presentationml/2006/main">
+  <p:cSld>
+    <p:spTree>
+      <p:nvGrpSpPr>
+        <p:cNvPr id="157" name="Shape 157"/>
+        <p:cNvGrpSpPr/>
+        <p:nvPr/>
+      </p:nvGrpSpPr>
+      <p:grpSpPr>
+        <a:xfrm>
+          <a:off x="0" y="0"/>
+          <a:ext cx="0" cy="0"/>
+          <a:chOff x="0" y="0"/>
+          <a:chExt cx="0" cy="0"/>
+        </a:xfrm>
+      </p:grpSpPr>
+      <p:sp>
+        <p:nvSpPr>
+          <p:cNvPr id="158" name="Google Shape;158;p17"/>
+          <p:cNvSpPr txBox="1"/>
+          <p:nvPr>
+            <p:ph type="title"/>
+          </p:nvPr>
+        </p:nvSpPr>
+        <p:spPr>
+          <a:xfrm>
+            <a:off x="457200" y="274638"/>
+            <a:ext cx="8229600" cy="1143000"/>
+          </a:xfrm>
+          <a:prstGeom prst="rect">
+            <a:avLst/>
+          </a:prstGeom>
+          <a:noFill/>
+          <a:ln>
+            <a:noFill/>
+          </a:ln>
+        </p:spPr>
+        <p:txBody>
+          <a:bodyPr spcFirstLastPara="1" wrap="square" lIns="91425" tIns="45700" rIns="91425" bIns="45700" anchor="ctr" anchorCtr="0">
+            <a:normAutofit/>
+          </a:bodyPr>
+          <a:lstStyle/>
+          <a:p>
+            <a:pPr marL="0" lvl="0" indent="0" algn="ctr" rtl="0">
+              <a:spcBef>
+                <a:spcPts val="0"/>
+              </a:spcBef>
+              <a:spcAft>
+                <a:spcPts val="0"/>
+              </a:spcAft>
+              <a:buClr>
+                <a:schemeClr val="dk1"/>
+              </a:buClr>
+              <a:buSzPct val="100000"/>
+              <a:buFont typeface="Calibri"/>
+              <a:buNone/>
+            </a:pPr>
+            <a:r>
+              <a:rPr lang="en-US" sz="4400" b="1">
+                <a:latin typeface="Calibri"/>
+                <a:ea typeface="Calibri"/>
+                <a:cs typeface="Calibri"/>
+                <a:sym typeface="Calibri"/>
+              </a:rPr>
+              <a:t>Data </a:t>
+            </a:r>
+            <a:r>
+              <a:rPr lang="en-US" sz="4400" b="1">
+                <a:latin typeface="Calibri"/>
+                <a:ea typeface="Calibri"/>
+                <a:cs typeface="Calibri"/>
+                <a:sym typeface="Calibri"/>
+              </a:rPr>
+              <a:t>Source </a:t>
+            </a:r>
+            <a:endParaRPr lang="en-US" sz="4400" b="1">
+              <a:latin typeface="Calibri"/>
+              <a:ea typeface="Calibri"/>
+              <a:cs typeface="Calibri"/>
+              <a:sym typeface="Calibri"/>
+            </a:endParaRPr>
+          </a:p>
+        </p:txBody>
+      </p:sp>
+      <p:sp>
+        <p:nvSpPr>
+          <p:cNvPr id="159" name="Google Shape;159;p17"/>
+          <p:cNvSpPr txBox="1"/>
+          <p:nvPr>
+            <p:ph type="body" idx="1"/>
+          </p:nvPr>
+        </p:nvSpPr>
+        <p:spPr>
+          <a:xfrm>
+            <a:off x="457200" y="1600200"/>
+            <a:ext cx="8353425" cy="1517650"/>
+          </a:xfrm>
+          <a:prstGeom prst="rect">
+            <a:avLst/>
+          </a:prstGeom>
+          <a:noFill/>
+          <a:ln>
+            <a:noFill/>
+          </a:ln>
+        </p:spPr>
+        <p:txBody>
+          <a:bodyPr spcFirstLastPara="1" wrap="square" lIns="91425" tIns="45700" rIns="91425" bIns="45700" anchor="t" anchorCtr="0">
+            <a:noAutofit/>
+          </a:bodyPr>
+          <a:lstStyle/>
+          <a:p>
+            <a:pPr marL="342900" lvl="0" indent="-139700" algn="l" rtl="0">
+              <a:lnSpc>
+                <a:spcPct val="150000"/>
+              </a:lnSpc>
+              <a:spcBef>
+                <a:spcPts val="0"/>
+              </a:spcBef>
+              <a:spcAft>
+                <a:spcPts val="0"/>
+              </a:spcAft>
+              <a:buClr>
+                <a:schemeClr val="dk1"/>
+              </a:buClr>
+              <a:buSzPts val="3200"/>
+              <a:buNone/>
+            </a:pPr>
+            <a:endParaRPr sz="1000"/>
+          </a:p>
+          <a:p>
+            <a:pPr lvl="0" indent="-457200" algn="l" rtl="0">
+              <a:lnSpc>
+                <a:spcPct val="150000"/>
+              </a:lnSpc>
+              <a:spcBef>
+                <a:spcPts val="640"/>
+              </a:spcBef>
+              <a:spcAft>
+                <a:spcPts val="0"/>
+              </a:spcAft>
+              <a:buClr>
+                <a:schemeClr val="lt1"/>
+              </a:buClr>
+              <a:buSzPts val="3200"/>
+              <a:buFont typeface="Arial" panose="020B0604020202090204" pitchFamily="34" charset="0"/>
+              <a:buChar char="•"/>
+            </a:pPr>
+            <a:r>
+              <a:rPr lang="en-US" sz="2400">
+                <a:latin typeface="Calibri"/>
+                <a:ea typeface="Calibri"/>
+                <a:cs typeface="Calibri"/>
+                <a:sym typeface="Calibri"/>
+              </a:rPr>
+              <a:t>All data was sourced from the BU event website.</a:t>
+            </a:r>
+            <a:endParaRPr lang="en-US" sz="2400">
+              <a:latin typeface="Calibri"/>
+              <a:ea typeface="Calibri"/>
+              <a:cs typeface="Calibri"/>
+              <a:sym typeface="Calibri"/>
+            </a:endParaRPr>
+          </a:p>
+        </p:txBody>
+      </p:sp>
+      <p:sp>
+        <p:nvSpPr>
+          <p:cNvPr id="2" name="Slide Number Placeholder 1"/>
+          <p:cNvSpPr>
+            <a:spLocks noGrp="1"/>
+          </p:cNvSpPr>
+          <p:nvPr>
+            <p:ph type="sldNum" idx="12"/>
+          </p:nvPr>
+        </p:nvSpPr>
+        <p:spPr/>
+        <p:txBody>
+          <a:bodyPr/>
+          <a:p>
+            <a:pPr marL="0" lvl="0" indent="0" algn="r" rtl="0">
+              <a:spcBef>
+                <a:spcPts val="0"/>
+              </a:spcBef>
+              <a:spcAft>
+                <a:spcPts val="0"/>
+              </a:spcAft>
+              <a:buNone/>
+            </a:pPr>
+            <a:fld id="{00000000-1234-1234-1234-123412341234}" type="slidenum">
+              <a:rPr lang="en-US"/>
+            </a:fld>
+            <a:endParaRPr lang="en-US"/>
+          </a:p>
+        </p:txBody>
+      </p:sp>
+    </p:spTree>
+  </p:cSld>
+  <p:clrMapOvr>
+    <a:masterClrMapping/>
+  </p:clrMapOvr>
+  <p:timing>
+    <p:tnLst>
+      <p:par>
+        <p:cTn id="1" dur="indefinite" restart="never" nodeType="tmRoot">
+          <p:childTnLst>
+            <p:seq concurrent="1" nextAc="seek">
+              <p:cTn id="2" dur="indefinite" nodeType="mainSeq">
+                <p:childTnLst>
+                  <p:par>
+                    <p:cTn id="3" fill="hold">
+                      <p:stCondLst>
+                        <p:cond delay="indefinite"/>
+                      </p:stCondLst>
+                      <p:childTnLst>
+                        <p:par>
+                          <p:cTn id="4" fill="hold">
+                            <p:stCondLst>
+                              <p:cond delay="0"/>
+                            </p:stCondLst>
+                            <p:childTnLst>
+                              <p:par>
+                                <p:cTn id="5" presetID="10" presetClass="entr" presetSubtype="0" fill="hold" nodeType="clickEffect">
+                                  <p:stCondLst>
+                                    <p:cond delay="0"/>
+                                  </p:stCondLst>
+                                  <p:childTnLst>
+                                    <p:set>
+                                      <p:cBhvr>
+                                        <p:cTn id="6" dur="1" fill="hold">
+                                          <p:stCondLst>
+                                            <p:cond delay="0"/>
+                                          </p:stCondLst>
+                                        </p:cTn>
+                                        <p:tgtEl>
+                                          <p:spTgt spid="159"/>
+                                        </p:tgtEl>
+                                        <p:attrNameLst>
+                                          <p:attrName>style.visibility</p:attrName>
+                                        </p:attrNameLst>
+                                      </p:cBhvr>
+                                      <p:to>
+                                        <p:strVal val="visible"/>
+                                      </p:to>
+                                    </p:set>
+                                    <p:animEffect transition="in" filter="fade">
+                                      <p:cBhvr>
+                                        <p:cTn id="7" dur="100"/>
+                                        <p:tgtEl>
+                                          <p:spTgt spid="159"/>
+                                        </p:tgtEl>
+                                      </p:cBhvr>
+                                    </p:animEffect>
+                                  </p:childTnLst>
+                                </p:cTn>
+                              </p:par>
+                            </p:childTnLst>
+                          </p:cTn>
+                        </p:par>
+                      </p:childTnLst>
+                    </p:cTn>
+                  </p:par>
+                </p:childTnLst>
+              </p:cTn>
+              <p:prevCondLst>
+                <p:cond evt="onPrev">
+                  <p:tgtEl>
+                    <p:sldTgt/>
+                  </p:tgtEl>
+                </p:cond>
+              </p:prevCondLst>
+              <p:nextCondLst>
+                <p:cond evt="onNext">
+                  <p:tgtEl>
+                    <p:sldTgt/>
+                  </p:tgtEl>
+                </p:cond>
+              </p:nextCondLst>
+            </p:seq>
+          </p:childTnLst>
+        </p:cTn>
+      </p:par>
+    </p:tnLst>
+  </p:timing>
+</p:sld>
+</file>
+
+<file path=ppt/slides/slide12.xml><?xml version="1.0" encoding="utf-8"?>
+<p:sld xmlns:a="http://schemas.openxmlformats.org/drawingml/2006/main" xmlns:r="http://schemas.openxmlformats.org/officeDocument/2006/relationships" xmlns:p="http://schemas.openxmlformats.org/presentationml/2006/main">
+  <p:cSld>
+    <p:spTree>
+      <p:nvGrpSpPr>
+        <p:cNvPr id="157" name="Shape 157"/>
+        <p:cNvGrpSpPr/>
+        <p:nvPr/>
+      </p:nvGrpSpPr>
+      <p:grpSpPr>
+        <a:xfrm>
+          <a:off x="0" y="0"/>
+          <a:ext cx="0" cy="0"/>
+          <a:chOff x="0" y="0"/>
+          <a:chExt cx="0" cy="0"/>
+        </a:xfrm>
+      </p:grpSpPr>
+      <p:sp>
+        <p:nvSpPr>
+          <p:cNvPr id="158" name="Google Shape;158;p17"/>
+          <p:cNvSpPr txBox="1"/>
+          <p:nvPr>
+            <p:ph type="title"/>
+          </p:nvPr>
+        </p:nvSpPr>
+        <p:spPr>
+          <a:xfrm>
+            <a:off x="457200" y="274638"/>
+            <a:ext cx="8229600" cy="1143000"/>
+          </a:xfrm>
+          <a:prstGeom prst="rect">
+            <a:avLst/>
+          </a:prstGeom>
+          <a:noFill/>
+          <a:ln>
+            <a:noFill/>
+          </a:ln>
+        </p:spPr>
+        <p:txBody>
+          <a:bodyPr spcFirstLastPara="1" wrap="square" lIns="91425" tIns="45700" rIns="91425" bIns="45700" anchor="ctr" anchorCtr="0">
+            <a:normAutofit/>
+          </a:bodyPr>
+          <a:lstStyle/>
+          <a:p>
+            <a:pPr marL="0" lvl="0" indent="0" algn="ctr" rtl="0">
+              <a:spcBef>
+                <a:spcPts val="0"/>
+              </a:spcBef>
+              <a:spcAft>
+                <a:spcPts val="0"/>
+              </a:spcAft>
+              <a:buClr>
+                <a:schemeClr val="dk1"/>
+              </a:buClr>
+              <a:buSzPct val="100000"/>
+              <a:buFont typeface="Calibri"/>
+              <a:buNone/>
+            </a:pPr>
+            <a:r>
+              <a:rPr lang="en-US" sz="4400" b="1">
+                <a:latin typeface="Calibri"/>
+                <a:ea typeface="Calibri"/>
+                <a:cs typeface="Calibri"/>
+                <a:sym typeface="Calibri"/>
+              </a:rPr>
+              <a:t>External Libraries and Tools</a:t>
+            </a:r>
+            <a:endParaRPr lang="en-US" sz="4400" b="1">
+              <a:latin typeface="Calibri"/>
+              <a:ea typeface="Calibri"/>
+              <a:cs typeface="Calibri"/>
+              <a:sym typeface="Calibri"/>
+            </a:endParaRPr>
+          </a:p>
+        </p:txBody>
+      </p:sp>
+      <p:sp>
+        <p:nvSpPr>
+          <p:cNvPr id="159" name="Google Shape;159;p17"/>
+          <p:cNvSpPr txBox="1"/>
+          <p:nvPr>
+            <p:ph type="body" idx="1"/>
+          </p:nvPr>
+        </p:nvSpPr>
+        <p:spPr>
+          <a:xfrm>
+            <a:off x="457200" y="1600200"/>
+            <a:ext cx="8353425" cy="2051050"/>
+          </a:xfrm>
+          <a:prstGeom prst="rect">
+            <a:avLst/>
+          </a:prstGeom>
+          <a:noFill/>
+          <a:ln>
+            <a:noFill/>
+          </a:ln>
+        </p:spPr>
+        <p:txBody>
+          <a:bodyPr spcFirstLastPara="1" wrap="square" lIns="91425" tIns="45700" rIns="91425" bIns="45700" anchor="t" anchorCtr="0">
+            <a:noAutofit/>
+          </a:bodyPr>
+          <a:lstStyle/>
+          <a:p>
+            <a:pPr marL="342900" lvl="0" indent="-139700" algn="l" rtl="0">
+              <a:lnSpc>
+                <a:spcPct val="150000"/>
+              </a:lnSpc>
+              <a:spcBef>
+                <a:spcPts val="0"/>
+              </a:spcBef>
+              <a:spcAft>
+                <a:spcPts val="0"/>
+              </a:spcAft>
+              <a:buClr>
+                <a:schemeClr val="dk1"/>
+              </a:buClr>
+              <a:buSzPts val="3200"/>
+              <a:buNone/>
+            </a:pPr>
+            <a:endParaRPr sz="1000"/>
+          </a:p>
+          <a:p>
+            <a:pPr lvl="0" indent="-457200" algn="l" rtl="0">
+              <a:lnSpc>
+                <a:spcPct val="150000"/>
+              </a:lnSpc>
+              <a:spcBef>
+                <a:spcPts val="640"/>
+              </a:spcBef>
+              <a:spcAft>
+                <a:spcPts val="0"/>
+              </a:spcAft>
+              <a:buClr>
+                <a:schemeClr val="lt1"/>
+              </a:buClr>
+              <a:buSzPts val="3200"/>
+              <a:buFont typeface="Arial" panose="020B0604020202090204" pitchFamily="34" charset="0"/>
+              <a:buChar char="•"/>
+            </a:pPr>
+            <a:r>
+              <a:rPr lang="en-US" sz="2400">
+                <a:latin typeface="Calibri"/>
+                <a:ea typeface="Calibri"/>
+                <a:cs typeface="Calibri"/>
+                <a:sym typeface="Calibri"/>
+              </a:rPr>
+              <a:t>Firebase Crashlytics: For real-time error and crash monitoring.</a:t>
+            </a:r>
+            <a:endParaRPr lang="en-US" sz="2400">
+              <a:latin typeface="Calibri"/>
+              <a:ea typeface="Calibri"/>
+              <a:cs typeface="Calibri"/>
+              <a:sym typeface="Calibri"/>
+            </a:endParaRPr>
+          </a:p>
+        </p:txBody>
+      </p:sp>
+      <p:sp>
+        <p:nvSpPr>
+          <p:cNvPr id="2" name="Slide Number Placeholder 1"/>
+          <p:cNvSpPr>
+            <a:spLocks noGrp="1"/>
+          </p:cNvSpPr>
+          <p:nvPr>
+            <p:ph type="sldNum" idx="12"/>
+          </p:nvPr>
+        </p:nvSpPr>
+        <p:spPr/>
+        <p:txBody>
+          <a:bodyPr/>
+          <a:p>
+            <a:pPr marL="0" lvl="0" indent="0" algn="r" rtl="0">
+              <a:spcBef>
+                <a:spcPts val="0"/>
+              </a:spcBef>
+              <a:spcAft>
+                <a:spcPts val="0"/>
+              </a:spcAft>
+              <a:buNone/>
+            </a:pPr>
+            <a:fld id="{00000000-1234-1234-1234-123412341234}" type="slidenum">
+              <a:rPr lang="en-US"/>
+            </a:fld>
+            <a:endParaRPr lang="en-US"/>
+          </a:p>
+        </p:txBody>
+      </p:sp>
+    </p:spTree>
+  </p:cSld>
+  <p:clrMapOvr>
+    <a:masterClrMapping/>
+  </p:clrMapOvr>
+  <p:timing>
+    <p:tnLst>
+      <p:par>
+        <p:cTn id="1" dur="indefinite" restart="never" nodeType="tmRoot">
+          <p:childTnLst>
+            <p:seq concurrent="1" nextAc="seek">
+              <p:cTn id="2" dur="indefinite" nodeType="mainSeq">
+                <p:childTnLst>
+                  <p:par>
+                    <p:cTn id="3" fill="hold">
+                      <p:stCondLst>
+                        <p:cond delay="indefinite"/>
+                      </p:stCondLst>
+                      <p:childTnLst>
+                        <p:par>
+                          <p:cTn id="4" fill="hold">
+                            <p:stCondLst>
+                              <p:cond delay="0"/>
+                            </p:stCondLst>
+                            <p:childTnLst>
+                              <p:par>
+                                <p:cTn id="5" presetID="10" presetClass="entr" presetSubtype="0" fill="hold" nodeType="clickEffect">
+                                  <p:stCondLst>
+                                    <p:cond delay="0"/>
+                                  </p:stCondLst>
+                                  <p:childTnLst>
+                                    <p:set>
+                                      <p:cBhvr>
+                                        <p:cTn id="6" dur="1" fill="hold">
+                                          <p:stCondLst>
+                                            <p:cond delay="0"/>
+                                          </p:stCondLst>
+                                        </p:cTn>
+                                        <p:tgtEl>
+                                          <p:spTgt spid="159"/>
+                                        </p:tgtEl>
+                                        <p:attrNameLst>
+                                          <p:attrName>style.visibility</p:attrName>
+                                        </p:attrNameLst>
+                                      </p:cBhvr>
+                                      <p:to>
+                                        <p:strVal val="visible"/>
+                                      </p:to>
+                                    </p:set>
+                                    <p:animEffect transition="in" filter="fade">
+                                      <p:cBhvr>
+                                        <p:cTn id="7" dur="100"/>
+                                        <p:tgtEl>
+                                          <p:spTgt spid="159"/>
+                                        </p:tgtEl>
+                                      </p:cBhvr>
+                                    </p:animEffect>
+                                  </p:childTnLst>
+                                </p:cTn>
+                              </p:par>
+                            </p:childTnLst>
+                          </p:cTn>
+                        </p:par>
+                      </p:childTnLst>
+                    </p:cTn>
+                  </p:par>
+                </p:childTnLst>
+              </p:cTn>
+              <p:prevCondLst>
+                <p:cond evt="onPrev">
+                  <p:tgtEl>
+                    <p:sldTgt/>
+                  </p:tgtEl>
+                </p:cond>
+              </p:prevCondLst>
+              <p:nextCondLst>
+                <p:cond evt="onNext">
                   <p:tgtEl>
                     <p:sldTgt/>
                   </p:tgtEl>
@@ -12989,7 +11689,7 @@
   <p:cSld>
     <p:spTree>
       <p:nvGrpSpPr>
-        <p:cNvPr id="1" name="Shape 257"/>
+        <p:cNvPr id="257" name="Shape 257"/>
         <p:cNvGrpSpPr/>
         <p:nvPr/>
       </p:nvGrpSpPr>
@@ -13043,6 +11743,21 @@
               </a:rPr>
               <a:t>Thank You!</a:t>
             </a:r>
+            <a:endParaRPr b="1" i="0">
+              <a:ln w="9525" cap="flat" cmpd="sng">
+                <a:solidFill>
+                  <a:schemeClr val="dk2"/>
+                </a:solidFill>
+                <a:prstDash val="solid"/>
+                <a:round/>
+                <a:headEnd type="none" w="sm" len="sm"/>
+                <a:tailEnd type="none" w="sm" len="sm"/>
+              </a:ln>
+              <a:solidFill>
+                <a:srgbClr val="CFE2F3"/>
+              </a:solidFill>
+              <a:latin typeface="Times New Roman" panose="02020503050405090304"/>
+            </a:endParaRPr>
           </a:p>
         </p:txBody>
       </p:sp>
@@ -13059,7 +11774,6 @@
         <p:spPr/>
         <p:txBody>
           <a:bodyPr/>
-          <a:lstStyle/>
           <a:p>
             <a:pPr marL="0" lvl="0" indent="0" algn="r" rtl="0">
               <a:spcBef>
@@ -13072,7 +11786,6 @@
             </a:pPr>
             <a:fld id="{00000000-1234-1234-1234-123412341234}" type="slidenum">
               <a:rPr lang="en-US"/>
-              <a:t>13</a:t>
             </a:fld>
             <a:endParaRPr lang="en-US"/>
           </a:p>
@@ -13091,7 +11804,7 @@
   <p:cSld>
     <p:spTree>
       <p:nvGrpSpPr>
-        <p:cNvPr id="1" name="Shape 145"/>
+        <p:cNvPr id="145" name="Shape 145"/>
         <p:cNvGrpSpPr/>
         <p:nvPr/>
       </p:nvGrpSpPr>
@@ -13106,9 +11819,7 @@
       <p:sp>
         <p:nvSpPr>
           <p:cNvPr id="146" name="Google Shape;146;p15"/>
-          <p:cNvSpPr txBox="1">
-            <a:spLocks noGrp="1"/>
-          </p:cNvSpPr>
+          <p:cNvSpPr txBox="1"/>
           <p:nvPr>
             <p:ph type="title"/>
           </p:nvPr>
@@ -13155,15 +11866,19 @@
               </a:rPr>
               <a:t>App Purpose</a:t>
             </a:r>
+            <a:endParaRPr lang="en-US" sz="4400" b="1">
+              <a:latin typeface="Calibri"/>
+              <a:ea typeface="Calibri"/>
+              <a:cs typeface="Calibri"/>
+              <a:sym typeface="Calibri"/>
+            </a:endParaRPr>
           </a:p>
         </p:txBody>
       </p:sp>
       <p:sp>
         <p:nvSpPr>
           <p:cNvPr id="147" name="Google Shape;147;p15"/>
-          <p:cNvSpPr txBox="1">
-            <a:spLocks noGrp="1"/>
-          </p:cNvSpPr>
+          <p:cNvSpPr txBox="1"/>
           <p:nvPr>
             <p:ph type="body" idx="1"/>
           </p:nvPr>
@@ -13231,6 +11946,12 @@
               </a:rPr>
               <a:t>This app is designed for Boston University students to easily browse and register for various campus events. </a:t>
             </a:r>
+            <a:endParaRPr lang="en-US" sz="2800">
+              <a:latin typeface="Calibri"/>
+              <a:ea typeface="Calibri"/>
+              <a:cs typeface="Calibri"/>
+              <a:sym typeface="Calibri"/>
+            </a:endParaRPr>
           </a:p>
           <a:p>
             <a:pPr marL="0" lvl="0" indent="0" algn="l" rtl="0">
@@ -13258,6 +11979,12 @@
               </a:rPr>
               <a:t>The app aims to help students stay informed about campus happenings, providing an accessible way to enhance their university experience by participating in events.</a:t>
             </a:r>
+            <a:endParaRPr lang="en-US" sz="2800">
+              <a:latin typeface="Calibri"/>
+              <a:ea typeface="Calibri"/>
+              <a:cs typeface="Calibri"/>
+              <a:sym typeface="Calibri"/>
+            </a:endParaRPr>
           </a:p>
         </p:txBody>
       </p:sp>
@@ -13274,7 +12001,6 @@
         <p:spPr/>
         <p:txBody>
           <a:bodyPr/>
-          <a:lstStyle/>
           <a:p>
             <a:pPr marL="0" lvl="0" indent="0" algn="r" rtl="0">
               <a:spcBef>
@@ -13287,7 +12013,6 @@
             </a:pPr>
             <a:fld id="{00000000-1234-1234-1234-123412341234}" type="slidenum">
               <a:rPr lang="en-US"/>
-              <a:t>2</a:t>
             </a:fld>
             <a:endParaRPr lang="en-US"/>
           </a:p>
@@ -13362,14 +12087,14 @@
                 </p:childTnLst>
               </p:cTn>
               <p:prevCondLst>
-                <p:cond evt="onPrev" delay="0">
+                <p:cond evt="onPrev">
                   <p:tgtEl>
                     <p:sldTgt/>
                   </p:tgtEl>
                 </p:cond>
               </p:prevCondLst>
               <p:nextCondLst>
-                <p:cond evt="onNext" delay="0">
+                <p:cond evt="onNext">
                   <p:tgtEl>
                     <p:sldTgt/>
                   </p:tgtEl>
@@ -13389,7 +12114,7 @@
   <p:cSld>
     <p:spTree>
       <p:nvGrpSpPr>
-        <p:cNvPr id="1" name="Shape 151"/>
+        <p:cNvPr id="151" name="Shape 151"/>
         <p:cNvGrpSpPr/>
         <p:nvPr/>
       </p:nvGrpSpPr>
@@ -13404,9 +12129,7 @@
       <p:sp>
         <p:nvSpPr>
           <p:cNvPr id="152" name="Google Shape;152;p16"/>
-          <p:cNvSpPr txBox="1">
-            <a:spLocks noGrp="1"/>
-          </p:cNvSpPr>
+          <p:cNvSpPr txBox="1"/>
           <p:nvPr>
             <p:ph type="title"/>
           </p:nvPr>
@@ -13445,23 +12168,27 @@
               <a:buNone/>
             </a:pPr>
             <a:r>
-              <a:rPr lang="en-US" sz="4400" b="1" dirty="0">
+              <a:rPr lang="en-US" sz="4400" b="1">
                 <a:latin typeface="Calibri"/>
                 <a:ea typeface="Calibri"/>
                 <a:cs typeface="Calibri"/>
                 <a:sym typeface="Calibri"/>
               </a:rPr>
-              <a:t>Additional Features</a:t>
+              <a:t>Main Features</a:t>
             </a:r>
+            <a:endParaRPr lang="en-US" sz="4400" b="1">
+              <a:latin typeface="Calibri"/>
+              <a:ea typeface="Calibri"/>
+              <a:cs typeface="Calibri"/>
+              <a:sym typeface="Calibri"/>
+            </a:endParaRPr>
           </a:p>
         </p:txBody>
       </p:sp>
       <p:sp>
         <p:nvSpPr>
           <p:cNvPr id="153" name="Google Shape;153;p16"/>
-          <p:cNvSpPr txBox="1">
-            <a:spLocks noGrp="1"/>
-          </p:cNvSpPr>
+          <p:cNvSpPr txBox="1"/>
           <p:nvPr>
             <p:ph type="body" idx="1"/>
           </p:nvPr>
@@ -13485,79 +12212,136 @@
           </a:bodyPr>
           <a:lstStyle/>
           <a:p>
-            <a:pPr marL="0" lvl="0" indent="0">
+            <a:pPr marL="0" lvl="0" indent="0" algn="l" rtl="0" eaLnBrk="1" fontAlgn="auto" latinLnBrk="0" hangingPunct="1">
               <a:lnSpc>
                 <a:spcPct val="200000"/>
               </a:lnSpc>
               <a:spcBef>
                 <a:spcPts val="0"/>
               </a:spcBef>
+              <a:spcAft>
+                <a:spcPts val="0"/>
+              </a:spcAft>
+              <a:buClr>
+                <a:schemeClr val="dk1"/>
+              </a:buClr>
               <a:buSzPts val="3200"/>
               <a:buNone/>
             </a:pPr>
             <a:r>
-              <a:rPr lang="en-US" sz="2800" dirty="0">
+              <a:rPr lang="en-US" sz="2800">
                 <a:latin typeface="Calibri"/>
                 <a:ea typeface="Calibri"/>
                 <a:cs typeface="Calibri"/>
                 <a:sym typeface="Calibri"/>
               </a:rPr>
-              <a:t>1. </a:t>
+              <a:t>1. User Registration and Login</a:t>
             </a:r>
-            <a:r>
-              <a:rPr lang="en-US" sz="2800" dirty="0"/>
-              <a:t>Location Services</a:t>
-            </a:r>
+            <a:endParaRPr lang="en-US" sz="2800">
+              <a:latin typeface="Calibri"/>
+              <a:ea typeface="Calibri"/>
+              <a:cs typeface="Calibri"/>
+              <a:sym typeface="Calibri"/>
+            </a:endParaRPr>
           </a:p>
           <a:p>
-            <a:pPr marL="0" lvl="0" indent="0">
+            <a:pPr marL="0" lvl="0" indent="0" algn="l" rtl="0" eaLnBrk="1" fontAlgn="auto" latinLnBrk="0" hangingPunct="1">
               <a:lnSpc>
                 <a:spcPct val="200000"/>
               </a:lnSpc>
               <a:spcBef>
                 <a:spcPts val="0"/>
               </a:spcBef>
+              <a:spcAft>
+                <a:spcPts val="0"/>
+              </a:spcAft>
+              <a:buClr>
+                <a:schemeClr val="dk1"/>
+              </a:buClr>
               <a:buSzPts val="3200"/>
               <a:buNone/>
             </a:pPr>
             <a:r>
-              <a:rPr lang="en-US" sz="2800" dirty="0">
+              <a:rPr lang="en-US" sz="2800">
                 <a:latin typeface="Calibri"/>
                 <a:ea typeface="Calibri"/>
                 <a:cs typeface="Calibri"/>
                 <a:sym typeface="Calibri"/>
               </a:rPr>
-              <a:t>2. </a:t>
+              <a:t>2. Event List Browsing</a:t>
             </a:r>
-            <a:r>
-              <a:rPr lang="en-US" sz="2800" dirty="0"/>
-              <a:t>Dark Mode</a:t>
-            </a:r>
+            <a:endParaRPr lang="en-US" sz="2800">
+              <a:latin typeface="Calibri"/>
+              <a:ea typeface="Calibri"/>
+              <a:cs typeface="Calibri"/>
+              <a:sym typeface="Calibri"/>
+            </a:endParaRPr>
           </a:p>
           <a:p>
-            <a:pPr marL="0" lvl="0" indent="0">
+            <a:pPr marL="0" lvl="0" indent="0" algn="l" rtl="0" eaLnBrk="1" fontAlgn="auto" latinLnBrk="0" hangingPunct="1">
               <a:lnSpc>
                 <a:spcPct val="200000"/>
               </a:lnSpc>
               <a:spcBef>
                 <a:spcPts val="0"/>
               </a:spcBef>
+              <a:spcAft>
+                <a:spcPts val="0"/>
+              </a:spcAft>
+              <a:buClr>
+                <a:schemeClr val="dk1"/>
+              </a:buClr>
               <a:buSzPts val="3200"/>
               <a:buNone/>
             </a:pPr>
             <a:r>
-              <a:rPr lang="en-US" sz="2800" dirty="0">
+              <a:rPr lang="en-US" sz="2800">
                 <a:latin typeface="Calibri"/>
                 <a:ea typeface="Calibri"/>
                 <a:cs typeface="Calibri"/>
                 <a:sym typeface="Calibri"/>
               </a:rPr>
-              <a:t>3. </a:t>
+              <a:t>3. Event Details View</a:t>
             </a:r>
+            <a:endParaRPr lang="en-US" sz="2800">
+              <a:latin typeface="Calibri"/>
+              <a:ea typeface="Calibri"/>
+              <a:cs typeface="Calibri"/>
+              <a:sym typeface="Calibri"/>
+            </a:endParaRPr>
+          </a:p>
+          <a:p>
+            <a:pPr marL="0" lvl="0" indent="0" algn="l" rtl="0" eaLnBrk="1" fontAlgn="auto" latinLnBrk="0" hangingPunct="1">
+              <a:lnSpc>
+                <a:spcPct val="200000"/>
+              </a:lnSpc>
+              <a:spcBef>
+                <a:spcPts val="0"/>
+              </a:spcBef>
+              <a:spcAft>
+                <a:spcPts val="0"/>
+              </a:spcAft>
+              <a:buClr>
+                <a:schemeClr val="dk1"/>
+              </a:buClr>
+              <a:buSzPts val="3200"/>
+              <a:buNone/>
+            </a:pPr>
             <a:r>
-              <a:rPr lang="en-US" sz="2800" dirty="0"/>
-              <a:t>File Upload and Media Handling</a:t>
+              <a:rPr lang="en-US" sz="2800">
+                <a:latin typeface="Calibri"/>
+                <a:ea typeface="Calibri"/>
+                <a:cs typeface="Calibri"/>
+                <a:sym typeface="Calibri"/>
+              </a:rPr>
+              <a:t>4. Personal Homepage with Event History</a:t>
             </a:r>
+            <a:endParaRPr lang="en-US" sz="2800">
+              <a:latin typeface="Calibri"/>
+              <a:ea typeface="Calibri"/>
+              <a:cs typeface="Calibri"/>
+              <a:sym typeface="Calibri"/>
+            </a:endParaRPr>
           </a:p>
         </p:txBody>
       </p:sp>
@@ -13574,7 +12358,6 @@
         <p:spPr/>
         <p:txBody>
           <a:bodyPr/>
-          <a:lstStyle/>
           <a:p>
             <a:pPr marL="0" lvl="0" indent="0" algn="r" rtl="0">
               <a:spcBef>
@@ -13587,7 +12370,6 @@
             </a:pPr>
             <a:fld id="{00000000-1234-1234-1234-123412341234}" type="slidenum">
               <a:rPr lang="en-US"/>
-              <a:t>3</a:t>
             </a:fld>
             <a:endParaRPr lang="en-US"/>
           </a:p>
@@ -13662,14 +12444,14 @@
                 </p:childTnLst>
               </p:cTn>
               <p:prevCondLst>
-                <p:cond evt="onPrev" delay="0">
+                <p:cond evt="onPrev">
                   <p:tgtEl>
                     <p:sldTgt/>
                   </p:tgtEl>
                 </p:cond>
               </p:prevCondLst>
               <p:nextCondLst>
-                <p:cond evt="onNext" delay="0">
+                <p:cond evt="onNext">
                   <p:tgtEl>
                     <p:sldTgt/>
                   </p:tgtEl>
@@ -13689,7 +12471,7 @@
   <p:cSld>
     <p:spTree>
       <p:nvGrpSpPr>
-        <p:cNvPr id="1" name="Shape 157"/>
+        <p:cNvPr id="157" name="Shape 157"/>
         <p:cNvGrpSpPr/>
         <p:nvPr/>
       </p:nvGrpSpPr>
@@ -13704,9 +12486,7 @@
       <p:sp>
         <p:nvSpPr>
           <p:cNvPr id="158" name="Google Shape;158;p17"/>
-          <p:cNvSpPr txBox="1">
-            <a:spLocks noGrp="1"/>
-          </p:cNvSpPr>
+          <p:cNvSpPr txBox="1"/>
           <p:nvPr>
             <p:ph type="title"/>
           </p:nvPr>
@@ -13753,15 +12533,19 @@
               </a:rPr>
               <a:t>Target User</a:t>
             </a:r>
+            <a:endParaRPr lang="en-US" sz="4400" b="1">
+              <a:latin typeface="Calibri"/>
+              <a:ea typeface="Calibri"/>
+              <a:cs typeface="Calibri"/>
+              <a:sym typeface="Calibri"/>
+            </a:endParaRPr>
           </a:p>
         </p:txBody>
       </p:sp>
       <p:sp>
         <p:nvSpPr>
           <p:cNvPr id="159" name="Google Shape;159;p17"/>
-          <p:cNvSpPr txBox="1">
-            <a:spLocks noGrp="1"/>
-          </p:cNvSpPr>
+          <p:cNvSpPr txBox="1"/>
           <p:nvPr>
             <p:ph type="body" idx="1"/>
           </p:nvPr>
@@ -13798,7 +12582,6 @@
               <a:buSzPts val="3200"/>
               <a:buNone/>
             </a:pPr>
-            <a:endParaRPr/>
           </a:p>
           <a:p>
             <a:pPr marL="0" lvl="0" indent="0" algn="l" rtl="0">
@@ -13823,6 +12606,12 @@
               </a:rPr>
               <a:t>Primarily designed for Boston University students and staff who want quick access to information about campus events.</a:t>
             </a:r>
+            <a:endParaRPr lang="en-US" sz="3200">
+              <a:latin typeface="Calibri"/>
+              <a:ea typeface="Calibri"/>
+              <a:cs typeface="Calibri"/>
+              <a:sym typeface="Calibri"/>
+            </a:endParaRPr>
           </a:p>
         </p:txBody>
       </p:sp>
@@ -13839,7 +12628,6 @@
         <p:spPr/>
         <p:txBody>
           <a:bodyPr/>
-          <a:lstStyle/>
           <a:p>
             <a:pPr marL="0" lvl="0" indent="0" algn="r" rtl="0">
               <a:spcBef>
@@ -13852,7 +12640,6 @@
             </a:pPr>
             <a:fld id="{00000000-1234-1234-1234-123412341234}" type="slidenum">
               <a:rPr lang="en-US"/>
-              <a:t>4</a:t>
             </a:fld>
             <a:endParaRPr lang="en-US"/>
           </a:p>
@@ -13927,14 +12714,14 @@
                 </p:childTnLst>
               </p:cTn>
               <p:prevCondLst>
-                <p:cond evt="onPrev" delay="0">
+                <p:cond evt="onPrev">
                   <p:tgtEl>
                     <p:sldTgt/>
                   </p:tgtEl>
                 </p:cond>
               </p:prevCondLst>
               <p:nextCondLst>
-                <p:cond evt="onNext" delay="0">
+                <p:cond evt="onNext">
                   <p:tgtEl>
                     <p:sldTgt/>
                   </p:tgtEl>
@@ -13954,7 +12741,7 @@
   <p:cSld>
     <p:spTree>
       <p:nvGrpSpPr>
-        <p:cNvPr id="1" name="Shape 151"/>
+        <p:cNvPr id="151" name="Shape 151"/>
         <p:cNvGrpSpPr/>
         <p:nvPr/>
       </p:nvGrpSpPr>
@@ -13969,9 +12756,7 @@
       <p:sp>
         <p:nvSpPr>
           <p:cNvPr id="152" name="Google Shape;152;p16"/>
-          <p:cNvSpPr txBox="1">
-            <a:spLocks noGrp="1"/>
-          </p:cNvSpPr>
+          <p:cNvSpPr txBox="1"/>
           <p:nvPr>
             <p:ph type="title"/>
           </p:nvPr>
@@ -14018,15 +12803,19 @@
               </a:rPr>
               <a:t> User’s Registration and Login</a:t>
             </a:r>
+            <a:endParaRPr lang="en-US" sz="4400" b="1">
+              <a:latin typeface="Calibri"/>
+              <a:ea typeface="Calibri"/>
+              <a:cs typeface="Calibri"/>
+              <a:sym typeface="Calibri"/>
+            </a:endParaRPr>
           </a:p>
         </p:txBody>
       </p:sp>
       <p:sp>
         <p:nvSpPr>
           <p:cNvPr id="153" name="Google Shape;153;p16"/>
-          <p:cNvSpPr txBox="1">
-            <a:spLocks noGrp="1"/>
-          </p:cNvSpPr>
+          <p:cNvSpPr txBox="1"/>
           <p:nvPr>
             <p:ph type="body" idx="1"/>
           </p:nvPr>
@@ -14075,6 +12864,12 @@
               </a:rPr>
               <a:t>Users can register and log in using their email or through third-party platforms like Google.</a:t>
             </a:r>
+            <a:endParaRPr lang="en-US" sz="2400">
+              <a:latin typeface="Calibri"/>
+              <a:ea typeface="Calibri"/>
+              <a:cs typeface="Calibri"/>
+              <a:sym typeface="Calibri"/>
+            </a:endParaRPr>
           </a:p>
         </p:txBody>
       </p:sp>
@@ -14087,7 +12882,7 @@
           <p:nvPr/>
         </p:nvPicPr>
         <p:blipFill>
-          <a:blip r:embed="rId3"/>
+          <a:blip r:embed="rId1"/>
           <a:stretch>
             <a:fillRect/>
           </a:stretch>
@@ -14119,7 +12914,6 @@
         <p:spPr/>
         <p:txBody>
           <a:bodyPr/>
-          <a:lstStyle/>
           <a:p>
             <a:pPr marL="0" lvl="0" indent="0" algn="r" rtl="0">
               <a:spcBef>
@@ -14132,7 +12926,6 @@
             </a:pPr>
             <a:fld id="{00000000-1234-1234-1234-123412341234}" type="slidenum">
               <a:rPr lang="en-US"/>
-              <a:t>5</a:t>
             </a:fld>
             <a:endParaRPr lang="en-US"/>
           </a:p>
@@ -14207,14 +13000,14 @@
                 </p:childTnLst>
               </p:cTn>
               <p:prevCondLst>
-                <p:cond evt="onPrev" delay="0">
+                <p:cond evt="onPrev">
                   <p:tgtEl>
                     <p:sldTgt/>
                   </p:tgtEl>
                 </p:cond>
               </p:prevCondLst>
               <p:nextCondLst>
-                <p:cond evt="onNext" delay="0">
+                <p:cond evt="onNext">
                   <p:tgtEl>
                     <p:sldTgt/>
                   </p:tgtEl>
@@ -14234,7 +13027,7 @@
   <p:cSld>
     <p:spTree>
       <p:nvGrpSpPr>
-        <p:cNvPr id="1" name="Shape 151"/>
+        <p:cNvPr id="151" name="Shape 151"/>
         <p:cNvGrpSpPr/>
         <p:nvPr/>
       </p:nvGrpSpPr>
@@ -14249,9 +13042,7 @@
       <p:sp>
         <p:nvSpPr>
           <p:cNvPr id="152" name="Google Shape;152;p16"/>
-          <p:cNvSpPr txBox="1">
-            <a:spLocks noGrp="1"/>
-          </p:cNvSpPr>
+          <p:cNvSpPr txBox="1"/>
           <p:nvPr>
             <p:ph type="title"/>
           </p:nvPr>
@@ -14296,17 +13087,30 @@
                 <a:cs typeface="Calibri"/>
                 <a:sym typeface="Calibri"/>
               </a:rPr>
-              <a:t>Event List Page</a:t>
+              <a:t>Event List </a:t>
             </a:r>
+            <a:r>
+              <a:rPr lang="en-US" sz="4400" b="1">
+                <a:latin typeface="Calibri"/>
+                <a:ea typeface="Calibri"/>
+                <a:cs typeface="Calibri"/>
+                <a:sym typeface="Calibri"/>
+              </a:rPr>
+              <a:t>Page</a:t>
+            </a:r>
+            <a:endParaRPr lang="en-US" sz="4400" b="1">
+              <a:latin typeface="Calibri"/>
+              <a:ea typeface="Calibri"/>
+              <a:cs typeface="Calibri"/>
+              <a:sym typeface="Calibri"/>
+            </a:endParaRPr>
           </a:p>
         </p:txBody>
       </p:sp>
       <p:sp>
         <p:nvSpPr>
           <p:cNvPr id="153" name="Google Shape;153;p16"/>
-          <p:cNvSpPr txBox="1">
-            <a:spLocks noGrp="1"/>
-          </p:cNvSpPr>
+          <p:cNvSpPr txBox="1"/>
           <p:nvPr>
             <p:ph type="body" idx="1"/>
           </p:nvPr>
@@ -14355,6 +13159,12 @@
               </a:rPr>
               <a:t>Users can view a list of upcoming events, with details such as date, time, and location.</a:t>
             </a:r>
+            <a:endParaRPr lang="en-US" sz="2400">
+              <a:latin typeface="Calibri"/>
+              <a:ea typeface="Calibri"/>
+              <a:cs typeface="Calibri"/>
+              <a:sym typeface="Calibri"/>
+            </a:endParaRPr>
           </a:p>
           <a:p>
             <a:pPr marL="0" lvl="0" indent="0" algn="l" rtl="0" eaLnBrk="1" fontAlgn="auto" latinLnBrk="0" hangingPunct="1">
@@ -14404,7 +13214,6 @@
         <p:spPr/>
         <p:txBody>
           <a:bodyPr/>
-          <a:lstStyle/>
           <a:p>
             <a:pPr marL="0" lvl="0" indent="0" algn="r" rtl="0">
               <a:spcBef>
@@ -14417,7 +13226,6 @@
             </a:pPr>
             <a:fld id="{00000000-1234-1234-1234-123412341234}" type="slidenum">
               <a:rPr lang="en-US"/>
-              <a:t>6</a:t>
             </a:fld>
             <a:endParaRPr lang="en-US"/>
           </a:p>
@@ -14425,14 +13233,14 @@
       </p:sp>
       <p:pic>
         <p:nvPicPr>
-          <p:cNvPr id="2" name="Picture 0"/>
+          <p:cNvPr id="1" name="Picture 0"/>
           <p:cNvPicPr>
             <a:picLocks noChangeAspect="1"/>
           </p:cNvPicPr>
           <p:nvPr/>
         </p:nvPicPr>
         <p:blipFill>
-          <a:blip r:embed="rId3"/>
+          <a:blip r:embed="rId1"/>
           <a:stretch>
             <a:fillRect/>
           </a:stretch>
@@ -14516,14 +13324,14 @@
                 </p:childTnLst>
               </p:cTn>
               <p:prevCondLst>
-                <p:cond evt="onPrev" delay="0">
+                <p:cond evt="onPrev">
                   <p:tgtEl>
                     <p:sldTgt/>
                   </p:tgtEl>
                 </p:cond>
               </p:prevCondLst>
               <p:nextCondLst>
-                <p:cond evt="onNext" delay="0">
+                <p:cond evt="onNext">
                   <p:tgtEl>
                     <p:sldTgt/>
                   </p:tgtEl>
@@ -14543,7 +13351,7 @@
   <p:cSld>
     <p:spTree>
       <p:nvGrpSpPr>
-        <p:cNvPr id="1" name="Shape 151"/>
+        <p:cNvPr id="151" name="Shape 151"/>
         <p:cNvGrpSpPr/>
         <p:nvPr/>
       </p:nvGrpSpPr>
@@ -14558,9 +13366,7 @@
       <p:sp>
         <p:nvSpPr>
           <p:cNvPr id="152" name="Google Shape;152;p16"/>
-          <p:cNvSpPr txBox="1">
-            <a:spLocks noGrp="1"/>
-          </p:cNvSpPr>
+          <p:cNvSpPr txBox="1"/>
           <p:nvPr>
             <p:ph type="title"/>
           </p:nvPr>
@@ -14607,15 +13413,19 @@
               </a:rPr>
               <a:t>Event Details View</a:t>
             </a:r>
+            <a:endParaRPr lang="en-US" sz="4400" b="1">
+              <a:latin typeface="Calibri"/>
+              <a:ea typeface="Calibri"/>
+              <a:cs typeface="Calibri"/>
+              <a:sym typeface="Calibri"/>
+            </a:endParaRPr>
           </a:p>
         </p:txBody>
       </p:sp>
       <p:sp>
         <p:nvSpPr>
           <p:cNvPr id="153" name="Google Shape;153;p16"/>
-          <p:cNvSpPr txBox="1">
-            <a:spLocks noGrp="1"/>
-          </p:cNvSpPr>
+          <p:cNvSpPr txBox="1"/>
           <p:nvPr>
             <p:ph type="body" idx="1"/>
           </p:nvPr>
@@ -14664,6 +13474,12 @@
               </a:rPr>
               <a:t>By selecting an event, users can see more detailed information, including descriptions, timings, link for the event, location, and an option to register for the event.</a:t>
             </a:r>
+            <a:endParaRPr lang="en-US" sz="2400">
+              <a:latin typeface="Calibri"/>
+              <a:ea typeface="Calibri"/>
+              <a:cs typeface="Calibri"/>
+              <a:sym typeface="Calibri"/>
+            </a:endParaRPr>
           </a:p>
         </p:txBody>
       </p:sp>
@@ -14676,7 +13492,7 @@
           <p:nvPr/>
         </p:nvPicPr>
         <p:blipFill>
-          <a:blip r:embed="rId3"/>
+          <a:blip r:embed="rId1"/>
           <a:stretch>
             <a:fillRect/>
           </a:stretch>
@@ -14708,7 +13524,6 @@
         <p:spPr/>
         <p:txBody>
           <a:bodyPr/>
-          <a:lstStyle/>
           <a:p>
             <a:pPr marL="0" lvl="0" indent="0" algn="r" rtl="0">
               <a:spcBef>
@@ -14721,7 +13536,6 @@
             </a:pPr>
             <a:fld id="{00000000-1234-1234-1234-123412341234}" type="slidenum">
               <a:rPr lang="en-US"/>
-              <a:t>7</a:t>
             </a:fld>
             <a:endParaRPr lang="en-US"/>
           </a:p>
@@ -14796,14 +13610,14 @@
                 </p:childTnLst>
               </p:cTn>
               <p:prevCondLst>
-                <p:cond evt="onPrev" delay="0">
+                <p:cond evt="onPrev">
                   <p:tgtEl>
                     <p:sldTgt/>
                   </p:tgtEl>
                 </p:cond>
               </p:prevCondLst>
               <p:nextCondLst>
-                <p:cond evt="onNext" delay="0">
+                <p:cond evt="onNext">
                   <p:tgtEl>
                     <p:sldTgt/>
                   </p:tgtEl>
@@ -14823,7 +13637,7 @@
   <p:cSld>
     <p:spTree>
       <p:nvGrpSpPr>
-        <p:cNvPr id="1" name="Shape 151"/>
+        <p:cNvPr id="151" name="Shape 151"/>
         <p:cNvGrpSpPr/>
         <p:nvPr/>
       </p:nvGrpSpPr>
@@ -14838,9 +13652,7 @@
       <p:sp>
         <p:nvSpPr>
           <p:cNvPr id="152" name="Google Shape;152;p16"/>
-          <p:cNvSpPr txBox="1">
-            <a:spLocks noGrp="1"/>
-          </p:cNvSpPr>
+          <p:cNvSpPr txBox="1"/>
           <p:nvPr>
             <p:ph type="title"/>
           </p:nvPr>
@@ -14887,15 +13699,19 @@
               </a:rPr>
               <a:t>Personal Homepage with Event History</a:t>
             </a:r>
+            <a:endParaRPr lang="en-US" sz="4400" b="1">
+              <a:latin typeface="Calibri"/>
+              <a:ea typeface="Calibri"/>
+              <a:cs typeface="Calibri"/>
+              <a:sym typeface="Calibri"/>
+            </a:endParaRPr>
           </a:p>
         </p:txBody>
       </p:sp>
       <p:sp>
         <p:nvSpPr>
           <p:cNvPr id="153" name="Google Shape;153;p16"/>
-          <p:cNvSpPr txBox="1">
-            <a:spLocks noGrp="1"/>
-          </p:cNvSpPr>
+          <p:cNvSpPr txBox="1"/>
           <p:nvPr>
             <p:ph type="body" idx="1"/>
           </p:nvPr>
@@ -14944,6 +13760,12 @@
               </a:rPr>
               <a:t>Users can view a personal profile page displaying past attended events and upcoming registered events.</a:t>
             </a:r>
+            <a:endParaRPr lang="en-US" sz="2400">
+              <a:latin typeface="Calibri"/>
+              <a:ea typeface="Calibri"/>
+              <a:cs typeface="Calibri"/>
+              <a:sym typeface="Calibri"/>
+            </a:endParaRPr>
           </a:p>
         </p:txBody>
       </p:sp>
@@ -14956,7 +13778,7 @@
           <p:nvPr/>
         </p:nvPicPr>
         <p:blipFill>
-          <a:blip r:embed="rId3"/>
+          <a:blip r:embed="rId1"/>
           <a:stretch>
             <a:fillRect/>
           </a:stretch>
@@ -14988,7 +13810,6 @@
         <p:spPr/>
         <p:txBody>
           <a:bodyPr/>
-          <a:lstStyle/>
           <a:p>
             <a:pPr marL="0" lvl="0" indent="0" algn="r" rtl="0">
               <a:spcBef>
@@ -15001,7 +13822,6 @@
             </a:pPr>
             <a:fld id="{00000000-1234-1234-1234-123412341234}" type="slidenum">
               <a:rPr lang="en-US"/>
-              <a:t>8</a:t>
             </a:fld>
             <a:endParaRPr lang="en-US"/>
           </a:p>
@@ -15076,14 +13896,14 @@
                 </p:childTnLst>
               </p:cTn>
               <p:prevCondLst>
-                <p:cond evt="onPrev" delay="0">
+                <p:cond evt="onPrev">
                   <p:tgtEl>
                     <p:sldTgt/>
                   </p:tgtEl>
                 </p:cond>
               </p:prevCondLst>
               <p:nextCondLst>
-                <p:cond evt="onNext" delay="0">
+                <p:cond evt="onNext">
                   <p:tgtEl>
                     <p:sldTgt/>
                   </p:tgtEl>
@@ -15103,7 +13923,7 @@
   <p:cSld>
     <p:spTree>
       <p:nvGrpSpPr>
-        <p:cNvPr id="1" name="Shape 157"/>
+        <p:cNvPr id="157" name="Shape 157"/>
         <p:cNvGrpSpPr/>
         <p:nvPr/>
       </p:nvGrpSpPr>
@@ -15118,16 +13938,14 @@
       <p:sp>
         <p:nvSpPr>
           <p:cNvPr id="158" name="Google Shape;158;p17"/>
-          <p:cNvSpPr txBox="1">
-            <a:spLocks noGrp="1"/>
-          </p:cNvSpPr>
+          <p:cNvSpPr txBox="1"/>
           <p:nvPr>
             <p:ph type="title"/>
           </p:nvPr>
         </p:nvSpPr>
         <p:spPr>
           <a:xfrm>
-            <a:off x="457200" y="274638"/>
+            <a:off x="457200" y="-317"/>
             <a:ext cx="8229600" cy="1143000"/>
           </a:xfrm>
           <a:prstGeom prst="rect">
@@ -15165,25 +13983,29 @@
                 <a:cs typeface="Calibri"/>
                 <a:sym typeface="Calibri"/>
               </a:rPr>
-              <a:t>APIs</a:t>
+              <a:t>Tech Stack</a:t>
             </a:r>
+            <a:endParaRPr lang="en-US" sz="4400" b="1">
+              <a:latin typeface="Calibri"/>
+              <a:ea typeface="Calibri"/>
+              <a:cs typeface="Calibri"/>
+              <a:sym typeface="Calibri"/>
+            </a:endParaRPr>
           </a:p>
         </p:txBody>
       </p:sp>
       <p:sp>
         <p:nvSpPr>
           <p:cNvPr id="159" name="Google Shape;159;p17"/>
-          <p:cNvSpPr txBox="1">
-            <a:spLocks noGrp="1"/>
-          </p:cNvSpPr>
+          <p:cNvSpPr txBox="1"/>
           <p:nvPr>
             <p:ph type="body" idx="1"/>
           </p:nvPr>
         </p:nvSpPr>
         <p:spPr>
           <a:xfrm>
-            <a:off x="457200" y="1316990"/>
-            <a:ext cx="8353425" cy="4809490"/>
+            <a:off x="387985" y="902335"/>
+            <a:ext cx="8559165" cy="5538470"/>
           </a:xfrm>
           <a:prstGeom prst="rect">
             <a:avLst/>
@@ -15215,7 +14037,7 @@
               <a:buSzPts val="3200"/>
               <a:buNone/>
             </a:pPr>
-            <a:endParaRPr sz="1000" dirty="0"/>
+            <a:endParaRPr sz="1000"/>
           </a:p>
           <a:p>
             <a:pPr lvl="0" indent="-457200" algn="l" rtl="0">
@@ -15236,32 +14058,20 @@
               <a:buChar char="•"/>
             </a:pPr>
             <a:r>
-              <a:rPr lang="en-US" sz="2400" dirty="0">
+              <a:rPr lang="en-US" sz="2400">
                 <a:latin typeface="Calibri"/>
                 <a:ea typeface="Calibri"/>
                 <a:cs typeface="Calibri"/>
                 <a:sym typeface="Calibri"/>
               </a:rPr>
-              <a:t>Firebase </a:t>
+              <a:t>Programming Language: Kotlin</a:t>
             </a:r>
-            <a:r>
-              <a:rPr lang="en-US" sz="2400" dirty="0" err="1">
-                <a:latin typeface="Calibri"/>
-                <a:ea typeface="Calibri"/>
-                <a:cs typeface="Calibri"/>
-                <a:sym typeface="Calibri"/>
-              </a:rPr>
-              <a:t>Firestore</a:t>
-            </a:r>
-            <a:r>
-              <a:rPr lang="en-US" sz="2400" dirty="0">
-                <a:latin typeface="Calibri"/>
-                <a:ea typeface="Calibri"/>
-                <a:cs typeface="Calibri"/>
-                <a:sym typeface="Calibri"/>
-              </a:rPr>
-              <a:t>: To store event details and user registration history.</a:t>
-            </a:r>
+            <a:endParaRPr lang="en-US" sz="2400">
+              <a:latin typeface="Calibri"/>
+              <a:ea typeface="Calibri"/>
+              <a:cs typeface="Calibri"/>
+              <a:sym typeface="Calibri"/>
+            </a:endParaRPr>
           </a:p>
           <a:p>
             <a:pPr lvl="0" indent="-457200" algn="l" rtl="0">
@@ -15282,23 +14092,32 @@
               <a:buChar char="•"/>
             </a:pPr>
             <a:r>
-              <a:rPr lang="en-US" sz="2400" dirty="0">
+              <a:rPr lang="en-US" sz="2400">
                 <a:latin typeface="Calibri"/>
                 <a:ea typeface="Calibri"/>
                 <a:cs typeface="Calibri"/>
                 <a:sym typeface="Calibri"/>
               </a:rPr>
-              <a:t>Firebase Authentication: For user registration and login.</a:t>
+              <a:t>UI Framework: Jetpack Compose</a:t>
             </a:r>
+            <a:endParaRPr lang="en-US" sz="2400">
+              <a:latin typeface="Calibri"/>
+              <a:ea typeface="Calibri"/>
+              <a:cs typeface="Calibri"/>
+              <a:sym typeface="Calibri"/>
+            </a:endParaRPr>
           </a:p>
           <a:p>
-            <a:pPr lvl="0" indent="-457200">
+            <a:pPr lvl="0" indent="-457200" algn="l" rtl="0">
               <a:lnSpc>
                 <a:spcPct val="150000"/>
               </a:lnSpc>
               <a:spcBef>
                 <a:spcPts val="640"/>
               </a:spcBef>
+              <a:spcAft>
+                <a:spcPts val="0"/>
+              </a:spcAft>
               <a:buClr>
                 <a:schemeClr val="lt1"/>
               </a:buClr>
@@ -15307,18 +14126,32 @@
               <a:buChar char="•"/>
             </a:pPr>
             <a:r>
-              <a:rPr lang="en-US" sz="2400" dirty="0"/>
-              <a:t>Google Maps Geolocation API</a:t>
+              <a:rPr lang="en-US" sz="2400">
+                <a:latin typeface="Calibri"/>
+                <a:ea typeface="Calibri"/>
+                <a:cs typeface="Calibri"/>
+                <a:sym typeface="Calibri"/>
+              </a:rPr>
+              <a:t>Database: Firebase Firestore (for storing and syncing user data)</a:t>
             </a:r>
+            <a:endParaRPr lang="en-US" sz="2400">
+              <a:latin typeface="Calibri"/>
+              <a:ea typeface="Calibri"/>
+              <a:cs typeface="Calibri"/>
+              <a:sym typeface="Calibri"/>
+            </a:endParaRPr>
           </a:p>
           <a:p>
-            <a:pPr lvl="0" indent="-457200">
+            <a:pPr lvl="0" indent="-457200" algn="l" rtl="0">
               <a:lnSpc>
                 <a:spcPct val="150000"/>
               </a:lnSpc>
               <a:spcBef>
                 <a:spcPts val="640"/>
               </a:spcBef>
+              <a:spcAft>
+                <a:spcPts val="0"/>
+              </a:spcAft>
               <a:buClr>
                 <a:schemeClr val="lt1"/>
               </a:buClr>
@@ -15327,18 +14160,32 @@
               <a:buChar char="•"/>
             </a:pPr>
             <a:r>
-              <a:rPr lang="en-US" sz="2400" dirty="0"/>
-              <a:t>Camera API</a:t>
+              <a:rPr lang="en-US" sz="2400">
+                <a:latin typeface="Calibri"/>
+                <a:ea typeface="Calibri"/>
+                <a:cs typeface="Calibri"/>
+                <a:sym typeface="Calibri"/>
+              </a:rPr>
+              <a:t>Authentication Service: Firebase Authentication (supports email login and Google Sign-In)</a:t>
             </a:r>
+            <a:endParaRPr lang="en-US" sz="2400">
+              <a:latin typeface="Calibri"/>
+              <a:ea typeface="Calibri"/>
+              <a:cs typeface="Calibri"/>
+              <a:sym typeface="Calibri"/>
+            </a:endParaRPr>
           </a:p>
           <a:p>
-            <a:pPr lvl="0" indent="-457200">
+            <a:pPr lvl="0" indent="-457200" algn="l" rtl="0">
               <a:lnSpc>
                 <a:spcPct val="150000"/>
               </a:lnSpc>
               <a:spcBef>
                 <a:spcPts val="640"/>
               </a:spcBef>
+              <a:spcAft>
+                <a:spcPts val="0"/>
+              </a:spcAft>
               <a:buClr>
                 <a:schemeClr val="lt1"/>
               </a:buClr>
@@ -15347,30 +14194,15 @@
               <a:buChar char="•"/>
             </a:pPr>
             <a:r>
-              <a:rPr lang="en-US" sz="2400" dirty="0" err="1"/>
-              <a:t>MediaStore</a:t>
+              <a:rPr lang="en-US" sz="2400">
+                <a:latin typeface="Calibri"/>
+                <a:ea typeface="Calibri"/>
+                <a:cs typeface="Calibri"/>
+                <a:sym typeface="Calibri"/>
+              </a:rPr>
+              <a:t>Network Requests: Retrofit (for accessing event data from third-party APIs).</a:t>
             </a:r>
-            <a:r>
-              <a:rPr lang="en-US" sz="2400" dirty="0"/>
-              <a:t> API</a:t>
-            </a:r>
-          </a:p>
-          <a:p>
-            <a:pPr lvl="0" indent="-457200">
-              <a:lnSpc>
-                <a:spcPct val="150000"/>
-              </a:lnSpc>
-              <a:spcBef>
-                <a:spcPts val="640"/>
-              </a:spcBef>
-              <a:buClr>
-                <a:schemeClr val="lt1"/>
-              </a:buClr>
-              <a:buSzPts val="3200"/>
-              <a:buFont typeface="Arial" panose="020B0604020202090204" pitchFamily="34" charset="0"/>
-              <a:buChar char="•"/>
-            </a:pPr>
-            <a:endParaRPr lang="en-US" sz="2400" dirty="0">
+            <a:endParaRPr lang="en-US" sz="2400">
               <a:latin typeface="Calibri"/>
               <a:ea typeface="Calibri"/>
               <a:cs typeface="Calibri"/>
@@ -15392,7 +14224,6 @@
         <p:spPr/>
         <p:txBody>
           <a:bodyPr/>
-          <a:lstStyle/>
           <a:p>
             <a:pPr marL="0" lvl="0" indent="0" algn="r" rtl="0">
               <a:spcBef>
@@ -15405,7 +14236,6 @@
             </a:pPr>
             <a:fld id="{00000000-1234-1234-1234-123412341234}" type="slidenum">
               <a:rPr lang="en-US"/>
-              <a:t>9</a:t>
             </a:fld>
             <a:endParaRPr lang="en-US"/>
           </a:p>
@@ -15480,14 +14310,14 @@
                 </p:childTnLst>
               </p:cTn>
               <p:prevCondLst>
-                <p:cond evt="onPrev" delay="0">
+                <p:cond evt="onPrev">
                   <p:tgtEl>
                     <p:sldTgt/>
                   </p:tgtEl>
                 </p:cond>
               </p:prevCondLst>
               <p:nextCondLst>
-                <p:cond evt="onNext" delay="0">
+                <p:cond evt="onNext">
                   <p:tgtEl>
                     <p:sldTgt/>
                   </p:tgtEl>
@@ -15778,8 +14608,6 @@
       </a:bgFillStyleLst>
     </a:fmtScheme>
   </a:themeElements>
-  <a:objectDefaults/>
-  <a:extraClrSchemeLst/>
   <a:extLst>
     <a:ext uri="{05A4C25C-085E-4340-85A3-A5531E510DB2}">
       <thm15:themeFamily xmlns:thm15="http://schemas.microsoft.com/office/thememl/2012/main" name="Office Theme" id="{62F939B6-93AF-4DB8-9C6B-D6C7DFDC589F}" vid="{4A3C46E8-61CC-4603-A589-7422A47A8E4A}"/>
@@ -16064,8 +14892,6 @@
       </a:bgFillStyleLst>
     </a:fmtScheme>
   </a:themeElements>
-  <a:objectDefaults/>
-  <a:extraClrSchemeLst/>
   <a:extLst>
     <a:ext uri="{05A4C25C-085E-4340-85A3-A5531E510DB2}">
       <thm15:themeFamily xmlns:thm15="http://schemas.microsoft.com/office/thememl/2012/main" name="Office Theme" id="{62F939B6-93AF-4DB8-9C6B-D6C7DFDC589F}" vid="{4A3C46E8-61CC-4603-A589-7422A47A8E4A}"/>
